--- a/과제/딥러닝특론_8주차과제_K2025029_금동환.pptx
+++ b/과제/딥러닝특론_8주차과제_K2025029_금동환.pptx
@@ -4,55 +4,133 @@
   <p:sldMasterIdLst>
     <p:sldMasterId id="2147483648" r:id="rId1"/>
   </p:sldMasterIdLst>
+  <p:notesMasterIdLst>
+    <p:notesMasterId r:id="rId12"/>
+  </p:notesMasterIdLst>
   <p:sldIdLst>
     <p:sldId id="256" r:id="rId2"/>
-    <p:sldId id="257" r:id="rId3"/>
-    <p:sldId id="258" r:id="rId4"/>
-    <p:sldId id="259" r:id="rId5"/>
-    <p:sldId id="260" r:id="rId6"/>
-    <p:sldId id="261" r:id="rId7"/>
-    <p:sldId id="262" r:id="rId8"/>
-    <p:sldId id="263" r:id="rId9"/>
+    <p:sldId id="264" r:id="rId3"/>
+    <p:sldId id="265" r:id="rId4"/>
+    <p:sldId id="266" r:id="rId5"/>
+    <p:sldId id="267" r:id="rId6"/>
+    <p:sldId id="259" r:id="rId7"/>
+    <p:sldId id="260" r:id="rId8"/>
+    <p:sldId id="261" r:id="rId9"/>
+    <p:sldId id="262" r:id="rId10"/>
+    <p:sldId id="263" r:id="rId11"/>
   </p:sldIdLst>
-  <p:notesMasterIdLst>
-    <p:notesMasterId r:id="rId10"/>
-  </p:notesMasterIdLst>
   <p:sldSz cx="14630400" cy="8229600"/>
   <p:notesSz cx="8229600" cy="14630400"/>
   <p:embeddedFontLst>
     <p:embeddedFont>
-      <p:font typeface="Instrument Sans Medium"/>
-      <p:regular r:id="rId15"/>
+      <p:font typeface="Instrument Sans Medium" panose="020B0600000101010101" charset="0"/>
+      <p:regular r:id="rId13"/>
     </p:embeddedFont>
     <p:embeddedFont>
-      <p:font typeface="Instrument Sans Medium"/>
-      <p:regular r:id="rId16"/>
-    </p:embeddedFont>
-    <p:embeddedFont>
-      <p:font typeface="Instrument Sans Medium"/>
-      <p:regular r:id="rId17"/>
-    </p:embeddedFont>
-    <p:embeddedFont>
-      <p:font typeface="Instrument Sans Medium"/>
-      <p:regular r:id="rId18"/>
-    </p:embeddedFont>
-    <p:embeddedFont>
-      <p:font typeface="Inter"/>
-      <p:regular r:id="rId19"/>
-    </p:embeddedFont>
-    <p:embeddedFont>
-      <p:font typeface="Inter"/>
-      <p:regular r:id="rId20"/>
-    </p:embeddedFont>
-    <p:embeddedFont>
-      <p:font typeface="Inter"/>
-      <p:regular r:id="rId21"/>
-    </p:embeddedFont>
-    <p:embeddedFont>
-      <p:font typeface="Inter"/>
-      <p:regular r:id="rId22"/>
+      <p:font typeface="Inter" panose="020B0600000101010101" charset="0"/>
+      <p:regular r:id="rId14"/>
     </p:embeddedFont>
   </p:embeddedFontLst>
+  <p:defaultTextStyle>
+    <a:defPPr>
+      <a:defRPr lang="ko-KR"/>
+    </a:defPPr>
+    <a:lvl1pPr marL="0" algn="l" defTabSz="914400" rtl="0" eaLnBrk="1" latinLnBrk="1" hangingPunct="1">
+      <a:defRPr sz="1800" kern="1200">
+        <a:solidFill>
+          <a:schemeClr val="tx1"/>
+        </a:solidFill>
+        <a:latin typeface="+mn-lt"/>
+        <a:ea typeface="+mn-ea"/>
+        <a:cs typeface="+mn-cs"/>
+      </a:defRPr>
+    </a:lvl1pPr>
+    <a:lvl2pPr marL="457200" algn="l" defTabSz="914400" rtl="0" eaLnBrk="1" latinLnBrk="1" hangingPunct="1">
+      <a:defRPr sz="1800" kern="1200">
+        <a:solidFill>
+          <a:schemeClr val="tx1"/>
+        </a:solidFill>
+        <a:latin typeface="+mn-lt"/>
+        <a:ea typeface="+mn-ea"/>
+        <a:cs typeface="+mn-cs"/>
+      </a:defRPr>
+    </a:lvl2pPr>
+    <a:lvl3pPr marL="914400" algn="l" defTabSz="914400" rtl="0" eaLnBrk="1" latinLnBrk="1" hangingPunct="1">
+      <a:defRPr sz="1800" kern="1200">
+        <a:solidFill>
+          <a:schemeClr val="tx1"/>
+        </a:solidFill>
+        <a:latin typeface="+mn-lt"/>
+        <a:ea typeface="+mn-ea"/>
+        <a:cs typeface="+mn-cs"/>
+      </a:defRPr>
+    </a:lvl3pPr>
+    <a:lvl4pPr marL="1371600" algn="l" defTabSz="914400" rtl="0" eaLnBrk="1" latinLnBrk="1" hangingPunct="1">
+      <a:defRPr sz="1800" kern="1200">
+        <a:solidFill>
+          <a:schemeClr val="tx1"/>
+        </a:solidFill>
+        <a:latin typeface="+mn-lt"/>
+        <a:ea typeface="+mn-ea"/>
+        <a:cs typeface="+mn-cs"/>
+      </a:defRPr>
+    </a:lvl4pPr>
+    <a:lvl5pPr marL="1828800" algn="l" defTabSz="914400" rtl="0" eaLnBrk="1" latinLnBrk="1" hangingPunct="1">
+      <a:defRPr sz="1800" kern="1200">
+        <a:solidFill>
+          <a:schemeClr val="tx1"/>
+        </a:solidFill>
+        <a:latin typeface="+mn-lt"/>
+        <a:ea typeface="+mn-ea"/>
+        <a:cs typeface="+mn-cs"/>
+      </a:defRPr>
+    </a:lvl5pPr>
+    <a:lvl6pPr marL="2286000" algn="l" defTabSz="914400" rtl="0" eaLnBrk="1" latinLnBrk="1" hangingPunct="1">
+      <a:defRPr sz="1800" kern="1200">
+        <a:solidFill>
+          <a:schemeClr val="tx1"/>
+        </a:solidFill>
+        <a:latin typeface="+mn-lt"/>
+        <a:ea typeface="+mn-ea"/>
+        <a:cs typeface="+mn-cs"/>
+      </a:defRPr>
+    </a:lvl6pPr>
+    <a:lvl7pPr marL="2743200" algn="l" defTabSz="914400" rtl="0" eaLnBrk="1" latinLnBrk="1" hangingPunct="1">
+      <a:defRPr sz="1800" kern="1200">
+        <a:solidFill>
+          <a:schemeClr val="tx1"/>
+        </a:solidFill>
+        <a:latin typeface="+mn-lt"/>
+        <a:ea typeface="+mn-ea"/>
+        <a:cs typeface="+mn-cs"/>
+      </a:defRPr>
+    </a:lvl7pPr>
+    <a:lvl8pPr marL="3200400" algn="l" defTabSz="914400" rtl="0" eaLnBrk="1" latinLnBrk="1" hangingPunct="1">
+      <a:defRPr sz="1800" kern="1200">
+        <a:solidFill>
+          <a:schemeClr val="tx1"/>
+        </a:solidFill>
+        <a:latin typeface="+mn-lt"/>
+        <a:ea typeface="+mn-ea"/>
+        <a:cs typeface="+mn-cs"/>
+      </a:defRPr>
+    </a:lvl8pPr>
+    <a:lvl9pPr marL="3657600" algn="l" defTabSz="914400" rtl="0" eaLnBrk="1" latinLnBrk="1" hangingPunct="1">
+      <a:defRPr sz="1800" kern="1200">
+        <a:solidFill>
+          <a:schemeClr val="tx1"/>
+        </a:solidFill>
+        <a:latin typeface="+mn-lt"/>
+        <a:ea typeface="+mn-ea"/>
+        <a:cs typeface="+mn-cs"/>
+      </a:defRPr>
+    </a:lvl9pPr>
+  </p:defaultTextStyle>
+  <p:extLst>
+    <p:ext uri="{EFAFB233-063F-42B5-8137-9DF3F51BA10A}">
+      <p15:sldGuideLst xmlns:p15="http://schemas.microsoft.com/office/powerpoint/2012/main"/>
+    </p:ext>
+  </p:extLst>
 </p:presentation>
 </file>
 
@@ -78,240 +156,16 @@
           <a:chExt cx="0" cy="0"/>
         </a:xfrm>
       </p:grpSpPr>
-      <p:sp>
-        <p:nvSpPr>
-          <p:cNvPr id="2" name="Header Placeholder 1"/>
-          <p:cNvSpPr>
-            <a:spLocks noGrp="1"/>
-          </p:cNvSpPr>
-          <p:nvPr>
-            <p:ph type="hdr" sz="quarter"/>
-          </p:nvPr>
-        </p:nvSpPr>
-        <p:spPr>
-          <a:xfrm>
-            <a:off x="0" y="0"/>
-            <a:ext cx="2971800" cy="458788"/>
-          </a:xfrm>
-          <a:prstGeom prst="rect">
-            <a:avLst/>
-          </a:prstGeom>
-        </p:spPr>
-        <p:txBody>
-          <a:bodyPr vert="horz" lIns="91440" tIns="45720" rIns="91440" bIns="45720" rtlCol="0"/>
-          <a:lstStyle>
-            <a:lvl1pPr algn="l">
-              <a:defRPr sz="1200"/>
-            </a:lvl1pPr>
-          </a:lstStyle>
-          <a:p>
-            <a:endParaRPr lang="en-US"/>
-          </a:p>
-        </p:txBody>
-      </p:sp>
-      <p:sp>
-        <p:nvSpPr>
-          <p:cNvPr id="3" name="Date Placeholder 2"/>
-          <p:cNvSpPr>
-            <a:spLocks noGrp="1"/>
-          </p:cNvSpPr>
-          <p:nvPr>
-            <p:ph type="dt" idx="1"/>
-          </p:nvPr>
-        </p:nvSpPr>
-        <p:spPr>
-          <a:xfrm>
-            <a:off x="3884613" y="0"/>
-            <a:ext cx="2971800" cy="458788"/>
-          </a:xfrm>
-          <a:prstGeom prst="rect">
-            <a:avLst/>
-          </a:prstGeom>
-        </p:spPr>
-        <p:txBody>
-          <a:bodyPr vert="horz" lIns="91440" tIns="45720" rIns="91440" bIns="45720" rtlCol="0"/>
-          <a:lstStyle>
-            <a:lvl1pPr algn="r">
-              <a:defRPr sz="1200"/>
-            </a:lvl1pPr>
-          </a:lstStyle>
-          <a:p>
-            <a:fld id="{5282F153-3F37-0F45-9E97-73ACFA13230C}" type="datetimeFigureOut">
-              <a:rPr lang="en-US"/>
-              <a:t>7/23/19</a:t>
-            </a:fld>
-            <a:endParaRPr lang="en-US"/>
-          </a:p>
-        </p:txBody>
-      </p:sp>
-      <p:sp>
-        <p:nvSpPr>
-          <p:cNvPr id="4" name="Slide Image Placeholder 3"/>
-          <p:cNvSpPr>
-            <a:spLocks noGrp="1" noRot="1" noChangeAspect="1"/>
-          </p:cNvSpPr>
-          <p:nvPr>
-            <p:ph type="sldImg" idx="2"/>
-          </p:nvPr>
-        </p:nvSpPr>
-        <p:spPr>
-          <a:xfrm>
-            <a:off x="685800" y="1143000"/>
-            <a:ext cx="5486400" cy="3086100"/>
-          </a:xfrm>
-          <a:prstGeom prst="rect">
-            <a:avLst/>
-          </a:prstGeom>
-          <a:noFill/>
-          <a:ln w="12700">
-            <a:solidFill>
-              <a:prstClr val="black"/>
-            </a:solidFill>
-          </a:ln>
-        </p:spPr>
-        <p:txBody>
-          <a:bodyPr vert="horz" lIns="91440" tIns="45720" rIns="91440" bIns="45720" rtlCol="0" anchor="ctr"/>
-          <a:lstStyle/>
-          <a:p>
-            <a:endParaRPr lang="en-US"/>
-          </a:p>
-        </p:txBody>
-      </p:sp>
-      <p:sp>
-        <p:nvSpPr>
-          <p:cNvPr id="5" name="Notes Placeholder 4"/>
-          <p:cNvSpPr>
-            <a:spLocks noGrp="1"/>
-          </p:cNvSpPr>
-          <p:nvPr>
-            <p:ph type="body" sz="quarter" idx="3"/>
-          </p:nvPr>
-        </p:nvSpPr>
-        <p:spPr>
-          <a:xfrm>
-            <a:off x="685800" y="4400550"/>
-            <a:ext cx="5486400" cy="3600450"/>
-          </a:xfrm>
-          <a:prstGeom prst="rect">
-            <a:avLst/>
-          </a:prstGeom>
-        </p:spPr>
-        <p:txBody>
-          <a:bodyPr vert="horz" lIns="91440" tIns="45720" rIns="91440" bIns="45720" rtlCol="0"/>
-          <a:lstStyle/>
-          <a:p>
-            <a:pPr lvl="0"/>
-            <a:r>
-              <a:rPr lang="en-US"/>
-              <a:t>Click to edit Master text styles</a:t>
-            </a:r>
-          </a:p>
-          <a:p>
-            <a:pPr lvl="1"/>
-            <a:r>
-              <a:rPr lang="en-US"/>
-              <a:t>Second level</a:t>
-            </a:r>
-          </a:p>
-          <a:p>
-            <a:pPr lvl="2"/>
-            <a:r>
-              <a:rPr lang="en-US"/>
-              <a:t>Third level</a:t>
-            </a:r>
-          </a:p>
-          <a:p>
-            <a:pPr lvl="3"/>
-            <a:r>
-              <a:rPr lang="en-US"/>
-              <a:t>Fourth level</a:t>
-            </a:r>
-          </a:p>
-          <a:p>
-            <a:pPr lvl="4"/>
-            <a:r>
-              <a:rPr lang="en-US"/>
-              <a:t>Fifth level</a:t>
-            </a:r>
-          </a:p>
-        </p:txBody>
-      </p:sp>
-      <p:sp>
-        <p:nvSpPr>
-          <p:cNvPr id="6" name="Footer Placeholder 5"/>
-          <p:cNvSpPr>
-            <a:spLocks noGrp="1"/>
-          </p:cNvSpPr>
-          <p:nvPr>
-            <p:ph type="ftr" sz="quarter" idx="4"/>
-          </p:nvPr>
-        </p:nvSpPr>
-        <p:spPr>
-          <a:xfrm>
-            <a:off x="0" y="8685213"/>
-            <a:ext cx="2971800" cy="458787"/>
-          </a:xfrm>
-          <a:prstGeom prst="rect">
-            <a:avLst/>
-          </a:prstGeom>
-        </p:spPr>
-        <p:txBody>
-          <a:bodyPr vert="horz" lIns="91440" tIns="45720" rIns="91440" bIns="45720" rtlCol="0" anchor="b"/>
-          <a:lstStyle>
-            <a:lvl1pPr algn="l">
-              <a:defRPr sz="1200"/>
-            </a:lvl1pPr>
-          </a:lstStyle>
-          <a:p>
-            <a:endParaRPr lang="en-US"/>
-          </a:p>
-        </p:txBody>
-      </p:sp>
-      <p:sp>
-        <p:nvSpPr>
-          <p:cNvPr id="7" name="Slide Number Placeholder 6"/>
-          <p:cNvSpPr>
-            <a:spLocks noGrp="1"/>
-          </p:cNvSpPr>
-          <p:nvPr>
-            <p:ph type="sldNum" sz="quarter" idx="5"/>
-          </p:nvPr>
-        </p:nvSpPr>
-        <p:spPr>
-          <a:xfrm>
-            <a:off x="3884613" y="8685213"/>
-            <a:ext cx="2971800" cy="458787"/>
-          </a:xfrm>
-          <a:prstGeom prst="rect">
-            <a:avLst/>
-          </a:prstGeom>
-        </p:spPr>
-        <p:txBody>
-          <a:bodyPr vert="horz" lIns="91440" tIns="45720" rIns="91440" bIns="45720" rtlCol="0" anchor="b"/>
-          <a:lstStyle>
-            <a:lvl1pPr algn="r">
-              <a:defRPr sz="1200"/>
-            </a:lvl1pPr>
-          </a:lstStyle>
-          <a:p>
-            <a:fld id="{CE5E9CC1-C706-0F49-92D6-E571CC5EEA8F}" type="slidenum">
-              <a:rPr lang="en-US"/>
-              <a:t>‹#›</a:t>
-            </a:fld>
-            <a:endParaRPr lang="en-US"/>
-          </a:p>
-        </p:txBody>
-      </p:sp>
     </p:spTree>
     <p:extLst>
       <p:ext uri="{BB962C8B-B14F-4D97-AF65-F5344CB8AC3E}">
-        <p14:creationId xmlns:p14="http://schemas.microsoft.com/office/powerpoint/2010/main" val="1024086991"/>
+        <p14:creationId xmlns:p14="http://schemas.microsoft.com/office/powerpoint/2010/main" val="2500321251"/>
       </p:ext>
     </p:extLst>
   </p:cSld>
   <p:clrMap bg1="lt1" tx1="dk1" bg2="lt2" tx2="dk2" accent1="accent1" accent2="accent2" accent3="accent3" accent4="accent4" accent5="accent5" accent6="accent6" hlink="hlink" folHlink="folHlink"/>
   <p:notesStyle>
-    <a:lvl1pPr marL="0" algn="l" defTabSz="914400" rtl="0" eaLnBrk="1" latinLnBrk="0" hangingPunct="1">
+    <a:lvl1pPr marL="0" algn="l" defTabSz="914400" rtl="0" eaLnBrk="1" latinLnBrk="1" hangingPunct="1">
       <a:defRPr sz="1200" kern="1200">
         <a:solidFill>
           <a:schemeClr val="tx1"/>
@@ -321,7 +175,7 @@
         <a:cs typeface="+mn-cs"/>
       </a:defRPr>
     </a:lvl1pPr>
-    <a:lvl2pPr marL="457200" algn="l" defTabSz="914400" rtl="0" eaLnBrk="1" latinLnBrk="0" hangingPunct="1">
+    <a:lvl2pPr marL="457200" algn="l" defTabSz="914400" rtl="0" eaLnBrk="1" latinLnBrk="1" hangingPunct="1">
       <a:defRPr sz="1200" kern="1200">
         <a:solidFill>
           <a:schemeClr val="tx1"/>
@@ -331,7 +185,7 @@
         <a:cs typeface="+mn-cs"/>
       </a:defRPr>
     </a:lvl2pPr>
-    <a:lvl3pPr marL="914400" algn="l" defTabSz="914400" rtl="0" eaLnBrk="1" latinLnBrk="0" hangingPunct="1">
+    <a:lvl3pPr marL="914400" algn="l" defTabSz="914400" rtl="0" eaLnBrk="1" latinLnBrk="1" hangingPunct="1">
       <a:defRPr sz="1200" kern="1200">
         <a:solidFill>
           <a:schemeClr val="tx1"/>
@@ -341,7 +195,7 @@
         <a:cs typeface="+mn-cs"/>
       </a:defRPr>
     </a:lvl3pPr>
-    <a:lvl4pPr marL="1371600" algn="l" defTabSz="914400" rtl="0" eaLnBrk="1" latinLnBrk="0" hangingPunct="1">
+    <a:lvl4pPr marL="1371600" algn="l" defTabSz="914400" rtl="0" eaLnBrk="1" latinLnBrk="1" hangingPunct="1">
       <a:defRPr sz="1200" kern="1200">
         <a:solidFill>
           <a:schemeClr val="tx1"/>
@@ -351,7 +205,7 @@
         <a:cs typeface="+mn-cs"/>
       </a:defRPr>
     </a:lvl4pPr>
-    <a:lvl5pPr marL="1828800" algn="l" defTabSz="914400" rtl="0" eaLnBrk="1" latinLnBrk="0" hangingPunct="1">
+    <a:lvl5pPr marL="1828800" algn="l" defTabSz="914400" rtl="0" eaLnBrk="1" latinLnBrk="1" hangingPunct="1">
       <a:defRPr sz="1200" kern="1200">
         <a:solidFill>
           <a:schemeClr val="tx1"/>
@@ -361,7 +215,7 @@
         <a:cs typeface="+mn-cs"/>
       </a:defRPr>
     </a:lvl5pPr>
-    <a:lvl6pPr marL="2286000" algn="l" defTabSz="914400" rtl="0" eaLnBrk="1" latinLnBrk="0" hangingPunct="1">
+    <a:lvl6pPr marL="2286000" algn="l" defTabSz="914400" rtl="0" eaLnBrk="1" latinLnBrk="1" hangingPunct="1">
       <a:defRPr sz="1200" kern="1200">
         <a:solidFill>
           <a:schemeClr val="tx1"/>
@@ -371,7 +225,7 @@
         <a:cs typeface="+mn-cs"/>
       </a:defRPr>
     </a:lvl6pPr>
-    <a:lvl7pPr marL="2743200" algn="l" defTabSz="914400" rtl="0" eaLnBrk="1" latinLnBrk="0" hangingPunct="1">
+    <a:lvl7pPr marL="2743200" algn="l" defTabSz="914400" rtl="0" eaLnBrk="1" latinLnBrk="1" hangingPunct="1">
       <a:defRPr sz="1200" kern="1200">
         <a:solidFill>
           <a:schemeClr val="tx1"/>
@@ -381,7 +235,7 @@
         <a:cs typeface="+mn-cs"/>
       </a:defRPr>
     </a:lvl7pPr>
-    <a:lvl8pPr marL="3200400" algn="l" defTabSz="914400" rtl="0" eaLnBrk="1" latinLnBrk="0" hangingPunct="1">
+    <a:lvl8pPr marL="3200400" algn="l" defTabSz="914400" rtl="0" eaLnBrk="1" latinLnBrk="1" hangingPunct="1">
       <a:defRPr sz="1200" kern="1200">
         <a:solidFill>
           <a:schemeClr val="tx1"/>
@@ -391,7 +245,7 @@
         <a:cs typeface="+mn-cs"/>
       </a:defRPr>
     </a:lvl8pPr>
-    <a:lvl9pPr marL="3657600" algn="l" defTabSz="914400" rtl="0" eaLnBrk="1" latinLnBrk="0" hangingPunct="1">
+    <a:lvl9pPr marL="3657600" algn="l" defTabSz="914400" rtl="0" eaLnBrk="1" latinLnBrk="1" hangingPunct="1">
       <a:defRPr sz="1200" kern="1200">
         <a:solidFill>
           <a:schemeClr val="tx1"/>
@@ -449,10 +303,6 @@
           <a:bodyPr/>
           <a:lstStyle/>
           <a:p>
-            <a:r>
-              <a:rPr lang="en-US" dirty="0"/>
-              <a:t/>
-            </a:r>
             <a:endParaRPr lang="en-US" dirty="0"/>
           </a:p>
         </p:txBody>
@@ -475,6 +325,90 @@
             <a:fld id="{F7021451-1387-4CA6-816F-3879F97B5CBC}" type="slidenum">
               <a:rPr lang="en-US"/>
               <a:t>1</a:t>
+            </a:fld>
+            <a:endParaRPr lang="en-US"/>
+          </a:p>
+        </p:txBody>
+      </p:sp>
+    </p:spTree>
+    <p:extLst>
+      <p:ext uri="{BB962C8B-B14F-4D97-AF65-F5344CB8AC3E}">
+        <p14:creationId xmlns:p14="http://schemas.microsoft.com/office/powerpoint/2010/main" val="1024086991"/>
+      </p:ext>
+    </p:extLst>
+  </p:cSld>
+  <p:clrMapOvr>
+    <a:masterClrMapping/>
+  </p:clrMapOvr>
+</p:notes>
+</file>
+
+<file path=ppt/notesSlides/notesSlide10.xml><?xml version="1.0" encoding="utf-8"?>
+<p:notes xmlns:a="http://schemas.openxmlformats.org/drawingml/2006/main" xmlns:r="http://schemas.openxmlformats.org/officeDocument/2006/relationships" xmlns:p="http://schemas.openxmlformats.org/presentationml/2006/main">
+  <p:cSld>
+    <p:spTree>
+      <p:nvGrpSpPr>
+        <p:cNvPr id="1" name=""/>
+        <p:cNvGrpSpPr/>
+        <p:nvPr/>
+      </p:nvGrpSpPr>
+      <p:grpSpPr>
+        <a:xfrm>
+          <a:off x="0" y="0"/>
+          <a:ext cx="0" cy="0"/>
+          <a:chOff x="0" y="0"/>
+          <a:chExt cx="0" cy="0"/>
+        </a:xfrm>
+      </p:grpSpPr>
+      <p:sp>
+        <p:nvSpPr>
+          <p:cNvPr id="2" name="Slide Image Placeholder 1"/>
+          <p:cNvSpPr>
+            <a:spLocks noGrp="1" noRot="1" noChangeAspect="1"/>
+          </p:cNvSpPr>
+          <p:nvPr>
+            <p:ph type="sldImg"/>
+          </p:nvPr>
+        </p:nvSpPr>
+        <p:spPr/>
+      </p:sp>
+      <p:sp>
+        <p:nvSpPr>
+          <p:cNvPr id="3" name="Notes Placeholder 2"/>
+          <p:cNvSpPr>
+            <a:spLocks noGrp="1"/>
+          </p:cNvSpPr>
+          <p:nvPr>
+            <p:ph type="body" idx="1"/>
+          </p:nvPr>
+        </p:nvSpPr>
+        <p:spPr/>
+        <p:txBody>
+          <a:bodyPr/>
+          <a:lstStyle/>
+          <a:p>
+            <a:endParaRPr lang="en-US" dirty="0"/>
+          </a:p>
+        </p:txBody>
+      </p:sp>
+      <p:sp>
+        <p:nvSpPr>
+          <p:cNvPr id="4" name="Slide Number Placeholder 3"/>
+          <p:cNvSpPr>
+            <a:spLocks noGrp="1"/>
+          </p:cNvSpPr>
+          <p:nvPr>
+            <p:ph type="sldNum" sz="quarter" idx="10"/>
+          </p:nvPr>
+        </p:nvSpPr>
+        <p:spPr/>
+        <p:txBody>
+          <a:bodyPr/>
+          <a:lstStyle/>
+          <a:p>
+            <a:fld id="{F7021451-1387-4CA6-816F-3879F97B5CBC}" type="slidenum">
+              <a:rPr lang="en-US"/>
+              <a:t>10</a:t>
             </a:fld>
             <a:endParaRPr lang="en-US"/>
           </a:p>
@@ -537,10 +471,6 @@
           <a:bodyPr/>
           <a:lstStyle/>
           <a:p>
-            <a:r>
-              <a:rPr lang="en-US" dirty="0"/>
-              <a:t/>
-            </a:r>
             <a:endParaRPr lang="en-US" dirty="0"/>
           </a:p>
         </p:txBody>
@@ -625,10 +555,6 @@
           <a:bodyPr/>
           <a:lstStyle/>
           <a:p>
-            <a:r>
-              <a:rPr lang="en-US" dirty="0"/>
-              <a:t/>
-            </a:r>
             <a:endParaRPr lang="en-US" dirty="0"/>
           </a:p>
         </p:txBody>
@@ -674,7 +600,13 @@
   <p:cSld>
     <p:spTree>
       <p:nvGrpSpPr>
-        <p:cNvPr id="1" name=""/>
+        <p:cNvPr id="1" name="">
+          <a:extLst>
+            <a:ext uri="{FF2B5EF4-FFF2-40B4-BE49-F238E27FC236}">
+              <a16:creationId xmlns:a16="http://schemas.microsoft.com/office/drawing/2014/main" id="{1B34F1E0-1B3F-ED8D-079E-90FC4454A6F8}"/>
+            </a:ext>
+          </a:extLst>
+        </p:cNvPr>
         <p:cNvGrpSpPr/>
         <p:nvPr/>
       </p:nvGrpSpPr>
@@ -688,7 +620,13 @@
       </p:grpSpPr>
       <p:sp>
         <p:nvSpPr>
-          <p:cNvPr id="2" name="Slide Image Placeholder 1"/>
+          <p:cNvPr id="2" name="Slide Image Placeholder 1">
+            <a:extLst>
+              <a:ext uri="{FF2B5EF4-FFF2-40B4-BE49-F238E27FC236}">
+                <a16:creationId xmlns:a16="http://schemas.microsoft.com/office/drawing/2014/main" id="{2AA241E6-BE93-14D4-DE1B-8EEEFAF16C26}"/>
+              </a:ext>
+            </a:extLst>
+          </p:cNvPr>
           <p:cNvSpPr>
             <a:spLocks noGrp="1" noRot="1" noChangeAspect="1"/>
           </p:cNvSpPr>
@@ -700,7 +638,13 @@
       </p:sp>
       <p:sp>
         <p:nvSpPr>
-          <p:cNvPr id="3" name="Notes Placeholder 2"/>
+          <p:cNvPr id="3" name="Notes Placeholder 2">
+            <a:extLst>
+              <a:ext uri="{FF2B5EF4-FFF2-40B4-BE49-F238E27FC236}">
+                <a16:creationId xmlns:a16="http://schemas.microsoft.com/office/drawing/2014/main" id="{9026EEE1-E2F4-7D18-0912-C0CF1BFEAF1A}"/>
+              </a:ext>
+            </a:extLst>
+          </p:cNvPr>
           <p:cNvSpPr>
             <a:spLocks noGrp="1"/>
           </p:cNvSpPr>
@@ -713,17 +657,19 @@
           <a:bodyPr/>
           <a:lstStyle/>
           <a:p>
-            <a:r>
-              <a:rPr lang="en-US" dirty="0"/>
-              <a:t/>
-            </a:r>
             <a:endParaRPr lang="en-US" dirty="0"/>
           </a:p>
         </p:txBody>
       </p:sp>
       <p:sp>
         <p:nvSpPr>
-          <p:cNvPr id="4" name="Slide Number Placeholder 3"/>
+          <p:cNvPr id="4" name="Slide Number Placeholder 3">
+            <a:extLst>
+              <a:ext uri="{FF2B5EF4-FFF2-40B4-BE49-F238E27FC236}">
+                <a16:creationId xmlns:a16="http://schemas.microsoft.com/office/drawing/2014/main" id="{95D2CF93-DA83-0FFD-C22D-9014B80E8399}"/>
+              </a:ext>
+            </a:extLst>
+          </p:cNvPr>
           <p:cNvSpPr>
             <a:spLocks noGrp="1"/>
           </p:cNvSpPr>
@@ -747,7 +693,7 @@
     </p:spTree>
     <p:extLst>
       <p:ext uri="{BB962C8B-B14F-4D97-AF65-F5344CB8AC3E}">
-        <p14:creationId xmlns:p14="http://schemas.microsoft.com/office/powerpoint/2010/main" val="1024086991"/>
+        <p14:creationId xmlns:p14="http://schemas.microsoft.com/office/powerpoint/2010/main" val="2831118195"/>
       </p:ext>
     </p:extLst>
   </p:cSld>
@@ -762,7 +708,13 @@
   <p:cSld>
     <p:spTree>
       <p:nvGrpSpPr>
-        <p:cNvPr id="1" name=""/>
+        <p:cNvPr id="1" name="">
+          <a:extLst>
+            <a:ext uri="{FF2B5EF4-FFF2-40B4-BE49-F238E27FC236}">
+              <a16:creationId xmlns:a16="http://schemas.microsoft.com/office/drawing/2014/main" id="{1099A74C-2130-A43E-1AE7-EB2A74E42925}"/>
+            </a:ext>
+          </a:extLst>
+        </p:cNvPr>
         <p:cNvGrpSpPr/>
         <p:nvPr/>
       </p:nvGrpSpPr>
@@ -776,7 +728,13 @@
       </p:grpSpPr>
       <p:sp>
         <p:nvSpPr>
-          <p:cNvPr id="2" name="Slide Image Placeholder 1"/>
+          <p:cNvPr id="2" name="Slide Image Placeholder 1">
+            <a:extLst>
+              <a:ext uri="{FF2B5EF4-FFF2-40B4-BE49-F238E27FC236}">
+                <a16:creationId xmlns:a16="http://schemas.microsoft.com/office/drawing/2014/main" id="{17C919BE-2450-3E82-0AED-A3A2A037BC81}"/>
+              </a:ext>
+            </a:extLst>
+          </p:cNvPr>
           <p:cNvSpPr>
             <a:spLocks noGrp="1" noRot="1" noChangeAspect="1"/>
           </p:cNvSpPr>
@@ -788,7 +746,13 @@
       </p:sp>
       <p:sp>
         <p:nvSpPr>
-          <p:cNvPr id="3" name="Notes Placeholder 2"/>
+          <p:cNvPr id="3" name="Notes Placeholder 2">
+            <a:extLst>
+              <a:ext uri="{FF2B5EF4-FFF2-40B4-BE49-F238E27FC236}">
+                <a16:creationId xmlns:a16="http://schemas.microsoft.com/office/drawing/2014/main" id="{D3848E89-2924-1ADF-5AC3-AFEBAC2CCA60}"/>
+              </a:ext>
+            </a:extLst>
+          </p:cNvPr>
           <p:cNvSpPr>
             <a:spLocks noGrp="1"/>
           </p:cNvSpPr>
@@ -801,17 +765,19 @@
           <a:bodyPr/>
           <a:lstStyle/>
           <a:p>
-            <a:r>
-              <a:rPr lang="en-US" dirty="0"/>
-              <a:t/>
-            </a:r>
             <a:endParaRPr lang="en-US" dirty="0"/>
           </a:p>
         </p:txBody>
       </p:sp>
       <p:sp>
         <p:nvSpPr>
-          <p:cNvPr id="4" name="Slide Number Placeholder 3"/>
+          <p:cNvPr id="4" name="Slide Number Placeholder 3">
+            <a:extLst>
+              <a:ext uri="{FF2B5EF4-FFF2-40B4-BE49-F238E27FC236}">
+                <a16:creationId xmlns:a16="http://schemas.microsoft.com/office/drawing/2014/main" id="{87DFA652-EEC1-5C30-9D3F-D6B081BBB9B8}"/>
+              </a:ext>
+            </a:extLst>
+          </p:cNvPr>
           <p:cNvSpPr>
             <a:spLocks noGrp="1"/>
           </p:cNvSpPr>
@@ -835,7 +801,7 @@
     </p:spTree>
     <p:extLst>
       <p:ext uri="{BB962C8B-B14F-4D97-AF65-F5344CB8AC3E}">
-        <p14:creationId xmlns:p14="http://schemas.microsoft.com/office/powerpoint/2010/main" val="1024086991"/>
+        <p14:creationId xmlns:p14="http://schemas.microsoft.com/office/powerpoint/2010/main" val="826058555"/>
       </p:ext>
     </p:extLst>
   </p:cSld>
@@ -889,10 +855,6 @@
           <a:bodyPr/>
           <a:lstStyle/>
           <a:p>
-            <a:r>
-              <a:rPr lang="en-US" dirty="0"/>
-              <a:t/>
-            </a:r>
             <a:endParaRPr lang="en-US" dirty="0"/>
           </a:p>
         </p:txBody>
@@ -977,10 +939,6 @@
           <a:bodyPr/>
           <a:lstStyle/>
           <a:p>
-            <a:r>
-              <a:rPr lang="en-US" dirty="0"/>
-              <a:t/>
-            </a:r>
             <a:endParaRPr lang="en-US" dirty="0"/>
           </a:p>
         </p:txBody>
@@ -1065,10 +1023,6 @@
           <a:bodyPr/>
           <a:lstStyle/>
           <a:p>
-            <a:r>
-              <a:rPr lang="en-US" dirty="0"/>
-              <a:t/>
-            </a:r>
             <a:endParaRPr lang="en-US" dirty="0"/>
           </a:p>
         </p:txBody>
@@ -1091,6 +1045,90 @@
             <a:fld id="{F7021451-1387-4CA6-816F-3879F97B5CBC}" type="slidenum">
               <a:rPr lang="en-US"/>
               <a:t>8</a:t>
+            </a:fld>
+            <a:endParaRPr lang="en-US"/>
+          </a:p>
+        </p:txBody>
+      </p:sp>
+    </p:spTree>
+    <p:extLst>
+      <p:ext uri="{BB962C8B-B14F-4D97-AF65-F5344CB8AC3E}">
+        <p14:creationId xmlns:p14="http://schemas.microsoft.com/office/powerpoint/2010/main" val="1024086991"/>
+      </p:ext>
+    </p:extLst>
+  </p:cSld>
+  <p:clrMapOvr>
+    <a:masterClrMapping/>
+  </p:clrMapOvr>
+</p:notes>
+</file>
+
+<file path=ppt/notesSlides/notesSlide9.xml><?xml version="1.0" encoding="utf-8"?>
+<p:notes xmlns:a="http://schemas.openxmlformats.org/drawingml/2006/main" xmlns:r="http://schemas.openxmlformats.org/officeDocument/2006/relationships" xmlns:p="http://schemas.openxmlformats.org/presentationml/2006/main">
+  <p:cSld>
+    <p:spTree>
+      <p:nvGrpSpPr>
+        <p:cNvPr id="1" name=""/>
+        <p:cNvGrpSpPr/>
+        <p:nvPr/>
+      </p:nvGrpSpPr>
+      <p:grpSpPr>
+        <a:xfrm>
+          <a:off x="0" y="0"/>
+          <a:ext cx="0" cy="0"/>
+          <a:chOff x="0" y="0"/>
+          <a:chExt cx="0" cy="0"/>
+        </a:xfrm>
+      </p:grpSpPr>
+      <p:sp>
+        <p:nvSpPr>
+          <p:cNvPr id="2" name="Slide Image Placeholder 1"/>
+          <p:cNvSpPr>
+            <a:spLocks noGrp="1" noRot="1" noChangeAspect="1"/>
+          </p:cNvSpPr>
+          <p:nvPr>
+            <p:ph type="sldImg"/>
+          </p:nvPr>
+        </p:nvSpPr>
+        <p:spPr/>
+      </p:sp>
+      <p:sp>
+        <p:nvSpPr>
+          <p:cNvPr id="3" name="Notes Placeholder 2"/>
+          <p:cNvSpPr>
+            <a:spLocks noGrp="1"/>
+          </p:cNvSpPr>
+          <p:nvPr>
+            <p:ph type="body" idx="1"/>
+          </p:nvPr>
+        </p:nvSpPr>
+        <p:spPr/>
+        <p:txBody>
+          <a:bodyPr/>
+          <a:lstStyle/>
+          <a:p>
+            <a:endParaRPr lang="en-US" dirty="0"/>
+          </a:p>
+        </p:txBody>
+      </p:sp>
+      <p:sp>
+        <p:nvSpPr>
+          <p:cNvPr id="4" name="Slide Number Placeholder 3"/>
+          <p:cNvSpPr>
+            <a:spLocks noGrp="1"/>
+          </p:cNvSpPr>
+          <p:nvPr>
+            <p:ph type="sldNum" sz="quarter" idx="10"/>
+          </p:nvPr>
+        </p:nvSpPr>
+        <p:spPr/>
+        <p:txBody>
+          <a:bodyPr/>
+          <a:lstStyle/>
+          <a:p>
+            <a:fld id="{F7021451-1387-4CA6-816F-3879F97B5CBC}" type="slidenum">
+              <a:rPr lang="en-US"/>
+              <a:t>9</a:t>
             </a:fld>
             <a:endParaRPr lang="en-US"/>
           </a:p>
@@ -1199,7 +1237,7 @@
       <p:pic>
         <p:nvPicPr>
           <p:cNvPr id="4" name="Image 0" descr="preencoded.png">
-            <a:hlinkClick r:id="rId2" tooltip=""/>
+            <a:hlinkClick r:id="rId2"/>
           </p:cNvPr>
           <p:cNvPicPr>
             <a:picLocks noChangeAspect="1"/>
@@ -1207,7 +1245,7 @@
           <p:nvPr/>
         </p:nvPicPr>
         <p:blipFill>
-          <a:blip r:embed="rId1"/>
+          <a:blip r:embed="rId3"/>
           <a:stretch>
             <a:fillRect/>
           </a:stretch>
@@ -1290,7 +1328,7 @@
       <p:pic>
         <p:nvPicPr>
           <p:cNvPr id="4" name="Image 0" descr="preencoded.png">
-            <a:hlinkClick r:id="rId2" tooltip=""/>
+            <a:hlinkClick r:id="rId2"/>
           </p:cNvPr>
           <p:cNvPicPr>
             <a:picLocks noChangeAspect="1"/>
@@ -1298,7 +1336,7 @@
           <p:nvPr/>
         </p:nvPicPr>
         <p:blipFill>
-          <a:blip r:embed="rId1"/>
+          <a:blip r:embed="rId3"/>
           <a:stretch>
             <a:fillRect/>
           </a:stretch>
@@ -1381,7 +1419,7 @@
       <p:pic>
         <p:nvPicPr>
           <p:cNvPr id="4" name="Image 0" descr="preencoded.png">
-            <a:hlinkClick r:id="rId2" tooltip=""/>
+            <a:hlinkClick r:id="rId2"/>
           </p:cNvPr>
           <p:cNvPicPr>
             <a:picLocks noChangeAspect="1"/>
@@ -1389,7 +1427,7 @@
           <p:nvPr/>
         </p:nvPicPr>
         <p:blipFill>
-          <a:blip r:embed="rId1"/>
+          <a:blip r:embed="rId3"/>
           <a:stretch>
             <a:fillRect/>
           </a:stretch>
@@ -1472,7 +1510,7 @@
       <p:pic>
         <p:nvPicPr>
           <p:cNvPr id="4" name="Image 0" descr="preencoded.png">
-            <a:hlinkClick r:id="rId2" tooltip=""/>
+            <a:hlinkClick r:id="rId2"/>
           </p:cNvPr>
           <p:cNvPicPr>
             <a:picLocks noChangeAspect="1"/>
@@ -1480,7 +1518,7 @@
           <p:nvPr/>
         </p:nvPicPr>
         <p:blipFill>
-          <a:blip r:embed="rId1"/>
+          <a:blip r:embed="rId3"/>
           <a:stretch>
             <a:fillRect/>
           </a:stretch>
@@ -1563,7 +1601,7 @@
       <p:pic>
         <p:nvPicPr>
           <p:cNvPr id="4" name="Image 0" descr="preencoded.png">
-            <a:hlinkClick r:id="rId2" tooltip=""/>
+            <a:hlinkClick r:id="rId2"/>
           </p:cNvPr>
           <p:cNvPicPr>
             <a:picLocks noChangeAspect="1"/>
@@ -1571,7 +1609,7 @@
           <p:nvPr/>
         </p:nvPicPr>
         <p:blipFill>
-          <a:blip r:embed="rId1"/>
+          <a:blip r:embed="rId3"/>
           <a:stretch>
             <a:fillRect/>
           </a:stretch>
@@ -1654,7 +1692,7 @@
       <p:pic>
         <p:nvPicPr>
           <p:cNvPr id="4" name="Image 0" descr="preencoded.png">
-            <a:hlinkClick r:id="rId2" tooltip=""/>
+            <a:hlinkClick r:id="rId2"/>
           </p:cNvPr>
           <p:cNvPicPr>
             <a:picLocks noChangeAspect="1"/>
@@ -1662,7 +1700,7 @@
           <p:nvPr/>
         </p:nvPicPr>
         <p:blipFill>
-          <a:blip r:embed="rId1"/>
+          <a:blip r:embed="rId3"/>
           <a:stretch>
             <a:fillRect/>
           </a:stretch>
@@ -1745,7 +1783,7 @@
       <p:pic>
         <p:nvPicPr>
           <p:cNvPr id="4" name="Image 0" descr="preencoded.png">
-            <a:hlinkClick r:id="rId2" tooltip=""/>
+            <a:hlinkClick r:id="rId2"/>
           </p:cNvPr>
           <p:cNvPicPr>
             <a:picLocks noChangeAspect="1"/>
@@ -1753,7 +1791,7 @@
           <p:nvPr/>
         </p:nvPicPr>
         <p:blipFill>
-          <a:blip r:embed="rId1"/>
+          <a:blip r:embed="rId3"/>
           <a:stretch>
             <a:fillRect/>
           </a:stretch>
@@ -1836,7 +1874,7 @@
       <p:pic>
         <p:nvPicPr>
           <p:cNvPr id="4" name="Image 0" descr="preencoded.png">
-            <a:hlinkClick r:id="rId2" tooltip=""/>
+            <a:hlinkClick r:id="rId2"/>
           </p:cNvPr>
           <p:cNvPicPr>
             <a:picLocks noChangeAspect="1"/>
@@ -1844,7 +1882,7 @@
           <p:nvPr/>
         </p:nvPicPr>
         <p:blipFill>
-          <a:blip r:embed="rId1"/>
+          <a:blip r:embed="rId3"/>
           <a:stretch>
             <a:fillRect/>
           </a:stretch>
@@ -1870,6 +1908,11 @@
 <file path=ppt/slideMasters/slideMaster1.xml><?xml version="1.0" encoding="utf-8"?>
 <p:sldMaster xmlns:a="http://schemas.openxmlformats.org/drawingml/2006/main" xmlns:r="http://schemas.openxmlformats.org/officeDocument/2006/relationships" xmlns:p="http://schemas.openxmlformats.org/presentationml/2006/main">
   <p:cSld>
+    <p:bg>
+      <p:bgRef idx="1001">
+        <a:schemeClr val="bg1"/>
+      </p:bgRef>
+    </p:bg>
     <p:spTree>
       <p:nvGrpSpPr>
         <p:cNvPr id="1" name=""/>
@@ -2190,7 +2233,7 @@
           <a:bodyPr wrap="none" lIns="0" tIns="0" rIns="0" bIns="0" rtlCol="0" anchor="t"/>
           <a:lstStyle/>
           <a:p>
-            <a:pPr algn="l" indent="0" marL="0">
+            <a:pPr marL="0" indent="0" algn="l">
               <a:lnSpc>
                 <a:spcPts val="5550"/>
               </a:lnSpc>
@@ -2221,7 +2264,7 @@
           <a:bodyPr wrap="none" lIns="0" tIns="0" rIns="0" bIns="0" rtlCol="0" anchor="t"/>
           <a:lstStyle/>
           <a:p>
-            <a:pPr algn="l" indent="0" marL="0">
+            <a:pPr marL="0" indent="0" algn="l">
               <a:lnSpc>
                 <a:spcPts val="5550"/>
               </a:lnSpc>
@@ -2263,7 +2306,7 @@
           <a:bodyPr wrap="square" lIns="0" tIns="0" rIns="0" bIns="0" rtlCol="0" anchor="t"/>
           <a:lstStyle/>
           <a:p>
-            <a:pPr algn="l" indent="0" marL="0">
+            <a:pPr marL="0" indent="0" algn="l">
               <a:lnSpc>
                 <a:spcPts val="2850"/>
               </a:lnSpc>
@@ -2305,7 +2348,7 @@
           <a:bodyPr wrap="none" lIns="0" tIns="0" rIns="0" bIns="0" rtlCol="0" anchor="t"/>
           <a:lstStyle/>
           <a:p>
-            <a:pPr algn="l" indent="0" marL="0">
+            <a:pPr marL="0" indent="0" algn="l">
               <a:lnSpc>
                 <a:spcPts val="2850"/>
               </a:lnSpc>
@@ -2328,14 +2371,14 @@
       </p:sp>
       <p:pic>
         <p:nvPicPr>
-          <p:cNvPr id="6" name="Image 0" descr="preencoded.png">    </p:cNvPr>
+          <p:cNvPr id="6" name="Image 0" descr="preencoded.png"/>
           <p:cNvPicPr>
             <a:picLocks noChangeAspect="1"/>
           </p:cNvPicPr>
           <p:nvPr/>
         </p:nvPicPr>
         <p:blipFill>
-          <a:blip r:embed="rId1"/>
+          <a:blip r:embed="rId3"/>
           <a:stretch>
             <a:fillRect/>
           </a:stretch>
@@ -2371,7 +2414,7 @@
           <a:bodyPr wrap="none" lIns="0" tIns="0" rIns="0" bIns="0" rtlCol="0" anchor="t"/>
           <a:lstStyle/>
           <a:p>
-            <a:pPr algn="l" indent="0" marL="0">
+            <a:pPr marL="0" indent="0" algn="l">
               <a:lnSpc>
                 <a:spcPts val="2850"/>
               </a:lnSpc>
@@ -2405,17 +2448,24 @@
             <a:prstDash val="solid"/>
           </a:ln>
         </p:spPr>
+        <p:txBody>
+          <a:bodyPr/>
+          <a:lstStyle/>
+          <a:p>
+            <a:endParaRPr lang="ko-KR" altLang="en-US"/>
+          </a:p>
+        </p:txBody>
       </p:sp>
       <p:pic>
         <p:nvPicPr>
-          <p:cNvPr id="9" name="Image 1" descr="preencoded.png">    </p:cNvPr>
+          <p:cNvPr id="9" name="Image 1" descr="preencoded.png"/>
           <p:cNvPicPr>
             <a:picLocks noChangeAspect="1"/>
           </p:cNvPicPr>
           <p:nvPr/>
         </p:nvPicPr>
         <p:blipFill>
-          <a:blip r:embed="rId2"/>
+          <a:blip r:embed="rId4"/>
           <a:stretch>
             <a:fillRect/>
           </a:stretch>
@@ -2451,7 +2501,7 @@
           <a:bodyPr wrap="none" lIns="0" tIns="0" rIns="0" bIns="0" rtlCol="0" anchor="t"/>
           <a:lstStyle/>
           <a:p>
-            <a:pPr algn="l" indent="0" marL="0">
+            <a:pPr marL="0" indent="0" algn="l">
               <a:lnSpc>
                 <a:spcPts val="3100"/>
               </a:lnSpc>
@@ -2480,9 +2530,9 @@
 </p:sld>
 </file>
 
-<file path=ppt/slides/slide2.xml><?xml version="1.0" encoding="utf-8"?>
+<file path=ppt/slides/slide10.xml><?xml version="1.0" encoding="utf-8"?>
 <p:sld xmlns:a="http://schemas.openxmlformats.org/drawingml/2006/main" xmlns:r="http://schemas.openxmlformats.org/officeDocument/2006/relationships" xmlns:p="http://schemas.openxmlformats.org/presentationml/2006/main">
-  <p:cSld name="Slide 2">
+  <p:cSld name="Slide 8">
     <p:spTree>
       <p:nvGrpSpPr>
         <p:cNvPr id="1" name=""/>
@@ -2505,7 +2555,7 @@
         </p:nvSpPr>
         <p:spPr>
           <a:xfrm>
-            <a:off x="793790" y="2214563"/>
+            <a:off x="793790" y="1765935"/>
             <a:ext cx="5670590" cy="708779"/>
           </a:xfrm>
           <a:prstGeom prst="rect">
@@ -2518,7 +2568,7 @@
           <a:bodyPr wrap="none" lIns="0" tIns="0" rIns="0" bIns="0" rtlCol="0" anchor="t"/>
           <a:lstStyle/>
           <a:p>
-            <a:pPr algn="l" indent="0" marL="0">
+            <a:pPr marL="0" indent="0" algn="l">
               <a:lnSpc>
                 <a:spcPts val="5550"/>
               </a:lnSpc>
@@ -2533,7 +2583,7 @@
                 <a:ea typeface="Instrument Sans Medium" pitchFamily="34" charset="-122"/>
                 <a:cs typeface="Instrument Sans Medium" pitchFamily="34" charset="-120"/>
               </a:rPr>
-              <a:t>프로젝트 개요</a:t>
+              <a:t>참고 자료 및 결론</a:t>
             </a:r>
             <a:endParaRPr lang="en-US" sz="4450" dirty="0"/>
           </a:p>
@@ -2547,7 +2597,7 @@
         </p:nvSpPr>
         <p:spPr>
           <a:xfrm>
-            <a:off x="793790" y="3376970"/>
+            <a:off x="793790" y="2928342"/>
             <a:ext cx="13042821" cy="725805"/>
           </a:xfrm>
           <a:prstGeom prst="rect">
@@ -2560,7 +2610,7 @@
           <a:bodyPr wrap="square" lIns="0" tIns="0" rIns="0" bIns="0" rtlCol="0" anchor="t"/>
           <a:lstStyle/>
           <a:p>
-            <a:pPr algn="l" indent="0" marL="0">
+            <a:pPr marL="0" indent="0" algn="l">
               <a:lnSpc>
                 <a:spcPts val="2850"/>
               </a:lnSpc>
@@ -2575,7 +2625,7 @@
                 <a:ea typeface="Inter" pitchFamily="34" charset="-122"/>
                 <a:cs typeface="Inter" pitchFamily="34" charset="-120"/>
               </a:rPr>
-              <a:t>이 프로젝트는 산업용 센서 시계열 데이터(SWaT)를 이용해 ARIMA 기반 이상 탐지 모델을 구축하는 파이프라인으로 구성하는 것을 목표로 합니다. 학습된 ARIMA 모델로 새로운 시계열에 대한 추론을 하고, 잔차를 바탕으로 이상치를 예측합니다.</a:t>
+              <a:t>이 프로젝트는 PyTorch를 사용하여 ARIMA 모델을 구현하고, 이를 통해 산업용 센서 데이터에서 이상치를 탐지하는 방법을 보여줍니다. 주요 참고 자료로는 GitHub의 torch_arima 프로젝트가 있습니다.</a:t>
             </a:r>
             <a:endParaRPr lang="en-US" sz="1750" dirty="0"/>
           </a:p>
@@ -2589,12 +2639,12 @@
         </p:nvSpPr>
         <p:spPr>
           <a:xfrm>
-            <a:off x="793790" y="4357926"/>
-            <a:ext cx="510302" cy="510302"/>
+            <a:off x="793790" y="3909298"/>
+            <a:ext cx="4196358" cy="2554248"/>
           </a:xfrm>
           <a:prstGeom prst="roundRect">
             <a:avLst>
-              <a:gd name="adj" fmla="val 6667"/>
+              <a:gd name="adj" fmla="val 1332"/>
             </a:avLst>
           </a:prstGeom>
           <a:solidFill>
@@ -2602,40 +2652,23 @@
           </a:solidFill>
           <a:ln/>
         </p:spPr>
-      </p:sp>
-      <p:pic>
-        <p:nvPicPr>
-          <p:cNvPr id="5" name="Image 0" descr="preencoded.png">    </p:cNvPr>
-          <p:cNvPicPr>
-            <a:picLocks noChangeAspect="1"/>
-          </p:cNvPicPr>
-          <p:nvPr/>
-        </p:nvPicPr>
-        <p:blipFill>
-          <a:blip r:embed="rId1"/>
-          <a:stretch>
-            <a:fillRect/>
-          </a:stretch>
-        </p:blipFill>
-        <p:spPr>
-          <a:xfrm>
-            <a:off x="878860" y="4400431"/>
-            <a:ext cx="340162" cy="425291"/>
-          </a:xfrm>
-          <a:prstGeom prst="rect">
-            <a:avLst/>
-          </a:prstGeom>
-        </p:spPr>
-      </p:pic>
-      <p:sp>
-        <p:nvSpPr>
-          <p:cNvPr id="6" name="Text 3"/>
-          <p:cNvSpPr/>
-          <p:nvPr/>
-        </p:nvSpPr>
-        <p:spPr>
-          <a:xfrm>
-            <a:off x="1530906" y="4435793"/>
+        <p:txBody>
+          <a:bodyPr/>
+          <a:lstStyle/>
+          <a:p>
+            <a:endParaRPr lang="ko-KR" altLang="en-US"/>
+          </a:p>
+        </p:txBody>
+      </p:sp>
+      <p:sp>
+        <p:nvSpPr>
+          <p:cNvPr id="5" name="Text 3"/>
+          <p:cNvSpPr/>
+          <p:nvPr/>
+        </p:nvSpPr>
+        <p:spPr>
+          <a:xfrm>
+            <a:off x="1020604" y="4136112"/>
             <a:ext cx="2835235" cy="354330"/>
           </a:xfrm>
           <a:prstGeom prst="rect">
@@ -2648,7 +2681,7 @@
           <a:bodyPr wrap="none" lIns="0" tIns="0" rIns="0" bIns="0" rtlCol="0" anchor="t"/>
           <a:lstStyle/>
           <a:p>
-            <a:pPr algn="l" indent="0" marL="0">
+            <a:pPr marL="0" indent="0" algn="l">
               <a:lnSpc>
                 <a:spcPts val="2750"/>
               </a:lnSpc>
@@ -2663,7 +2696,7 @@
                 <a:ea typeface="Instrument Sans Medium" pitchFamily="34" charset="-122"/>
                 <a:cs typeface="Instrument Sans Medium" pitchFamily="34" charset="-120"/>
               </a:rPr>
-              <a:t>공통 유틸리티</a:t>
+              <a:t>주요 성과</a:t>
             </a:r>
             <a:endParaRPr lang="en-US" sz="2200" dirty="0"/>
           </a:p>
@@ -2671,30 +2704,31 @@
       </p:sp>
       <p:sp>
         <p:nvSpPr>
-          <p:cNvPr id="7" name="Text 4"/>
-          <p:cNvSpPr/>
-          <p:nvPr/>
-        </p:nvSpPr>
-        <p:spPr>
-          <a:xfrm>
-            <a:off x="1530906" y="4926211"/>
-            <a:ext cx="3421499" cy="1088708"/>
-          </a:xfrm>
-          <a:prstGeom prst="rect">
-            <a:avLst/>
-          </a:prstGeom>
-          <a:noFill/>
-          <a:ln/>
-        </p:spPr>
-        <p:txBody>
-          <a:bodyPr wrap="square" lIns="0" tIns="0" rIns="0" bIns="0" rtlCol="0" anchor="t"/>
-          <a:lstStyle/>
-          <a:p>
-            <a:pPr algn="l" indent="0" marL="0">
+          <p:cNvPr id="6" name="Text 4"/>
+          <p:cNvSpPr/>
+          <p:nvPr/>
+        </p:nvSpPr>
+        <p:spPr>
+          <a:xfrm>
+            <a:off x="1020604" y="4626531"/>
+            <a:ext cx="3742730" cy="362903"/>
+          </a:xfrm>
+          <a:prstGeom prst="rect">
+            <a:avLst/>
+          </a:prstGeom>
+          <a:noFill/>
+          <a:ln/>
+        </p:spPr>
+        <p:txBody>
+          <a:bodyPr wrap="none" lIns="0" tIns="0" rIns="0" bIns="0" rtlCol="0" anchor="t"/>
+          <a:lstStyle/>
+          <a:p>
+            <a:pPr marL="342900" indent="-342900" algn="l">
               <a:lnSpc>
                 <a:spcPts val="2850"/>
               </a:lnSpc>
-              <a:buNone/>
+              <a:buSzPct val="100000"/>
+              <a:buChar char="•"/>
             </a:pPr>
             <a:r>
               <a:rPr lang="en-US" sz="1750" dirty="0">
@@ -2705,7 +2739,7 @@
                 <a:ea typeface="Inter" pitchFamily="34" charset="-122"/>
                 <a:cs typeface="Inter" pitchFamily="34" charset="-120"/>
               </a:rPr>
-              <a:t>common_utils.py: 데이터 로드, 데이터 전처리, ARIMA 모델 정의, 학습 및 예측 디바이스 선택 기능 제공</a:t>
+              <a:t>PyTorch 기반 ARIMA 모델 구현</a:t>
             </a:r>
             <a:endParaRPr lang="en-US" sz="1750" dirty="0"/>
           </a:p>
@@ -2713,18 +2747,104 @@
       </p:sp>
       <p:sp>
         <p:nvSpPr>
-          <p:cNvPr id="8" name="Shape 5"/>
-          <p:cNvSpPr/>
-          <p:nvPr/>
-        </p:nvSpPr>
-        <p:spPr>
-          <a:xfrm>
-            <a:off x="5235893" y="4357926"/>
-            <a:ext cx="510302" cy="510302"/>
+          <p:cNvPr id="7" name="Text 5"/>
+          <p:cNvSpPr/>
+          <p:nvPr/>
+        </p:nvSpPr>
+        <p:spPr>
+          <a:xfrm>
+            <a:off x="1020604" y="5068729"/>
+            <a:ext cx="3742730" cy="725805"/>
+          </a:xfrm>
+          <a:prstGeom prst="rect">
+            <a:avLst/>
+          </a:prstGeom>
+          <a:noFill/>
+          <a:ln/>
+        </p:spPr>
+        <p:txBody>
+          <a:bodyPr wrap="square" lIns="0" tIns="0" rIns="0" bIns="0" rtlCol="0" anchor="t"/>
+          <a:lstStyle/>
+          <a:p>
+            <a:pPr marL="342900" indent="-342900" algn="l">
+              <a:lnSpc>
+                <a:spcPts val="2850"/>
+              </a:lnSpc>
+              <a:buSzPct val="100000"/>
+              <a:buChar char="•"/>
+            </a:pPr>
+            <a:r>
+              <a:rPr lang="en-US" sz="1750" dirty="0">
+                <a:solidFill>
+                  <a:srgbClr val="C7CDD6"/>
+                </a:solidFill>
+                <a:latin typeface="Inter" pitchFamily="34" charset="0"/>
+                <a:ea typeface="Inter" pitchFamily="34" charset="-122"/>
+                <a:cs typeface="Inter" pitchFamily="34" charset="-120"/>
+              </a:rPr>
+              <a:t>시계열 데이터 전처리 및 분석 파이프라인 구축</a:t>
+            </a:r>
+            <a:endParaRPr lang="en-US" sz="1750" dirty="0"/>
+          </a:p>
+        </p:txBody>
+      </p:sp>
+      <p:sp>
+        <p:nvSpPr>
+          <p:cNvPr id="8" name="Text 6"/>
+          <p:cNvSpPr/>
+          <p:nvPr/>
+        </p:nvSpPr>
+        <p:spPr>
+          <a:xfrm>
+            <a:off x="1020604" y="5873829"/>
+            <a:ext cx="3742730" cy="362903"/>
+          </a:xfrm>
+          <a:prstGeom prst="rect">
+            <a:avLst/>
+          </a:prstGeom>
+          <a:noFill/>
+          <a:ln/>
+        </p:spPr>
+        <p:txBody>
+          <a:bodyPr wrap="none" lIns="0" tIns="0" rIns="0" bIns="0" rtlCol="0" anchor="t"/>
+          <a:lstStyle/>
+          <a:p>
+            <a:pPr marL="342900" indent="-342900" algn="l">
+              <a:lnSpc>
+                <a:spcPts val="2850"/>
+              </a:lnSpc>
+              <a:buSzPct val="100000"/>
+              <a:buChar char="•"/>
+            </a:pPr>
+            <a:r>
+              <a:rPr lang="en-US" sz="1750" dirty="0">
+                <a:solidFill>
+                  <a:srgbClr val="C7CDD6"/>
+                </a:solidFill>
+                <a:latin typeface="Inter" pitchFamily="34" charset="0"/>
+                <a:ea typeface="Inter" pitchFamily="34" charset="-122"/>
+                <a:cs typeface="Inter" pitchFamily="34" charset="-120"/>
+              </a:rPr>
+              <a:t>잔차 기반 이상치 탐지 방법론 적용</a:t>
+            </a:r>
+            <a:endParaRPr lang="en-US" sz="1750" dirty="0"/>
+          </a:p>
+        </p:txBody>
+      </p:sp>
+      <p:sp>
+        <p:nvSpPr>
+          <p:cNvPr id="9" name="Shape 7"/>
+          <p:cNvSpPr/>
+          <p:nvPr/>
+        </p:nvSpPr>
+        <p:spPr>
+          <a:xfrm>
+            <a:off x="5216962" y="3909298"/>
+            <a:ext cx="4196358" cy="2554248"/>
           </a:xfrm>
           <a:prstGeom prst="roundRect">
             <a:avLst>
-              <a:gd name="adj" fmla="val 6667"/>
+              <a:gd name="adj" fmla="val 1332"/>
             </a:avLst>
           </a:prstGeom>
           <a:solidFill>
@@ -2732,40 +2852,23 @@
           </a:solidFill>
           <a:ln/>
         </p:spPr>
-      </p:sp>
-      <p:pic>
-        <p:nvPicPr>
-          <p:cNvPr id="9" name="Image 1" descr="preencoded.png">    </p:cNvPr>
-          <p:cNvPicPr>
-            <a:picLocks noChangeAspect="1"/>
-          </p:cNvPicPr>
-          <p:nvPr/>
-        </p:nvPicPr>
-        <p:blipFill>
-          <a:blip r:embed="rId2"/>
-          <a:stretch>
-            <a:fillRect/>
-          </a:stretch>
-        </p:blipFill>
-        <p:spPr>
-          <a:xfrm>
-            <a:off x="5320963" y="4400431"/>
-            <a:ext cx="340162" cy="425291"/>
-          </a:xfrm>
-          <a:prstGeom prst="rect">
-            <a:avLst/>
-          </a:prstGeom>
-        </p:spPr>
-      </p:pic>
-      <p:sp>
-        <p:nvSpPr>
-          <p:cNvPr id="10" name="Text 6"/>
-          <p:cNvSpPr/>
-          <p:nvPr/>
-        </p:nvSpPr>
-        <p:spPr>
-          <a:xfrm>
-            <a:off x="5973008" y="4435793"/>
+        <p:txBody>
+          <a:bodyPr/>
+          <a:lstStyle/>
+          <a:p>
+            <a:endParaRPr lang="ko-KR" altLang="en-US"/>
+          </a:p>
+        </p:txBody>
+      </p:sp>
+      <p:sp>
+        <p:nvSpPr>
+          <p:cNvPr id="10" name="Text 8"/>
+          <p:cNvSpPr/>
+          <p:nvPr/>
+        </p:nvSpPr>
+        <p:spPr>
+          <a:xfrm>
+            <a:off x="5443776" y="4136112"/>
             <a:ext cx="2835235" cy="354330"/>
           </a:xfrm>
           <a:prstGeom prst="rect">
@@ -2778,7 +2881,7 @@
           <a:bodyPr wrap="none" lIns="0" tIns="0" rIns="0" bIns="0" rtlCol="0" anchor="t"/>
           <a:lstStyle/>
           <a:p>
-            <a:pPr algn="l" indent="0" marL="0">
+            <a:pPr marL="0" indent="0" algn="l">
               <a:lnSpc>
                 <a:spcPts val="2750"/>
               </a:lnSpc>
@@ -2793,7 +2896,7 @@
                 <a:ea typeface="Instrument Sans Medium" pitchFamily="34" charset="-122"/>
                 <a:cs typeface="Instrument Sans Medium" pitchFamily="34" charset="-120"/>
               </a:rPr>
-              <a:t>학습 스크립트</a:t>
+              <a:t>향후 개선 방향</a:t>
             </a:r>
             <a:endParaRPr lang="en-US" sz="2200" dirty="0"/>
           </a:p>
@@ -2801,30 +2904,31 @@
       </p:sp>
       <p:sp>
         <p:nvSpPr>
-          <p:cNvPr id="11" name="Text 7"/>
-          <p:cNvSpPr/>
-          <p:nvPr/>
-        </p:nvSpPr>
-        <p:spPr>
-          <a:xfrm>
-            <a:off x="5973008" y="4926211"/>
-            <a:ext cx="3421499" cy="1088708"/>
-          </a:xfrm>
-          <a:prstGeom prst="rect">
-            <a:avLst/>
-          </a:prstGeom>
-          <a:noFill/>
-          <a:ln/>
-        </p:spPr>
-        <p:txBody>
-          <a:bodyPr wrap="square" lIns="0" tIns="0" rIns="0" bIns="0" rtlCol="0" anchor="t"/>
-          <a:lstStyle/>
-          <a:p>
-            <a:pPr algn="l" indent="0" marL="0">
+          <p:cNvPr id="11" name="Text 9"/>
+          <p:cNvSpPr/>
+          <p:nvPr/>
+        </p:nvSpPr>
+        <p:spPr>
+          <a:xfrm>
+            <a:off x="5443776" y="4626531"/>
+            <a:ext cx="3742730" cy="362903"/>
+          </a:xfrm>
+          <a:prstGeom prst="rect">
+            <a:avLst/>
+          </a:prstGeom>
+          <a:noFill/>
+          <a:ln/>
+        </p:spPr>
+        <p:txBody>
+          <a:bodyPr wrap="none" lIns="0" tIns="0" rIns="0" bIns="0" rtlCol="0" anchor="t"/>
+          <a:lstStyle/>
+          <a:p>
+            <a:pPr marL="342900" indent="-342900" algn="l">
               <a:lnSpc>
                 <a:spcPts val="2850"/>
               </a:lnSpc>
-              <a:buNone/>
+              <a:buSzPct val="100000"/>
+              <a:buChar char="•"/>
             </a:pPr>
             <a:r>
               <a:rPr lang="en-US" sz="1750" dirty="0">
@@ -2835,7 +2939,7 @@
                 <a:ea typeface="Inter" pitchFamily="34" charset="-122"/>
                 <a:cs typeface="Inter" pitchFamily="34" charset="-120"/>
               </a:rPr>
-              <a:t>train_arima.py: 정상 구간 데이터를 이용해 학습, 학습된 파라미터를 저장하는 역할 수행</a:t>
+              <a:t>다양한 센서 태그에 대한 모델 확장</a:t>
             </a:r>
             <a:endParaRPr lang="en-US" sz="1750" dirty="0"/>
           </a:p>
@@ -2843,18 +2947,104 @@
       </p:sp>
       <p:sp>
         <p:nvSpPr>
-          <p:cNvPr id="12" name="Shape 8"/>
-          <p:cNvSpPr/>
-          <p:nvPr/>
-        </p:nvSpPr>
-        <p:spPr>
-          <a:xfrm>
-            <a:off x="9677995" y="4357926"/>
-            <a:ext cx="510302" cy="510302"/>
+          <p:cNvPr id="12" name="Text 10"/>
+          <p:cNvSpPr/>
+          <p:nvPr/>
+        </p:nvSpPr>
+        <p:spPr>
+          <a:xfrm>
+            <a:off x="5443776" y="5068729"/>
+            <a:ext cx="3742730" cy="362903"/>
+          </a:xfrm>
+          <a:prstGeom prst="rect">
+            <a:avLst/>
+          </a:prstGeom>
+          <a:noFill/>
+          <a:ln/>
+        </p:spPr>
+        <p:txBody>
+          <a:bodyPr wrap="none" lIns="0" tIns="0" rIns="0" bIns="0" rtlCol="0" anchor="t"/>
+          <a:lstStyle/>
+          <a:p>
+            <a:pPr marL="342900" indent="-342900" algn="l">
+              <a:lnSpc>
+                <a:spcPts val="2850"/>
+              </a:lnSpc>
+              <a:buSzPct val="100000"/>
+              <a:buChar char="•"/>
+            </a:pPr>
+            <a:r>
+              <a:rPr lang="en-US" sz="1750" dirty="0">
+                <a:solidFill>
+                  <a:srgbClr val="C7CDD6"/>
+                </a:solidFill>
+                <a:latin typeface="Inter" pitchFamily="34" charset="0"/>
+                <a:ea typeface="Inter" pitchFamily="34" charset="-122"/>
+                <a:cs typeface="Inter" pitchFamily="34" charset="-120"/>
+              </a:rPr>
+              <a:t>하이퍼파라미터 최적화 연구</a:t>
+            </a:r>
+            <a:endParaRPr lang="en-US" sz="1750" dirty="0"/>
+          </a:p>
+        </p:txBody>
+      </p:sp>
+      <p:sp>
+        <p:nvSpPr>
+          <p:cNvPr id="13" name="Text 11"/>
+          <p:cNvSpPr/>
+          <p:nvPr/>
+        </p:nvSpPr>
+        <p:spPr>
+          <a:xfrm>
+            <a:off x="5443776" y="5510927"/>
+            <a:ext cx="3742730" cy="362903"/>
+          </a:xfrm>
+          <a:prstGeom prst="rect">
+            <a:avLst/>
+          </a:prstGeom>
+          <a:noFill/>
+          <a:ln/>
+        </p:spPr>
+        <p:txBody>
+          <a:bodyPr wrap="none" lIns="0" tIns="0" rIns="0" bIns="0" rtlCol="0" anchor="t"/>
+          <a:lstStyle/>
+          <a:p>
+            <a:pPr marL="342900" indent="-342900" algn="l">
+              <a:lnSpc>
+                <a:spcPts val="2850"/>
+              </a:lnSpc>
+              <a:buSzPct val="100000"/>
+              <a:buChar char="•"/>
+            </a:pPr>
+            <a:r>
+              <a:rPr lang="en-US" sz="1750" dirty="0">
+                <a:solidFill>
+                  <a:srgbClr val="C7CDD6"/>
+                </a:solidFill>
+                <a:latin typeface="Inter" pitchFamily="34" charset="0"/>
+                <a:ea typeface="Inter" pitchFamily="34" charset="-122"/>
+                <a:cs typeface="Inter" pitchFamily="34" charset="-120"/>
+              </a:rPr>
+              <a:t>딥러닝 기반 모델과의 성능 비교</a:t>
+            </a:r>
+            <a:endParaRPr lang="en-US" sz="1750" dirty="0"/>
+          </a:p>
+        </p:txBody>
+      </p:sp>
+      <p:sp>
+        <p:nvSpPr>
+          <p:cNvPr id="14" name="Shape 12"/>
+          <p:cNvSpPr/>
+          <p:nvPr/>
+        </p:nvSpPr>
+        <p:spPr>
+          <a:xfrm>
+            <a:off x="9640133" y="3909298"/>
+            <a:ext cx="4196358" cy="2554248"/>
           </a:xfrm>
           <a:prstGeom prst="roundRect">
             <a:avLst>
-              <a:gd name="adj" fmla="val 6667"/>
+              <a:gd name="adj" fmla="val 1332"/>
             </a:avLst>
           </a:prstGeom>
           <a:solidFill>
@@ -2862,40 +3052,23 @@
           </a:solidFill>
           <a:ln/>
         </p:spPr>
-      </p:sp>
-      <p:pic>
-        <p:nvPicPr>
-          <p:cNvPr id="13" name="Image 2" descr="preencoded.png">    </p:cNvPr>
-          <p:cNvPicPr>
-            <a:picLocks noChangeAspect="1"/>
-          </p:cNvPicPr>
-          <p:nvPr/>
-        </p:nvPicPr>
-        <p:blipFill>
-          <a:blip r:embed="rId3"/>
-          <a:stretch>
-            <a:fillRect/>
-          </a:stretch>
-        </p:blipFill>
-        <p:spPr>
-          <a:xfrm>
-            <a:off x="9763065" y="4400431"/>
-            <a:ext cx="340162" cy="425291"/>
-          </a:xfrm>
-          <a:prstGeom prst="rect">
-            <a:avLst/>
-          </a:prstGeom>
-        </p:spPr>
-      </p:pic>
-      <p:sp>
-        <p:nvSpPr>
-          <p:cNvPr id="14" name="Text 9"/>
-          <p:cNvSpPr/>
-          <p:nvPr/>
-        </p:nvSpPr>
-        <p:spPr>
-          <a:xfrm>
-            <a:off x="10415111" y="4435793"/>
+        <p:txBody>
+          <a:bodyPr/>
+          <a:lstStyle/>
+          <a:p>
+            <a:endParaRPr lang="ko-KR" altLang="en-US"/>
+          </a:p>
+        </p:txBody>
+      </p:sp>
+      <p:sp>
+        <p:nvSpPr>
+          <p:cNvPr id="15" name="Text 13"/>
+          <p:cNvSpPr/>
+          <p:nvPr/>
+        </p:nvSpPr>
+        <p:spPr>
+          <a:xfrm>
+            <a:off x="9866948" y="4136112"/>
             <a:ext cx="2835235" cy="354330"/>
           </a:xfrm>
           <a:prstGeom prst="rect">
@@ -2908,7 +3081,7 @@
           <a:bodyPr wrap="none" lIns="0" tIns="0" rIns="0" bIns="0" rtlCol="0" anchor="t"/>
           <a:lstStyle/>
           <a:p>
-            <a:pPr algn="l" indent="0" marL="0">
+            <a:pPr marL="0" indent="0" algn="l">
               <a:lnSpc>
                 <a:spcPts val="2750"/>
               </a:lnSpc>
@@ -2923,7 +3096,7 @@
                 <a:ea typeface="Instrument Sans Medium" pitchFamily="34" charset="-122"/>
                 <a:cs typeface="Instrument Sans Medium" pitchFamily="34" charset="-120"/>
               </a:rPr>
-              <a:t>예측 및 시각화</a:t>
+              <a:t>참고 자료</a:t>
             </a:r>
             <a:endParaRPr lang="en-US" sz="2200" dirty="0"/>
           </a:p>
@@ -2931,30 +3104,31 @@
       </p:sp>
       <p:sp>
         <p:nvSpPr>
-          <p:cNvPr id="15" name="Text 10"/>
-          <p:cNvSpPr/>
-          <p:nvPr/>
-        </p:nvSpPr>
-        <p:spPr>
-          <a:xfrm>
-            <a:off x="10415111" y="4926211"/>
-            <a:ext cx="3421499" cy="1088708"/>
-          </a:xfrm>
-          <a:prstGeom prst="rect">
-            <a:avLst/>
-          </a:prstGeom>
-          <a:noFill/>
-          <a:ln/>
-        </p:spPr>
-        <p:txBody>
-          <a:bodyPr wrap="square" lIns="0" tIns="0" rIns="0" bIns="0" rtlCol="0" anchor="t"/>
-          <a:lstStyle/>
-          <a:p>
-            <a:pPr algn="l" indent="0" marL="0">
+          <p:cNvPr id="16" name="Text 14"/>
+          <p:cNvSpPr/>
+          <p:nvPr/>
+        </p:nvSpPr>
+        <p:spPr>
+          <a:xfrm>
+            <a:off x="9866948" y="4626531"/>
+            <a:ext cx="3742730" cy="362903"/>
+          </a:xfrm>
+          <a:prstGeom prst="rect">
+            <a:avLst/>
+          </a:prstGeom>
+          <a:noFill/>
+          <a:ln/>
+        </p:spPr>
+        <p:txBody>
+          <a:bodyPr wrap="none" lIns="0" tIns="0" rIns="0" bIns="0" rtlCol="0" anchor="t"/>
+          <a:lstStyle/>
+          <a:p>
+            <a:pPr marL="342900" indent="-342900" algn="l">
               <a:lnSpc>
                 <a:spcPts val="2850"/>
               </a:lnSpc>
-              <a:buNone/>
+              <a:buSzPct val="100000"/>
+              <a:buChar char="•"/>
             </a:pPr>
             <a:r>
               <a:rPr lang="en-US" sz="1750" dirty="0">
@@ -2965,7 +3139,111 @@
                 <a:ea typeface="Inter" pitchFamily="34" charset="-122"/>
                 <a:cs typeface="Inter" pitchFamily="34" charset="-120"/>
               </a:rPr>
-              <a:t>predict_arima.py: 이상치가 포함된 데이터에 대해 잔차를 계산, 이상치 판단, 이상치 시각화 기능 제공</a:t>
+              <a:t>GitHub: </a:t>
+            </a:r>
+            <a:r>
+              <a:rPr lang="en-US" sz="1750" u="sng" dirty="0">
+                <a:solidFill>
+                  <a:srgbClr val="FDC4C4"/>
+                </a:solidFill>
+                <a:latin typeface="Inter" pitchFamily="34" charset="0"/>
+                <a:ea typeface="Inter" pitchFamily="34" charset="-122"/>
+                <a:cs typeface="Inter" pitchFamily="34" charset="-120"/>
+                <a:hlinkClick r:id="rId3">
+                  <a:extLst>
+                    <a:ext uri="{A12FA001-AC4F-418D-AE19-62706E023703}">
+                      <ahyp:hlinkClr xmlns:ahyp="http://schemas.microsoft.com/office/drawing/2018/hyperlinkcolor" val="tx"/>
+                    </a:ext>
+                  </a:extLst>
+                </a:hlinkClick>
+              </a:rPr>
+              <a:t>torch_arima</a:t>
+            </a:r>
+            <a:endParaRPr lang="en-US" sz="1750" dirty="0"/>
+          </a:p>
+        </p:txBody>
+      </p:sp>
+      <p:sp>
+        <p:nvSpPr>
+          <p:cNvPr id="17" name="Text 15"/>
+          <p:cNvSpPr/>
+          <p:nvPr/>
+        </p:nvSpPr>
+        <p:spPr>
+          <a:xfrm>
+            <a:off x="9866948" y="5068729"/>
+            <a:ext cx="3742730" cy="362903"/>
+          </a:xfrm>
+          <a:prstGeom prst="rect">
+            <a:avLst/>
+          </a:prstGeom>
+          <a:noFill/>
+          <a:ln/>
+        </p:spPr>
+        <p:txBody>
+          <a:bodyPr wrap="none" lIns="0" tIns="0" rIns="0" bIns="0" rtlCol="0" anchor="t"/>
+          <a:lstStyle/>
+          <a:p>
+            <a:pPr marL="342900" indent="-342900" algn="l">
+              <a:lnSpc>
+                <a:spcPts val="2850"/>
+              </a:lnSpc>
+              <a:buSzPct val="100000"/>
+              <a:buChar char="•"/>
+            </a:pPr>
+            <a:r>
+              <a:rPr lang="en-US" sz="1750" dirty="0">
+                <a:solidFill>
+                  <a:srgbClr val="C7CDD6"/>
+                </a:solidFill>
+                <a:latin typeface="Inter" pitchFamily="34" charset="0"/>
+                <a:ea typeface="Inter" pitchFamily="34" charset="-122"/>
+                <a:cs typeface="Inter" pitchFamily="34" charset="-120"/>
+              </a:rPr>
+              <a:t>SWaT 데이터셋 문서</a:t>
+            </a:r>
+            <a:endParaRPr lang="en-US" sz="1750" dirty="0"/>
+          </a:p>
+        </p:txBody>
+      </p:sp>
+      <p:sp>
+        <p:nvSpPr>
+          <p:cNvPr id="18" name="Text 16"/>
+          <p:cNvSpPr/>
+          <p:nvPr/>
+        </p:nvSpPr>
+        <p:spPr>
+          <a:xfrm>
+            <a:off x="9866948" y="5510927"/>
+            <a:ext cx="3742730" cy="362903"/>
+          </a:xfrm>
+          <a:prstGeom prst="rect">
+            <a:avLst/>
+          </a:prstGeom>
+          <a:noFill/>
+          <a:ln/>
+        </p:spPr>
+        <p:txBody>
+          <a:bodyPr wrap="none" lIns="0" tIns="0" rIns="0" bIns="0" rtlCol="0" anchor="t"/>
+          <a:lstStyle/>
+          <a:p>
+            <a:pPr marL="342900" indent="-342900" algn="l">
+              <a:lnSpc>
+                <a:spcPts val="2850"/>
+              </a:lnSpc>
+              <a:buSzPct val="100000"/>
+              <a:buChar char="•"/>
+            </a:pPr>
+            <a:r>
+              <a:rPr lang="en-US" sz="1750" dirty="0">
+                <a:solidFill>
+                  <a:srgbClr val="C7CDD6"/>
+                </a:solidFill>
+                <a:latin typeface="Inter" pitchFamily="34" charset="0"/>
+                <a:ea typeface="Inter" pitchFamily="34" charset="-122"/>
+                <a:cs typeface="Inter" pitchFamily="34" charset="-120"/>
+              </a:rPr>
+              <a:t>ARIMA 모델 관련 논문</a:t>
             </a:r>
             <a:endParaRPr lang="en-US" sz="1750" dirty="0"/>
           </a:p>
@@ -2979,9 +3257,9 @@
 </p:sld>
 </file>
 
-<file path=ppt/slides/slide3.xml><?xml version="1.0" encoding="utf-8"?>
+<file path=ppt/slides/slide2.xml><?xml version="1.0" encoding="utf-8"?>
 <p:sld xmlns:a="http://schemas.openxmlformats.org/drawingml/2006/main" xmlns:r="http://schemas.openxmlformats.org/officeDocument/2006/relationships" xmlns:p="http://schemas.openxmlformats.org/presentationml/2006/main">
-  <p:cSld name="Slide 3">
+  <p:cSld>
     <p:spTree>
       <p:nvGrpSpPr>
         <p:cNvPr id="1" name=""/>
@@ -3004,8 +3282,8 @@
         </p:nvSpPr>
         <p:spPr>
           <a:xfrm>
-            <a:off x="793790" y="1513761"/>
-            <a:ext cx="7369612" cy="708779"/>
+            <a:off x="739735" y="581144"/>
+            <a:ext cx="5284113" cy="660440"/>
           </a:xfrm>
           <a:prstGeom prst="rect">
             <a:avLst/>
@@ -3017,14 +3295,14 @@
           <a:bodyPr wrap="none" lIns="0" tIns="0" rIns="0" bIns="0" rtlCol="0" anchor="t"/>
           <a:lstStyle/>
           <a:p>
-            <a:pPr algn="l" indent="0" marL="0">
-              <a:lnSpc>
-                <a:spcPts val="5550"/>
+            <a:pPr marL="0" indent="0" algn="l">
+              <a:lnSpc>
+                <a:spcPts val="5200"/>
               </a:lnSpc>
               <a:buNone/>
             </a:pPr>
             <a:r>
-              <a:rPr lang="en-US" sz="4450" dirty="0">
+              <a:rPr lang="en-US" sz="4150" dirty="0">
                 <a:solidFill>
                   <a:srgbClr val="EFD5FA"/>
                 </a:solidFill>
@@ -3032,22 +3310,46 @@
                 <a:ea typeface="Instrument Sans Medium" pitchFamily="34" charset="-122"/>
                 <a:cs typeface="Instrument Sans Medium" pitchFamily="34" charset="-120"/>
               </a:rPr>
-              <a:t>ARIMA 모델과 SWaT 데이터셋</a:t>
-            </a:r>
-            <a:endParaRPr lang="en-US" sz="4450" dirty="0"/>
-          </a:p>
-        </p:txBody>
-      </p:sp>
-      <p:sp>
-        <p:nvSpPr>
-          <p:cNvPr id="3" name="Text 1"/>
-          <p:cNvSpPr/>
-          <p:nvPr/>
-        </p:nvSpPr>
-        <p:spPr>
-          <a:xfrm>
-            <a:off x="793790" y="2789515"/>
-            <a:ext cx="2835235" cy="354330"/>
+              <a:t>목차</a:t>
+            </a:r>
+            <a:endParaRPr lang="en-US" sz="4150" dirty="0"/>
+          </a:p>
+        </p:txBody>
+      </p:sp>
+      <p:pic>
+        <p:nvPicPr>
+          <p:cNvPr id="3" name="Image 0" descr="preencoded.png"/>
+          <p:cNvPicPr>
+            <a:picLocks noChangeAspect="1"/>
+          </p:cNvPicPr>
+          <p:nvPr/>
+        </p:nvPicPr>
+        <p:blipFill>
+          <a:blip r:embed="rId3"/>
+          <a:stretch>
+            <a:fillRect/>
+          </a:stretch>
+        </p:blipFill>
+        <p:spPr>
+          <a:xfrm>
+            <a:off x="739735" y="1664256"/>
+            <a:ext cx="1056799" cy="1268135"/>
+          </a:xfrm>
+          <a:prstGeom prst="rect">
+            <a:avLst/>
+          </a:prstGeom>
+        </p:spPr>
+      </p:pic>
+      <p:sp>
+        <p:nvSpPr>
+          <p:cNvPr id="4" name="Text 1"/>
+          <p:cNvSpPr/>
+          <p:nvPr/>
+        </p:nvSpPr>
+        <p:spPr>
+          <a:xfrm>
+            <a:off x="2113478" y="1875592"/>
+            <a:ext cx="2641997" cy="330160"/>
           </a:xfrm>
           <a:prstGeom prst="rect">
             <a:avLst/>
@@ -3059,56 +3361,56 @@
           <a:bodyPr wrap="none" lIns="0" tIns="0" rIns="0" bIns="0" rtlCol="0" anchor="t"/>
           <a:lstStyle/>
           <a:p>
-            <a:pPr algn="l" indent="0" marL="0">
-              <a:lnSpc>
-                <a:spcPts val="2750"/>
+            <a:pPr marL="0" indent="0" algn="l">
+              <a:lnSpc>
+                <a:spcPts val="2600"/>
               </a:lnSpc>
               <a:buNone/>
             </a:pPr>
             <a:r>
-              <a:rPr lang="en-US" sz="2200" dirty="0">
-                <a:solidFill>
-                  <a:srgbClr val="EFD5FA"/>
+              <a:rPr lang="en-US" sz="2050" dirty="0" err="1">
+                <a:solidFill>
+                  <a:srgbClr val="C7CDD6"/>
                 </a:solidFill>
                 <a:latin typeface="Instrument Sans Medium" pitchFamily="34" charset="0"/>
                 <a:ea typeface="Instrument Sans Medium" pitchFamily="34" charset="-122"/>
                 <a:cs typeface="Instrument Sans Medium" pitchFamily="34" charset="-120"/>
               </a:rPr>
-              <a:t>ARIMA 모델</a:t>
-            </a:r>
-            <a:endParaRPr lang="en-US" sz="2200" dirty="0"/>
-          </a:p>
-        </p:txBody>
-      </p:sp>
-      <p:sp>
-        <p:nvSpPr>
-          <p:cNvPr id="4" name="Text 2"/>
-          <p:cNvSpPr/>
-          <p:nvPr/>
-        </p:nvSpPr>
-        <p:spPr>
-          <a:xfrm>
-            <a:off x="793790" y="3370659"/>
-            <a:ext cx="6244709" cy="725805"/>
-          </a:xfrm>
-          <a:prstGeom prst="rect">
-            <a:avLst/>
-          </a:prstGeom>
-          <a:noFill/>
-          <a:ln/>
-        </p:spPr>
-        <p:txBody>
-          <a:bodyPr wrap="square" lIns="0" tIns="0" rIns="0" bIns="0" rtlCol="0" anchor="t"/>
-          <a:lstStyle/>
-          <a:p>
-            <a:pPr algn="l" indent="0" marL="0">
-              <a:lnSpc>
-                <a:spcPts val="2850"/>
+              <a:t>개요</a:t>
+            </a:r>
+            <a:endParaRPr lang="en-US" sz="2050" dirty="0"/>
+          </a:p>
+        </p:txBody>
+      </p:sp>
+      <p:sp>
+        <p:nvSpPr>
+          <p:cNvPr id="5" name="Text 2"/>
+          <p:cNvSpPr/>
+          <p:nvPr/>
+        </p:nvSpPr>
+        <p:spPr>
+          <a:xfrm>
+            <a:off x="2113478" y="2332553"/>
+            <a:ext cx="11777186" cy="338138"/>
+          </a:xfrm>
+          <a:prstGeom prst="rect">
+            <a:avLst/>
+          </a:prstGeom>
+          <a:noFill/>
+          <a:ln/>
+        </p:spPr>
+        <p:txBody>
+          <a:bodyPr wrap="none" lIns="0" tIns="0" rIns="0" bIns="0" rtlCol="0" anchor="t"/>
+          <a:lstStyle/>
+          <a:p>
+            <a:pPr marL="0" indent="0" algn="l">
+              <a:lnSpc>
+                <a:spcPts val="2650"/>
               </a:lnSpc>
               <a:buNone/>
             </a:pPr>
             <a:r>
-              <a:rPr lang="en-US" sz="1750" dirty="0">
+              <a:rPr lang="en-US" sz="1650" dirty="0">
                 <a:solidFill>
                   <a:srgbClr val="C7CDD6"/>
                 </a:solidFill>
@@ -3116,42 +3418,107 @@
                 <a:ea typeface="Inter" pitchFamily="34" charset="-122"/>
                 <a:cs typeface="Inter" pitchFamily="34" charset="-120"/>
               </a:rPr>
-              <a:t>ARIMA(AutoRegressive Integrated Moving Average)는 AR+MA의 조합으로 잔차 기반 이상 탐지에 최적화된 모델입니다.</a:t>
-            </a:r>
-            <a:endParaRPr lang="en-US" sz="1750" dirty="0"/>
-          </a:p>
-        </p:txBody>
-      </p:sp>
-      <p:sp>
-        <p:nvSpPr>
-          <p:cNvPr id="5" name="Text 3"/>
-          <p:cNvSpPr/>
-          <p:nvPr/>
-        </p:nvSpPr>
-        <p:spPr>
-          <a:xfrm>
-            <a:off x="793790" y="4300538"/>
-            <a:ext cx="6244709" cy="725805"/>
-          </a:xfrm>
-          <a:prstGeom prst="rect">
-            <a:avLst/>
-          </a:prstGeom>
-          <a:noFill/>
-          <a:ln/>
-        </p:spPr>
-        <p:txBody>
-          <a:bodyPr wrap="square" lIns="0" tIns="0" rIns="0" bIns="0" rtlCol="0" anchor="t"/>
-          <a:lstStyle/>
-          <a:p>
-            <a:pPr algn="l" marL="342900" indent="-342900">
-              <a:lnSpc>
-                <a:spcPts val="2850"/>
-              </a:lnSpc>
-              <a:buSzPct val="100000"/>
-              <a:buChar char="•"/>
-            </a:pPr>
-            <a:r>
-              <a:rPr lang="en-US" sz="1750" dirty="0">
+              <a:t>프로젝트의 목표와 구성 요소 소개</a:t>
+            </a:r>
+            <a:endParaRPr lang="en-US" sz="1650" dirty="0"/>
+          </a:p>
+        </p:txBody>
+      </p:sp>
+      <p:pic>
+        <p:nvPicPr>
+          <p:cNvPr id="6" name="Image 1" descr="preencoded.png"/>
+          <p:cNvPicPr>
+            <a:picLocks noChangeAspect="1"/>
+          </p:cNvPicPr>
+          <p:nvPr/>
+        </p:nvPicPr>
+        <p:blipFill>
+          <a:blip r:embed="rId4"/>
+          <a:stretch>
+            <a:fillRect/>
+          </a:stretch>
+        </p:blipFill>
+        <p:spPr>
+          <a:xfrm>
+            <a:off x="739735" y="2932390"/>
+            <a:ext cx="1056799" cy="1268135"/>
+          </a:xfrm>
+          <a:prstGeom prst="rect">
+            <a:avLst/>
+          </a:prstGeom>
+        </p:spPr>
+      </p:pic>
+      <p:sp>
+        <p:nvSpPr>
+          <p:cNvPr id="7" name="Text 3"/>
+          <p:cNvSpPr/>
+          <p:nvPr/>
+        </p:nvSpPr>
+        <p:spPr>
+          <a:xfrm>
+            <a:off x="2113478" y="3143726"/>
+            <a:ext cx="2641997" cy="330160"/>
+          </a:xfrm>
+          <a:prstGeom prst="rect">
+            <a:avLst/>
+          </a:prstGeom>
+          <a:noFill/>
+          <a:ln/>
+        </p:spPr>
+        <p:txBody>
+          <a:bodyPr wrap="none" lIns="0" tIns="0" rIns="0" bIns="0" rtlCol="0" anchor="t"/>
+          <a:lstStyle/>
+          <a:p>
+            <a:pPr marL="0" indent="0" algn="l">
+              <a:lnSpc>
+                <a:spcPts val="2600"/>
+              </a:lnSpc>
+              <a:buNone/>
+            </a:pPr>
+            <a:r>
+              <a:rPr lang="en-US" sz="2050" dirty="0" err="1">
+                <a:solidFill>
+                  <a:srgbClr val="C7CDD6"/>
+                </a:solidFill>
+                <a:latin typeface="Instrument Sans Medium" pitchFamily="34" charset="0"/>
+                <a:ea typeface="Instrument Sans Medium" pitchFamily="34" charset="-122"/>
+                <a:cs typeface="Instrument Sans Medium" pitchFamily="34" charset="-120"/>
+              </a:rPr>
+              <a:t>코드</a:t>
+            </a:r>
+            <a:endParaRPr lang="en-US" sz="2050" dirty="0"/>
+          </a:p>
+        </p:txBody>
+      </p:sp>
+      <p:sp>
+        <p:nvSpPr>
+          <p:cNvPr id="8" name="Text 4"/>
+          <p:cNvSpPr/>
+          <p:nvPr/>
+        </p:nvSpPr>
+        <p:spPr>
+          <a:xfrm>
+            <a:off x="2113478" y="3600688"/>
+            <a:ext cx="11777186" cy="338138"/>
+          </a:xfrm>
+          <a:prstGeom prst="rect">
+            <a:avLst/>
+          </a:prstGeom>
+          <a:noFill/>
+          <a:ln/>
+        </p:spPr>
+        <p:txBody>
+          <a:bodyPr wrap="none" lIns="0" tIns="0" rIns="0" bIns="0" rtlCol="0" anchor="t"/>
+          <a:lstStyle/>
+          <a:p>
+            <a:pPr marL="0" indent="0" algn="l">
+              <a:lnSpc>
+                <a:spcPts val="2650"/>
+              </a:lnSpc>
+              <a:buNone/>
+            </a:pPr>
+            <a:r>
+              <a:rPr lang="en-US" sz="1650" dirty="0">
                 <a:solidFill>
                   <a:srgbClr val="C7CDD6"/>
                 </a:solidFill>
@@ -3159,42 +3526,118 @@
                 <a:ea typeface="Inter" pitchFamily="34" charset="-122"/>
                 <a:cs typeface="Inter" pitchFamily="34" charset="-120"/>
               </a:rPr>
-              <a:t>p (AR 차수): 과거 관측치 몇 개를 볼지, 직전 2 시점의 값을 반영</a:t>
-            </a:r>
-            <a:endParaRPr lang="en-US" sz="1750" dirty="0"/>
-          </a:p>
-        </p:txBody>
-      </p:sp>
-      <p:sp>
-        <p:nvSpPr>
-          <p:cNvPr id="6" name="Text 4"/>
-          <p:cNvSpPr/>
-          <p:nvPr/>
-        </p:nvSpPr>
-        <p:spPr>
-          <a:xfrm>
-            <a:off x="793790" y="5105638"/>
-            <a:ext cx="6244709" cy="725805"/>
-          </a:xfrm>
-          <a:prstGeom prst="rect">
-            <a:avLst/>
-          </a:prstGeom>
-          <a:noFill/>
-          <a:ln/>
-        </p:spPr>
-        <p:txBody>
-          <a:bodyPr wrap="square" lIns="0" tIns="0" rIns="0" bIns="0" rtlCol="0" anchor="t"/>
-          <a:lstStyle/>
-          <a:p>
-            <a:pPr algn="l" marL="342900" indent="-342900">
-              <a:lnSpc>
-                <a:spcPts val="2850"/>
-              </a:lnSpc>
-              <a:buSzPct val="100000"/>
-              <a:buChar char="•"/>
-            </a:pPr>
-            <a:r>
-              <a:rPr lang="en-US" sz="1750" dirty="0">
+              <a:t>common_utils.py, train_arima.py, predict_arima.py 분석</a:t>
+            </a:r>
+            <a:endParaRPr lang="en-US" sz="1650" dirty="0"/>
+          </a:p>
+        </p:txBody>
+      </p:sp>
+      <p:pic>
+        <p:nvPicPr>
+          <p:cNvPr id="9" name="Image 2" descr="preencoded.png"/>
+          <p:cNvPicPr>
+            <a:picLocks noChangeAspect="1"/>
+          </p:cNvPicPr>
+          <p:nvPr/>
+        </p:nvPicPr>
+        <p:blipFill>
+          <a:blip r:embed="rId5"/>
+          <a:stretch>
+            <a:fillRect/>
+          </a:stretch>
+        </p:blipFill>
+        <p:spPr>
+          <a:xfrm>
+            <a:off x="739735" y="4200525"/>
+            <a:ext cx="1056799" cy="1268135"/>
+          </a:xfrm>
+          <a:prstGeom prst="rect">
+            <a:avLst/>
+          </a:prstGeom>
+        </p:spPr>
+      </p:pic>
+      <p:sp>
+        <p:nvSpPr>
+          <p:cNvPr id="10" name="Text 5"/>
+          <p:cNvSpPr/>
+          <p:nvPr/>
+        </p:nvSpPr>
+        <p:spPr>
+          <a:xfrm>
+            <a:off x="2113478" y="4411861"/>
+            <a:ext cx="2641997" cy="330160"/>
+          </a:xfrm>
+          <a:prstGeom prst="rect">
+            <a:avLst/>
+          </a:prstGeom>
+          <a:noFill/>
+          <a:ln/>
+        </p:spPr>
+        <p:txBody>
+          <a:bodyPr wrap="none" lIns="0" tIns="0" rIns="0" bIns="0" rtlCol="0" anchor="t"/>
+          <a:lstStyle/>
+          <a:p>
+            <a:pPr marL="0" indent="0" algn="l">
+              <a:lnSpc>
+                <a:spcPts val="2600"/>
+              </a:lnSpc>
+              <a:buNone/>
+            </a:pPr>
+            <a:r>
+              <a:rPr lang="en-US" sz="2050" dirty="0" err="1">
+                <a:solidFill>
+                  <a:srgbClr val="C7CDD6"/>
+                </a:solidFill>
+                <a:latin typeface="Instrument Sans Medium" pitchFamily="34" charset="0"/>
+                <a:ea typeface="Instrument Sans Medium" pitchFamily="34" charset="-122"/>
+                <a:cs typeface="Instrument Sans Medium" pitchFamily="34" charset="-120"/>
+              </a:rPr>
+              <a:t>실행</a:t>
+            </a:r>
+            <a:r>
+              <a:rPr lang="en-US" sz="2050" dirty="0">
+                <a:solidFill>
+                  <a:srgbClr val="C7CDD6"/>
+                </a:solidFill>
+                <a:latin typeface="Instrument Sans Medium" pitchFamily="34" charset="0"/>
+                <a:ea typeface="Instrument Sans Medium" pitchFamily="34" charset="-122"/>
+                <a:cs typeface="Instrument Sans Medium" pitchFamily="34" charset="-120"/>
+              </a:rPr>
+              <a:t> 화면</a:t>
+            </a:r>
+            <a:endParaRPr lang="en-US" sz="2050" dirty="0"/>
+          </a:p>
+        </p:txBody>
+      </p:sp>
+      <p:sp>
+        <p:nvSpPr>
+          <p:cNvPr id="11" name="Text 6"/>
+          <p:cNvSpPr/>
+          <p:nvPr/>
+        </p:nvSpPr>
+        <p:spPr>
+          <a:xfrm>
+            <a:off x="2113478" y="4868823"/>
+            <a:ext cx="11777186" cy="338138"/>
+          </a:xfrm>
+          <a:prstGeom prst="rect">
+            <a:avLst/>
+          </a:prstGeom>
+          <a:noFill/>
+          <a:ln/>
+        </p:spPr>
+        <p:txBody>
+          <a:bodyPr wrap="none" lIns="0" tIns="0" rIns="0" bIns="0" rtlCol="0" anchor="t"/>
+          <a:lstStyle/>
+          <a:p>
+            <a:pPr marL="0" indent="0" algn="l">
+              <a:lnSpc>
+                <a:spcPts val="2650"/>
+              </a:lnSpc>
+              <a:buNone/>
+            </a:pPr>
+            <a:r>
+              <a:rPr lang="en-US" sz="1650" dirty="0">
                 <a:solidFill>
                   <a:srgbClr val="C7CDD6"/>
                 </a:solidFill>
@@ -3202,42 +3645,107 @@
                 <a:ea typeface="Inter" pitchFamily="34" charset="-122"/>
                 <a:cs typeface="Inter" pitchFamily="34" charset="-120"/>
               </a:rPr>
-              <a:t>d (차분 차수): 몇 번 차분해 정상 시계열로 만들지, 1차 차분만으로 안정적 패턴</a:t>
-            </a:r>
-            <a:endParaRPr lang="en-US" sz="1750" dirty="0"/>
-          </a:p>
-        </p:txBody>
-      </p:sp>
-      <p:sp>
-        <p:nvSpPr>
-          <p:cNvPr id="7" name="Text 5"/>
-          <p:cNvSpPr/>
-          <p:nvPr/>
-        </p:nvSpPr>
-        <p:spPr>
-          <a:xfrm>
-            <a:off x="793790" y="5910739"/>
-            <a:ext cx="6244709" cy="725805"/>
-          </a:xfrm>
-          <a:prstGeom prst="rect">
-            <a:avLst/>
-          </a:prstGeom>
-          <a:noFill/>
-          <a:ln/>
-        </p:spPr>
-        <p:txBody>
-          <a:bodyPr wrap="square" lIns="0" tIns="0" rIns="0" bIns="0" rtlCol="0" anchor="t"/>
-          <a:lstStyle/>
-          <a:p>
-            <a:pPr algn="l" marL="342900" indent="-342900">
-              <a:lnSpc>
-                <a:spcPts val="2850"/>
-              </a:lnSpc>
-              <a:buSzPct val="100000"/>
-              <a:buChar char="•"/>
-            </a:pPr>
-            <a:r>
-              <a:rPr lang="en-US" sz="1750" dirty="0">
+              <a:t>훈련 및 예측 결과 시각화</a:t>
+            </a:r>
+            <a:endParaRPr lang="en-US" sz="1650" dirty="0"/>
+          </a:p>
+        </p:txBody>
+      </p:sp>
+      <p:pic>
+        <p:nvPicPr>
+          <p:cNvPr id="12" name="Image 3" descr="preencoded.png"/>
+          <p:cNvPicPr>
+            <a:picLocks noChangeAspect="1"/>
+          </p:cNvPicPr>
+          <p:nvPr/>
+        </p:nvPicPr>
+        <p:blipFill>
+          <a:blip r:embed="rId6"/>
+          <a:stretch>
+            <a:fillRect/>
+          </a:stretch>
+        </p:blipFill>
+        <p:spPr>
+          <a:xfrm>
+            <a:off x="739735" y="5468660"/>
+            <a:ext cx="1056799" cy="1268135"/>
+          </a:xfrm>
+          <a:prstGeom prst="rect">
+            <a:avLst/>
+          </a:prstGeom>
+        </p:spPr>
+      </p:pic>
+      <p:sp>
+        <p:nvSpPr>
+          <p:cNvPr id="13" name="Text 7"/>
+          <p:cNvSpPr/>
+          <p:nvPr/>
+        </p:nvSpPr>
+        <p:spPr>
+          <a:xfrm>
+            <a:off x="2113478" y="5679996"/>
+            <a:ext cx="2641997" cy="330160"/>
+          </a:xfrm>
+          <a:prstGeom prst="rect">
+            <a:avLst/>
+          </a:prstGeom>
+          <a:noFill/>
+          <a:ln/>
+        </p:spPr>
+        <p:txBody>
+          <a:bodyPr wrap="none" lIns="0" tIns="0" rIns="0" bIns="0" rtlCol="0" anchor="t"/>
+          <a:lstStyle/>
+          <a:p>
+            <a:pPr marL="0" indent="0" algn="l">
+              <a:lnSpc>
+                <a:spcPts val="2600"/>
+              </a:lnSpc>
+              <a:buNone/>
+            </a:pPr>
+            <a:r>
+              <a:rPr lang="en-US" sz="2050" dirty="0" err="1">
+                <a:solidFill>
+                  <a:srgbClr val="C7CDD6"/>
+                </a:solidFill>
+                <a:latin typeface="Instrument Sans Medium" pitchFamily="34" charset="0"/>
+                <a:ea typeface="Instrument Sans Medium" pitchFamily="34" charset="-122"/>
+                <a:cs typeface="Instrument Sans Medium" pitchFamily="34" charset="-120"/>
+              </a:rPr>
+              <a:t>참고</a:t>
+            </a:r>
+            <a:endParaRPr lang="en-US" sz="2050" dirty="0"/>
+          </a:p>
+        </p:txBody>
+      </p:sp>
+      <p:sp>
+        <p:nvSpPr>
+          <p:cNvPr id="14" name="Text 8"/>
+          <p:cNvSpPr/>
+          <p:nvPr/>
+        </p:nvSpPr>
+        <p:spPr>
+          <a:xfrm>
+            <a:off x="2113478" y="6136957"/>
+            <a:ext cx="11777186" cy="338138"/>
+          </a:xfrm>
+          <a:prstGeom prst="rect">
+            <a:avLst/>
+          </a:prstGeom>
+          <a:noFill/>
+          <a:ln/>
+        </p:spPr>
+        <p:txBody>
+          <a:bodyPr wrap="none" lIns="0" tIns="0" rIns="0" bIns="0" rtlCol="0" anchor="t"/>
+          <a:lstStyle/>
+          <a:p>
+            <a:pPr marL="0" indent="0" algn="l">
+              <a:lnSpc>
+                <a:spcPts val="2650"/>
+              </a:lnSpc>
+              <a:buNone/>
+            </a:pPr>
+            <a:r>
+              <a:rPr lang="en-US" sz="1650" dirty="0">
                 <a:solidFill>
                   <a:srgbClr val="C7CDD6"/>
                 </a:solidFill>
@@ -3245,21 +3753,117 @@
                 <a:ea typeface="Inter" pitchFamily="34" charset="-122"/>
                 <a:cs typeface="Inter" pitchFamily="34" charset="-120"/>
               </a:rPr>
-              <a:t>q (MA 차수): 과거 오차 몇 개를 볼지, 직전 2 시점의 오차를 반영</a:t>
-            </a:r>
-            <a:endParaRPr lang="en-US" sz="1750" dirty="0"/>
-          </a:p>
-        </p:txBody>
-      </p:sp>
-      <p:sp>
-        <p:nvSpPr>
-          <p:cNvPr id="8" name="Text 6"/>
-          <p:cNvSpPr/>
-          <p:nvPr/>
-        </p:nvSpPr>
-        <p:spPr>
-          <a:xfrm>
-            <a:off x="7599521" y="2789515"/>
+              <a:t>참고 자료 및 리소스</a:t>
+            </a:r>
+            <a:endParaRPr lang="en-US" sz="1650" dirty="0"/>
+          </a:p>
+        </p:txBody>
+      </p:sp>
+      <p:sp>
+        <p:nvSpPr>
+          <p:cNvPr id="15" name="Text 9"/>
+          <p:cNvSpPr/>
+          <p:nvPr/>
+        </p:nvSpPr>
+        <p:spPr>
+          <a:xfrm>
+            <a:off x="739735" y="6974562"/>
+            <a:ext cx="13150929" cy="676275"/>
+          </a:xfrm>
+          <a:prstGeom prst="rect">
+            <a:avLst/>
+          </a:prstGeom>
+          <a:noFill/>
+          <a:ln/>
+        </p:spPr>
+        <p:txBody>
+          <a:bodyPr wrap="square" lIns="0" tIns="0" rIns="0" bIns="0" rtlCol="0" anchor="t"/>
+          <a:lstStyle/>
+          <a:p>
+            <a:pPr marL="0" indent="0" algn="l">
+              <a:lnSpc>
+                <a:spcPts val="2650"/>
+              </a:lnSpc>
+              <a:buNone/>
+            </a:pPr>
+            <a:r>
+              <a:rPr lang="en-US" sz="1650" dirty="0">
+                <a:solidFill>
+                  <a:srgbClr val="C7CDD6"/>
+                </a:solidFill>
+                <a:latin typeface="Inter" pitchFamily="34" charset="0"/>
+                <a:ea typeface="Inter" pitchFamily="34" charset="-122"/>
+                <a:cs typeface="Inter" pitchFamily="34" charset="-120"/>
+              </a:rPr>
+              <a:t>이 발표는 ARIMA 기반 이상 탐지 모델 구축 프로젝트의 전체 과정을 다룹니다. 개요에서는 프로젝트의 목표와 구성 요소를 소개하고, 코드 섹션에서는 세 개의 주요 파일을 분석합니다. 실행 화면에서는 훈련 및 예측 결과를 시각화하고, 마지막으로 참고 자료를 제시합니다.</a:t>
+            </a:r>
+            <a:endParaRPr lang="en-US" sz="1650" dirty="0"/>
+          </a:p>
+        </p:txBody>
+      </p:sp>
+    </p:spTree>
+  </p:cSld>
+  <p:clrMapOvr>
+    <a:masterClrMapping/>
+  </p:clrMapOvr>
+</p:sld>
+</file>
+
+<file path=ppt/slides/slide3.xml><?xml version="1.0" encoding="utf-8"?>
+<p:sld xmlns:a="http://schemas.openxmlformats.org/drawingml/2006/main" xmlns:r="http://schemas.openxmlformats.org/officeDocument/2006/relationships" xmlns:p="http://schemas.openxmlformats.org/presentationml/2006/main">
+  <p:cSld>
+    <p:spTree>
+      <p:nvGrpSpPr>
+        <p:cNvPr id="1" name=""/>
+        <p:cNvGrpSpPr/>
+        <p:nvPr/>
+      </p:nvGrpSpPr>
+      <p:grpSpPr>
+        <a:xfrm>
+          <a:off x="0" y="0"/>
+          <a:ext cx="0" cy="0"/>
+          <a:chOff x="0" y="0"/>
+          <a:chExt cx="0" cy="0"/>
+        </a:xfrm>
+      </p:grpSpPr>
+      <p:sp>
+        <p:nvSpPr>
+          <p:cNvPr id="3" name="Shape 1"/>
+          <p:cNvSpPr/>
+          <p:nvPr/>
+        </p:nvSpPr>
+        <p:spPr>
+          <a:xfrm>
+            <a:off x="793790" y="3109793"/>
+            <a:ext cx="4196358" cy="2191345"/>
+          </a:xfrm>
+          <a:prstGeom prst="roundRect">
+            <a:avLst>
+              <a:gd name="adj" fmla="val 1553"/>
+            </a:avLst>
+          </a:prstGeom>
+          <a:solidFill>
+            <a:srgbClr val="434348"/>
+          </a:solidFill>
+          <a:ln/>
+        </p:spPr>
+        <p:txBody>
+          <a:bodyPr/>
+          <a:lstStyle/>
+          <a:p>
+            <a:endParaRPr lang="ko-KR" altLang="en-US"/>
+          </a:p>
+        </p:txBody>
+      </p:sp>
+      <p:sp>
+        <p:nvSpPr>
+          <p:cNvPr id="4" name="Text 2"/>
+          <p:cNvSpPr/>
+          <p:nvPr/>
+        </p:nvSpPr>
+        <p:spPr>
+          <a:xfrm>
+            <a:off x="1020604" y="3336608"/>
             <a:ext cx="2835235" cy="354330"/>
           </a:xfrm>
           <a:prstGeom prst="rect">
@@ -3272,7 +3876,7 @@
           <a:bodyPr wrap="none" lIns="0" tIns="0" rIns="0" bIns="0" rtlCol="0" anchor="t"/>
           <a:lstStyle/>
           <a:p>
-            <a:pPr algn="l" indent="0" marL="0">
+            <a:pPr marL="0" indent="0" algn="l">
               <a:lnSpc>
                 <a:spcPts val="2750"/>
               </a:lnSpc>
@@ -3281,13 +3885,13 @@
             <a:r>
               <a:rPr lang="en-US" sz="2200" dirty="0">
                 <a:solidFill>
-                  <a:srgbClr val="EFD5FA"/>
+                  <a:srgbClr val="C7CDD6"/>
                 </a:solidFill>
                 <a:latin typeface="Instrument Sans Medium" pitchFamily="34" charset="0"/>
                 <a:ea typeface="Instrument Sans Medium" pitchFamily="34" charset="-122"/>
                 <a:cs typeface="Instrument Sans Medium" pitchFamily="34" charset="-120"/>
               </a:rPr>
-              <a:t>SWaT 데이터셋</a:t>
+              <a:t>프로젝트 목표</a:t>
             </a:r>
             <a:endParaRPr lang="en-US" sz="2200" dirty="0"/>
           </a:p>
@@ -3295,14 +3899,14 @@
       </p:sp>
       <p:sp>
         <p:nvSpPr>
-          <p:cNvPr id="9" name="Text 7"/>
-          <p:cNvSpPr/>
-          <p:nvPr/>
-        </p:nvSpPr>
-        <p:spPr>
-          <a:xfrm>
-            <a:off x="7599521" y="3370659"/>
-            <a:ext cx="6244709" cy="725805"/>
+          <p:cNvPr id="5" name="Text 3"/>
+          <p:cNvSpPr/>
+          <p:nvPr/>
+        </p:nvSpPr>
+        <p:spPr>
+          <a:xfrm>
+            <a:off x="1020604" y="3827026"/>
+            <a:ext cx="3742730" cy="1088708"/>
           </a:xfrm>
           <a:prstGeom prst="rect">
             <a:avLst/>
@@ -3314,7 +3918,7 @@
           <a:bodyPr wrap="square" lIns="0" tIns="0" rIns="0" bIns="0" rtlCol="0" anchor="t"/>
           <a:lstStyle/>
           <a:p>
-            <a:pPr algn="l" indent="0" marL="0">
+            <a:pPr marL="0" indent="0" algn="l">
               <a:lnSpc>
                 <a:spcPts val="2850"/>
               </a:lnSpc>
@@ -3329,7 +3933,7 @@
                 <a:ea typeface="Inter" pitchFamily="34" charset="-122"/>
                 <a:cs typeface="Inter" pitchFamily="34" charset="-120"/>
               </a:rPr>
-              <a:t>산업 제어 시스템용 공개 벤치마크 데이터로, 수많은 논문에서 사용된 검증된 데이터셋 모델입니다.</a:t>
+              <a:t>산업용 센서 시계열 데이터(SWaT)를 이용해 ARIMA 기반 이상 탐지 모델을 구축하는 파이프라인 구성</a:t>
             </a:r>
             <a:endParaRPr lang="en-US" sz="1750" dirty="0"/>
           </a:p>
@@ -3337,14 +3941,85 @@
       </p:sp>
       <p:sp>
         <p:nvSpPr>
-          <p:cNvPr id="10" name="Text 8"/>
-          <p:cNvSpPr/>
-          <p:nvPr/>
-        </p:nvSpPr>
-        <p:spPr>
-          <a:xfrm>
-            <a:off x="7599521" y="4300538"/>
-            <a:ext cx="6244709" cy="1088708"/>
+          <p:cNvPr id="6" name="Shape 4"/>
+          <p:cNvSpPr/>
+          <p:nvPr/>
+        </p:nvSpPr>
+        <p:spPr>
+          <a:xfrm>
+            <a:off x="5216962" y="3109793"/>
+            <a:ext cx="4196358" cy="2191345"/>
+          </a:xfrm>
+          <a:prstGeom prst="roundRect">
+            <a:avLst>
+              <a:gd name="adj" fmla="val 1553"/>
+            </a:avLst>
+          </a:prstGeom>
+          <a:solidFill>
+            <a:srgbClr val="434348"/>
+          </a:solidFill>
+          <a:ln/>
+        </p:spPr>
+        <p:txBody>
+          <a:bodyPr/>
+          <a:lstStyle/>
+          <a:p>
+            <a:endParaRPr lang="ko-KR" altLang="en-US"/>
+          </a:p>
+        </p:txBody>
+      </p:sp>
+      <p:sp>
+        <p:nvSpPr>
+          <p:cNvPr id="7" name="Text 5"/>
+          <p:cNvSpPr/>
+          <p:nvPr/>
+        </p:nvSpPr>
+        <p:spPr>
+          <a:xfrm>
+            <a:off x="5443776" y="3336608"/>
+            <a:ext cx="2835235" cy="354330"/>
+          </a:xfrm>
+          <a:prstGeom prst="rect">
+            <a:avLst/>
+          </a:prstGeom>
+          <a:noFill/>
+          <a:ln/>
+        </p:spPr>
+        <p:txBody>
+          <a:bodyPr wrap="none" lIns="0" tIns="0" rIns="0" bIns="0" rtlCol="0" anchor="t"/>
+          <a:lstStyle/>
+          <a:p>
+            <a:pPr marL="0" indent="0" algn="l">
+              <a:lnSpc>
+                <a:spcPts val="2750"/>
+              </a:lnSpc>
+              <a:buNone/>
+            </a:pPr>
+            <a:r>
+              <a:rPr lang="en-US" sz="2200" dirty="0">
+                <a:solidFill>
+                  <a:srgbClr val="C7CDD6"/>
+                </a:solidFill>
+                <a:latin typeface="Instrument Sans Medium" pitchFamily="34" charset="0"/>
+                <a:ea typeface="Instrument Sans Medium" pitchFamily="34" charset="-122"/>
+                <a:cs typeface="Instrument Sans Medium" pitchFamily="34" charset="-120"/>
+              </a:rPr>
+              <a:t>주요 기능</a:t>
+            </a:r>
+            <a:endParaRPr lang="en-US" sz="2200" dirty="0"/>
+          </a:p>
+        </p:txBody>
+      </p:sp>
+      <p:sp>
+        <p:nvSpPr>
+          <p:cNvPr id="8" name="Text 6"/>
+          <p:cNvSpPr/>
+          <p:nvPr/>
+        </p:nvSpPr>
+        <p:spPr>
+          <a:xfrm>
+            <a:off x="5443776" y="3827026"/>
+            <a:ext cx="3742730" cy="1088708"/>
           </a:xfrm>
           <a:prstGeom prst="rect">
             <a:avLst/>
@@ -3356,7 +4031,7 @@
           <a:bodyPr wrap="square" lIns="0" tIns="0" rIns="0" bIns="0" rtlCol="0" anchor="t"/>
           <a:lstStyle/>
           <a:p>
-            <a:pPr algn="l" indent="0" marL="0">
+            <a:pPr marL="0" indent="0" algn="l">
               <a:lnSpc>
                 <a:spcPts val="2850"/>
               </a:lnSpc>
@@ -3371,9 +4046,257 @@
                 <a:ea typeface="Inter" pitchFamily="34" charset="-122"/>
                 <a:cs typeface="Inter" pitchFamily="34" charset="-120"/>
               </a:rPr>
-              <a:t>데이터는 타임스탬프와 다양한 센서 태그(FIT101, LIT101 등)로 구성되어 있으며, 정상 상태와 이상 상태를 구분할 수 있는 레이블이 포함되어 있습니다.</a:t>
+              <a:t>학습된 ARIMA 모델로 새로운 시계열에 대한 추론을 수행하고, 잔차를 바탕으로 이상치를 예측</a:t>
             </a:r>
             <a:endParaRPr lang="en-US" sz="1750" dirty="0"/>
+          </a:p>
+        </p:txBody>
+      </p:sp>
+      <p:sp>
+        <p:nvSpPr>
+          <p:cNvPr id="9" name="Shape 7"/>
+          <p:cNvSpPr/>
+          <p:nvPr/>
+        </p:nvSpPr>
+        <p:spPr>
+          <a:xfrm>
+            <a:off x="9640133" y="3109793"/>
+            <a:ext cx="4196358" cy="2191345"/>
+          </a:xfrm>
+          <a:prstGeom prst="roundRect">
+            <a:avLst>
+              <a:gd name="adj" fmla="val 1553"/>
+            </a:avLst>
+          </a:prstGeom>
+          <a:solidFill>
+            <a:srgbClr val="434348"/>
+          </a:solidFill>
+          <a:ln/>
+        </p:spPr>
+        <p:txBody>
+          <a:bodyPr/>
+          <a:lstStyle/>
+          <a:p>
+            <a:endParaRPr lang="ko-KR" altLang="en-US"/>
+          </a:p>
+        </p:txBody>
+      </p:sp>
+      <p:sp>
+        <p:nvSpPr>
+          <p:cNvPr id="10" name="Text 8"/>
+          <p:cNvSpPr/>
+          <p:nvPr/>
+        </p:nvSpPr>
+        <p:spPr>
+          <a:xfrm>
+            <a:off x="9866948" y="3336608"/>
+            <a:ext cx="2835235" cy="354330"/>
+          </a:xfrm>
+          <a:prstGeom prst="rect">
+            <a:avLst/>
+          </a:prstGeom>
+          <a:noFill/>
+          <a:ln/>
+        </p:spPr>
+        <p:txBody>
+          <a:bodyPr wrap="none" lIns="0" tIns="0" rIns="0" bIns="0" rtlCol="0" anchor="t"/>
+          <a:lstStyle/>
+          <a:p>
+            <a:pPr marL="0" indent="0" algn="l">
+              <a:lnSpc>
+                <a:spcPts val="2750"/>
+              </a:lnSpc>
+              <a:buNone/>
+            </a:pPr>
+            <a:r>
+              <a:rPr lang="en-US" sz="2200" dirty="0">
+                <a:solidFill>
+                  <a:srgbClr val="C7CDD6"/>
+                </a:solidFill>
+                <a:latin typeface="Instrument Sans Medium" pitchFamily="34" charset="0"/>
+                <a:ea typeface="Instrument Sans Medium" pitchFamily="34" charset="-122"/>
+                <a:cs typeface="Instrument Sans Medium" pitchFamily="34" charset="-120"/>
+              </a:rPr>
+              <a:t>구성 요소</a:t>
+            </a:r>
+            <a:endParaRPr lang="en-US" sz="2200" dirty="0"/>
+          </a:p>
+        </p:txBody>
+      </p:sp>
+      <p:sp>
+        <p:nvSpPr>
+          <p:cNvPr id="11" name="Text 9"/>
+          <p:cNvSpPr/>
+          <p:nvPr/>
+        </p:nvSpPr>
+        <p:spPr>
+          <a:xfrm>
+            <a:off x="9866948" y="3827026"/>
+            <a:ext cx="3742730" cy="362903"/>
+          </a:xfrm>
+          <a:prstGeom prst="rect">
+            <a:avLst/>
+          </a:prstGeom>
+          <a:noFill/>
+          <a:ln/>
+        </p:spPr>
+        <p:txBody>
+          <a:bodyPr wrap="none" lIns="0" tIns="0" rIns="0" bIns="0" rtlCol="0" anchor="t"/>
+          <a:lstStyle/>
+          <a:p>
+            <a:pPr marL="342900" indent="-342900" algn="l">
+              <a:lnSpc>
+                <a:spcPts val="2850"/>
+              </a:lnSpc>
+              <a:buSzPct val="100000"/>
+              <a:buChar char="•"/>
+            </a:pPr>
+            <a:r>
+              <a:rPr lang="en-US" sz="1750" dirty="0">
+                <a:solidFill>
+                  <a:srgbClr val="C7CDD6"/>
+                </a:solidFill>
+                <a:latin typeface="Inter" pitchFamily="34" charset="0"/>
+                <a:ea typeface="Inter" pitchFamily="34" charset="-122"/>
+                <a:cs typeface="Inter" pitchFamily="34" charset="-120"/>
+              </a:rPr>
+              <a:t>공통 유틸리티: common_utils.py</a:t>
+            </a:r>
+            <a:endParaRPr lang="en-US" sz="1750" dirty="0"/>
+          </a:p>
+        </p:txBody>
+      </p:sp>
+      <p:sp>
+        <p:nvSpPr>
+          <p:cNvPr id="12" name="Text 10"/>
+          <p:cNvSpPr/>
+          <p:nvPr/>
+        </p:nvSpPr>
+        <p:spPr>
+          <a:xfrm>
+            <a:off x="9866948" y="4269224"/>
+            <a:ext cx="3742730" cy="362903"/>
+          </a:xfrm>
+          <a:prstGeom prst="rect">
+            <a:avLst/>
+          </a:prstGeom>
+          <a:noFill/>
+          <a:ln/>
+        </p:spPr>
+        <p:txBody>
+          <a:bodyPr wrap="none" lIns="0" tIns="0" rIns="0" bIns="0" rtlCol="0" anchor="t"/>
+          <a:lstStyle/>
+          <a:p>
+            <a:pPr marL="342900" indent="-342900" algn="l">
+              <a:lnSpc>
+                <a:spcPts val="2850"/>
+              </a:lnSpc>
+              <a:buSzPct val="100000"/>
+              <a:buChar char="•"/>
+            </a:pPr>
+            <a:r>
+              <a:rPr lang="en-US" sz="1750" dirty="0">
+                <a:solidFill>
+                  <a:srgbClr val="C7CDD6"/>
+                </a:solidFill>
+                <a:latin typeface="Inter" pitchFamily="34" charset="0"/>
+                <a:ea typeface="Inter" pitchFamily="34" charset="-122"/>
+                <a:cs typeface="Inter" pitchFamily="34" charset="-120"/>
+              </a:rPr>
+              <a:t>학습 스크립트: train_arima.py</a:t>
+            </a:r>
+            <a:endParaRPr lang="en-US" sz="1750" dirty="0"/>
+          </a:p>
+        </p:txBody>
+      </p:sp>
+      <p:sp>
+        <p:nvSpPr>
+          <p:cNvPr id="13" name="Text 11"/>
+          <p:cNvSpPr/>
+          <p:nvPr/>
+        </p:nvSpPr>
+        <p:spPr>
+          <a:xfrm>
+            <a:off x="9866948" y="4711422"/>
+            <a:ext cx="3742730" cy="362903"/>
+          </a:xfrm>
+          <a:prstGeom prst="rect">
+            <a:avLst/>
+          </a:prstGeom>
+          <a:noFill/>
+          <a:ln/>
+        </p:spPr>
+        <p:txBody>
+          <a:bodyPr wrap="none" lIns="0" tIns="0" rIns="0" bIns="0" rtlCol="0" anchor="t"/>
+          <a:lstStyle/>
+          <a:p>
+            <a:pPr marL="342900" indent="-342900" algn="l">
+              <a:lnSpc>
+                <a:spcPts val="2850"/>
+              </a:lnSpc>
+              <a:buSzPct val="100000"/>
+              <a:buChar char="•"/>
+            </a:pPr>
+            <a:r>
+              <a:rPr lang="en-US" sz="1750" dirty="0">
+                <a:solidFill>
+                  <a:srgbClr val="C7CDD6"/>
+                </a:solidFill>
+                <a:latin typeface="Inter" pitchFamily="34" charset="0"/>
+                <a:ea typeface="Inter" pitchFamily="34" charset="-122"/>
+                <a:cs typeface="Inter" pitchFamily="34" charset="-120"/>
+              </a:rPr>
+              <a:t>예측 및 시각화: predict_arima.py</a:t>
+            </a:r>
+            <a:endParaRPr lang="en-US" sz="1750" dirty="0"/>
+          </a:p>
+        </p:txBody>
+      </p:sp>
+      <p:sp>
+        <p:nvSpPr>
+          <p:cNvPr id="15" name="Text 0">
+            <a:extLst>
+              <a:ext uri="{FF2B5EF4-FFF2-40B4-BE49-F238E27FC236}">
+                <a16:creationId xmlns:a16="http://schemas.microsoft.com/office/drawing/2014/main" id="{D4089FE4-5158-7BED-3CC2-673F5C59CB1E}"/>
+              </a:ext>
+            </a:extLst>
+          </p:cNvPr>
+          <p:cNvSpPr/>
+          <p:nvPr/>
+        </p:nvSpPr>
+        <p:spPr>
+          <a:xfrm>
+            <a:off x="739735" y="581144"/>
+            <a:ext cx="5284113" cy="660440"/>
+          </a:xfrm>
+          <a:prstGeom prst="rect">
+            <a:avLst/>
+          </a:prstGeom>
+          <a:noFill/>
+          <a:ln/>
+        </p:spPr>
+        <p:txBody>
+          <a:bodyPr wrap="none" lIns="0" tIns="0" rIns="0" bIns="0" rtlCol="0" anchor="t"/>
+          <a:lstStyle/>
+          <a:p>
+            <a:pPr marL="0" indent="0" algn="l">
+              <a:lnSpc>
+                <a:spcPts val="5200"/>
+              </a:lnSpc>
+              <a:buNone/>
+            </a:pPr>
+            <a:r>
+              <a:rPr lang="ko-KR" altLang="en-US" sz="4150" dirty="0">
+                <a:solidFill>
+                  <a:srgbClr val="EFD5FA"/>
+                </a:solidFill>
+                <a:latin typeface="Instrument Sans Medium" pitchFamily="34" charset="0"/>
+                <a:ea typeface="Instrument Sans Medium" pitchFamily="34" charset="-122"/>
+                <a:cs typeface="Instrument Sans Medium" pitchFamily="34" charset="-120"/>
+              </a:rPr>
+              <a:t>개요</a:t>
+            </a:r>
+            <a:endParaRPr lang="en-US" sz="4150" dirty="0"/>
           </a:p>
         </p:txBody>
       </p:sp>
@@ -3386,6 +4309,1110 @@
 </file>
 
 <file path=ppt/slides/slide4.xml><?xml version="1.0" encoding="utf-8"?>
+<p:sld xmlns:a="http://schemas.openxmlformats.org/drawingml/2006/main" xmlns:r="http://schemas.openxmlformats.org/officeDocument/2006/relationships" xmlns:p="http://schemas.openxmlformats.org/presentationml/2006/main">
+  <p:cSld>
+    <p:spTree>
+      <p:nvGrpSpPr>
+        <p:cNvPr id="1" name="">
+          <a:extLst>
+            <a:ext uri="{FF2B5EF4-FFF2-40B4-BE49-F238E27FC236}">
+              <a16:creationId xmlns:a16="http://schemas.microsoft.com/office/drawing/2014/main" id="{009713EB-F92E-DE68-1A4E-E31A1BDA0431}"/>
+            </a:ext>
+          </a:extLst>
+        </p:cNvPr>
+        <p:cNvGrpSpPr/>
+        <p:nvPr/>
+      </p:nvGrpSpPr>
+      <p:grpSpPr>
+        <a:xfrm>
+          <a:off x="0" y="0"/>
+          <a:ext cx="0" cy="0"/>
+          <a:chOff x="0" y="0"/>
+          <a:chExt cx="0" cy="0"/>
+        </a:xfrm>
+      </p:grpSpPr>
+      <p:sp>
+        <p:nvSpPr>
+          <p:cNvPr id="15" name="Shape 2">
+            <a:extLst>
+              <a:ext uri="{FF2B5EF4-FFF2-40B4-BE49-F238E27FC236}">
+                <a16:creationId xmlns:a16="http://schemas.microsoft.com/office/drawing/2014/main" id="{F4776856-8CE2-A089-0776-5E4EAD520064}"/>
+              </a:ext>
+            </a:extLst>
+          </p:cNvPr>
+          <p:cNvSpPr/>
+          <p:nvPr/>
+        </p:nvSpPr>
+        <p:spPr>
+          <a:xfrm>
+            <a:off x="793790" y="4357926"/>
+            <a:ext cx="510302" cy="510302"/>
+          </a:xfrm>
+          <a:prstGeom prst="roundRect">
+            <a:avLst>
+              <a:gd name="adj" fmla="val 6667"/>
+            </a:avLst>
+          </a:prstGeom>
+          <a:solidFill>
+            <a:srgbClr val="434348"/>
+          </a:solidFill>
+          <a:ln/>
+        </p:spPr>
+        <p:txBody>
+          <a:bodyPr/>
+          <a:lstStyle/>
+          <a:p>
+            <a:endParaRPr lang="ko-KR" altLang="en-US"/>
+          </a:p>
+        </p:txBody>
+      </p:sp>
+      <p:pic>
+        <p:nvPicPr>
+          <p:cNvPr id="16" name="Image 0" descr="preencoded.png">
+            <a:extLst>
+              <a:ext uri="{FF2B5EF4-FFF2-40B4-BE49-F238E27FC236}">
+                <a16:creationId xmlns:a16="http://schemas.microsoft.com/office/drawing/2014/main" id="{C73AEAF5-7525-3159-4275-E73B67130CEA}"/>
+              </a:ext>
+            </a:extLst>
+          </p:cNvPr>
+          <p:cNvPicPr>
+            <a:picLocks noChangeAspect="1"/>
+          </p:cNvPicPr>
+          <p:nvPr/>
+        </p:nvPicPr>
+        <p:blipFill>
+          <a:blip r:embed="rId3"/>
+          <a:stretch>
+            <a:fillRect/>
+          </a:stretch>
+        </p:blipFill>
+        <p:spPr>
+          <a:xfrm>
+            <a:off x="878860" y="4400431"/>
+            <a:ext cx="340162" cy="425291"/>
+          </a:xfrm>
+          <a:prstGeom prst="rect">
+            <a:avLst/>
+          </a:prstGeom>
+        </p:spPr>
+      </p:pic>
+      <p:sp>
+        <p:nvSpPr>
+          <p:cNvPr id="17" name="Text 3">
+            <a:extLst>
+              <a:ext uri="{FF2B5EF4-FFF2-40B4-BE49-F238E27FC236}">
+                <a16:creationId xmlns:a16="http://schemas.microsoft.com/office/drawing/2014/main" id="{7C169568-0883-A05D-E029-171A9E640029}"/>
+              </a:ext>
+            </a:extLst>
+          </p:cNvPr>
+          <p:cNvSpPr/>
+          <p:nvPr/>
+        </p:nvSpPr>
+        <p:spPr>
+          <a:xfrm>
+            <a:off x="1530906" y="4435793"/>
+            <a:ext cx="2835235" cy="354330"/>
+          </a:xfrm>
+          <a:prstGeom prst="rect">
+            <a:avLst/>
+          </a:prstGeom>
+          <a:noFill/>
+          <a:ln/>
+        </p:spPr>
+        <p:txBody>
+          <a:bodyPr wrap="none" lIns="0" tIns="0" rIns="0" bIns="0" rtlCol="0" anchor="t"/>
+          <a:lstStyle/>
+          <a:p>
+            <a:pPr marL="0" indent="0" algn="l">
+              <a:lnSpc>
+                <a:spcPts val="2750"/>
+              </a:lnSpc>
+              <a:buNone/>
+            </a:pPr>
+            <a:r>
+              <a:rPr lang="en-US" sz="2200" dirty="0">
+                <a:solidFill>
+                  <a:srgbClr val="C7CDD6"/>
+                </a:solidFill>
+                <a:latin typeface="Instrument Sans Medium" pitchFamily="34" charset="0"/>
+                <a:ea typeface="Instrument Sans Medium" pitchFamily="34" charset="-122"/>
+                <a:cs typeface="Instrument Sans Medium" pitchFamily="34" charset="-120"/>
+              </a:rPr>
+              <a:t>공통 유틸리티</a:t>
+            </a:r>
+            <a:endParaRPr lang="en-US" sz="2200" dirty="0"/>
+          </a:p>
+        </p:txBody>
+      </p:sp>
+      <p:sp>
+        <p:nvSpPr>
+          <p:cNvPr id="18" name="Text 4">
+            <a:extLst>
+              <a:ext uri="{FF2B5EF4-FFF2-40B4-BE49-F238E27FC236}">
+                <a16:creationId xmlns:a16="http://schemas.microsoft.com/office/drawing/2014/main" id="{4C1C447E-AEB9-A558-9F48-FCC239276E84}"/>
+              </a:ext>
+            </a:extLst>
+          </p:cNvPr>
+          <p:cNvSpPr/>
+          <p:nvPr/>
+        </p:nvSpPr>
+        <p:spPr>
+          <a:xfrm>
+            <a:off x="1530906" y="4926211"/>
+            <a:ext cx="3421499" cy="1088708"/>
+          </a:xfrm>
+          <a:prstGeom prst="rect">
+            <a:avLst/>
+          </a:prstGeom>
+          <a:noFill/>
+          <a:ln/>
+        </p:spPr>
+        <p:txBody>
+          <a:bodyPr wrap="square" lIns="0" tIns="0" rIns="0" bIns="0" rtlCol="0" anchor="t"/>
+          <a:lstStyle/>
+          <a:p>
+            <a:pPr marL="0" indent="0" algn="l">
+              <a:lnSpc>
+                <a:spcPts val="2850"/>
+              </a:lnSpc>
+              <a:buNone/>
+            </a:pPr>
+            <a:r>
+              <a:rPr lang="en-US" sz="1750" dirty="0">
+                <a:solidFill>
+                  <a:srgbClr val="C7CDD6"/>
+                </a:solidFill>
+                <a:latin typeface="Inter" pitchFamily="34" charset="0"/>
+                <a:ea typeface="Inter" pitchFamily="34" charset="-122"/>
+                <a:cs typeface="Inter" pitchFamily="34" charset="-120"/>
+              </a:rPr>
+              <a:t>common_utils.py: 데이터 로드, 데이터 전처리, ARIMA 모델 정의, 학습 및 예측 디바이스 선택 기능 제공</a:t>
+            </a:r>
+            <a:endParaRPr lang="en-US" sz="1750" dirty="0"/>
+          </a:p>
+        </p:txBody>
+      </p:sp>
+      <p:sp>
+        <p:nvSpPr>
+          <p:cNvPr id="19" name="Shape 5">
+            <a:extLst>
+              <a:ext uri="{FF2B5EF4-FFF2-40B4-BE49-F238E27FC236}">
+                <a16:creationId xmlns:a16="http://schemas.microsoft.com/office/drawing/2014/main" id="{CEA51C58-3E50-569B-ACCF-2B71ECC147A1}"/>
+              </a:ext>
+            </a:extLst>
+          </p:cNvPr>
+          <p:cNvSpPr/>
+          <p:nvPr/>
+        </p:nvSpPr>
+        <p:spPr>
+          <a:xfrm>
+            <a:off x="5235893" y="4357926"/>
+            <a:ext cx="510302" cy="510302"/>
+          </a:xfrm>
+          <a:prstGeom prst="roundRect">
+            <a:avLst>
+              <a:gd name="adj" fmla="val 6667"/>
+            </a:avLst>
+          </a:prstGeom>
+          <a:solidFill>
+            <a:srgbClr val="434348"/>
+          </a:solidFill>
+          <a:ln/>
+        </p:spPr>
+        <p:txBody>
+          <a:bodyPr/>
+          <a:lstStyle/>
+          <a:p>
+            <a:endParaRPr lang="ko-KR" altLang="en-US"/>
+          </a:p>
+        </p:txBody>
+      </p:sp>
+      <p:pic>
+        <p:nvPicPr>
+          <p:cNvPr id="20" name="Image 1" descr="preencoded.png">
+            <a:extLst>
+              <a:ext uri="{FF2B5EF4-FFF2-40B4-BE49-F238E27FC236}">
+                <a16:creationId xmlns:a16="http://schemas.microsoft.com/office/drawing/2014/main" id="{5CE3DC90-5970-15A9-DA3A-5F932E4BA345}"/>
+              </a:ext>
+            </a:extLst>
+          </p:cNvPr>
+          <p:cNvPicPr>
+            <a:picLocks noChangeAspect="1"/>
+          </p:cNvPicPr>
+          <p:nvPr/>
+        </p:nvPicPr>
+        <p:blipFill>
+          <a:blip r:embed="rId4"/>
+          <a:stretch>
+            <a:fillRect/>
+          </a:stretch>
+        </p:blipFill>
+        <p:spPr>
+          <a:xfrm>
+            <a:off x="5320963" y="4400431"/>
+            <a:ext cx="340162" cy="425291"/>
+          </a:xfrm>
+          <a:prstGeom prst="rect">
+            <a:avLst/>
+          </a:prstGeom>
+        </p:spPr>
+      </p:pic>
+      <p:sp>
+        <p:nvSpPr>
+          <p:cNvPr id="21" name="Text 6">
+            <a:extLst>
+              <a:ext uri="{FF2B5EF4-FFF2-40B4-BE49-F238E27FC236}">
+                <a16:creationId xmlns:a16="http://schemas.microsoft.com/office/drawing/2014/main" id="{A37E9AE0-2177-FB61-C706-8BE49579B3BD}"/>
+              </a:ext>
+            </a:extLst>
+          </p:cNvPr>
+          <p:cNvSpPr/>
+          <p:nvPr/>
+        </p:nvSpPr>
+        <p:spPr>
+          <a:xfrm>
+            <a:off x="5973008" y="4435793"/>
+            <a:ext cx="2835235" cy="354330"/>
+          </a:xfrm>
+          <a:prstGeom prst="rect">
+            <a:avLst/>
+          </a:prstGeom>
+          <a:noFill/>
+          <a:ln/>
+        </p:spPr>
+        <p:txBody>
+          <a:bodyPr wrap="none" lIns="0" tIns="0" rIns="0" bIns="0" rtlCol="0" anchor="t"/>
+          <a:lstStyle/>
+          <a:p>
+            <a:pPr marL="0" indent="0" algn="l">
+              <a:lnSpc>
+                <a:spcPts val="2750"/>
+              </a:lnSpc>
+              <a:buNone/>
+            </a:pPr>
+            <a:r>
+              <a:rPr lang="en-US" sz="2200" dirty="0">
+                <a:solidFill>
+                  <a:srgbClr val="C7CDD6"/>
+                </a:solidFill>
+                <a:latin typeface="Instrument Sans Medium" pitchFamily="34" charset="0"/>
+                <a:ea typeface="Instrument Sans Medium" pitchFamily="34" charset="-122"/>
+                <a:cs typeface="Instrument Sans Medium" pitchFamily="34" charset="-120"/>
+              </a:rPr>
+              <a:t>학습 스크립트</a:t>
+            </a:r>
+            <a:endParaRPr lang="en-US" sz="2200" dirty="0"/>
+          </a:p>
+        </p:txBody>
+      </p:sp>
+      <p:sp>
+        <p:nvSpPr>
+          <p:cNvPr id="22" name="Text 7">
+            <a:extLst>
+              <a:ext uri="{FF2B5EF4-FFF2-40B4-BE49-F238E27FC236}">
+                <a16:creationId xmlns:a16="http://schemas.microsoft.com/office/drawing/2014/main" id="{79293E25-2DEA-7070-64D0-45F909E033D8}"/>
+              </a:ext>
+            </a:extLst>
+          </p:cNvPr>
+          <p:cNvSpPr/>
+          <p:nvPr/>
+        </p:nvSpPr>
+        <p:spPr>
+          <a:xfrm>
+            <a:off x="5973008" y="4926211"/>
+            <a:ext cx="3421499" cy="1088708"/>
+          </a:xfrm>
+          <a:prstGeom prst="rect">
+            <a:avLst/>
+          </a:prstGeom>
+          <a:noFill/>
+          <a:ln/>
+        </p:spPr>
+        <p:txBody>
+          <a:bodyPr wrap="square" lIns="0" tIns="0" rIns="0" bIns="0" rtlCol="0" anchor="t"/>
+          <a:lstStyle/>
+          <a:p>
+            <a:pPr marL="0" indent="0" algn="l">
+              <a:lnSpc>
+                <a:spcPts val="2850"/>
+              </a:lnSpc>
+              <a:buNone/>
+            </a:pPr>
+            <a:r>
+              <a:rPr lang="en-US" sz="1750" dirty="0">
+                <a:solidFill>
+                  <a:srgbClr val="C7CDD6"/>
+                </a:solidFill>
+                <a:latin typeface="Inter" pitchFamily="34" charset="0"/>
+                <a:ea typeface="Inter" pitchFamily="34" charset="-122"/>
+                <a:cs typeface="Inter" pitchFamily="34" charset="-120"/>
+              </a:rPr>
+              <a:t>train_arima.py: 정상 구간 데이터를 이용해 학습, 학습된 파라미터를 저장하는 역할 수행</a:t>
+            </a:r>
+            <a:endParaRPr lang="en-US" sz="1750" dirty="0"/>
+          </a:p>
+        </p:txBody>
+      </p:sp>
+      <p:sp>
+        <p:nvSpPr>
+          <p:cNvPr id="23" name="Shape 8">
+            <a:extLst>
+              <a:ext uri="{FF2B5EF4-FFF2-40B4-BE49-F238E27FC236}">
+                <a16:creationId xmlns:a16="http://schemas.microsoft.com/office/drawing/2014/main" id="{A5491A5E-3DB3-3A8B-9F54-B32C8ABEA4A7}"/>
+              </a:ext>
+            </a:extLst>
+          </p:cNvPr>
+          <p:cNvSpPr/>
+          <p:nvPr/>
+        </p:nvSpPr>
+        <p:spPr>
+          <a:xfrm>
+            <a:off x="9677995" y="4357926"/>
+            <a:ext cx="510302" cy="510302"/>
+          </a:xfrm>
+          <a:prstGeom prst="roundRect">
+            <a:avLst>
+              <a:gd name="adj" fmla="val 6667"/>
+            </a:avLst>
+          </a:prstGeom>
+          <a:solidFill>
+            <a:srgbClr val="434348"/>
+          </a:solidFill>
+          <a:ln/>
+        </p:spPr>
+        <p:txBody>
+          <a:bodyPr/>
+          <a:lstStyle/>
+          <a:p>
+            <a:endParaRPr lang="ko-KR" altLang="en-US"/>
+          </a:p>
+        </p:txBody>
+      </p:sp>
+      <p:pic>
+        <p:nvPicPr>
+          <p:cNvPr id="24" name="Image 2" descr="preencoded.png">
+            <a:extLst>
+              <a:ext uri="{FF2B5EF4-FFF2-40B4-BE49-F238E27FC236}">
+                <a16:creationId xmlns:a16="http://schemas.microsoft.com/office/drawing/2014/main" id="{08F38364-532F-0E73-CA19-F4BD5C46A893}"/>
+              </a:ext>
+            </a:extLst>
+          </p:cNvPr>
+          <p:cNvPicPr>
+            <a:picLocks noChangeAspect="1"/>
+          </p:cNvPicPr>
+          <p:nvPr/>
+        </p:nvPicPr>
+        <p:blipFill>
+          <a:blip r:embed="rId5"/>
+          <a:stretch>
+            <a:fillRect/>
+          </a:stretch>
+        </p:blipFill>
+        <p:spPr>
+          <a:xfrm>
+            <a:off x="9763065" y="4400431"/>
+            <a:ext cx="340162" cy="425291"/>
+          </a:xfrm>
+          <a:prstGeom prst="rect">
+            <a:avLst/>
+          </a:prstGeom>
+        </p:spPr>
+      </p:pic>
+      <p:sp>
+        <p:nvSpPr>
+          <p:cNvPr id="25" name="Text 9">
+            <a:extLst>
+              <a:ext uri="{FF2B5EF4-FFF2-40B4-BE49-F238E27FC236}">
+                <a16:creationId xmlns:a16="http://schemas.microsoft.com/office/drawing/2014/main" id="{264FF608-1F1C-E3F1-CC4C-37C30C8BABFE}"/>
+              </a:ext>
+            </a:extLst>
+          </p:cNvPr>
+          <p:cNvSpPr/>
+          <p:nvPr/>
+        </p:nvSpPr>
+        <p:spPr>
+          <a:xfrm>
+            <a:off x="10415111" y="4435793"/>
+            <a:ext cx="2835235" cy="354330"/>
+          </a:xfrm>
+          <a:prstGeom prst="rect">
+            <a:avLst/>
+          </a:prstGeom>
+          <a:noFill/>
+          <a:ln/>
+        </p:spPr>
+        <p:txBody>
+          <a:bodyPr wrap="none" lIns="0" tIns="0" rIns="0" bIns="0" rtlCol="0" anchor="t"/>
+          <a:lstStyle/>
+          <a:p>
+            <a:pPr marL="0" indent="0" algn="l">
+              <a:lnSpc>
+                <a:spcPts val="2750"/>
+              </a:lnSpc>
+              <a:buNone/>
+            </a:pPr>
+            <a:r>
+              <a:rPr lang="en-US" sz="2200" dirty="0">
+                <a:solidFill>
+                  <a:srgbClr val="C7CDD6"/>
+                </a:solidFill>
+                <a:latin typeface="Instrument Sans Medium" pitchFamily="34" charset="0"/>
+                <a:ea typeface="Instrument Sans Medium" pitchFamily="34" charset="-122"/>
+                <a:cs typeface="Instrument Sans Medium" pitchFamily="34" charset="-120"/>
+              </a:rPr>
+              <a:t>예측 및 시각화</a:t>
+            </a:r>
+            <a:endParaRPr lang="en-US" sz="2200" dirty="0"/>
+          </a:p>
+        </p:txBody>
+      </p:sp>
+      <p:sp>
+        <p:nvSpPr>
+          <p:cNvPr id="26" name="Text 10">
+            <a:extLst>
+              <a:ext uri="{FF2B5EF4-FFF2-40B4-BE49-F238E27FC236}">
+                <a16:creationId xmlns:a16="http://schemas.microsoft.com/office/drawing/2014/main" id="{CBED0DC4-061E-2148-D35F-6ED515DDB15E}"/>
+              </a:ext>
+            </a:extLst>
+          </p:cNvPr>
+          <p:cNvSpPr/>
+          <p:nvPr/>
+        </p:nvSpPr>
+        <p:spPr>
+          <a:xfrm>
+            <a:off x="10415111" y="4926211"/>
+            <a:ext cx="3421499" cy="1088708"/>
+          </a:xfrm>
+          <a:prstGeom prst="rect">
+            <a:avLst/>
+          </a:prstGeom>
+          <a:noFill/>
+          <a:ln/>
+        </p:spPr>
+        <p:txBody>
+          <a:bodyPr wrap="square" lIns="0" tIns="0" rIns="0" bIns="0" rtlCol="0" anchor="t"/>
+          <a:lstStyle/>
+          <a:p>
+            <a:pPr marL="0" indent="0" algn="l">
+              <a:lnSpc>
+                <a:spcPts val="2850"/>
+              </a:lnSpc>
+              <a:buNone/>
+            </a:pPr>
+            <a:r>
+              <a:rPr lang="en-US" sz="1750" dirty="0">
+                <a:solidFill>
+                  <a:srgbClr val="C7CDD6"/>
+                </a:solidFill>
+                <a:latin typeface="Inter" pitchFamily="34" charset="0"/>
+                <a:ea typeface="Inter" pitchFamily="34" charset="-122"/>
+                <a:cs typeface="Inter" pitchFamily="34" charset="-120"/>
+              </a:rPr>
+              <a:t>predict_arima.py: 이상치가 포함된 데이터에 대해 잔차를 계산, 이상치 판단, 이상치 시각화 기능 제공</a:t>
+            </a:r>
+            <a:endParaRPr lang="en-US" sz="1750" dirty="0"/>
+          </a:p>
+        </p:txBody>
+      </p:sp>
+      <p:sp>
+        <p:nvSpPr>
+          <p:cNvPr id="27" name="Text 0">
+            <a:extLst>
+              <a:ext uri="{FF2B5EF4-FFF2-40B4-BE49-F238E27FC236}">
+                <a16:creationId xmlns:a16="http://schemas.microsoft.com/office/drawing/2014/main" id="{69B86291-53FC-1764-34FC-4EDB086C1D73}"/>
+              </a:ext>
+            </a:extLst>
+          </p:cNvPr>
+          <p:cNvSpPr/>
+          <p:nvPr/>
+        </p:nvSpPr>
+        <p:spPr>
+          <a:xfrm>
+            <a:off x="739735" y="581144"/>
+            <a:ext cx="5284113" cy="660440"/>
+          </a:xfrm>
+          <a:prstGeom prst="rect">
+            <a:avLst/>
+          </a:prstGeom>
+          <a:noFill/>
+          <a:ln/>
+        </p:spPr>
+        <p:txBody>
+          <a:bodyPr wrap="none" lIns="0" tIns="0" rIns="0" bIns="0" rtlCol="0" anchor="t"/>
+          <a:lstStyle/>
+          <a:p>
+            <a:pPr marL="0" indent="0" algn="l">
+              <a:lnSpc>
+                <a:spcPts val="5200"/>
+              </a:lnSpc>
+              <a:buNone/>
+            </a:pPr>
+            <a:r>
+              <a:rPr lang="ko-KR" altLang="en-US" sz="4150" dirty="0">
+                <a:solidFill>
+                  <a:srgbClr val="EFD5FA"/>
+                </a:solidFill>
+                <a:latin typeface="Instrument Sans Medium" pitchFamily="34" charset="0"/>
+                <a:ea typeface="Instrument Sans Medium" pitchFamily="34" charset="-122"/>
+                <a:cs typeface="Instrument Sans Medium" pitchFamily="34" charset="-120"/>
+              </a:rPr>
+              <a:t>구성 요소</a:t>
+            </a:r>
+            <a:endParaRPr lang="en-US" sz="4150" dirty="0"/>
+          </a:p>
+        </p:txBody>
+      </p:sp>
+    </p:spTree>
+    <p:extLst>
+      <p:ext uri="{BB962C8B-B14F-4D97-AF65-F5344CB8AC3E}">
+        <p14:creationId xmlns:p14="http://schemas.microsoft.com/office/powerpoint/2010/main" val="1774630251"/>
+      </p:ext>
+    </p:extLst>
+  </p:cSld>
+  <p:clrMapOvr>
+    <a:masterClrMapping/>
+  </p:clrMapOvr>
+</p:sld>
+</file>
+
+<file path=ppt/slides/slide5.xml><?xml version="1.0" encoding="utf-8"?>
+<p:sld xmlns:a="http://schemas.openxmlformats.org/drawingml/2006/main" xmlns:r="http://schemas.openxmlformats.org/officeDocument/2006/relationships" xmlns:p="http://schemas.openxmlformats.org/presentationml/2006/main">
+  <p:cSld>
+    <p:spTree>
+      <p:nvGrpSpPr>
+        <p:cNvPr id="1" name="">
+          <a:extLst>
+            <a:ext uri="{FF2B5EF4-FFF2-40B4-BE49-F238E27FC236}">
+              <a16:creationId xmlns:a16="http://schemas.microsoft.com/office/drawing/2014/main" id="{4BF42E54-2AF9-3BF7-B285-1CD11F059D5F}"/>
+            </a:ext>
+          </a:extLst>
+        </p:cNvPr>
+        <p:cNvGrpSpPr/>
+        <p:nvPr/>
+      </p:nvGrpSpPr>
+      <p:grpSpPr>
+        <a:xfrm>
+          <a:off x="0" y="0"/>
+          <a:ext cx="0" cy="0"/>
+          <a:chOff x="0" y="0"/>
+          <a:chExt cx="0" cy="0"/>
+        </a:xfrm>
+      </p:grpSpPr>
+      <p:sp>
+        <p:nvSpPr>
+          <p:cNvPr id="27" name="Text 0">
+            <a:extLst>
+              <a:ext uri="{FF2B5EF4-FFF2-40B4-BE49-F238E27FC236}">
+                <a16:creationId xmlns:a16="http://schemas.microsoft.com/office/drawing/2014/main" id="{583B6F8C-113B-0971-CAEF-C847792ACA3E}"/>
+              </a:ext>
+            </a:extLst>
+          </p:cNvPr>
+          <p:cNvSpPr/>
+          <p:nvPr/>
+        </p:nvSpPr>
+        <p:spPr>
+          <a:xfrm>
+            <a:off x="739735" y="581144"/>
+            <a:ext cx="5284113" cy="660440"/>
+          </a:xfrm>
+          <a:prstGeom prst="rect">
+            <a:avLst/>
+          </a:prstGeom>
+          <a:noFill/>
+          <a:ln/>
+        </p:spPr>
+        <p:txBody>
+          <a:bodyPr wrap="none" lIns="0" tIns="0" rIns="0" bIns="0" rtlCol="0" anchor="t"/>
+          <a:lstStyle/>
+          <a:p>
+            <a:pPr marL="0" indent="0" algn="l">
+              <a:lnSpc>
+                <a:spcPts val="5200"/>
+              </a:lnSpc>
+              <a:buNone/>
+            </a:pPr>
+            <a:r>
+              <a:rPr lang="en-US" altLang="ko-KR" sz="4150" dirty="0">
+                <a:solidFill>
+                  <a:srgbClr val="EFD5FA"/>
+                </a:solidFill>
+                <a:latin typeface="Instrument Sans Medium" pitchFamily="34" charset="0"/>
+                <a:ea typeface="Instrument Sans Medium" pitchFamily="34" charset="-122"/>
+                <a:cs typeface="Instrument Sans Medium" pitchFamily="34" charset="-120"/>
+              </a:rPr>
+              <a:t>ARIMA </a:t>
+            </a:r>
+            <a:r>
+              <a:rPr lang="ko-KR" altLang="en-US" sz="4150" dirty="0">
+                <a:solidFill>
+                  <a:srgbClr val="EFD5FA"/>
+                </a:solidFill>
+                <a:latin typeface="Instrument Sans Medium" pitchFamily="34" charset="0"/>
+                <a:ea typeface="Instrument Sans Medium" pitchFamily="34" charset="-122"/>
+                <a:cs typeface="Instrument Sans Medium" pitchFamily="34" charset="-120"/>
+              </a:rPr>
+              <a:t>모델</a:t>
+            </a:r>
+            <a:r>
+              <a:rPr lang="en-US" altLang="ko-KR" sz="4150" dirty="0">
+                <a:solidFill>
+                  <a:srgbClr val="EFD5FA"/>
+                </a:solidFill>
+                <a:latin typeface="Instrument Sans Medium" pitchFamily="34" charset="0"/>
+                <a:ea typeface="Instrument Sans Medium" pitchFamily="34" charset="-122"/>
+                <a:cs typeface="Instrument Sans Medium" pitchFamily="34" charset="-120"/>
+              </a:rPr>
+              <a:t>,</a:t>
+            </a:r>
+            <a:r>
+              <a:rPr lang="en-US" altLang="ko-KR" sz="4400" dirty="0">
+                <a:solidFill>
+                  <a:srgbClr val="EFD5FA"/>
+                </a:solidFill>
+                <a:latin typeface="Instrument Sans Medium" pitchFamily="34" charset="0"/>
+                <a:ea typeface="Instrument Sans Medium" pitchFamily="34" charset="-122"/>
+                <a:cs typeface="Instrument Sans Medium" pitchFamily="34" charset="-120"/>
+              </a:rPr>
+              <a:t> </a:t>
+            </a:r>
+            <a:r>
+              <a:rPr lang="en-US" altLang="ko-KR" sz="4400" dirty="0" err="1">
+                <a:solidFill>
+                  <a:srgbClr val="EFD5FA"/>
+                </a:solidFill>
+                <a:latin typeface="Instrument Sans Medium" pitchFamily="34" charset="0"/>
+                <a:ea typeface="Instrument Sans Medium" pitchFamily="34" charset="-122"/>
+                <a:cs typeface="Instrument Sans Medium" pitchFamily="34" charset="-120"/>
+              </a:rPr>
+              <a:t>SWaT</a:t>
+            </a:r>
+            <a:r>
+              <a:rPr lang="en-US" altLang="ko-KR" sz="4400" dirty="0">
+                <a:solidFill>
+                  <a:srgbClr val="EFD5FA"/>
+                </a:solidFill>
+                <a:latin typeface="Instrument Sans Medium" pitchFamily="34" charset="0"/>
+                <a:ea typeface="Instrument Sans Medium" pitchFamily="34" charset="-122"/>
+                <a:cs typeface="Instrument Sans Medium" pitchFamily="34" charset="-120"/>
+              </a:rPr>
+              <a:t> </a:t>
+            </a:r>
+            <a:r>
+              <a:rPr lang="en-US" altLang="ko-KR" sz="4400" dirty="0" err="1">
+                <a:solidFill>
+                  <a:srgbClr val="EFD5FA"/>
+                </a:solidFill>
+                <a:latin typeface="Instrument Sans Medium" pitchFamily="34" charset="0"/>
+                <a:ea typeface="Instrument Sans Medium" pitchFamily="34" charset="-122"/>
+                <a:cs typeface="Instrument Sans Medium" pitchFamily="34" charset="-120"/>
+              </a:rPr>
+              <a:t>데이터셋</a:t>
+            </a:r>
+            <a:endParaRPr lang="en-US" sz="4150" dirty="0"/>
+          </a:p>
+        </p:txBody>
+      </p:sp>
+      <p:sp>
+        <p:nvSpPr>
+          <p:cNvPr id="2" name="Text 1">
+            <a:extLst>
+              <a:ext uri="{FF2B5EF4-FFF2-40B4-BE49-F238E27FC236}">
+                <a16:creationId xmlns:a16="http://schemas.microsoft.com/office/drawing/2014/main" id="{ED52ABCC-EBEC-B2D5-7B78-64A4109A144D}"/>
+              </a:ext>
+            </a:extLst>
+          </p:cNvPr>
+          <p:cNvSpPr/>
+          <p:nvPr/>
+        </p:nvSpPr>
+        <p:spPr>
+          <a:xfrm>
+            <a:off x="793790" y="2789515"/>
+            <a:ext cx="2835235" cy="354330"/>
+          </a:xfrm>
+          <a:prstGeom prst="rect">
+            <a:avLst/>
+          </a:prstGeom>
+          <a:noFill/>
+          <a:ln/>
+        </p:spPr>
+        <p:txBody>
+          <a:bodyPr wrap="none" lIns="0" tIns="0" rIns="0" bIns="0" rtlCol="0" anchor="t"/>
+          <a:lstStyle/>
+          <a:p>
+            <a:pPr marL="0" indent="0" algn="l">
+              <a:lnSpc>
+                <a:spcPts val="2750"/>
+              </a:lnSpc>
+              <a:buNone/>
+            </a:pPr>
+            <a:r>
+              <a:rPr lang="en-US" sz="2200" dirty="0">
+                <a:solidFill>
+                  <a:srgbClr val="EFD5FA"/>
+                </a:solidFill>
+                <a:latin typeface="Instrument Sans Medium" pitchFamily="34" charset="0"/>
+                <a:ea typeface="Instrument Sans Medium" pitchFamily="34" charset="-122"/>
+                <a:cs typeface="Instrument Sans Medium" pitchFamily="34" charset="-120"/>
+              </a:rPr>
+              <a:t>ARIMA 모델</a:t>
+            </a:r>
+            <a:endParaRPr lang="en-US" sz="2200" dirty="0"/>
+          </a:p>
+        </p:txBody>
+      </p:sp>
+      <p:sp>
+        <p:nvSpPr>
+          <p:cNvPr id="3" name="Text 2">
+            <a:extLst>
+              <a:ext uri="{FF2B5EF4-FFF2-40B4-BE49-F238E27FC236}">
+                <a16:creationId xmlns:a16="http://schemas.microsoft.com/office/drawing/2014/main" id="{C69E0E68-F9B3-826A-7CBB-EAF4301AF572}"/>
+              </a:ext>
+            </a:extLst>
+          </p:cNvPr>
+          <p:cNvSpPr/>
+          <p:nvPr/>
+        </p:nvSpPr>
+        <p:spPr>
+          <a:xfrm>
+            <a:off x="793790" y="3370659"/>
+            <a:ext cx="6244709" cy="725805"/>
+          </a:xfrm>
+          <a:prstGeom prst="rect">
+            <a:avLst/>
+          </a:prstGeom>
+          <a:noFill/>
+          <a:ln/>
+        </p:spPr>
+        <p:txBody>
+          <a:bodyPr wrap="square" lIns="0" tIns="0" rIns="0" bIns="0" rtlCol="0" anchor="t"/>
+          <a:lstStyle/>
+          <a:p>
+            <a:pPr marL="0" indent="0" algn="l">
+              <a:lnSpc>
+                <a:spcPts val="2850"/>
+              </a:lnSpc>
+              <a:buNone/>
+            </a:pPr>
+            <a:r>
+              <a:rPr lang="en-US" sz="1750" dirty="0">
+                <a:solidFill>
+                  <a:srgbClr val="C7CDD6"/>
+                </a:solidFill>
+                <a:latin typeface="Inter" pitchFamily="34" charset="0"/>
+                <a:ea typeface="Inter" pitchFamily="34" charset="-122"/>
+                <a:cs typeface="Inter" pitchFamily="34" charset="-120"/>
+              </a:rPr>
+              <a:t>ARIMA(AutoRegressive Integrated Moving Average)는 AR+MA의 조합으로 잔차 기반 이상 탐지에 최적화된 모델입니다.</a:t>
+            </a:r>
+            <a:endParaRPr lang="en-US" sz="1750" dirty="0"/>
+          </a:p>
+        </p:txBody>
+      </p:sp>
+      <p:sp>
+        <p:nvSpPr>
+          <p:cNvPr id="4" name="Text 3">
+            <a:extLst>
+              <a:ext uri="{FF2B5EF4-FFF2-40B4-BE49-F238E27FC236}">
+                <a16:creationId xmlns:a16="http://schemas.microsoft.com/office/drawing/2014/main" id="{C4BB44FC-8495-C4E6-6F12-C62332E775B1}"/>
+              </a:ext>
+            </a:extLst>
+          </p:cNvPr>
+          <p:cNvSpPr/>
+          <p:nvPr/>
+        </p:nvSpPr>
+        <p:spPr>
+          <a:xfrm>
+            <a:off x="793790" y="4300538"/>
+            <a:ext cx="6244709" cy="725805"/>
+          </a:xfrm>
+          <a:prstGeom prst="rect">
+            <a:avLst/>
+          </a:prstGeom>
+          <a:noFill/>
+          <a:ln/>
+        </p:spPr>
+        <p:txBody>
+          <a:bodyPr wrap="square" lIns="0" tIns="0" rIns="0" bIns="0" rtlCol="0" anchor="t"/>
+          <a:lstStyle/>
+          <a:p>
+            <a:pPr marL="342900" indent="-342900" algn="l">
+              <a:lnSpc>
+                <a:spcPts val="2850"/>
+              </a:lnSpc>
+              <a:buSzPct val="100000"/>
+              <a:buChar char="•"/>
+            </a:pPr>
+            <a:r>
+              <a:rPr lang="en-US" sz="1750" dirty="0">
+                <a:solidFill>
+                  <a:srgbClr val="C7CDD6"/>
+                </a:solidFill>
+                <a:latin typeface="Inter" pitchFamily="34" charset="0"/>
+                <a:ea typeface="Inter" pitchFamily="34" charset="-122"/>
+                <a:cs typeface="Inter" pitchFamily="34" charset="-120"/>
+              </a:rPr>
+              <a:t>p (AR 차수): 과거 관측치 몇 개를 볼지, 직전 2 시점의 값을 반영</a:t>
+            </a:r>
+            <a:endParaRPr lang="en-US" sz="1750" dirty="0"/>
+          </a:p>
+        </p:txBody>
+      </p:sp>
+      <p:sp>
+        <p:nvSpPr>
+          <p:cNvPr id="5" name="Text 4">
+            <a:extLst>
+              <a:ext uri="{FF2B5EF4-FFF2-40B4-BE49-F238E27FC236}">
+                <a16:creationId xmlns:a16="http://schemas.microsoft.com/office/drawing/2014/main" id="{D7133989-6396-DF23-EDA9-9239290C8BF2}"/>
+              </a:ext>
+            </a:extLst>
+          </p:cNvPr>
+          <p:cNvSpPr/>
+          <p:nvPr/>
+        </p:nvSpPr>
+        <p:spPr>
+          <a:xfrm>
+            <a:off x="793790" y="5105638"/>
+            <a:ext cx="6244709" cy="725805"/>
+          </a:xfrm>
+          <a:prstGeom prst="rect">
+            <a:avLst/>
+          </a:prstGeom>
+          <a:noFill/>
+          <a:ln/>
+        </p:spPr>
+        <p:txBody>
+          <a:bodyPr wrap="square" lIns="0" tIns="0" rIns="0" bIns="0" rtlCol="0" anchor="t"/>
+          <a:lstStyle/>
+          <a:p>
+            <a:pPr marL="342900" indent="-342900" algn="l">
+              <a:lnSpc>
+                <a:spcPts val="2850"/>
+              </a:lnSpc>
+              <a:buSzPct val="100000"/>
+              <a:buChar char="•"/>
+            </a:pPr>
+            <a:r>
+              <a:rPr lang="en-US" sz="1750" dirty="0">
+                <a:solidFill>
+                  <a:srgbClr val="C7CDD6"/>
+                </a:solidFill>
+                <a:latin typeface="Inter" pitchFamily="34" charset="0"/>
+                <a:ea typeface="Inter" pitchFamily="34" charset="-122"/>
+                <a:cs typeface="Inter" pitchFamily="34" charset="-120"/>
+              </a:rPr>
+              <a:t>d (차분 차수): 몇 번 차분해 정상 시계열로 만들지, 1차 차분만으로 안정적 패턴</a:t>
+            </a:r>
+            <a:endParaRPr lang="en-US" sz="1750" dirty="0"/>
+          </a:p>
+        </p:txBody>
+      </p:sp>
+      <p:sp>
+        <p:nvSpPr>
+          <p:cNvPr id="6" name="Text 5">
+            <a:extLst>
+              <a:ext uri="{FF2B5EF4-FFF2-40B4-BE49-F238E27FC236}">
+                <a16:creationId xmlns:a16="http://schemas.microsoft.com/office/drawing/2014/main" id="{FE281221-B047-5CEB-FE19-7786C39246DF}"/>
+              </a:ext>
+            </a:extLst>
+          </p:cNvPr>
+          <p:cNvSpPr/>
+          <p:nvPr/>
+        </p:nvSpPr>
+        <p:spPr>
+          <a:xfrm>
+            <a:off x="793790" y="5910739"/>
+            <a:ext cx="6244709" cy="725805"/>
+          </a:xfrm>
+          <a:prstGeom prst="rect">
+            <a:avLst/>
+          </a:prstGeom>
+          <a:noFill/>
+          <a:ln/>
+        </p:spPr>
+        <p:txBody>
+          <a:bodyPr wrap="square" lIns="0" tIns="0" rIns="0" bIns="0" rtlCol="0" anchor="t"/>
+          <a:lstStyle/>
+          <a:p>
+            <a:pPr marL="342900" indent="-342900" algn="l">
+              <a:lnSpc>
+                <a:spcPts val="2850"/>
+              </a:lnSpc>
+              <a:buSzPct val="100000"/>
+              <a:buChar char="•"/>
+            </a:pPr>
+            <a:r>
+              <a:rPr lang="en-US" sz="1750" dirty="0">
+                <a:solidFill>
+                  <a:srgbClr val="C7CDD6"/>
+                </a:solidFill>
+                <a:latin typeface="Inter" pitchFamily="34" charset="0"/>
+                <a:ea typeface="Inter" pitchFamily="34" charset="-122"/>
+                <a:cs typeface="Inter" pitchFamily="34" charset="-120"/>
+              </a:rPr>
+              <a:t>q (MA 차수): 과거 오차 몇 개를 볼지, 직전 2 시점의 오차를 반영</a:t>
+            </a:r>
+            <a:endParaRPr lang="en-US" sz="1750" dirty="0"/>
+          </a:p>
+        </p:txBody>
+      </p:sp>
+      <p:sp>
+        <p:nvSpPr>
+          <p:cNvPr id="7" name="Text 6">
+            <a:extLst>
+              <a:ext uri="{FF2B5EF4-FFF2-40B4-BE49-F238E27FC236}">
+                <a16:creationId xmlns:a16="http://schemas.microsoft.com/office/drawing/2014/main" id="{7ED02269-6046-A04E-A18A-E6FC5F34892F}"/>
+              </a:ext>
+            </a:extLst>
+          </p:cNvPr>
+          <p:cNvSpPr/>
+          <p:nvPr/>
+        </p:nvSpPr>
+        <p:spPr>
+          <a:xfrm>
+            <a:off x="7599521" y="2789515"/>
+            <a:ext cx="2835235" cy="354330"/>
+          </a:xfrm>
+          <a:prstGeom prst="rect">
+            <a:avLst/>
+          </a:prstGeom>
+          <a:noFill/>
+          <a:ln/>
+        </p:spPr>
+        <p:txBody>
+          <a:bodyPr wrap="none" lIns="0" tIns="0" rIns="0" bIns="0" rtlCol="0" anchor="t"/>
+          <a:lstStyle/>
+          <a:p>
+            <a:pPr marL="0" indent="0" algn="l">
+              <a:lnSpc>
+                <a:spcPts val="2750"/>
+              </a:lnSpc>
+              <a:buNone/>
+            </a:pPr>
+            <a:r>
+              <a:rPr lang="en-US" sz="2200" dirty="0">
+                <a:solidFill>
+                  <a:srgbClr val="EFD5FA"/>
+                </a:solidFill>
+                <a:latin typeface="Instrument Sans Medium" pitchFamily="34" charset="0"/>
+                <a:ea typeface="Instrument Sans Medium" pitchFamily="34" charset="-122"/>
+                <a:cs typeface="Instrument Sans Medium" pitchFamily="34" charset="-120"/>
+              </a:rPr>
+              <a:t>SWaT 데이터셋</a:t>
+            </a:r>
+            <a:endParaRPr lang="en-US" sz="2200" dirty="0"/>
+          </a:p>
+        </p:txBody>
+      </p:sp>
+      <p:sp>
+        <p:nvSpPr>
+          <p:cNvPr id="8" name="Text 7">
+            <a:extLst>
+              <a:ext uri="{FF2B5EF4-FFF2-40B4-BE49-F238E27FC236}">
+                <a16:creationId xmlns:a16="http://schemas.microsoft.com/office/drawing/2014/main" id="{E33445C4-6393-4E13-6BB2-EA01D6FC65C1}"/>
+              </a:ext>
+            </a:extLst>
+          </p:cNvPr>
+          <p:cNvSpPr/>
+          <p:nvPr/>
+        </p:nvSpPr>
+        <p:spPr>
+          <a:xfrm>
+            <a:off x="7599521" y="3370659"/>
+            <a:ext cx="6244709" cy="725805"/>
+          </a:xfrm>
+          <a:prstGeom prst="rect">
+            <a:avLst/>
+          </a:prstGeom>
+          <a:noFill/>
+          <a:ln/>
+        </p:spPr>
+        <p:txBody>
+          <a:bodyPr wrap="square" lIns="0" tIns="0" rIns="0" bIns="0" rtlCol="0" anchor="t"/>
+          <a:lstStyle/>
+          <a:p>
+            <a:pPr marL="0" indent="0" algn="l">
+              <a:lnSpc>
+                <a:spcPts val="2850"/>
+              </a:lnSpc>
+              <a:buNone/>
+            </a:pPr>
+            <a:r>
+              <a:rPr lang="en-US" sz="1750" dirty="0">
+                <a:solidFill>
+                  <a:srgbClr val="C7CDD6"/>
+                </a:solidFill>
+                <a:latin typeface="Inter" pitchFamily="34" charset="0"/>
+                <a:ea typeface="Inter" pitchFamily="34" charset="-122"/>
+                <a:cs typeface="Inter" pitchFamily="34" charset="-120"/>
+              </a:rPr>
+              <a:t>산업 제어 시스템용 공개 벤치마크 데이터로, 수많은 논문에서 사용된 검증된 데이터셋 모델입니다.</a:t>
+            </a:r>
+            <a:endParaRPr lang="en-US" sz="1750" dirty="0"/>
+          </a:p>
+        </p:txBody>
+      </p:sp>
+      <p:sp>
+        <p:nvSpPr>
+          <p:cNvPr id="9" name="Text 8">
+            <a:extLst>
+              <a:ext uri="{FF2B5EF4-FFF2-40B4-BE49-F238E27FC236}">
+                <a16:creationId xmlns:a16="http://schemas.microsoft.com/office/drawing/2014/main" id="{741C5E89-42BA-CCB3-0E80-9B2B2BC4C59F}"/>
+              </a:ext>
+            </a:extLst>
+          </p:cNvPr>
+          <p:cNvSpPr/>
+          <p:nvPr/>
+        </p:nvSpPr>
+        <p:spPr>
+          <a:xfrm>
+            <a:off x="7599521" y="4300538"/>
+            <a:ext cx="6244709" cy="1088708"/>
+          </a:xfrm>
+          <a:prstGeom prst="rect">
+            <a:avLst/>
+          </a:prstGeom>
+          <a:noFill/>
+          <a:ln/>
+        </p:spPr>
+        <p:txBody>
+          <a:bodyPr wrap="square" lIns="0" tIns="0" rIns="0" bIns="0" rtlCol="0" anchor="t"/>
+          <a:lstStyle/>
+          <a:p>
+            <a:pPr marL="0" indent="0" algn="l">
+              <a:lnSpc>
+                <a:spcPts val="2850"/>
+              </a:lnSpc>
+              <a:buNone/>
+            </a:pPr>
+            <a:r>
+              <a:rPr lang="en-US" sz="1750" dirty="0">
+                <a:solidFill>
+                  <a:srgbClr val="C7CDD6"/>
+                </a:solidFill>
+                <a:latin typeface="Inter" pitchFamily="34" charset="0"/>
+                <a:ea typeface="Inter" pitchFamily="34" charset="-122"/>
+                <a:cs typeface="Inter" pitchFamily="34" charset="-120"/>
+              </a:rPr>
+              <a:t>데이터는 타임스탬프와 다양한 센서 태그(FIT101, LIT101 등)로 구성되어 있으며, 정상 상태와 이상 상태를 구분할 수 있는 레이블이 포함되어 있습니다.</a:t>
+            </a:r>
+            <a:endParaRPr lang="en-US" sz="1750" dirty="0"/>
+          </a:p>
+        </p:txBody>
+      </p:sp>
+    </p:spTree>
+    <p:extLst>
+      <p:ext uri="{BB962C8B-B14F-4D97-AF65-F5344CB8AC3E}">
+        <p14:creationId xmlns:p14="http://schemas.microsoft.com/office/powerpoint/2010/main" val="1395010357"/>
+      </p:ext>
+    </p:extLst>
+  </p:cSld>
+  <p:clrMapOvr>
+    <a:masterClrMapping/>
+  </p:clrMapOvr>
+</p:sld>
+</file>
+
+<file path=ppt/slides/slide6.xml><?xml version="1.0" encoding="utf-8"?>
 <p:sld xmlns:a="http://schemas.openxmlformats.org/drawingml/2006/main" xmlns:r="http://schemas.openxmlformats.org/officeDocument/2006/relationships" xmlns:p="http://schemas.openxmlformats.org/presentationml/2006/main">
   <p:cSld name="Slide 4">
     <p:spTree>
@@ -3423,7 +5450,7 @@
           <a:bodyPr wrap="none" lIns="0" tIns="0" rIns="0" bIns="0" rtlCol="0" anchor="t"/>
           <a:lstStyle/>
           <a:p>
-            <a:pPr algn="l" indent="0" marL="0">
+            <a:pPr marL="0" indent="0" algn="l">
               <a:lnSpc>
                 <a:spcPts val="5450"/>
               </a:lnSpc>
@@ -3465,7 +5492,7 @@
           <a:bodyPr wrap="square" lIns="0" tIns="0" rIns="0" bIns="0" rtlCol="0" anchor="t"/>
           <a:lstStyle/>
           <a:p>
-            <a:pPr algn="l" indent="0" marL="0">
+            <a:pPr marL="0" indent="0" algn="l">
               <a:lnSpc>
                 <a:spcPts val="2800"/>
               </a:lnSpc>
@@ -3488,223 +5515,7 @@
       </p:sp>
       <p:pic>
         <p:nvPicPr>
-          <p:cNvPr id="4" name="Image 0" descr="preencoded.png">    </p:cNvPr>
-          <p:cNvPicPr>
-            <a:picLocks noChangeAspect="1"/>
-          </p:cNvPicPr>
-          <p:nvPr/>
-        </p:nvPicPr>
-        <p:blipFill>
-          <a:blip r:embed="rId1"/>
-          <a:stretch>
-            <a:fillRect/>
-          </a:stretch>
-        </p:blipFill>
-        <p:spPr>
-          <a:xfrm>
-            <a:off x="777954" y="2711887"/>
-            <a:ext cx="1111448" cy="1636514"/>
-          </a:xfrm>
-          <a:prstGeom prst="rect">
-            <a:avLst/>
-          </a:prstGeom>
-        </p:spPr>
-      </p:pic>
-      <p:sp>
-        <p:nvSpPr>
-          <p:cNvPr id="5" name="Text 2"/>
-          <p:cNvSpPr/>
-          <p:nvPr/>
-        </p:nvSpPr>
-        <p:spPr>
-          <a:xfrm>
-            <a:off x="2222778" y="2934176"/>
-            <a:ext cx="2778681" cy="347305"/>
-          </a:xfrm>
-          <a:prstGeom prst="rect">
-            <a:avLst/>
-          </a:prstGeom>
-          <a:noFill/>
-          <a:ln/>
-        </p:spPr>
-        <p:txBody>
-          <a:bodyPr wrap="none" lIns="0" tIns="0" rIns="0" bIns="0" rtlCol="0" anchor="t"/>
-          <a:lstStyle/>
-          <a:p>
-            <a:pPr algn="l" indent="0" marL="0">
-              <a:lnSpc>
-                <a:spcPts val="2700"/>
-              </a:lnSpc>
-              <a:buNone/>
-            </a:pPr>
-            <a:r>
-              <a:rPr lang="en-US" sz="2150" dirty="0">
-                <a:solidFill>
-                  <a:srgbClr val="C7CDD6"/>
-                </a:solidFill>
-                <a:latin typeface="Instrument Sans Medium" pitchFamily="34" charset="0"/>
-                <a:ea typeface="Instrument Sans Medium" pitchFamily="34" charset="-122"/>
-                <a:cs typeface="Instrument Sans Medium" pitchFamily="34" charset="-120"/>
-              </a:rPr>
-              <a:t>load_csv() 함수</a:t>
-            </a:r>
-            <a:endParaRPr lang="en-US" sz="2150" dirty="0"/>
-          </a:p>
-        </p:txBody>
-      </p:sp>
-      <p:sp>
-        <p:nvSpPr>
-          <p:cNvPr id="6" name="Text 3"/>
-          <p:cNvSpPr/>
-          <p:nvPr/>
-        </p:nvSpPr>
-        <p:spPr>
-          <a:xfrm>
-            <a:off x="2222778" y="3414832"/>
-            <a:ext cx="11629668" cy="711279"/>
-          </a:xfrm>
-          <a:prstGeom prst="rect">
-            <a:avLst/>
-          </a:prstGeom>
-          <a:noFill/>
-          <a:ln/>
-        </p:spPr>
-        <p:txBody>
-          <a:bodyPr wrap="square" lIns="0" tIns="0" rIns="0" bIns="0" rtlCol="0" anchor="t"/>
-          <a:lstStyle/>
-          <a:p>
-            <a:pPr algn="l" indent="0" marL="0">
-              <a:lnSpc>
-                <a:spcPts val="2800"/>
-              </a:lnSpc>
-              <a:buNone/>
-            </a:pPr>
-            <a:r>
-              <a:rPr lang="en-US" sz="1750" dirty="0">
-                <a:solidFill>
-                  <a:srgbClr val="C7CDD6"/>
-                </a:solidFill>
-                <a:latin typeface="Inter" pitchFamily="34" charset="0"/>
-                <a:ea typeface="Inter" pitchFamily="34" charset="-122"/>
-                <a:cs typeface="Inter" pitchFamily="34" charset="-120"/>
-              </a:rPr>
-              <a:t>CSV에서 지정 태그 시계열을 로드하고 전처리합니다. 1초 간격으로 리샘플링 및 보간한 시계열 Tensor와 DatetimeIndex를 반환합니다.</a:t>
-            </a:r>
-            <a:endParaRPr lang="en-US" sz="1750" dirty="0"/>
-          </a:p>
-        </p:txBody>
-      </p:sp>
-      <p:pic>
-        <p:nvPicPr>
-          <p:cNvPr id="7" name="Image 1" descr="preencoded.png">    </p:cNvPr>
-          <p:cNvPicPr>
-            <a:picLocks noChangeAspect="1"/>
-          </p:cNvPicPr>
-          <p:nvPr/>
-        </p:nvPicPr>
-        <p:blipFill>
-          <a:blip r:embed="rId2"/>
-          <a:stretch>
-            <a:fillRect/>
-          </a:stretch>
-        </p:blipFill>
-        <p:spPr>
-          <a:xfrm>
-            <a:off x="777954" y="4348401"/>
-            <a:ext cx="1111448" cy="1636514"/>
-          </a:xfrm>
-          <a:prstGeom prst="rect">
-            <a:avLst/>
-          </a:prstGeom>
-        </p:spPr>
-      </p:pic>
-      <p:sp>
-        <p:nvSpPr>
-          <p:cNvPr id="8" name="Text 4"/>
-          <p:cNvSpPr/>
-          <p:nvPr/>
-        </p:nvSpPr>
-        <p:spPr>
-          <a:xfrm>
-            <a:off x="2222778" y="4570690"/>
-            <a:ext cx="2778681" cy="347305"/>
-          </a:xfrm>
-          <a:prstGeom prst="rect">
-            <a:avLst/>
-          </a:prstGeom>
-          <a:noFill/>
-          <a:ln/>
-        </p:spPr>
-        <p:txBody>
-          <a:bodyPr wrap="none" lIns="0" tIns="0" rIns="0" bIns="0" rtlCol="0" anchor="t"/>
-          <a:lstStyle/>
-          <a:p>
-            <a:pPr algn="l" indent="0" marL="0">
-              <a:lnSpc>
-                <a:spcPts val="2700"/>
-              </a:lnSpc>
-              <a:buNone/>
-            </a:pPr>
-            <a:r>
-              <a:rPr lang="en-US" sz="2150" dirty="0">
-                <a:solidFill>
-                  <a:srgbClr val="C7CDD6"/>
-                </a:solidFill>
-                <a:latin typeface="Instrument Sans Medium" pitchFamily="34" charset="0"/>
-                <a:ea typeface="Instrument Sans Medium" pitchFamily="34" charset="-122"/>
-                <a:cs typeface="Instrument Sans Medium" pitchFamily="34" charset="-120"/>
-              </a:rPr>
-              <a:t>ARIMAModel 클래스</a:t>
-            </a:r>
-            <a:endParaRPr lang="en-US" sz="2150" dirty="0"/>
-          </a:p>
-        </p:txBody>
-      </p:sp>
-      <p:sp>
-        <p:nvSpPr>
-          <p:cNvPr id="9" name="Text 5"/>
-          <p:cNvSpPr/>
-          <p:nvPr/>
-        </p:nvSpPr>
-        <p:spPr>
-          <a:xfrm>
-            <a:off x="2222778" y="5051346"/>
-            <a:ext cx="11629668" cy="711279"/>
-          </a:xfrm>
-          <a:prstGeom prst="rect">
-            <a:avLst/>
-          </a:prstGeom>
-          <a:noFill/>
-          <a:ln/>
-        </p:spPr>
-        <p:txBody>
-          <a:bodyPr wrap="square" lIns="0" tIns="0" rIns="0" bIns="0" rtlCol="0" anchor="t"/>
-          <a:lstStyle/>
-          <a:p>
-            <a:pPr algn="l" indent="0" marL="0">
-              <a:lnSpc>
-                <a:spcPts val="2800"/>
-              </a:lnSpc>
-              <a:buNone/>
-            </a:pPr>
-            <a:r>
-              <a:rPr lang="en-US" sz="1750" dirty="0">
-                <a:solidFill>
-                  <a:srgbClr val="C7CDD6"/>
-                </a:solidFill>
-                <a:latin typeface="Inter" pitchFamily="34" charset="0"/>
-                <a:ea typeface="Inter" pitchFamily="34" charset="-122"/>
-                <a:cs typeface="Inter" pitchFamily="34" charset="-120"/>
-              </a:rPr>
-              <a:t>PyTorch 기반 ARIMA(p, d, q) 모델을 정의합니다. 학습 가능한 파라미터로 phi, theta, mu를 가지며, forward() 메서드에서 잔차를 계산합니다.</a:t>
-            </a:r>
-            <a:endParaRPr lang="en-US" sz="1750" dirty="0"/>
-          </a:p>
-        </p:txBody>
-      </p:sp>
-      <p:pic>
-        <p:nvPicPr>
-          <p:cNvPr id="10" name="Image 2" descr="preencoded.png">    </p:cNvPr>
+          <p:cNvPr id="4" name="Image 0" descr="preencoded.png"/>
           <p:cNvPicPr>
             <a:picLocks noChangeAspect="1"/>
           </p:cNvPicPr>
@@ -3718,7 +5529,7 @@
         </p:blipFill>
         <p:spPr>
           <a:xfrm>
-            <a:off x="777954" y="5984915"/>
+            <a:off x="777954" y="2711887"/>
             <a:ext cx="1111448" cy="1636514"/>
           </a:xfrm>
           <a:prstGeom prst="rect">
@@ -3728,13 +5539,13 @@
       </p:pic>
       <p:sp>
         <p:nvSpPr>
-          <p:cNvPr id="11" name="Text 6"/>
-          <p:cNvSpPr/>
-          <p:nvPr/>
-        </p:nvSpPr>
-        <p:spPr>
-          <a:xfrm>
-            <a:off x="2222778" y="6207204"/>
+          <p:cNvPr id="5" name="Text 2"/>
+          <p:cNvSpPr/>
+          <p:nvPr/>
+        </p:nvSpPr>
+        <p:spPr>
+          <a:xfrm>
+            <a:off x="2222778" y="2934176"/>
             <a:ext cx="2778681" cy="347305"/>
           </a:xfrm>
           <a:prstGeom prst="rect">
@@ -3747,7 +5558,7 @@
           <a:bodyPr wrap="none" lIns="0" tIns="0" rIns="0" bIns="0" rtlCol="0" anchor="t"/>
           <a:lstStyle/>
           <a:p>
-            <a:pPr algn="l" indent="0" marL="0">
+            <a:pPr marL="0" indent="0" algn="l">
               <a:lnSpc>
                 <a:spcPts val="2700"/>
               </a:lnSpc>
@@ -3762,6 +5573,222 @@
                 <a:ea typeface="Instrument Sans Medium" pitchFamily="34" charset="-122"/>
                 <a:cs typeface="Instrument Sans Medium" pitchFamily="34" charset="-120"/>
               </a:rPr>
+              <a:t>load_csv() 함수</a:t>
+            </a:r>
+            <a:endParaRPr lang="en-US" sz="2150" dirty="0"/>
+          </a:p>
+        </p:txBody>
+      </p:sp>
+      <p:sp>
+        <p:nvSpPr>
+          <p:cNvPr id="6" name="Text 3"/>
+          <p:cNvSpPr/>
+          <p:nvPr/>
+        </p:nvSpPr>
+        <p:spPr>
+          <a:xfrm>
+            <a:off x="2222778" y="3414832"/>
+            <a:ext cx="11629668" cy="711279"/>
+          </a:xfrm>
+          <a:prstGeom prst="rect">
+            <a:avLst/>
+          </a:prstGeom>
+          <a:noFill/>
+          <a:ln/>
+        </p:spPr>
+        <p:txBody>
+          <a:bodyPr wrap="square" lIns="0" tIns="0" rIns="0" bIns="0" rtlCol="0" anchor="t"/>
+          <a:lstStyle/>
+          <a:p>
+            <a:pPr marL="0" indent="0" algn="l">
+              <a:lnSpc>
+                <a:spcPts val="2800"/>
+              </a:lnSpc>
+              <a:buNone/>
+            </a:pPr>
+            <a:r>
+              <a:rPr lang="en-US" sz="1750" dirty="0">
+                <a:solidFill>
+                  <a:srgbClr val="C7CDD6"/>
+                </a:solidFill>
+                <a:latin typeface="Inter" pitchFamily="34" charset="0"/>
+                <a:ea typeface="Inter" pitchFamily="34" charset="-122"/>
+                <a:cs typeface="Inter" pitchFamily="34" charset="-120"/>
+              </a:rPr>
+              <a:t>CSV에서 지정 태그 시계열을 로드하고 전처리합니다. 1초 간격으로 리샘플링 및 보간한 시계열 Tensor와 DatetimeIndex를 반환합니다.</a:t>
+            </a:r>
+            <a:endParaRPr lang="en-US" sz="1750" dirty="0"/>
+          </a:p>
+        </p:txBody>
+      </p:sp>
+      <p:pic>
+        <p:nvPicPr>
+          <p:cNvPr id="7" name="Image 1" descr="preencoded.png"/>
+          <p:cNvPicPr>
+            <a:picLocks noChangeAspect="1"/>
+          </p:cNvPicPr>
+          <p:nvPr/>
+        </p:nvPicPr>
+        <p:blipFill>
+          <a:blip r:embed="rId4"/>
+          <a:stretch>
+            <a:fillRect/>
+          </a:stretch>
+        </p:blipFill>
+        <p:spPr>
+          <a:xfrm>
+            <a:off x="777954" y="4348401"/>
+            <a:ext cx="1111448" cy="1636514"/>
+          </a:xfrm>
+          <a:prstGeom prst="rect">
+            <a:avLst/>
+          </a:prstGeom>
+        </p:spPr>
+      </p:pic>
+      <p:sp>
+        <p:nvSpPr>
+          <p:cNvPr id="8" name="Text 4"/>
+          <p:cNvSpPr/>
+          <p:nvPr/>
+        </p:nvSpPr>
+        <p:spPr>
+          <a:xfrm>
+            <a:off x="2222778" y="4570690"/>
+            <a:ext cx="2778681" cy="347305"/>
+          </a:xfrm>
+          <a:prstGeom prst="rect">
+            <a:avLst/>
+          </a:prstGeom>
+          <a:noFill/>
+          <a:ln/>
+        </p:spPr>
+        <p:txBody>
+          <a:bodyPr wrap="none" lIns="0" tIns="0" rIns="0" bIns="0" rtlCol="0" anchor="t"/>
+          <a:lstStyle/>
+          <a:p>
+            <a:pPr marL="0" indent="0" algn="l">
+              <a:lnSpc>
+                <a:spcPts val="2700"/>
+              </a:lnSpc>
+              <a:buNone/>
+            </a:pPr>
+            <a:r>
+              <a:rPr lang="en-US" sz="2150" dirty="0">
+                <a:solidFill>
+                  <a:srgbClr val="C7CDD6"/>
+                </a:solidFill>
+                <a:latin typeface="Instrument Sans Medium" pitchFamily="34" charset="0"/>
+                <a:ea typeface="Instrument Sans Medium" pitchFamily="34" charset="-122"/>
+                <a:cs typeface="Instrument Sans Medium" pitchFamily="34" charset="-120"/>
+              </a:rPr>
+              <a:t>ARIMAModel 클래스</a:t>
+            </a:r>
+            <a:endParaRPr lang="en-US" sz="2150" dirty="0"/>
+          </a:p>
+        </p:txBody>
+      </p:sp>
+      <p:sp>
+        <p:nvSpPr>
+          <p:cNvPr id="9" name="Text 5"/>
+          <p:cNvSpPr/>
+          <p:nvPr/>
+        </p:nvSpPr>
+        <p:spPr>
+          <a:xfrm>
+            <a:off x="2222778" y="5051346"/>
+            <a:ext cx="11629668" cy="711279"/>
+          </a:xfrm>
+          <a:prstGeom prst="rect">
+            <a:avLst/>
+          </a:prstGeom>
+          <a:noFill/>
+          <a:ln/>
+        </p:spPr>
+        <p:txBody>
+          <a:bodyPr wrap="square" lIns="0" tIns="0" rIns="0" bIns="0" rtlCol="0" anchor="t"/>
+          <a:lstStyle/>
+          <a:p>
+            <a:pPr marL="0" indent="0" algn="l">
+              <a:lnSpc>
+                <a:spcPts val="2800"/>
+              </a:lnSpc>
+              <a:buNone/>
+            </a:pPr>
+            <a:r>
+              <a:rPr lang="en-US" sz="1750" dirty="0">
+                <a:solidFill>
+                  <a:srgbClr val="C7CDD6"/>
+                </a:solidFill>
+                <a:latin typeface="Inter" pitchFamily="34" charset="0"/>
+                <a:ea typeface="Inter" pitchFamily="34" charset="-122"/>
+                <a:cs typeface="Inter" pitchFamily="34" charset="-120"/>
+              </a:rPr>
+              <a:t>PyTorch 기반 ARIMA(p, d, q) 모델을 정의합니다. 학습 가능한 파라미터로 phi, theta, mu를 가지며, forward() 메서드에서 잔차를 계산합니다.</a:t>
+            </a:r>
+            <a:endParaRPr lang="en-US" sz="1750" dirty="0"/>
+          </a:p>
+        </p:txBody>
+      </p:sp>
+      <p:pic>
+        <p:nvPicPr>
+          <p:cNvPr id="10" name="Image 2" descr="preencoded.png"/>
+          <p:cNvPicPr>
+            <a:picLocks noChangeAspect="1"/>
+          </p:cNvPicPr>
+          <p:nvPr/>
+        </p:nvPicPr>
+        <p:blipFill>
+          <a:blip r:embed="rId5"/>
+          <a:stretch>
+            <a:fillRect/>
+          </a:stretch>
+        </p:blipFill>
+        <p:spPr>
+          <a:xfrm>
+            <a:off x="777954" y="5984915"/>
+            <a:ext cx="1111448" cy="1636514"/>
+          </a:xfrm>
+          <a:prstGeom prst="rect">
+            <a:avLst/>
+          </a:prstGeom>
+        </p:spPr>
+      </p:pic>
+      <p:sp>
+        <p:nvSpPr>
+          <p:cNvPr id="11" name="Text 6"/>
+          <p:cNvSpPr/>
+          <p:nvPr/>
+        </p:nvSpPr>
+        <p:spPr>
+          <a:xfrm>
+            <a:off x="2222778" y="6207204"/>
+            <a:ext cx="2778681" cy="347305"/>
+          </a:xfrm>
+          <a:prstGeom prst="rect">
+            <a:avLst/>
+          </a:prstGeom>
+          <a:noFill/>
+          <a:ln/>
+        </p:spPr>
+        <p:txBody>
+          <a:bodyPr wrap="none" lIns="0" tIns="0" rIns="0" bIns="0" rtlCol="0" anchor="t"/>
+          <a:lstStyle/>
+          <a:p>
+            <a:pPr marL="0" indent="0" algn="l">
+              <a:lnSpc>
+                <a:spcPts val="2700"/>
+              </a:lnSpc>
+              <a:buNone/>
+            </a:pPr>
+            <a:r>
+              <a:rPr lang="en-US" sz="2150" dirty="0">
+                <a:solidFill>
+                  <a:srgbClr val="C7CDD6"/>
+                </a:solidFill>
+                <a:latin typeface="Instrument Sans Medium" pitchFamily="34" charset="0"/>
+                <a:ea typeface="Instrument Sans Medium" pitchFamily="34" charset="-122"/>
+                <a:cs typeface="Instrument Sans Medium" pitchFamily="34" charset="-120"/>
+              </a:rPr>
               <a:t>get_device() 함수</a:t>
             </a:r>
             <a:endParaRPr lang="en-US" sz="2150" dirty="0"/>
@@ -3789,7 +5816,7 @@
           <a:bodyPr wrap="square" lIns="0" tIns="0" rIns="0" bIns="0" rtlCol="0" anchor="t"/>
           <a:lstStyle/>
           <a:p>
-            <a:pPr algn="l" indent="0" marL="0">
+            <a:pPr marL="0" indent="0" algn="l">
               <a:lnSpc>
                 <a:spcPts val="2800"/>
               </a:lnSpc>
@@ -3818,7 +5845,7 @@
 </p:sld>
 </file>
 
-<file path=ppt/slides/slide5.xml><?xml version="1.0" encoding="utf-8"?>
+<file path=ppt/slides/slide7.xml><?xml version="1.0" encoding="utf-8"?>
 <p:sld xmlns:a="http://schemas.openxmlformats.org/drawingml/2006/main" xmlns:r="http://schemas.openxmlformats.org/officeDocument/2006/relationships" xmlns:p="http://schemas.openxmlformats.org/presentationml/2006/main">
   <p:cSld name="Slide 5">
     <p:spTree>
@@ -3856,7 +5883,7 @@
           <a:bodyPr wrap="none" lIns="0" tIns="0" rIns="0" bIns="0" rtlCol="0" anchor="t"/>
           <a:lstStyle/>
           <a:p>
-            <a:pPr algn="l" indent="0" marL="0">
+            <a:pPr marL="0" indent="0" algn="l">
               <a:lnSpc>
                 <a:spcPts val="5550"/>
               </a:lnSpc>
@@ -3898,7 +5925,7 @@
           <a:bodyPr wrap="square" lIns="0" tIns="0" rIns="0" bIns="0" rtlCol="0" anchor="t"/>
           <a:lstStyle/>
           <a:p>
-            <a:pPr algn="l" indent="0" marL="0">
+            <a:pPr marL="0" indent="0" algn="l">
               <a:lnSpc>
                 <a:spcPts val="2850"/>
               </a:lnSpc>
@@ -3940,7 +5967,7 @@
           <a:bodyPr wrap="none" lIns="0" tIns="0" rIns="0" bIns="0" rtlCol="0" anchor="t"/>
           <a:lstStyle/>
           <a:p>
-            <a:pPr algn="r" indent="0" marL="0">
+            <a:pPr marL="0" indent="0" algn="r">
               <a:lnSpc>
                 <a:spcPts val="2750"/>
               </a:lnSpc>
@@ -3982,7 +6009,7 @@
           <a:bodyPr wrap="square" lIns="0" tIns="0" rIns="0" bIns="0" rtlCol="0" anchor="t"/>
           <a:lstStyle/>
           <a:p>
-            <a:pPr algn="r" indent="0" marL="0">
+            <a:pPr marL="0" indent="0" algn="r">
               <a:lnSpc>
                 <a:spcPts val="2850"/>
               </a:lnSpc>
@@ -4005,139 +6032,7 @@
       </p:sp>
       <p:pic>
         <p:nvPicPr>
-          <p:cNvPr id="6" name="Image 0" descr="preencoded.png">    </p:cNvPr>
-          <p:cNvPicPr>
-            <a:picLocks noChangeAspect="1"/>
-          </p:cNvPicPr>
-          <p:nvPr/>
-        </p:nvPicPr>
-        <p:blipFill>
-          <a:blip r:embed="rId1"/>
-          <a:stretch>
-            <a:fillRect/>
-          </a:stretch>
-        </p:blipFill>
-        <p:spPr>
-          <a:xfrm>
-            <a:off x="5032653" y="2903934"/>
-            <a:ext cx="4564975" cy="4564975"/>
-          </a:xfrm>
-          <a:prstGeom prst="rect">
-            <a:avLst/>
-          </a:prstGeom>
-        </p:spPr>
-      </p:pic>
-      <p:pic>
-        <p:nvPicPr>
-          <p:cNvPr id="7" name="Image 1" descr="preencoded.png">    </p:cNvPr>
-          <p:cNvPicPr>
-            <a:picLocks noChangeAspect="1"/>
-          </p:cNvPicPr>
-          <p:nvPr/>
-        </p:nvPicPr>
-        <p:blipFill>
-          <a:blip r:embed="rId2"/>
-          <a:stretch>
-            <a:fillRect/>
-          </a:stretch>
-        </p:blipFill>
-        <p:spPr>
-          <a:xfrm>
-            <a:off x="6226731" y="3667006"/>
-            <a:ext cx="339328" cy="424220"/>
-          </a:xfrm>
-          <a:prstGeom prst="rect">
-            <a:avLst/>
-          </a:prstGeom>
-        </p:spPr>
-      </p:pic>
-      <p:sp>
-        <p:nvSpPr>
-          <p:cNvPr id="8" name="Text 4"/>
-          <p:cNvSpPr/>
-          <p:nvPr/>
-        </p:nvSpPr>
-        <p:spPr>
-          <a:xfrm>
-            <a:off x="9937790" y="3170515"/>
-            <a:ext cx="2835235" cy="354330"/>
-          </a:xfrm>
-          <a:prstGeom prst="rect">
-            <a:avLst/>
-          </a:prstGeom>
-          <a:noFill/>
-          <a:ln/>
-        </p:spPr>
-        <p:txBody>
-          <a:bodyPr wrap="none" lIns="0" tIns="0" rIns="0" bIns="0" rtlCol="0" anchor="t"/>
-          <a:lstStyle/>
-          <a:p>
-            <a:pPr algn="l" indent="0" marL="0">
-              <a:lnSpc>
-                <a:spcPts val="2750"/>
-              </a:lnSpc>
-              <a:buNone/>
-            </a:pPr>
-            <a:r>
-              <a:rPr lang="en-US" sz="2200" dirty="0">
-                <a:solidFill>
-                  <a:srgbClr val="C7CDD6"/>
-                </a:solidFill>
-                <a:latin typeface="Instrument Sans Medium" pitchFamily="34" charset="0"/>
-                <a:ea typeface="Instrument Sans Medium" pitchFamily="34" charset="-122"/>
-                <a:cs typeface="Instrument Sans Medium" pitchFamily="34" charset="-120"/>
-              </a:rPr>
-              <a:t>모델 초기화</a:t>
-            </a:r>
-            <a:endParaRPr lang="en-US" sz="2200" dirty="0"/>
-          </a:p>
-        </p:txBody>
-      </p:sp>
-      <p:sp>
-        <p:nvSpPr>
-          <p:cNvPr id="9" name="Text 5"/>
-          <p:cNvSpPr/>
-          <p:nvPr/>
-        </p:nvSpPr>
-        <p:spPr>
-          <a:xfrm>
-            <a:off x="9937790" y="3660934"/>
-            <a:ext cx="3898821" cy="1451610"/>
-          </a:xfrm>
-          <a:prstGeom prst="rect">
-            <a:avLst/>
-          </a:prstGeom>
-          <a:noFill/>
-          <a:ln/>
-        </p:spPr>
-        <p:txBody>
-          <a:bodyPr wrap="square" lIns="0" tIns="0" rIns="0" bIns="0" rtlCol="0" anchor="t"/>
-          <a:lstStyle/>
-          <a:p>
-            <a:pPr algn="l" indent="0" marL="0">
-              <a:lnSpc>
-                <a:spcPts val="2850"/>
-              </a:lnSpc>
-              <a:buNone/>
-            </a:pPr>
-            <a:r>
-              <a:rPr lang="en-US" sz="1750" dirty="0">
-                <a:solidFill>
-                  <a:srgbClr val="C7CDD6"/>
-                </a:solidFill>
-                <a:latin typeface="Inter" pitchFamily="34" charset="0"/>
-                <a:ea typeface="Inter" pitchFamily="34" charset="-122"/>
-                <a:cs typeface="Inter" pitchFamily="34" charset="-120"/>
-              </a:rPr>
-              <a:t>ARIMAModel(p=2, d=1, q=2) 객체를 생성하고 GPU/CPU로 이동합니다. DataParallel로 다중 GPU 사용을 지원합니다.</a:t>
-            </a:r>
-            <a:endParaRPr lang="en-US" sz="1750" dirty="0"/>
-          </a:p>
-        </p:txBody>
-      </p:sp>
-      <p:pic>
-        <p:nvPicPr>
-          <p:cNvPr id="10" name="Image 2" descr="preencoded.png">    </p:cNvPr>
+          <p:cNvPr id="6" name="Image 0" descr="preencoded.png"/>
           <p:cNvPicPr>
             <a:picLocks noChangeAspect="1"/>
           </p:cNvPicPr>
@@ -4161,7 +6056,7 @@
       </p:pic>
       <p:pic>
         <p:nvPicPr>
-          <p:cNvPr id="11" name="Image 3" descr="preencoded.png">    </p:cNvPr>
+          <p:cNvPr id="7" name="Image 1" descr="preencoded.png"/>
           <p:cNvPicPr>
             <a:picLocks noChangeAspect="1"/>
           </p:cNvPicPr>
@@ -4175,7 +6070,7 @@
         </p:blipFill>
         <p:spPr>
           <a:xfrm>
-            <a:off x="8452604" y="4055507"/>
+            <a:off x="6226731" y="3667006"/>
             <a:ext cx="339328" cy="424220"/>
           </a:xfrm>
           <a:prstGeom prst="rect">
@@ -4185,13 +6080,13 @@
       </p:pic>
       <p:sp>
         <p:nvSpPr>
-          <p:cNvPr id="12" name="Text 6"/>
-          <p:cNvSpPr/>
-          <p:nvPr/>
-        </p:nvSpPr>
-        <p:spPr>
-          <a:xfrm>
-            <a:off x="9937790" y="5985986"/>
+          <p:cNvPr id="8" name="Text 4"/>
+          <p:cNvSpPr/>
+          <p:nvPr/>
+        </p:nvSpPr>
+        <p:spPr>
+          <a:xfrm>
+            <a:off x="9937790" y="3170515"/>
             <a:ext cx="2835235" cy="354330"/>
           </a:xfrm>
           <a:prstGeom prst="rect">
@@ -4204,7 +6099,7 @@
           <a:bodyPr wrap="none" lIns="0" tIns="0" rIns="0" bIns="0" rtlCol="0" anchor="t"/>
           <a:lstStyle/>
           <a:p>
-            <a:pPr algn="l" indent="0" marL="0">
+            <a:pPr marL="0" indent="0" algn="l">
               <a:lnSpc>
                 <a:spcPts val="2750"/>
               </a:lnSpc>
@@ -4219,7 +6114,7 @@
                 <a:ea typeface="Instrument Sans Medium" pitchFamily="34" charset="-122"/>
                 <a:cs typeface="Instrument Sans Medium" pitchFamily="34" charset="-120"/>
               </a:rPr>
-              <a:t>학습 루프</a:t>
+              <a:t>모델 초기화</a:t>
             </a:r>
             <a:endParaRPr lang="en-US" sz="2200" dirty="0"/>
           </a:p>
@@ -4227,14 +6122,14 @@
       </p:sp>
       <p:sp>
         <p:nvSpPr>
-          <p:cNvPr id="13" name="Text 7"/>
-          <p:cNvSpPr/>
-          <p:nvPr/>
-        </p:nvSpPr>
-        <p:spPr>
-          <a:xfrm>
-            <a:off x="9937790" y="6476405"/>
-            <a:ext cx="3898821" cy="725805"/>
+          <p:cNvPr id="9" name="Text 5"/>
+          <p:cNvSpPr/>
+          <p:nvPr/>
+        </p:nvSpPr>
+        <p:spPr>
+          <a:xfrm>
+            <a:off x="9937790" y="3660934"/>
+            <a:ext cx="3898821" cy="1451610"/>
           </a:xfrm>
           <a:prstGeom prst="rect">
             <a:avLst/>
@@ -4246,7 +6141,7 @@
           <a:bodyPr wrap="square" lIns="0" tIns="0" rIns="0" bIns="0" rtlCol="0" anchor="t"/>
           <a:lstStyle/>
           <a:p>
-            <a:pPr algn="l" indent="0" marL="0">
+            <a:pPr marL="0" indent="0" algn="l">
               <a:lnSpc>
                 <a:spcPts val="2850"/>
               </a:lnSpc>
@@ -4261,7 +6156,7 @@
                 <a:ea typeface="Inter" pitchFamily="34" charset="-122"/>
                 <a:cs typeface="Inter" pitchFamily="34" charset="-120"/>
               </a:rPr>
-              <a:t>MSE 손실을 최소화하도록 파라미터를 학습합니다. 학습 과정 시간을 로깅합니다.</a:t>
+              <a:t>ARIMAModel(p=2, d=1, q=2) 객체를 생성하고 GPU/CPU로 이동합니다. DataParallel로 다중 GPU 사용을 지원합니다.</a:t>
             </a:r>
             <a:endParaRPr lang="en-US" sz="1750" dirty="0"/>
           </a:p>
@@ -4269,7 +6164,7 @@
       </p:sp>
       <p:pic>
         <p:nvPicPr>
-          <p:cNvPr id="14" name="Image 4" descr="preencoded.png">    </p:cNvPr>
+          <p:cNvPr id="10" name="Image 2" descr="preencoded.png"/>
           <p:cNvPicPr>
             <a:picLocks noChangeAspect="1"/>
           </p:cNvPicPr>
@@ -4293,7 +6188,7 @@
       </p:pic>
       <p:pic>
         <p:nvPicPr>
-          <p:cNvPr id="15" name="Image 5" descr="preencoded.png">    </p:cNvPr>
+          <p:cNvPr id="11" name="Image 3" descr="preencoded.png"/>
           <p:cNvPicPr>
             <a:picLocks noChangeAspect="1"/>
           </p:cNvPicPr>
@@ -4307,7 +6202,7 @@
         </p:blipFill>
         <p:spPr>
           <a:xfrm>
-            <a:off x="8064103" y="6281380"/>
+            <a:off x="8452604" y="4055507"/>
             <a:ext cx="339328" cy="424220"/>
           </a:xfrm>
           <a:prstGeom prst="rect">
@@ -4317,13 +6212,13 @@
       </p:pic>
       <p:sp>
         <p:nvSpPr>
-          <p:cNvPr id="16" name="Text 8"/>
-          <p:cNvSpPr/>
-          <p:nvPr/>
-        </p:nvSpPr>
-        <p:spPr>
-          <a:xfrm>
-            <a:off x="1857256" y="5985986"/>
+          <p:cNvPr id="12" name="Text 6"/>
+          <p:cNvSpPr/>
+          <p:nvPr/>
+        </p:nvSpPr>
+        <p:spPr>
+          <a:xfrm>
+            <a:off x="9937790" y="5985986"/>
             <a:ext cx="2835235" cy="354330"/>
           </a:xfrm>
           <a:prstGeom prst="rect">
@@ -4336,7 +6231,7 @@
           <a:bodyPr wrap="none" lIns="0" tIns="0" rIns="0" bIns="0" rtlCol="0" anchor="t"/>
           <a:lstStyle/>
           <a:p>
-            <a:pPr algn="r" indent="0" marL="0">
+            <a:pPr marL="0" indent="0" algn="l">
               <a:lnSpc>
                 <a:spcPts val="2750"/>
               </a:lnSpc>
@@ -4351,7 +6246,7 @@
                 <a:ea typeface="Instrument Sans Medium" pitchFamily="34" charset="-122"/>
                 <a:cs typeface="Instrument Sans Medium" pitchFamily="34" charset="-120"/>
               </a:rPr>
-              <a:t>모델 저장</a:t>
+              <a:t>학습 루프</a:t>
             </a:r>
             <a:endParaRPr lang="en-US" sz="2200" dirty="0"/>
           </a:p>
@@ -4359,14 +6254,14 @@
       </p:sp>
       <p:sp>
         <p:nvSpPr>
-          <p:cNvPr id="17" name="Text 9"/>
-          <p:cNvSpPr/>
-          <p:nvPr/>
-        </p:nvSpPr>
-        <p:spPr>
-          <a:xfrm>
-            <a:off x="793790" y="6476405"/>
-            <a:ext cx="3898702" cy="725805"/>
+          <p:cNvPr id="13" name="Text 7"/>
+          <p:cNvSpPr/>
+          <p:nvPr/>
+        </p:nvSpPr>
+        <p:spPr>
+          <a:xfrm>
+            <a:off x="9937790" y="6476405"/>
+            <a:ext cx="3898821" cy="725805"/>
           </a:xfrm>
           <a:prstGeom prst="rect">
             <a:avLst/>
@@ -4378,7 +6273,7 @@
           <a:bodyPr wrap="square" lIns="0" tIns="0" rIns="0" bIns="0" rtlCol="0" anchor="t"/>
           <a:lstStyle/>
           <a:p>
-            <a:pPr algn="r" indent="0" marL="0">
+            <a:pPr marL="0" indent="0" algn="l">
               <a:lnSpc>
                 <a:spcPts val="2850"/>
               </a:lnSpc>
@@ -4393,7 +6288,7 @@
                 <a:ea typeface="Inter" pitchFamily="34" charset="-122"/>
                 <a:cs typeface="Inter" pitchFamily="34" charset="-120"/>
               </a:rPr>
-              <a:t>최종 파라미터를 models/arima_.pt에 저장합니다.</a:t>
+              <a:t>MSE 손실을 최소화하도록 파라미터를 학습합니다. 학습 과정 시간을 로깅합니다.</a:t>
             </a:r>
             <a:endParaRPr lang="en-US" sz="1750" dirty="0"/>
           </a:p>
@@ -4401,7 +6296,7 @@
       </p:sp>
       <p:pic>
         <p:nvPicPr>
-          <p:cNvPr id="18" name="Image 6" descr="preencoded.png">    </p:cNvPr>
+          <p:cNvPr id="14" name="Image 4" descr="preencoded.png"/>
           <p:cNvPicPr>
             <a:picLocks noChangeAspect="1"/>
           </p:cNvPicPr>
@@ -4425,7 +6320,7 @@
       </p:pic>
       <p:pic>
         <p:nvPicPr>
-          <p:cNvPr id="19" name="Image 7" descr="preencoded.png">    </p:cNvPr>
+          <p:cNvPr id="15" name="Image 5" descr="preencoded.png"/>
           <p:cNvPicPr>
             <a:picLocks noChangeAspect="1"/>
           </p:cNvPicPr>
@@ -4433,6 +6328,138 @@
         </p:nvPicPr>
         <p:blipFill>
           <a:blip r:embed="rId8"/>
+          <a:stretch>
+            <a:fillRect/>
+          </a:stretch>
+        </p:blipFill>
+        <p:spPr>
+          <a:xfrm>
+            <a:off x="8064103" y="6281380"/>
+            <a:ext cx="339328" cy="424220"/>
+          </a:xfrm>
+          <a:prstGeom prst="rect">
+            <a:avLst/>
+          </a:prstGeom>
+        </p:spPr>
+      </p:pic>
+      <p:sp>
+        <p:nvSpPr>
+          <p:cNvPr id="16" name="Text 8"/>
+          <p:cNvSpPr/>
+          <p:nvPr/>
+        </p:nvSpPr>
+        <p:spPr>
+          <a:xfrm>
+            <a:off x="1857256" y="5985986"/>
+            <a:ext cx="2835235" cy="354330"/>
+          </a:xfrm>
+          <a:prstGeom prst="rect">
+            <a:avLst/>
+          </a:prstGeom>
+          <a:noFill/>
+          <a:ln/>
+        </p:spPr>
+        <p:txBody>
+          <a:bodyPr wrap="none" lIns="0" tIns="0" rIns="0" bIns="0" rtlCol="0" anchor="t"/>
+          <a:lstStyle/>
+          <a:p>
+            <a:pPr marL="0" indent="0" algn="r">
+              <a:lnSpc>
+                <a:spcPts val="2750"/>
+              </a:lnSpc>
+              <a:buNone/>
+            </a:pPr>
+            <a:r>
+              <a:rPr lang="en-US" sz="2200" dirty="0">
+                <a:solidFill>
+                  <a:srgbClr val="C7CDD6"/>
+                </a:solidFill>
+                <a:latin typeface="Instrument Sans Medium" pitchFamily="34" charset="0"/>
+                <a:ea typeface="Instrument Sans Medium" pitchFamily="34" charset="-122"/>
+                <a:cs typeface="Instrument Sans Medium" pitchFamily="34" charset="-120"/>
+              </a:rPr>
+              <a:t>모델 저장</a:t>
+            </a:r>
+            <a:endParaRPr lang="en-US" sz="2200" dirty="0"/>
+          </a:p>
+        </p:txBody>
+      </p:sp>
+      <p:sp>
+        <p:nvSpPr>
+          <p:cNvPr id="17" name="Text 9"/>
+          <p:cNvSpPr/>
+          <p:nvPr/>
+        </p:nvSpPr>
+        <p:spPr>
+          <a:xfrm>
+            <a:off x="793790" y="6476405"/>
+            <a:ext cx="3898702" cy="725805"/>
+          </a:xfrm>
+          <a:prstGeom prst="rect">
+            <a:avLst/>
+          </a:prstGeom>
+          <a:noFill/>
+          <a:ln/>
+        </p:spPr>
+        <p:txBody>
+          <a:bodyPr wrap="square" lIns="0" tIns="0" rIns="0" bIns="0" rtlCol="0" anchor="t"/>
+          <a:lstStyle/>
+          <a:p>
+            <a:pPr marL="0" indent="0" algn="r">
+              <a:lnSpc>
+                <a:spcPts val="2850"/>
+              </a:lnSpc>
+              <a:buNone/>
+            </a:pPr>
+            <a:r>
+              <a:rPr lang="en-US" sz="1750" dirty="0">
+                <a:solidFill>
+                  <a:srgbClr val="C7CDD6"/>
+                </a:solidFill>
+                <a:latin typeface="Inter" pitchFamily="34" charset="0"/>
+                <a:ea typeface="Inter" pitchFamily="34" charset="-122"/>
+                <a:cs typeface="Inter" pitchFamily="34" charset="-120"/>
+              </a:rPr>
+              <a:t>최종 파라미터를 models/arima_.pt에 저장합니다.</a:t>
+            </a:r>
+            <a:endParaRPr lang="en-US" sz="1750" dirty="0"/>
+          </a:p>
+        </p:txBody>
+      </p:sp>
+      <p:pic>
+        <p:nvPicPr>
+          <p:cNvPr id="18" name="Image 6" descr="preencoded.png"/>
+          <p:cNvPicPr>
+            <a:picLocks noChangeAspect="1"/>
+          </p:cNvPicPr>
+          <p:nvPr/>
+        </p:nvPicPr>
+        <p:blipFill>
+          <a:blip r:embed="rId9"/>
+          <a:stretch>
+            <a:fillRect/>
+          </a:stretch>
+        </p:blipFill>
+        <p:spPr>
+          <a:xfrm>
+            <a:off x="5032653" y="2903934"/>
+            <a:ext cx="4564975" cy="4564975"/>
+          </a:xfrm>
+          <a:prstGeom prst="rect">
+            <a:avLst/>
+          </a:prstGeom>
+        </p:spPr>
+      </p:pic>
+      <p:pic>
+        <p:nvPicPr>
+          <p:cNvPr id="19" name="Image 7" descr="preencoded.png"/>
+          <p:cNvPicPr>
+            <a:picLocks noChangeAspect="1"/>
+          </p:cNvPicPr>
+          <p:nvPr/>
+        </p:nvPicPr>
+        <p:blipFill>
+          <a:blip r:embed="rId10"/>
           <a:stretch>
             <a:fillRect/>
           </a:stretch>
@@ -4455,7 +6482,7 @@
 </p:sld>
 </file>
 
-<file path=ppt/slides/slide6.xml><?xml version="1.0" encoding="utf-8"?>
+<file path=ppt/slides/slide8.xml><?xml version="1.0" encoding="utf-8"?>
 <p:sld xmlns:a="http://schemas.openxmlformats.org/drawingml/2006/main" xmlns:r="http://schemas.openxmlformats.org/officeDocument/2006/relationships" xmlns:p="http://schemas.openxmlformats.org/presentationml/2006/main">
   <p:cSld name="Slide 6">
     <p:spTree>
@@ -4493,7 +6520,7 @@
           <a:bodyPr wrap="none" lIns="0" tIns="0" rIns="0" bIns="0" rtlCol="0" anchor="t"/>
           <a:lstStyle/>
           <a:p>
-            <a:pPr algn="l" indent="0" marL="0">
+            <a:pPr marL="0" indent="0" algn="l">
               <a:lnSpc>
                 <a:spcPts val="4900"/>
               </a:lnSpc>
@@ -4535,7 +6562,7 @@
           <a:bodyPr wrap="square" lIns="0" tIns="0" rIns="0" bIns="0" rtlCol="0" anchor="t"/>
           <a:lstStyle/>
           <a:p>
-            <a:pPr algn="l" indent="0" marL="0">
+            <a:pPr marL="0" indent="0" algn="l">
               <a:lnSpc>
                 <a:spcPts val="2500"/>
               </a:lnSpc>
@@ -4577,314 +6604,17 @@
           </a:solidFill>
           <a:ln/>
         </p:spPr>
+        <p:txBody>
+          <a:bodyPr/>
+          <a:lstStyle/>
+          <a:p>
+            <a:endParaRPr lang="ko-KR" altLang="en-US"/>
+          </a:p>
+        </p:txBody>
       </p:sp>
       <p:pic>
         <p:nvPicPr>
-          <p:cNvPr id="5" name="Image 0" descr="preencoded.png">    </p:cNvPr>
-          <p:cNvPicPr>
-            <a:picLocks noChangeAspect="1"/>
-          </p:cNvPicPr>
-          <p:nvPr/>
-        </p:nvPicPr>
-        <p:blipFill>
-          <a:blip r:embed="rId1"/>
-          <a:stretch>
-            <a:fillRect/>
-          </a:stretch>
-        </p:blipFill>
-        <p:spPr>
-          <a:xfrm>
-            <a:off x="1386721" y="2844284"/>
-            <a:ext cx="281583" cy="351949"/>
-          </a:xfrm>
-          <a:prstGeom prst="rect">
-            <a:avLst/>
-          </a:prstGeom>
-        </p:spPr>
-      </p:pic>
-      <p:sp>
-        <p:nvSpPr>
-          <p:cNvPr id="6" name="Text 3"/>
-          <p:cNvSpPr/>
-          <p:nvPr/>
-        </p:nvSpPr>
-        <p:spPr>
-          <a:xfrm>
-            <a:off x="2554486" y="2643664"/>
-            <a:ext cx="2503051" cy="312777"/>
-          </a:xfrm>
-          <a:prstGeom prst="rect">
-            <a:avLst/>
-          </a:prstGeom>
-          <a:noFill/>
-          <a:ln/>
-        </p:spPr>
-        <p:txBody>
-          <a:bodyPr wrap="none" lIns="0" tIns="0" rIns="0" bIns="0" rtlCol="0" anchor="t"/>
-          <a:lstStyle/>
-          <a:p>
-            <a:pPr algn="l" indent="0" marL="0">
-              <a:lnSpc>
-                <a:spcPts val="2450"/>
-              </a:lnSpc>
-              <a:buNone/>
-            </a:pPr>
-            <a:r>
-              <a:rPr lang="en-US" sz="1950" dirty="0">
-                <a:solidFill>
-                  <a:srgbClr val="C7CDD6"/>
-                </a:solidFill>
-                <a:latin typeface="Instrument Sans Medium" pitchFamily="34" charset="0"/>
-                <a:ea typeface="Instrument Sans Medium" pitchFamily="34" charset="-122"/>
-                <a:cs typeface="Instrument Sans Medium" pitchFamily="34" charset="-120"/>
-              </a:rPr>
-              <a:t>모델 로드</a:t>
-            </a:r>
-            <a:endParaRPr lang="en-US" sz="1950" dirty="0"/>
-          </a:p>
-        </p:txBody>
-      </p:sp>
-      <p:sp>
-        <p:nvSpPr>
-          <p:cNvPr id="7" name="Text 4"/>
-          <p:cNvSpPr/>
-          <p:nvPr/>
-        </p:nvSpPr>
-        <p:spPr>
-          <a:xfrm>
-            <a:off x="2554486" y="3076575"/>
-            <a:ext cx="3651528" cy="320397"/>
-          </a:xfrm>
-          <a:prstGeom prst="rect">
-            <a:avLst/>
-          </a:prstGeom>
-          <a:noFill/>
-          <a:ln/>
-        </p:spPr>
-        <p:txBody>
-          <a:bodyPr wrap="none" lIns="0" tIns="0" rIns="0" bIns="0" rtlCol="0" anchor="t"/>
-          <a:lstStyle/>
-          <a:p>
-            <a:pPr algn="l" indent="0" marL="0">
-              <a:lnSpc>
-                <a:spcPts val="2500"/>
-              </a:lnSpc>
-              <a:buNone/>
-            </a:pPr>
-            <a:r>
-              <a:rPr lang="en-US" sz="1550" dirty="0">
-                <a:solidFill>
-                  <a:srgbClr val="C7CDD6"/>
-                </a:solidFill>
-                <a:latin typeface="Inter" pitchFamily="34" charset="0"/>
-                <a:ea typeface="Inter" pitchFamily="34" charset="-122"/>
-                <a:cs typeface="Inter" pitchFamily="34" charset="-120"/>
-              </a:rPr>
-              <a:t>학습된 ARIMA 파라미터(.pt)를 로드합니다.</a:t>
-            </a:r>
-            <a:endParaRPr lang="en-US" sz="1550" dirty="0"/>
-          </a:p>
-        </p:txBody>
-      </p:sp>
-      <p:sp>
-        <p:nvSpPr>
-          <p:cNvPr id="8" name="Shape 5"/>
-          <p:cNvSpPr/>
-          <p:nvPr/>
-        </p:nvSpPr>
-        <p:spPr>
-          <a:xfrm>
-            <a:off x="2454354" y="3587591"/>
-            <a:ext cx="11375231" cy="11430"/>
-          </a:xfrm>
-          <a:prstGeom prst="roundRect">
-            <a:avLst>
-              <a:gd name="adj" fmla="val 262791"/>
-            </a:avLst>
-          </a:prstGeom>
-          <a:solidFill>
-            <a:srgbClr val="5C5C61"/>
-          </a:solidFill>
-          <a:ln/>
-        </p:spPr>
-      </p:sp>
-      <p:sp>
-        <p:nvSpPr>
-          <p:cNvPr id="9" name="Shape 6"/>
-          <p:cNvSpPr/>
-          <p:nvPr/>
-        </p:nvSpPr>
-        <p:spPr>
-          <a:xfrm>
-            <a:off x="700802" y="3697129"/>
-            <a:ext cx="3307199" cy="1153597"/>
-          </a:xfrm>
-          <a:prstGeom prst="roundRect">
-            <a:avLst>
-              <a:gd name="adj" fmla="val 2604"/>
-            </a:avLst>
-          </a:prstGeom>
-          <a:solidFill>
-            <a:srgbClr val="434348"/>
-          </a:solidFill>
-          <a:ln/>
-        </p:spPr>
-      </p:sp>
-      <p:pic>
-        <p:nvPicPr>
-          <p:cNvPr id="10" name="Image 1" descr="preencoded.png">    </p:cNvPr>
-          <p:cNvPicPr>
-            <a:picLocks noChangeAspect="1"/>
-          </p:cNvPicPr>
-          <p:nvPr/>
-        </p:nvPicPr>
-        <p:blipFill>
-          <a:blip r:embed="rId2"/>
-          <a:stretch>
-            <a:fillRect/>
-          </a:stretch>
-        </p:blipFill>
-        <p:spPr>
-          <a:xfrm>
-            <a:off x="2213610" y="4097893"/>
-            <a:ext cx="281583" cy="351949"/>
-          </a:xfrm>
-          <a:prstGeom prst="rect">
-            <a:avLst/>
-          </a:prstGeom>
-        </p:spPr>
-      </p:pic>
-      <p:sp>
-        <p:nvSpPr>
-          <p:cNvPr id="11" name="Text 7"/>
-          <p:cNvSpPr/>
-          <p:nvPr/>
-        </p:nvSpPr>
-        <p:spPr>
-          <a:xfrm>
-            <a:off x="4208145" y="3897273"/>
-            <a:ext cx="2503051" cy="312777"/>
-          </a:xfrm>
-          <a:prstGeom prst="rect">
-            <a:avLst/>
-          </a:prstGeom>
-          <a:noFill/>
-          <a:ln/>
-        </p:spPr>
-        <p:txBody>
-          <a:bodyPr wrap="none" lIns="0" tIns="0" rIns="0" bIns="0" rtlCol="0" anchor="t"/>
-          <a:lstStyle/>
-          <a:p>
-            <a:pPr algn="l" indent="0" marL="0">
-              <a:lnSpc>
-                <a:spcPts val="2450"/>
-              </a:lnSpc>
-              <a:buNone/>
-            </a:pPr>
-            <a:r>
-              <a:rPr lang="en-US" sz="1950" dirty="0">
-                <a:solidFill>
-                  <a:srgbClr val="C7CDD6"/>
-                </a:solidFill>
-                <a:latin typeface="Instrument Sans Medium" pitchFamily="34" charset="0"/>
-                <a:ea typeface="Instrument Sans Medium" pitchFamily="34" charset="-122"/>
-                <a:cs typeface="Instrument Sans Medium" pitchFamily="34" charset="-120"/>
-              </a:rPr>
-              <a:t>잔차 계산</a:t>
-            </a:r>
-            <a:endParaRPr lang="en-US" sz="1950" dirty="0"/>
-          </a:p>
-        </p:txBody>
-      </p:sp>
-      <p:sp>
-        <p:nvSpPr>
-          <p:cNvPr id="12" name="Text 8"/>
-          <p:cNvSpPr/>
-          <p:nvPr/>
-        </p:nvSpPr>
-        <p:spPr>
-          <a:xfrm>
-            <a:off x="4208145" y="4330184"/>
-            <a:ext cx="7344489" cy="320397"/>
-          </a:xfrm>
-          <a:prstGeom prst="rect">
-            <a:avLst/>
-          </a:prstGeom>
-          <a:noFill/>
-          <a:ln/>
-        </p:spPr>
-        <p:txBody>
-          <a:bodyPr wrap="none" lIns="0" tIns="0" rIns="0" bIns="0" rtlCol="0" anchor="t"/>
-          <a:lstStyle/>
-          <a:p>
-            <a:pPr algn="l" indent="0" marL="0">
-              <a:lnSpc>
-                <a:spcPts val="2500"/>
-              </a:lnSpc>
-              <a:buNone/>
-            </a:pPr>
-            <a:r>
-              <a:rPr lang="en-US" sz="1550" dirty="0">
-                <a:solidFill>
-                  <a:srgbClr val="C7CDD6"/>
-                </a:solidFill>
-                <a:latin typeface="Inter" pitchFamily="34" charset="0"/>
-                <a:ea typeface="Inter" pitchFamily="34" charset="-122"/>
-                <a:cs typeface="Inter" pitchFamily="34" charset="-120"/>
-              </a:rPr>
-              <a:t>평가용 CSV에서 동일 전처리 후 시계열 Tensor를 생성하고 1단계 앞 잔차를 계산합니다.</a:t>
-            </a:r>
-            <a:endParaRPr lang="en-US" sz="1550" dirty="0"/>
-          </a:p>
-        </p:txBody>
-      </p:sp>
-      <p:sp>
-        <p:nvSpPr>
-          <p:cNvPr id="13" name="Shape 9"/>
-          <p:cNvSpPr/>
-          <p:nvPr/>
-        </p:nvSpPr>
-        <p:spPr>
-          <a:xfrm>
-            <a:off x="4108013" y="4841200"/>
-            <a:ext cx="9721572" cy="11430"/>
-          </a:xfrm>
-          <a:prstGeom prst="roundRect">
-            <a:avLst>
-              <a:gd name="adj" fmla="val 262791"/>
-            </a:avLst>
-          </a:prstGeom>
-          <a:solidFill>
-            <a:srgbClr val="5C5C61"/>
-          </a:solidFill>
-          <a:ln/>
-        </p:spPr>
-      </p:sp>
-      <p:sp>
-        <p:nvSpPr>
-          <p:cNvPr id="14" name="Shape 10"/>
-          <p:cNvSpPr/>
-          <p:nvPr/>
-        </p:nvSpPr>
-        <p:spPr>
-          <a:xfrm>
-            <a:off x="700802" y="4950738"/>
-            <a:ext cx="4960739" cy="1473994"/>
-          </a:xfrm>
-          <a:prstGeom prst="roundRect">
-            <a:avLst>
-              <a:gd name="adj" fmla="val 2038"/>
-            </a:avLst>
-          </a:prstGeom>
-          <a:solidFill>
-            <a:srgbClr val="434348"/>
-          </a:solidFill>
-          <a:ln/>
-        </p:spPr>
-      </p:sp>
-      <p:pic>
-        <p:nvPicPr>
-          <p:cNvPr id="15" name="Image 2" descr="preencoded.png">    </p:cNvPr>
+          <p:cNvPr id="5" name="Image 0" descr="preencoded.png"/>
           <p:cNvPicPr>
             <a:picLocks noChangeAspect="1"/>
           </p:cNvPicPr>
@@ -4898,7 +6628,7 @@
         </p:blipFill>
         <p:spPr>
           <a:xfrm>
-            <a:off x="3040380" y="5511760"/>
+            <a:off x="1386721" y="2844284"/>
             <a:ext cx="281583" cy="351949"/>
           </a:xfrm>
           <a:prstGeom prst="rect">
@@ -4908,13 +6638,13 @@
       </p:pic>
       <p:sp>
         <p:nvSpPr>
-          <p:cNvPr id="16" name="Text 11"/>
-          <p:cNvSpPr/>
-          <p:nvPr/>
-        </p:nvSpPr>
-        <p:spPr>
-          <a:xfrm>
-            <a:off x="5861685" y="5150882"/>
+          <p:cNvPr id="6" name="Text 3"/>
+          <p:cNvSpPr/>
+          <p:nvPr/>
+        </p:nvSpPr>
+        <p:spPr>
+          <a:xfrm>
+            <a:off x="2554486" y="2643664"/>
             <a:ext cx="2503051" cy="312777"/>
           </a:xfrm>
           <a:prstGeom prst="rect">
@@ -4927,7 +6657,7 @@
           <a:bodyPr wrap="none" lIns="0" tIns="0" rIns="0" bIns="0" rtlCol="0" anchor="t"/>
           <a:lstStyle/>
           <a:p>
-            <a:pPr algn="l" indent="0" marL="0">
+            <a:pPr marL="0" indent="0" algn="l">
               <a:lnSpc>
                 <a:spcPts val="2450"/>
               </a:lnSpc>
@@ -4942,7 +6672,7 @@
                 <a:ea typeface="Instrument Sans Medium" pitchFamily="34" charset="-122"/>
                 <a:cs typeface="Instrument Sans Medium" pitchFamily="34" charset="-120"/>
               </a:rPr>
-              <a:t>이상치 판정</a:t>
+              <a:t>모델 로드</a:t>
             </a:r>
             <a:endParaRPr lang="en-US" sz="1950" dirty="0"/>
           </a:p>
@@ -4950,26 +6680,26 @@
       </p:sp>
       <p:sp>
         <p:nvSpPr>
-          <p:cNvPr id="17" name="Text 12"/>
-          <p:cNvSpPr/>
-          <p:nvPr/>
-        </p:nvSpPr>
-        <p:spPr>
-          <a:xfrm>
-            <a:off x="5861685" y="5583793"/>
-            <a:ext cx="7867769" cy="640794"/>
-          </a:xfrm>
-          <a:prstGeom prst="rect">
-            <a:avLst/>
-          </a:prstGeom>
-          <a:noFill/>
-          <a:ln/>
-        </p:spPr>
-        <p:txBody>
-          <a:bodyPr wrap="square" lIns="0" tIns="0" rIns="0" bIns="0" rtlCol="0" anchor="t"/>
-          <a:lstStyle/>
-          <a:p>
-            <a:pPr algn="l" indent="0" marL="0">
+          <p:cNvPr id="7" name="Text 4"/>
+          <p:cNvSpPr/>
+          <p:nvPr/>
+        </p:nvSpPr>
+        <p:spPr>
+          <a:xfrm>
+            <a:off x="2554486" y="3076575"/>
+            <a:ext cx="3651528" cy="320397"/>
+          </a:xfrm>
+          <a:prstGeom prst="rect">
+            <a:avLst/>
+          </a:prstGeom>
+          <a:noFill/>
+          <a:ln/>
+        </p:spPr>
+        <p:txBody>
+          <a:bodyPr wrap="none" lIns="0" tIns="0" rIns="0" bIns="0" rtlCol="0" anchor="t"/>
+          <a:lstStyle/>
+          <a:p>
+            <a:pPr marL="0" indent="0" algn="l">
               <a:lnSpc>
                 <a:spcPts val="2500"/>
               </a:lnSpc>
@@ -4984,7 +6714,7 @@
                 <a:ea typeface="Inter" pitchFamily="34" charset="-122"/>
                 <a:cs typeface="Inter" pitchFamily="34" charset="-120"/>
               </a:rPr>
-              <a:t>잔차를 Z-score 표준화하고, Z&gt;3인 포인트를 이상치로 분류합니다. 이상치 개수 및 비율, 타임스탬프를 출력합니다.</a:t>
+              <a:t>학습된 ARIMA 파라미터(.pt)를 로드합니다.</a:t>
             </a:r>
             <a:endParaRPr lang="en-US" sz="1550" dirty="0"/>
           </a:p>
@@ -4992,14 +6722,14 @@
       </p:sp>
       <p:sp>
         <p:nvSpPr>
-          <p:cNvPr id="18" name="Shape 13"/>
-          <p:cNvSpPr/>
-          <p:nvPr/>
-        </p:nvSpPr>
-        <p:spPr>
-          <a:xfrm>
-            <a:off x="5761553" y="6415207"/>
-            <a:ext cx="8068032" cy="11430"/>
+          <p:cNvPr id="8" name="Shape 5"/>
+          <p:cNvSpPr/>
+          <p:nvPr/>
+        </p:nvSpPr>
+        <p:spPr>
+          <a:xfrm>
+            <a:off x="2454354" y="3587591"/>
+            <a:ext cx="11375231" cy="11430"/>
           </a:xfrm>
           <a:prstGeom prst="roundRect">
             <a:avLst>
@@ -5011,17 +6741,24 @@
           </a:solidFill>
           <a:ln/>
         </p:spPr>
-      </p:sp>
-      <p:sp>
-        <p:nvSpPr>
-          <p:cNvPr id="19" name="Shape 14"/>
-          <p:cNvSpPr/>
-          <p:nvPr/>
-        </p:nvSpPr>
-        <p:spPr>
-          <a:xfrm>
-            <a:off x="700802" y="6524744"/>
-            <a:ext cx="6614398" cy="1153597"/>
+        <p:txBody>
+          <a:bodyPr/>
+          <a:lstStyle/>
+          <a:p>
+            <a:endParaRPr lang="ko-KR" altLang="en-US"/>
+          </a:p>
+        </p:txBody>
+      </p:sp>
+      <p:sp>
+        <p:nvSpPr>
+          <p:cNvPr id="9" name="Shape 6"/>
+          <p:cNvSpPr/>
+          <p:nvPr/>
+        </p:nvSpPr>
+        <p:spPr>
+          <a:xfrm>
+            <a:off x="700802" y="3697129"/>
+            <a:ext cx="3307199" cy="1153597"/>
           </a:xfrm>
           <a:prstGeom prst="roundRect">
             <a:avLst>
@@ -5033,10 +6770,17 @@
           </a:solidFill>
           <a:ln/>
         </p:spPr>
+        <p:txBody>
+          <a:bodyPr/>
+          <a:lstStyle/>
+          <a:p>
+            <a:endParaRPr lang="ko-KR" altLang="en-US"/>
+          </a:p>
+        </p:txBody>
       </p:sp>
       <p:pic>
         <p:nvPicPr>
-          <p:cNvPr id="20" name="Image 3" descr="preencoded.png">    </p:cNvPr>
+          <p:cNvPr id="10" name="Image 1" descr="preencoded.png"/>
           <p:cNvPicPr>
             <a:picLocks noChangeAspect="1"/>
           </p:cNvPicPr>
@@ -5050,7 +6794,7 @@
         </p:blipFill>
         <p:spPr>
           <a:xfrm>
-            <a:off x="3867150" y="6925508"/>
+            <a:off x="2213610" y="4097893"/>
             <a:ext cx="281583" cy="351949"/>
           </a:xfrm>
           <a:prstGeom prst="rect">
@@ -5060,13 +6804,13 @@
       </p:pic>
       <p:sp>
         <p:nvSpPr>
-          <p:cNvPr id="21" name="Text 15"/>
-          <p:cNvSpPr/>
-          <p:nvPr/>
-        </p:nvSpPr>
-        <p:spPr>
-          <a:xfrm>
-            <a:off x="7515344" y="6724888"/>
+          <p:cNvPr id="11" name="Text 7"/>
+          <p:cNvSpPr/>
+          <p:nvPr/>
+        </p:nvSpPr>
+        <p:spPr>
+          <a:xfrm>
+            <a:off x="4208145" y="3897273"/>
             <a:ext cx="2503051" cy="312777"/>
           </a:xfrm>
           <a:prstGeom prst="rect">
@@ -5079,7 +6823,7 @@
           <a:bodyPr wrap="none" lIns="0" tIns="0" rIns="0" bIns="0" rtlCol="0" anchor="t"/>
           <a:lstStyle/>
           <a:p>
-            <a:pPr algn="l" indent="0" marL="0">
+            <a:pPr marL="0" indent="0" algn="l">
               <a:lnSpc>
                 <a:spcPts val="2450"/>
               </a:lnSpc>
@@ -5094,6 +6838,338 @@
                 <a:ea typeface="Instrument Sans Medium" pitchFamily="34" charset="-122"/>
                 <a:cs typeface="Instrument Sans Medium" pitchFamily="34" charset="-120"/>
               </a:rPr>
+              <a:t>잔차 계산</a:t>
+            </a:r>
+            <a:endParaRPr lang="en-US" sz="1950" dirty="0"/>
+          </a:p>
+        </p:txBody>
+      </p:sp>
+      <p:sp>
+        <p:nvSpPr>
+          <p:cNvPr id="12" name="Text 8"/>
+          <p:cNvSpPr/>
+          <p:nvPr/>
+        </p:nvSpPr>
+        <p:spPr>
+          <a:xfrm>
+            <a:off x="4208145" y="4330184"/>
+            <a:ext cx="7344489" cy="320397"/>
+          </a:xfrm>
+          <a:prstGeom prst="rect">
+            <a:avLst/>
+          </a:prstGeom>
+          <a:noFill/>
+          <a:ln/>
+        </p:spPr>
+        <p:txBody>
+          <a:bodyPr wrap="none" lIns="0" tIns="0" rIns="0" bIns="0" rtlCol="0" anchor="t"/>
+          <a:lstStyle/>
+          <a:p>
+            <a:pPr marL="0" indent="0" algn="l">
+              <a:lnSpc>
+                <a:spcPts val="2500"/>
+              </a:lnSpc>
+              <a:buNone/>
+            </a:pPr>
+            <a:r>
+              <a:rPr lang="en-US" sz="1550" dirty="0">
+                <a:solidFill>
+                  <a:srgbClr val="C7CDD6"/>
+                </a:solidFill>
+                <a:latin typeface="Inter" pitchFamily="34" charset="0"/>
+                <a:ea typeface="Inter" pitchFamily="34" charset="-122"/>
+                <a:cs typeface="Inter" pitchFamily="34" charset="-120"/>
+              </a:rPr>
+              <a:t>평가용 CSV에서 동일 전처리 후 시계열 Tensor를 생성하고 1단계 앞 잔차를 계산합니다.</a:t>
+            </a:r>
+            <a:endParaRPr lang="en-US" sz="1550" dirty="0"/>
+          </a:p>
+        </p:txBody>
+      </p:sp>
+      <p:sp>
+        <p:nvSpPr>
+          <p:cNvPr id="13" name="Shape 9"/>
+          <p:cNvSpPr/>
+          <p:nvPr/>
+        </p:nvSpPr>
+        <p:spPr>
+          <a:xfrm>
+            <a:off x="4108013" y="4841200"/>
+            <a:ext cx="9721572" cy="11430"/>
+          </a:xfrm>
+          <a:prstGeom prst="roundRect">
+            <a:avLst>
+              <a:gd name="adj" fmla="val 262791"/>
+            </a:avLst>
+          </a:prstGeom>
+          <a:solidFill>
+            <a:srgbClr val="5C5C61"/>
+          </a:solidFill>
+          <a:ln/>
+        </p:spPr>
+        <p:txBody>
+          <a:bodyPr/>
+          <a:lstStyle/>
+          <a:p>
+            <a:endParaRPr lang="ko-KR" altLang="en-US"/>
+          </a:p>
+        </p:txBody>
+      </p:sp>
+      <p:sp>
+        <p:nvSpPr>
+          <p:cNvPr id="14" name="Shape 10"/>
+          <p:cNvSpPr/>
+          <p:nvPr/>
+        </p:nvSpPr>
+        <p:spPr>
+          <a:xfrm>
+            <a:off x="700802" y="4950738"/>
+            <a:ext cx="4960739" cy="1473994"/>
+          </a:xfrm>
+          <a:prstGeom prst="roundRect">
+            <a:avLst>
+              <a:gd name="adj" fmla="val 2038"/>
+            </a:avLst>
+          </a:prstGeom>
+          <a:solidFill>
+            <a:srgbClr val="434348"/>
+          </a:solidFill>
+          <a:ln/>
+        </p:spPr>
+        <p:txBody>
+          <a:bodyPr/>
+          <a:lstStyle/>
+          <a:p>
+            <a:endParaRPr lang="ko-KR" altLang="en-US"/>
+          </a:p>
+        </p:txBody>
+      </p:sp>
+      <p:pic>
+        <p:nvPicPr>
+          <p:cNvPr id="15" name="Image 2" descr="preencoded.png"/>
+          <p:cNvPicPr>
+            <a:picLocks noChangeAspect="1"/>
+          </p:cNvPicPr>
+          <p:nvPr/>
+        </p:nvPicPr>
+        <p:blipFill>
+          <a:blip r:embed="rId5"/>
+          <a:stretch>
+            <a:fillRect/>
+          </a:stretch>
+        </p:blipFill>
+        <p:spPr>
+          <a:xfrm>
+            <a:off x="3040380" y="5511760"/>
+            <a:ext cx="281583" cy="351949"/>
+          </a:xfrm>
+          <a:prstGeom prst="rect">
+            <a:avLst/>
+          </a:prstGeom>
+        </p:spPr>
+      </p:pic>
+      <p:sp>
+        <p:nvSpPr>
+          <p:cNvPr id="16" name="Text 11"/>
+          <p:cNvSpPr/>
+          <p:nvPr/>
+        </p:nvSpPr>
+        <p:spPr>
+          <a:xfrm>
+            <a:off x="5861685" y="5150882"/>
+            <a:ext cx="2503051" cy="312777"/>
+          </a:xfrm>
+          <a:prstGeom prst="rect">
+            <a:avLst/>
+          </a:prstGeom>
+          <a:noFill/>
+          <a:ln/>
+        </p:spPr>
+        <p:txBody>
+          <a:bodyPr wrap="none" lIns="0" tIns="0" rIns="0" bIns="0" rtlCol="0" anchor="t"/>
+          <a:lstStyle/>
+          <a:p>
+            <a:pPr marL="0" indent="0" algn="l">
+              <a:lnSpc>
+                <a:spcPts val="2450"/>
+              </a:lnSpc>
+              <a:buNone/>
+            </a:pPr>
+            <a:r>
+              <a:rPr lang="en-US" sz="1950" dirty="0">
+                <a:solidFill>
+                  <a:srgbClr val="C7CDD6"/>
+                </a:solidFill>
+                <a:latin typeface="Instrument Sans Medium" pitchFamily="34" charset="0"/>
+                <a:ea typeface="Instrument Sans Medium" pitchFamily="34" charset="-122"/>
+                <a:cs typeface="Instrument Sans Medium" pitchFamily="34" charset="-120"/>
+              </a:rPr>
+              <a:t>이상치 판정</a:t>
+            </a:r>
+            <a:endParaRPr lang="en-US" sz="1950" dirty="0"/>
+          </a:p>
+        </p:txBody>
+      </p:sp>
+      <p:sp>
+        <p:nvSpPr>
+          <p:cNvPr id="17" name="Text 12"/>
+          <p:cNvSpPr/>
+          <p:nvPr/>
+        </p:nvSpPr>
+        <p:spPr>
+          <a:xfrm>
+            <a:off x="5861685" y="5583793"/>
+            <a:ext cx="7867769" cy="640794"/>
+          </a:xfrm>
+          <a:prstGeom prst="rect">
+            <a:avLst/>
+          </a:prstGeom>
+          <a:noFill/>
+          <a:ln/>
+        </p:spPr>
+        <p:txBody>
+          <a:bodyPr wrap="square" lIns="0" tIns="0" rIns="0" bIns="0" rtlCol="0" anchor="t"/>
+          <a:lstStyle/>
+          <a:p>
+            <a:pPr marL="0" indent="0" algn="l">
+              <a:lnSpc>
+                <a:spcPts val="2500"/>
+              </a:lnSpc>
+              <a:buNone/>
+            </a:pPr>
+            <a:r>
+              <a:rPr lang="en-US" sz="1550" dirty="0">
+                <a:solidFill>
+                  <a:srgbClr val="C7CDD6"/>
+                </a:solidFill>
+                <a:latin typeface="Inter" pitchFamily="34" charset="0"/>
+                <a:ea typeface="Inter" pitchFamily="34" charset="-122"/>
+                <a:cs typeface="Inter" pitchFamily="34" charset="-120"/>
+              </a:rPr>
+              <a:t>잔차를 Z-score 표준화하고, Z&gt;3인 포인트를 이상치로 분류합니다. 이상치 개수 및 비율, 타임스탬프를 출력합니다.</a:t>
+            </a:r>
+            <a:endParaRPr lang="en-US" sz="1550" dirty="0"/>
+          </a:p>
+        </p:txBody>
+      </p:sp>
+      <p:sp>
+        <p:nvSpPr>
+          <p:cNvPr id="18" name="Shape 13"/>
+          <p:cNvSpPr/>
+          <p:nvPr/>
+        </p:nvSpPr>
+        <p:spPr>
+          <a:xfrm>
+            <a:off x="5761553" y="6415207"/>
+            <a:ext cx="8068032" cy="11430"/>
+          </a:xfrm>
+          <a:prstGeom prst="roundRect">
+            <a:avLst>
+              <a:gd name="adj" fmla="val 262791"/>
+            </a:avLst>
+          </a:prstGeom>
+          <a:solidFill>
+            <a:srgbClr val="5C5C61"/>
+          </a:solidFill>
+          <a:ln/>
+        </p:spPr>
+        <p:txBody>
+          <a:bodyPr/>
+          <a:lstStyle/>
+          <a:p>
+            <a:endParaRPr lang="ko-KR" altLang="en-US"/>
+          </a:p>
+        </p:txBody>
+      </p:sp>
+      <p:sp>
+        <p:nvSpPr>
+          <p:cNvPr id="19" name="Shape 14"/>
+          <p:cNvSpPr/>
+          <p:nvPr/>
+        </p:nvSpPr>
+        <p:spPr>
+          <a:xfrm>
+            <a:off x="700802" y="6524744"/>
+            <a:ext cx="6614398" cy="1153597"/>
+          </a:xfrm>
+          <a:prstGeom prst="roundRect">
+            <a:avLst>
+              <a:gd name="adj" fmla="val 2604"/>
+            </a:avLst>
+          </a:prstGeom>
+          <a:solidFill>
+            <a:srgbClr val="434348"/>
+          </a:solidFill>
+          <a:ln/>
+        </p:spPr>
+        <p:txBody>
+          <a:bodyPr/>
+          <a:lstStyle/>
+          <a:p>
+            <a:endParaRPr lang="ko-KR" altLang="en-US"/>
+          </a:p>
+        </p:txBody>
+      </p:sp>
+      <p:pic>
+        <p:nvPicPr>
+          <p:cNvPr id="20" name="Image 3" descr="preencoded.png"/>
+          <p:cNvPicPr>
+            <a:picLocks noChangeAspect="1"/>
+          </p:cNvPicPr>
+          <p:nvPr/>
+        </p:nvPicPr>
+        <p:blipFill>
+          <a:blip r:embed="rId6"/>
+          <a:stretch>
+            <a:fillRect/>
+          </a:stretch>
+        </p:blipFill>
+        <p:spPr>
+          <a:xfrm>
+            <a:off x="3867150" y="6925508"/>
+            <a:ext cx="281583" cy="351949"/>
+          </a:xfrm>
+          <a:prstGeom prst="rect">
+            <a:avLst/>
+          </a:prstGeom>
+        </p:spPr>
+      </p:pic>
+      <p:sp>
+        <p:nvSpPr>
+          <p:cNvPr id="21" name="Text 15"/>
+          <p:cNvSpPr/>
+          <p:nvPr/>
+        </p:nvSpPr>
+        <p:spPr>
+          <a:xfrm>
+            <a:off x="7515344" y="6724888"/>
+            <a:ext cx="2503051" cy="312777"/>
+          </a:xfrm>
+          <a:prstGeom prst="rect">
+            <a:avLst/>
+          </a:prstGeom>
+          <a:noFill/>
+          <a:ln/>
+        </p:spPr>
+        <p:txBody>
+          <a:bodyPr wrap="none" lIns="0" tIns="0" rIns="0" bIns="0" rtlCol="0" anchor="t"/>
+          <a:lstStyle/>
+          <a:p>
+            <a:pPr marL="0" indent="0" algn="l">
+              <a:lnSpc>
+                <a:spcPts val="2450"/>
+              </a:lnSpc>
+              <a:buNone/>
+            </a:pPr>
+            <a:r>
+              <a:rPr lang="en-US" sz="1950" dirty="0">
+                <a:solidFill>
+                  <a:srgbClr val="C7CDD6"/>
+                </a:solidFill>
+                <a:latin typeface="Instrument Sans Medium" pitchFamily="34" charset="0"/>
+                <a:ea typeface="Instrument Sans Medium" pitchFamily="34" charset="-122"/>
+                <a:cs typeface="Instrument Sans Medium" pitchFamily="34" charset="-120"/>
+              </a:rPr>
               <a:t>결과 시각화</a:t>
             </a:r>
             <a:endParaRPr lang="en-US" sz="1950" dirty="0"/>
@@ -5121,7 +7197,7 @@
           <a:bodyPr wrap="none" lIns="0" tIns="0" rIns="0" bIns="0" rtlCol="0" anchor="t"/>
           <a:lstStyle/>
           <a:p>
-            <a:pPr algn="l" indent="0" marL="0">
+            <a:pPr marL="0" indent="0" algn="l">
               <a:lnSpc>
                 <a:spcPts val="2500"/>
               </a:lnSpc>
@@ -5150,7 +7226,7 @@
 </p:sld>
 </file>
 
-<file path=ppt/slides/slide7.xml><?xml version="1.0" encoding="utf-8"?>
+<file path=ppt/slides/slide9.xml><?xml version="1.0" encoding="utf-8"?>
 <p:sld xmlns:a="http://schemas.openxmlformats.org/drawingml/2006/main" xmlns:r="http://schemas.openxmlformats.org/officeDocument/2006/relationships" xmlns:p="http://schemas.openxmlformats.org/presentationml/2006/main">
   <p:cSld name="Slide 7">
     <p:spTree>
@@ -5188,7 +7264,7 @@
           <a:bodyPr wrap="none" lIns="0" tIns="0" rIns="0" bIns="0" rtlCol="0" anchor="t"/>
           <a:lstStyle/>
           <a:p>
-            <a:pPr algn="l" indent="0" marL="0">
+            <a:pPr marL="0" indent="0" algn="l">
               <a:lnSpc>
                 <a:spcPts val="3150"/>
               </a:lnSpc>
@@ -5230,7 +7306,7 @@
           <a:bodyPr wrap="none" lIns="0" tIns="0" rIns="0" bIns="0" rtlCol="0" anchor="t"/>
           <a:lstStyle/>
           <a:p>
-            <a:pPr algn="l" indent="0" marL="0">
+            <a:pPr marL="0" indent="0" algn="l">
               <a:lnSpc>
                 <a:spcPts val="1550"/>
               </a:lnSpc>
@@ -5272,7 +7348,7 @@
           <a:bodyPr wrap="square" lIns="0" tIns="0" rIns="0" bIns="0" rtlCol="0" anchor="t"/>
           <a:lstStyle/>
           <a:p>
-            <a:pPr algn="l" indent="0" marL="0">
+            <a:pPr marL="0" indent="0" algn="l">
               <a:lnSpc>
                 <a:spcPts val="1600"/>
               </a:lnSpc>
@@ -5295,14 +7371,14 @@
       </p:sp>
       <p:pic>
         <p:nvPicPr>
-          <p:cNvPr id="5" name="Image 0" descr="preencoded.png">    </p:cNvPr>
+          <p:cNvPr id="5" name="Image 0" descr="preencoded.png"/>
           <p:cNvPicPr>
             <a:picLocks noChangeAspect="1"/>
           </p:cNvPicPr>
           <p:nvPr/>
         </p:nvPicPr>
         <p:blipFill>
-          <a:blip r:embed="rId1"/>
+          <a:blip r:embed="rId3"/>
           <a:stretch>
             <a:fillRect/>
           </a:stretch>
@@ -5338,7 +7414,7 @@
           <a:bodyPr wrap="none" lIns="0" tIns="0" rIns="0" bIns="0" rtlCol="0" anchor="t"/>
           <a:lstStyle/>
           <a:p>
-            <a:pPr algn="l" indent="0" marL="0">
+            <a:pPr marL="0" indent="0" algn="l">
               <a:lnSpc>
                 <a:spcPts val="1550"/>
               </a:lnSpc>
@@ -5380,7 +7456,7 @@
           <a:bodyPr wrap="square" lIns="0" tIns="0" rIns="0" bIns="0" rtlCol="0" anchor="t"/>
           <a:lstStyle/>
           <a:p>
-            <a:pPr algn="l" indent="0" marL="0">
+            <a:pPr marL="0" indent="0" algn="l">
               <a:lnSpc>
                 <a:spcPts val="1600"/>
               </a:lnSpc>
@@ -5403,14 +7479,14 @@
       </p:sp>
       <p:pic>
         <p:nvPicPr>
-          <p:cNvPr id="8" name="Image 1" descr="preencoded.png">    </p:cNvPr>
+          <p:cNvPr id="8" name="Image 1" descr="preencoded.png"/>
           <p:cNvPicPr>
             <a:picLocks noChangeAspect="1"/>
           </p:cNvPicPr>
           <p:nvPr/>
         </p:nvPicPr>
         <p:blipFill>
-          <a:blip r:embed="rId2"/>
+          <a:blip r:embed="rId4"/>
           <a:stretch>
             <a:fillRect/>
           </a:stretch>
@@ -5425,718 +7501,6 @@
           </a:prstGeom>
         </p:spPr>
       </p:pic>
-    </p:spTree>
-  </p:cSld>
-  <p:clrMapOvr>
-    <a:masterClrMapping/>
-  </p:clrMapOvr>
-</p:sld>
-</file>
-
-<file path=ppt/slides/slide8.xml><?xml version="1.0" encoding="utf-8"?>
-<p:sld xmlns:a="http://schemas.openxmlformats.org/drawingml/2006/main" xmlns:r="http://schemas.openxmlformats.org/officeDocument/2006/relationships" xmlns:p="http://schemas.openxmlformats.org/presentationml/2006/main">
-  <p:cSld name="Slide 8">
-    <p:spTree>
-      <p:nvGrpSpPr>
-        <p:cNvPr id="1" name=""/>
-        <p:cNvGrpSpPr/>
-        <p:nvPr/>
-      </p:nvGrpSpPr>
-      <p:grpSpPr>
-        <a:xfrm>
-          <a:off x="0" y="0"/>
-          <a:ext cx="0" cy="0"/>
-          <a:chOff x="0" y="0"/>
-          <a:chExt cx="0" cy="0"/>
-        </a:xfrm>
-      </p:grpSpPr>
-      <p:sp>
-        <p:nvSpPr>
-          <p:cNvPr id="2" name="Text 0"/>
-          <p:cNvSpPr/>
-          <p:nvPr/>
-        </p:nvSpPr>
-        <p:spPr>
-          <a:xfrm>
-            <a:off x="793790" y="1765935"/>
-            <a:ext cx="5670590" cy="708779"/>
-          </a:xfrm>
-          <a:prstGeom prst="rect">
-            <a:avLst/>
-          </a:prstGeom>
-          <a:noFill/>
-          <a:ln/>
-        </p:spPr>
-        <p:txBody>
-          <a:bodyPr wrap="none" lIns="0" tIns="0" rIns="0" bIns="0" rtlCol="0" anchor="t"/>
-          <a:lstStyle/>
-          <a:p>
-            <a:pPr algn="l" indent="0" marL="0">
-              <a:lnSpc>
-                <a:spcPts val="5550"/>
-              </a:lnSpc>
-              <a:buNone/>
-            </a:pPr>
-            <a:r>
-              <a:rPr lang="en-US" sz="4450" dirty="0">
-                <a:solidFill>
-                  <a:srgbClr val="EFD5FA"/>
-                </a:solidFill>
-                <a:latin typeface="Instrument Sans Medium" pitchFamily="34" charset="0"/>
-                <a:ea typeface="Instrument Sans Medium" pitchFamily="34" charset="-122"/>
-                <a:cs typeface="Instrument Sans Medium" pitchFamily="34" charset="-120"/>
-              </a:rPr>
-              <a:t>참고 자료 및 결론</a:t>
-            </a:r>
-            <a:endParaRPr lang="en-US" sz="4450" dirty="0"/>
-          </a:p>
-        </p:txBody>
-      </p:sp>
-      <p:sp>
-        <p:nvSpPr>
-          <p:cNvPr id="3" name="Text 1"/>
-          <p:cNvSpPr/>
-          <p:nvPr/>
-        </p:nvSpPr>
-        <p:spPr>
-          <a:xfrm>
-            <a:off x="793790" y="2928342"/>
-            <a:ext cx="13042821" cy="725805"/>
-          </a:xfrm>
-          <a:prstGeom prst="rect">
-            <a:avLst/>
-          </a:prstGeom>
-          <a:noFill/>
-          <a:ln/>
-        </p:spPr>
-        <p:txBody>
-          <a:bodyPr wrap="square" lIns="0" tIns="0" rIns="0" bIns="0" rtlCol="0" anchor="t"/>
-          <a:lstStyle/>
-          <a:p>
-            <a:pPr algn="l" indent="0" marL="0">
-              <a:lnSpc>
-                <a:spcPts val="2850"/>
-              </a:lnSpc>
-              <a:buNone/>
-            </a:pPr>
-            <a:r>
-              <a:rPr lang="en-US" sz="1750" dirty="0">
-                <a:solidFill>
-                  <a:srgbClr val="C7CDD6"/>
-                </a:solidFill>
-                <a:latin typeface="Inter" pitchFamily="34" charset="0"/>
-                <a:ea typeface="Inter" pitchFamily="34" charset="-122"/>
-                <a:cs typeface="Inter" pitchFamily="34" charset="-120"/>
-              </a:rPr>
-              <a:t>이 프로젝트는 PyTorch를 사용하여 ARIMA 모델을 구현하고, 이를 통해 산업용 센서 데이터에서 이상치를 탐지하는 방법을 보여줍니다. 주요 참고 자료로는 GitHub의 torch_arima 프로젝트가 있습니다.</a:t>
-            </a:r>
-            <a:endParaRPr lang="en-US" sz="1750" dirty="0"/>
-          </a:p>
-        </p:txBody>
-      </p:sp>
-      <p:sp>
-        <p:nvSpPr>
-          <p:cNvPr id="4" name="Shape 2"/>
-          <p:cNvSpPr/>
-          <p:nvPr/>
-        </p:nvSpPr>
-        <p:spPr>
-          <a:xfrm>
-            <a:off x="793790" y="3909298"/>
-            <a:ext cx="4196358" cy="2554248"/>
-          </a:xfrm>
-          <a:prstGeom prst="roundRect">
-            <a:avLst>
-              <a:gd name="adj" fmla="val 1332"/>
-            </a:avLst>
-          </a:prstGeom>
-          <a:solidFill>
-            <a:srgbClr val="434348"/>
-          </a:solidFill>
-          <a:ln/>
-        </p:spPr>
-      </p:sp>
-      <p:sp>
-        <p:nvSpPr>
-          <p:cNvPr id="5" name="Text 3"/>
-          <p:cNvSpPr/>
-          <p:nvPr/>
-        </p:nvSpPr>
-        <p:spPr>
-          <a:xfrm>
-            <a:off x="1020604" y="4136112"/>
-            <a:ext cx="2835235" cy="354330"/>
-          </a:xfrm>
-          <a:prstGeom prst="rect">
-            <a:avLst/>
-          </a:prstGeom>
-          <a:noFill/>
-          <a:ln/>
-        </p:spPr>
-        <p:txBody>
-          <a:bodyPr wrap="none" lIns="0" tIns="0" rIns="0" bIns="0" rtlCol="0" anchor="t"/>
-          <a:lstStyle/>
-          <a:p>
-            <a:pPr algn="l" indent="0" marL="0">
-              <a:lnSpc>
-                <a:spcPts val="2750"/>
-              </a:lnSpc>
-              <a:buNone/>
-            </a:pPr>
-            <a:r>
-              <a:rPr lang="en-US" sz="2200" dirty="0">
-                <a:solidFill>
-                  <a:srgbClr val="C7CDD6"/>
-                </a:solidFill>
-                <a:latin typeface="Instrument Sans Medium" pitchFamily="34" charset="0"/>
-                <a:ea typeface="Instrument Sans Medium" pitchFamily="34" charset="-122"/>
-                <a:cs typeface="Instrument Sans Medium" pitchFamily="34" charset="-120"/>
-              </a:rPr>
-              <a:t>주요 성과</a:t>
-            </a:r>
-            <a:endParaRPr lang="en-US" sz="2200" dirty="0"/>
-          </a:p>
-        </p:txBody>
-      </p:sp>
-      <p:sp>
-        <p:nvSpPr>
-          <p:cNvPr id="6" name="Text 4"/>
-          <p:cNvSpPr/>
-          <p:nvPr/>
-        </p:nvSpPr>
-        <p:spPr>
-          <a:xfrm>
-            <a:off x="1020604" y="4626531"/>
-            <a:ext cx="3742730" cy="362903"/>
-          </a:xfrm>
-          <a:prstGeom prst="rect">
-            <a:avLst/>
-          </a:prstGeom>
-          <a:noFill/>
-          <a:ln/>
-        </p:spPr>
-        <p:txBody>
-          <a:bodyPr wrap="none" lIns="0" tIns="0" rIns="0" bIns="0" rtlCol="0" anchor="t"/>
-          <a:lstStyle/>
-          <a:p>
-            <a:pPr algn="l" marL="342900" indent="-342900">
-              <a:lnSpc>
-                <a:spcPts val="2850"/>
-              </a:lnSpc>
-              <a:buSzPct val="100000"/>
-              <a:buChar char="•"/>
-            </a:pPr>
-            <a:r>
-              <a:rPr lang="en-US" sz="1750" dirty="0">
-                <a:solidFill>
-                  <a:srgbClr val="C7CDD6"/>
-                </a:solidFill>
-                <a:latin typeface="Inter" pitchFamily="34" charset="0"/>
-                <a:ea typeface="Inter" pitchFamily="34" charset="-122"/>
-                <a:cs typeface="Inter" pitchFamily="34" charset="-120"/>
-              </a:rPr>
-              <a:t>PyTorch 기반 ARIMA 모델 구현</a:t>
-            </a:r>
-            <a:endParaRPr lang="en-US" sz="1750" dirty="0"/>
-          </a:p>
-        </p:txBody>
-      </p:sp>
-      <p:sp>
-        <p:nvSpPr>
-          <p:cNvPr id="7" name="Text 5"/>
-          <p:cNvSpPr/>
-          <p:nvPr/>
-        </p:nvSpPr>
-        <p:spPr>
-          <a:xfrm>
-            <a:off x="1020604" y="5068729"/>
-            <a:ext cx="3742730" cy="725805"/>
-          </a:xfrm>
-          <a:prstGeom prst="rect">
-            <a:avLst/>
-          </a:prstGeom>
-          <a:noFill/>
-          <a:ln/>
-        </p:spPr>
-        <p:txBody>
-          <a:bodyPr wrap="square" lIns="0" tIns="0" rIns="0" bIns="0" rtlCol="0" anchor="t"/>
-          <a:lstStyle/>
-          <a:p>
-            <a:pPr algn="l" marL="342900" indent="-342900">
-              <a:lnSpc>
-                <a:spcPts val="2850"/>
-              </a:lnSpc>
-              <a:buSzPct val="100000"/>
-              <a:buChar char="•"/>
-            </a:pPr>
-            <a:r>
-              <a:rPr lang="en-US" sz="1750" dirty="0">
-                <a:solidFill>
-                  <a:srgbClr val="C7CDD6"/>
-                </a:solidFill>
-                <a:latin typeface="Inter" pitchFamily="34" charset="0"/>
-                <a:ea typeface="Inter" pitchFamily="34" charset="-122"/>
-                <a:cs typeface="Inter" pitchFamily="34" charset="-120"/>
-              </a:rPr>
-              <a:t>시계열 데이터 전처리 및 분석 파이프라인 구축</a:t>
-            </a:r>
-            <a:endParaRPr lang="en-US" sz="1750" dirty="0"/>
-          </a:p>
-        </p:txBody>
-      </p:sp>
-      <p:sp>
-        <p:nvSpPr>
-          <p:cNvPr id="8" name="Text 6"/>
-          <p:cNvSpPr/>
-          <p:nvPr/>
-        </p:nvSpPr>
-        <p:spPr>
-          <a:xfrm>
-            <a:off x="1020604" y="5873829"/>
-            <a:ext cx="3742730" cy="362903"/>
-          </a:xfrm>
-          <a:prstGeom prst="rect">
-            <a:avLst/>
-          </a:prstGeom>
-          <a:noFill/>
-          <a:ln/>
-        </p:spPr>
-        <p:txBody>
-          <a:bodyPr wrap="none" lIns="0" tIns="0" rIns="0" bIns="0" rtlCol="0" anchor="t"/>
-          <a:lstStyle/>
-          <a:p>
-            <a:pPr algn="l" marL="342900" indent="-342900">
-              <a:lnSpc>
-                <a:spcPts val="2850"/>
-              </a:lnSpc>
-              <a:buSzPct val="100000"/>
-              <a:buChar char="•"/>
-            </a:pPr>
-            <a:r>
-              <a:rPr lang="en-US" sz="1750" dirty="0">
-                <a:solidFill>
-                  <a:srgbClr val="C7CDD6"/>
-                </a:solidFill>
-                <a:latin typeface="Inter" pitchFamily="34" charset="0"/>
-                <a:ea typeface="Inter" pitchFamily="34" charset="-122"/>
-                <a:cs typeface="Inter" pitchFamily="34" charset="-120"/>
-              </a:rPr>
-              <a:t>잔차 기반 이상치 탐지 방법론 적용</a:t>
-            </a:r>
-            <a:endParaRPr lang="en-US" sz="1750" dirty="0"/>
-          </a:p>
-        </p:txBody>
-      </p:sp>
-      <p:sp>
-        <p:nvSpPr>
-          <p:cNvPr id="9" name="Shape 7"/>
-          <p:cNvSpPr/>
-          <p:nvPr/>
-        </p:nvSpPr>
-        <p:spPr>
-          <a:xfrm>
-            <a:off x="5216962" y="3909298"/>
-            <a:ext cx="4196358" cy="2554248"/>
-          </a:xfrm>
-          <a:prstGeom prst="roundRect">
-            <a:avLst>
-              <a:gd name="adj" fmla="val 1332"/>
-            </a:avLst>
-          </a:prstGeom>
-          <a:solidFill>
-            <a:srgbClr val="434348"/>
-          </a:solidFill>
-          <a:ln/>
-        </p:spPr>
-      </p:sp>
-      <p:sp>
-        <p:nvSpPr>
-          <p:cNvPr id="10" name="Text 8"/>
-          <p:cNvSpPr/>
-          <p:nvPr/>
-        </p:nvSpPr>
-        <p:spPr>
-          <a:xfrm>
-            <a:off x="5443776" y="4136112"/>
-            <a:ext cx="2835235" cy="354330"/>
-          </a:xfrm>
-          <a:prstGeom prst="rect">
-            <a:avLst/>
-          </a:prstGeom>
-          <a:noFill/>
-          <a:ln/>
-        </p:spPr>
-        <p:txBody>
-          <a:bodyPr wrap="none" lIns="0" tIns="0" rIns="0" bIns="0" rtlCol="0" anchor="t"/>
-          <a:lstStyle/>
-          <a:p>
-            <a:pPr algn="l" indent="0" marL="0">
-              <a:lnSpc>
-                <a:spcPts val="2750"/>
-              </a:lnSpc>
-              <a:buNone/>
-            </a:pPr>
-            <a:r>
-              <a:rPr lang="en-US" sz="2200" dirty="0">
-                <a:solidFill>
-                  <a:srgbClr val="C7CDD6"/>
-                </a:solidFill>
-                <a:latin typeface="Instrument Sans Medium" pitchFamily="34" charset="0"/>
-                <a:ea typeface="Instrument Sans Medium" pitchFamily="34" charset="-122"/>
-                <a:cs typeface="Instrument Sans Medium" pitchFamily="34" charset="-120"/>
-              </a:rPr>
-              <a:t>향후 개선 방향</a:t>
-            </a:r>
-            <a:endParaRPr lang="en-US" sz="2200" dirty="0"/>
-          </a:p>
-        </p:txBody>
-      </p:sp>
-      <p:sp>
-        <p:nvSpPr>
-          <p:cNvPr id="11" name="Text 9"/>
-          <p:cNvSpPr/>
-          <p:nvPr/>
-        </p:nvSpPr>
-        <p:spPr>
-          <a:xfrm>
-            <a:off x="5443776" y="4626531"/>
-            <a:ext cx="3742730" cy="362903"/>
-          </a:xfrm>
-          <a:prstGeom prst="rect">
-            <a:avLst/>
-          </a:prstGeom>
-          <a:noFill/>
-          <a:ln/>
-        </p:spPr>
-        <p:txBody>
-          <a:bodyPr wrap="none" lIns="0" tIns="0" rIns="0" bIns="0" rtlCol="0" anchor="t"/>
-          <a:lstStyle/>
-          <a:p>
-            <a:pPr algn="l" marL="342900" indent="-342900">
-              <a:lnSpc>
-                <a:spcPts val="2850"/>
-              </a:lnSpc>
-              <a:buSzPct val="100000"/>
-              <a:buChar char="•"/>
-            </a:pPr>
-            <a:r>
-              <a:rPr lang="en-US" sz="1750" dirty="0">
-                <a:solidFill>
-                  <a:srgbClr val="C7CDD6"/>
-                </a:solidFill>
-                <a:latin typeface="Inter" pitchFamily="34" charset="0"/>
-                <a:ea typeface="Inter" pitchFamily="34" charset="-122"/>
-                <a:cs typeface="Inter" pitchFamily="34" charset="-120"/>
-              </a:rPr>
-              <a:t>다양한 센서 태그에 대한 모델 확장</a:t>
-            </a:r>
-            <a:endParaRPr lang="en-US" sz="1750" dirty="0"/>
-          </a:p>
-        </p:txBody>
-      </p:sp>
-      <p:sp>
-        <p:nvSpPr>
-          <p:cNvPr id="12" name="Text 10"/>
-          <p:cNvSpPr/>
-          <p:nvPr/>
-        </p:nvSpPr>
-        <p:spPr>
-          <a:xfrm>
-            <a:off x="5443776" y="5068729"/>
-            <a:ext cx="3742730" cy="362903"/>
-          </a:xfrm>
-          <a:prstGeom prst="rect">
-            <a:avLst/>
-          </a:prstGeom>
-          <a:noFill/>
-          <a:ln/>
-        </p:spPr>
-        <p:txBody>
-          <a:bodyPr wrap="none" lIns="0" tIns="0" rIns="0" bIns="0" rtlCol="0" anchor="t"/>
-          <a:lstStyle/>
-          <a:p>
-            <a:pPr algn="l" marL="342900" indent="-342900">
-              <a:lnSpc>
-                <a:spcPts val="2850"/>
-              </a:lnSpc>
-              <a:buSzPct val="100000"/>
-              <a:buChar char="•"/>
-            </a:pPr>
-            <a:r>
-              <a:rPr lang="en-US" sz="1750" dirty="0">
-                <a:solidFill>
-                  <a:srgbClr val="C7CDD6"/>
-                </a:solidFill>
-                <a:latin typeface="Inter" pitchFamily="34" charset="0"/>
-                <a:ea typeface="Inter" pitchFamily="34" charset="-122"/>
-                <a:cs typeface="Inter" pitchFamily="34" charset="-120"/>
-              </a:rPr>
-              <a:t>하이퍼파라미터 최적화 연구</a:t>
-            </a:r>
-            <a:endParaRPr lang="en-US" sz="1750" dirty="0"/>
-          </a:p>
-        </p:txBody>
-      </p:sp>
-      <p:sp>
-        <p:nvSpPr>
-          <p:cNvPr id="13" name="Text 11"/>
-          <p:cNvSpPr/>
-          <p:nvPr/>
-        </p:nvSpPr>
-        <p:spPr>
-          <a:xfrm>
-            <a:off x="5443776" y="5510927"/>
-            <a:ext cx="3742730" cy="362903"/>
-          </a:xfrm>
-          <a:prstGeom prst="rect">
-            <a:avLst/>
-          </a:prstGeom>
-          <a:noFill/>
-          <a:ln/>
-        </p:spPr>
-        <p:txBody>
-          <a:bodyPr wrap="none" lIns="0" tIns="0" rIns="0" bIns="0" rtlCol="0" anchor="t"/>
-          <a:lstStyle/>
-          <a:p>
-            <a:pPr algn="l" marL="342900" indent="-342900">
-              <a:lnSpc>
-                <a:spcPts val="2850"/>
-              </a:lnSpc>
-              <a:buSzPct val="100000"/>
-              <a:buChar char="•"/>
-            </a:pPr>
-            <a:r>
-              <a:rPr lang="en-US" sz="1750" dirty="0">
-                <a:solidFill>
-                  <a:srgbClr val="C7CDD6"/>
-                </a:solidFill>
-                <a:latin typeface="Inter" pitchFamily="34" charset="0"/>
-                <a:ea typeface="Inter" pitchFamily="34" charset="-122"/>
-                <a:cs typeface="Inter" pitchFamily="34" charset="-120"/>
-              </a:rPr>
-              <a:t>딥러닝 기반 모델과의 성능 비교</a:t>
-            </a:r>
-            <a:endParaRPr lang="en-US" sz="1750" dirty="0"/>
-          </a:p>
-        </p:txBody>
-      </p:sp>
-      <p:sp>
-        <p:nvSpPr>
-          <p:cNvPr id="14" name="Shape 12"/>
-          <p:cNvSpPr/>
-          <p:nvPr/>
-        </p:nvSpPr>
-        <p:spPr>
-          <a:xfrm>
-            <a:off x="9640133" y="3909298"/>
-            <a:ext cx="4196358" cy="2554248"/>
-          </a:xfrm>
-          <a:prstGeom prst="roundRect">
-            <a:avLst>
-              <a:gd name="adj" fmla="val 1332"/>
-            </a:avLst>
-          </a:prstGeom>
-          <a:solidFill>
-            <a:srgbClr val="434348"/>
-          </a:solidFill>
-          <a:ln/>
-        </p:spPr>
-      </p:sp>
-      <p:sp>
-        <p:nvSpPr>
-          <p:cNvPr id="15" name="Text 13"/>
-          <p:cNvSpPr/>
-          <p:nvPr/>
-        </p:nvSpPr>
-        <p:spPr>
-          <a:xfrm>
-            <a:off x="9866948" y="4136112"/>
-            <a:ext cx="2835235" cy="354330"/>
-          </a:xfrm>
-          <a:prstGeom prst="rect">
-            <a:avLst/>
-          </a:prstGeom>
-          <a:noFill/>
-          <a:ln/>
-        </p:spPr>
-        <p:txBody>
-          <a:bodyPr wrap="none" lIns="0" tIns="0" rIns="0" bIns="0" rtlCol="0" anchor="t"/>
-          <a:lstStyle/>
-          <a:p>
-            <a:pPr algn="l" indent="0" marL="0">
-              <a:lnSpc>
-                <a:spcPts val="2750"/>
-              </a:lnSpc>
-              <a:buNone/>
-            </a:pPr>
-            <a:r>
-              <a:rPr lang="en-US" sz="2200" dirty="0">
-                <a:solidFill>
-                  <a:srgbClr val="C7CDD6"/>
-                </a:solidFill>
-                <a:latin typeface="Instrument Sans Medium" pitchFamily="34" charset="0"/>
-                <a:ea typeface="Instrument Sans Medium" pitchFamily="34" charset="-122"/>
-                <a:cs typeface="Instrument Sans Medium" pitchFamily="34" charset="-120"/>
-              </a:rPr>
-              <a:t>참고 자료</a:t>
-            </a:r>
-            <a:endParaRPr lang="en-US" sz="2200" dirty="0"/>
-          </a:p>
-        </p:txBody>
-      </p:sp>
-      <p:sp>
-        <p:nvSpPr>
-          <p:cNvPr id="16" name="Text 14"/>
-          <p:cNvSpPr/>
-          <p:nvPr/>
-        </p:nvSpPr>
-        <p:spPr>
-          <a:xfrm>
-            <a:off x="9866948" y="4626531"/>
-            <a:ext cx="3742730" cy="362903"/>
-          </a:xfrm>
-          <a:prstGeom prst="rect">
-            <a:avLst/>
-          </a:prstGeom>
-          <a:noFill/>
-          <a:ln/>
-        </p:spPr>
-        <p:txBody>
-          <a:bodyPr wrap="none" lIns="0" tIns="0" rIns="0" bIns="0" rtlCol="0" anchor="t"/>
-          <a:lstStyle/>
-          <a:p>
-            <a:pPr algn="l" marL="342900" indent="-342900">
-              <a:lnSpc>
-                <a:spcPts val="2850"/>
-              </a:lnSpc>
-              <a:buSzPct val="100000"/>
-              <a:buChar char="•"/>
-            </a:pPr>
-            <a:r>
-              <a:rPr lang="en-US" sz="1750" dirty="0">
-                <a:solidFill>
-                  <a:srgbClr val="C7CDD6"/>
-                </a:solidFill>
-                <a:latin typeface="Inter" pitchFamily="34" charset="0"/>
-                <a:ea typeface="Inter" pitchFamily="34" charset="-122"/>
-                <a:cs typeface="Inter" pitchFamily="34" charset="-120"/>
-              </a:rPr>
-              <a:t>GitHub: </a:t>
-            </a:r>
-            <a:pPr algn="l" indent="0" marL="0">
-              <a:lnSpc>
-                <a:spcPts val="2850"/>
-              </a:lnSpc>
-              <a:buNone/>
-            </a:pPr>
-            <a:r>
-              <a:rPr lang="en-US" sz="1750" u="sng" dirty="0">
-                <a:solidFill>
-                  <a:srgbClr val="FDC4C4"/>
-                </a:solidFill>
-                <a:latin typeface="Inter" pitchFamily="34" charset="0"/>
-                <a:ea typeface="Inter" pitchFamily="34" charset="-122"/>
-                <a:cs typeface="Inter" pitchFamily="34" charset="-120"/>
-                <a:hlinkClick r:id="rId1" invalidUrl="" action="" tgtFrame="" tooltip="" history="1" highlightClick="0" endSnd="0">
-                  <a:extLst>
-                    <a:ext uri="{A12FA001-AC4F-418D-AE19-62706E023703}">
-                      <ahyp:hlinkClr xmlns:ahyp="http://schemas.microsoft.com/office/drawing/2018/hyperlinkcolor" val="tx"/>
-                    </a:ext>
-                  </a:extLst>
-                </a:hlinkClick>
-              </a:rPr>
-              <a:t>torch_arima</a:t>
-            </a:r>
-            <a:endParaRPr lang="en-US" sz="1750" dirty="0"/>
-          </a:p>
-        </p:txBody>
-      </p:sp>
-      <p:sp>
-        <p:nvSpPr>
-          <p:cNvPr id="17" name="Text 15"/>
-          <p:cNvSpPr/>
-          <p:nvPr/>
-        </p:nvSpPr>
-        <p:spPr>
-          <a:xfrm>
-            <a:off x="9866948" y="5068729"/>
-            <a:ext cx="3742730" cy="362903"/>
-          </a:xfrm>
-          <a:prstGeom prst="rect">
-            <a:avLst/>
-          </a:prstGeom>
-          <a:noFill/>
-          <a:ln/>
-        </p:spPr>
-        <p:txBody>
-          <a:bodyPr wrap="none" lIns="0" tIns="0" rIns="0" bIns="0" rtlCol="0" anchor="t"/>
-          <a:lstStyle/>
-          <a:p>
-            <a:pPr algn="l" marL="342900" indent="-342900">
-              <a:lnSpc>
-                <a:spcPts val="2850"/>
-              </a:lnSpc>
-              <a:buSzPct val="100000"/>
-              <a:buChar char="•"/>
-            </a:pPr>
-            <a:r>
-              <a:rPr lang="en-US" sz="1750" dirty="0">
-                <a:solidFill>
-                  <a:srgbClr val="C7CDD6"/>
-                </a:solidFill>
-                <a:latin typeface="Inter" pitchFamily="34" charset="0"/>
-                <a:ea typeface="Inter" pitchFamily="34" charset="-122"/>
-                <a:cs typeface="Inter" pitchFamily="34" charset="-120"/>
-              </a:rPr>
-              <a:t>SWaT 데이터셋 문서</a:t>
-            </a:r>
-            <a:endParaRPr lang="en-US" sz="1750" dirty="0"/>
-          </a:p>
-        </p:txBody>
-      </p:sp>
-      <p:sp>
-        <p:nvSpPr>
-          <p:cNvPr id="18" name="Text 16"/>
-          <p:cNvSpPr/>
-          <p:nvPr/>
-        </p:nvSpPr>
-        <p:spPr>
-          <a:xfrm>
-            <a:off x="9866948" y="5510927"/>
-            <a:ext cx="3742730" cy="362903"/>
-          </a:xfrm>
-          <a:prstGeom prst="rect">
-            <a:avLst/>
-          </a:prstGeom>
-          <a:noFill/>
-          <a:ln/>
-        </p:spPr>
-        <p:txBody>
-          <a:bodyPr wrap="none" lIns="0" tIns="0" rIns="0" bIns="0" rtlCol="0" anchor="t"/>
-          <a:lstStyle/>
-          <a:p>
-            <a:pPr algn="l" marL="342900" indent="-342900">
-              <a:lnSpc>
-                <a:spcPts val="2850"/>
-              </a:lnSpc>
-              <a:buSzPct val="100000"/>
-              <a:buChar char="•"/>
-            </a:pPr>
-            <a:r>
-              <a:rPr lang="en-US" sz="1750" dirty="0">
-                <a:solidFill>
-                  <a:srgbClr val="C7CDD6"/>
-                </a:solidFill>
-                <a:latin typeface="Inter" pitchFamily="34" charset="0"/>
-                <a:ea typeface="Inter" pitchFamily="34" charset="-122"/>
-                <a:cs typeface="Inter" pitchFamily="34" charset="-120"/>
-              </a:rPr>
-              <a:t>ARIMA 모델 관련 논문</a:t>
-            </a:r>
-            <a:endParaRPr lang="en-US" sz="1750" dirty="0"/>
-          </a:p>
-        </p:txBody>
-      </p:sp>
     </p:spTree>
   </p:cSld>
   <p:clrMapOvr>
@@ -6438,4 +7802,319 @@
     </a:ext>
   </a:extLst>
 </a:theme>
+</file>
+
+<file path=ppt/theme/theme2.xml><?xml version="1.0" encoding="utf-8"?>
+<a:theme xmlns:a="http://schemas.openxmlformats.org/drawingml/2006/main" name="Office 테마">
+  <a:themeElements>
+    <a:clrScheme name="Office">
+      <a:dk1>
+        <a:sysClr val="windowText" lastClr="000000"/>
+      </a:dk1>
+      <a:lt1>
+        <a:sysClr val="window" lastClr="FFFFFF"/>
+      </a:lt1>
+      <a:dk2>
+        <a:srgbClr val="0E2841"/>
+      </a:dk2>
+      <a:lt2>
+        <a:srgbClr val="E8E8E8"/>
+      </a:lt2>
+      <a:accent1>
+        <a:srgbClr val="156082"/>
+      </a:accent1>
+      <a:accent2>
+        <a:srgbClr val="E97132"/>
+      </a:accent2>
+      <a:accent3>
+        <a:srgbClr val="196B24"/>
+      </a:accent3>
+      <a:accent4>
+        <a:srgbClr val="0F9ED5"/>
+      </a:accent4>
+      <a:accent5>
+        <a:srgbClr val="A02B93"/>
+      </a:accent5>
+      <a:accent6>
+        <a:srgbClr val="4EA72E"/>
+      </a:accent6>
+      <a:hlink>
+        <a:srgbClr val="467886"/>
+      </a:hlink>
+      <a:folHlink>
+        <a:srgbClr val="96607D"/>
+      </a:folHlink>
+    </a:clrScheme>
+    <a:fontScheme name="Office">
+      <a:majorFont>
+        <a:latin typeface="맑은 고딕" panose="02110004020202020204"/>
+        <a:ea typeface=""/>
+        <a:cs typeface=""/>
+        <a:font script="Jpan" typeface="游ゴシック Light"/>
+        <a:font script="Hang" typeface="맑은 고딕"/>
+        <a:font script="Hans" typeface="等线 Light"/>
+        <a:font script="Hant" typeface="新細明體"/>
+        <a:font script="Arab" typeface="Times New Roman"/>
+        <a:font script="Hebr" typeface="Times New Roman"/>
+        <a:font script="Thai" typeface="Angsana New"/>
+        <a:font script="Ethi" typeface="Nyala"/>
+        <a:font script="Beng" typeface="Vrinda"/>
+        <a:font script="Gujr" typeface="Shruti"/>
+        <a:font script="Khmr" typeface="MoolBoran"/>
+        <a:font script="Knda" typeface="Tunga"/>
+        <a:font script="Guru" typeface="Raavi"/>
+        <a:font script="Cans" typeface="Euphemia"/>
+        <a:font script="Cher" typeface="Plantagenet Cherokee"/>
+        <a:font script="Yiii" typeface="Microsoft Yi Baiti"/>
+        <a:font script="Tibt" typeface="Microsoft Himalaya"/>
+        <a:font script="Thaa" typeface="MV Boli"/>
+        <a:font script="Deva" typeface="Mangal"/>
+        <a:font script="Telu" typeface="Gautami"/>
+        <a:font script="Taml" typeface="Latha"/>
+        <a:font script="Syrc" typeface="Estrangelo Edessa"/>
+        <a:font script="Orya" typeface="Kalinga"/>
+        <a:font script="Mlym" typeface="Kartika"/>
+        <a:font script="Laoo" typeface="DokChampa"/>
+        <a:font script="Sinh" typeface="Iskoola Pota"/>
+        <a:font script="Mong" typeface="Mongolian Baiti"/>
+        <a:font script="Viet" typeface="Times New Roman"/>
+        <a:font script="Uigh" typeface="Microsoft Uighur"/>
+        <a:font script="Geor" typeface="Sylfaen"/>
+        <a:font script="Armn" typeface="Arial"/>
+        <a:font script="Bugi" typeface="Leelawadee UI"/>
+        <a:font script="Bopo" typeface="Microsoft JhengHei"/>
+        <a:font script="Java" typeface="Javanese Text"/>
+        <a:font script="Lisu" typeface="Segoe UI"/>
+        <a:font script="Mymr" typeface="Myanmar Text"/>
+        <a:font script="Nkoo" typeface="Ebrima"/>
+        <a:font script="Olck" typeface="Nirmala UI"/>
+        <a:font script="Osma" typeface="Ebrima"/>
+        <a:font script="Phag" typeface="Phagspa"/>
+        <a:font script="Syrn" typeface="Estrangelo Edessa"/>
+        <a:font script="Syrj" typeface="Estrangelo Edessa"/>
+        <a:font script="Syre" typeface="Estrangelo Edessa"/>
+        <a:font script="Sora" typeface="Nirmala UI"/>
+        <a:font script="Tale" typeface="Microsoft Tai Le"/>
+        <a:font script="Talu" typeface="Microsoft New Tai Lue"/>
+        <a:font script="Tfng" typeface="Ebrima"/>
+      </a:majorFont>
+      <a:minorFont>
+        <a:latin typeface="맑은 고딕" panose="02110004020202020204"/>
+        <a:ea typeface=""/>
+        <a:cs typeface=""/>
+        <a:font script="Jpan" typeface="游ゴシック"/>
+        <a:font script="Hang" typeface="맑은 고딕"/>
+        <a:font script="Hans" typeface="等线"/>
+        <a:font script="Hant" typeface="新細明體"/>
+        <a:font script="Arab" typeface="Arial"/>
+        <a:font script="Hebr" typeface="Arial"/>
+        <a:font script="Thai" typeface="Cordia New"/>
+        <a:font script="Ethi" typeface="Nyala"/>
+        <a:font script="Beng" typeface="Vrinda"/>
+        <a:font script="Gujr" typeface="Shruti"/>
+        <a:font script="Khmr" typeface="DaunPenh"/>
+        <a:font script="Knda" typeface="Tunga"/>
+        <a:font script="Guru" typeface="Raavi"/>
+        <a:font script="Cans" typeface="Euphemia"/>
+        <a:font script="Cher" typeface="Plantagenet Cherokee"/>
+        <a:font script="Yiii" typeface="Microsoft Yi Baiti"/>
+        <a:font script="Tibt" typeface="Microsoft Himalaya"/>
+        <a:font script="Thaa" typeface="MV Boli"/>
+        <a:font script="Deva" typeface="Mangal"/>
+        <a:font script="Telu" typeface="Gautami"/>
+        <a:font script="Taml" typeface="Latha"/>
+        <a:font script="Syrc" typeface="Estrangelo Edessa"/>
+        <a:font script="Orya" typeface="Kalinga"/>
+        <a:font script="Mlym" typeface="Kartika"/>
+        <a:font script="Laoo" typeface="DokChampa"/>
+        <a:font script="Sinh" typeface="Iskoola Pota"/>
+        <a:font script="Mong" typeface="Mongolian Baiti"/>
+        <a:font script="Viet" typeface="Arial"/>
+        <a:font script="Uigh" typeface="Microsoft Uighur"/>
+        <a:font script="Geor" typeface="Sylfaen"/>
+        <a:font script="Armn" typeface="Arial"/>
+        <a:font script="Bugi" typeface="Leelawadee UI"/>
+        <a:font script="Bopo" typeface="Microsoft JhengHei"/>
+        <a:font script="Java" typeface="Javanese Text"/>
+        <a:font script="Lisu" typeface="Segoe UI"/>
+        <a:font script="Mymr" typeface="Myanmar Text"/>
+        <a:font script="Nkoo" typeface="Ebrima"/>
+        <a:font script="Olck" typeface="Nirmala UI"/>
+        <a:font script="Osma" typeface="Ebrima"/>
+        <a:font script="Phag" typeface="Phagspa"/>
+        <a:font script="Syrn" typeface="Estrangelo Edessa"/>
+        <a:font script="Syrj" typeface="Estrangelo Edessa"/>
+        <a:font script="Syre" typeface="Estrangelo Edessa"/>
+        <a:font script="Sora" typeface="Nirmala UI"/>
+        <a:font script="Tale" typeface="Microsoft Tai Le"/>
+        <a:font script="Talu" typeface="Microsoft New Tai Lue"/>
+        <a:font script="Tfng" typeface="Ebrima"/>
+      </a:minorFont>
+    </a:fontScheme>
+    <a:fmtScheme name="Office">
+      <a:fillStyleLst>
+        <a:solidFill>
+          <a:schemeClr val="phClr"/>
+        </a:solidFill>
+        <a:gradFill rotWithShape="1">
+          <a:gsLst>
+            <a:gs pos="0">
+              <a:schemeClr val="phClr">
+                <a:lumMod val="110000"/>
+                <a:satMod val="105000"/>
+                <a:tint val="67000"/>
+              </a:schemeClr>
+            </a:gs>
+            <a:gs pos="50000">
+              <a:schemeClr val="phClr">
+                <a:lumMod val="105000"/>
+                <a:satMod val="103000"/>
+                <a:tint val="73000"/>
+              </a:schemeClr>
+            </a:gs>
+            <a:gs pos="100000">
+              <a:schemeClr val="phClr">
+                <a:lumMod val="105000"/>
+                <a:satMod val="109000"/>
+                <a:tint val="81000"/>
+              </a:schemeClr>
+            </a:gs>
+          </a:gsLst>
+          <a:lin ang="5400000" scaled="0"/>
+        </a:gradFill>
+        <a:gradFill rotWithShape="1">
+          <a:gsLst>
+            <a:gs pos="0">
+              <a:schemeClr val="phClr">
+                <a:satMod val="103000"/>
+                <a:lumMod val="102000"/>
+                <a:tint val="94000"/>
+              </a:schemeClr>
+            </a:gs>
+            <a:gs pos="50000">
+              <a:schemeClr val="phClr">
+                <a:satMod val="110000"/>
+                <a:lumMod val="100000"/>
+                <a:shade val="100000"/>
+              </a:schemeClr>
+            </a:gs>
+            <a:gs pos="100000">
+              <a:schemeClr val="phClr">
+                <a:lumMod val="99000"/>
+                <a:satMod val="120000"/>
+                <a:shade val="78000"/>
+              </a:schemeClr>
+            </a:gs>
+          </a:gsLst>
+          <a:lin ang="5400000" scaled="0"/>
+        </a:gradFill>
+      </a:fillStyleLst>
+      <a:lnStyleLst>
+        <a:ln w="12700" cap="flat" cmpd="sng" algn="ctr">
+          <a:solidFill>
+            <a:schemeClr val="phClr"/>
+          </a:solidFill>
+          <a:prstDash val="solid"/>
+          <a:miter lim="800000"/>
+        </a:ln>
+        <a:ln w="19050" cap="flat" cmpd="sng" algn="ctr">
+          <a:solidFill>
+            <a:schemeClr val="phClr"/>
+          </a:solidFill>
+          <a:prstDash val="solid"/>
+          <a:miter lim="800000"/>
+        </a:ln>
+        <a:ln w="25400" cap="flat" cmpd="sng" algn="ctr">
+          <a:solidFill>
+            <a:schemeClr val="phClr"/>
+          </a:solidFill>
+          <a:prstDash val="solid"/>
+          <a:miter lim="800000"/>
+        </a:ln>
+      </a:lnStyleLst>
+      <a:effectStyleLst>
+        <a:effectStyle>
+          <a:effectLst/>
+        </a:effectStyle>
+        <a:effectStyle>
+          <a:effectLst/>
+        </a:effectStyle>
+        <a:effectStyle>
+          <a:effectLst>
+            <a:outerShdw blurRad="57150" dist="19050" dir="5400000" algn="ctr" rotWithShape="0">
+              <a:srgbClr val="000000">
+                <a:alpha val="63000"/>
+              </a:srgbClr>
+            </a:outerShdw>
+          </a:effectLst>
+        </a:effectStyle>
+      </a:effectStyleLst>
+      <a:bgFillStyleLst>
+        <a:solidFill>
+          <a:schemeClr val="phClr"/>
+        </a:solidFill>
+        <a:solidFill>
+          <a:schemeClr val="phClr">
+            <a:tint val="95000"/>
+            <a:satMod val="170000"/>
+          </a:schemeClr>
+        </a:solidFill>
+        <a:gradFill rotWithShape="1">
+          <a:gsLst>
+            <a:gs pos="0">
+              <a:schemeClr val="phClr">
+                <a:tint val="93000"/>
+                <a:satMod val="150000"/>
+                <a:shade val="98000"/>
+                <a:lumMod val="102000"/>
+              </a:schemeClr>
+            </a:gs>
+            <a:gs pos="50000">
+              <a:schemeClr val="phClr">
+                <a:tint val="98000"/>
+                <a:satMod val="130000"/>
+                <a:shade val="90000"/>
+                <a:lumMod val="103000"/>
+              </a:schemeClr>
+            </a:gs>
+            <a:gs pos="100000">
+              <a:schemeClr val="phClr">
+                <a:shade val="63000"/>
+                <a:satMod val="120000"/>
+              </a:schemeClr>
+            </a:gs>
+          </a:gsLst>
+          <a:lin ang="5400000" scaled="0"/>
+        </a:gradFill>
+      </a:bgFillStyleLst>
+    </a:fmtScheme>
+  </a:themeElements>
+  <a:objectDefaults>
+    <a:lnDef>
+      <a:spPr/>
+      <a:bodyPr/>
+      <a:lstStyle/>
+      <a:style>
+        <a:lnRef idx="2">
+          <a:schemeClr val="accent1"/>
+        </a:lnRef>
+        <a:fillRef idx="0">
+          <a:schemeClr val="accent1"/>
+        </a:fillRef>
+        <a:effectRef idx="1">
+          <a:schemeClr val="accent1"/>
+        </a:effectRef>
+        <a:fontRef idx="minor">
+          <a:schemeClr val="tx1"/>
+        </a:fontRef>
+      </a:style>
+    </a:lnDef>
+  </a:objectDefaults>
+  <a:extraClrSchemeLst/>
+  <a:extLst>
+    <a:ext uri="{05A4C25C-085E-4340-85A3-A5531E510DB2}">
+      <thm15:themeFamily xmlns:thm15="http://schemas.microsoft.com/office/thememl/2012/main" name="Office Theme" id="{2E142A2C-CD16-42D6-873A-C26D2A0506FA}" vid="{1BDDFF52-6CD6-40A5-AB3C-68EB2F1E4D0A}"/>
+    </a:ext>
+  </a:extLst>
+</a:theme>
 </file>
--- a/과제/딥러닝특론_8주차과제_K2025029_금동환.pptx
+++ b/과제/딥러닝특론_8주차과제_K2025029_금동환.pptx
@@ -5,30 +5,28 @@
     <p:sldMasterId id="2147483648" r:id="rId1"/>
   </p:sldMasterIdLst>
   <p:notesMasterIdLst>
-    <p:notesMasterId r:id="rId12"/>
+    <p:notesMasterId r:id="rId13"/>
   </p:notesMasterIdLst>
   <p:sldIdLst>
     <p:sldId id="256" r:id="rId2"/>
     <p:sldId id="264" r:id="rId3"/>
     <p:sldId id="265" r:id="rId4"/>
-    <p:sldId id="266" r:id="rId5"/>
-    <p:sldId id="267" r:id="rId6"/>
+    <p:sldId id="267" r:id="rId5"/>
+    <p:sldId id="266" r:id="rId6"/>
     <p:sldId id="259" r:id="rId7"/>
     <p:sldId id="260" r:id="rId8"/>
     <p:sldId id="261" r:id="rId9"/>
-    <p:sldId id="262" r:id="rId10"/>
-    <p:sldId id="263" r:id="rId11"/>
+    <p:sldId id="268" r:id="rId10"/>
+    <p:sldId id="269" r:id="rId11"/>
+    <p:sldId id="263" r:id="rId12"/>
   </p:sldIdLst>
   <p:sldSz cx="14630400" cy="8229600"/>
   <p:notesSz cx="8229600" cy="14630400"/>
   <p:embeddedFontLst>
     <p:embeddedFont>
-      <p:font typeface="Instrument Sans Medium" panose="020B0600000101010101" charset="0"/>
-      <p:regular r:id="rId13"/>
-    </p:embeddedFont>
-    <p:embeddedFont>
-      <p:font typeface="Inter" panose="020B0600000101010101" charset="0"/>
+      <p:font typeface="Microsoft GothicNeo" panose="020B0500000101010101" pitchFamily="50" charset="-127"/>
       <p:regular r:id="rId14"/>
+      <p:bold r:id="rId15"/>
     </p:embeddedFont>
   </p:embeddedFontLst>
   <p:defaultTextStyle>
@@ -348,6 +346,114 @@
   <p:cSld>
     <p:spTree>
       <p:nvGrpSpPr>
+        <p:cNvPr id="1" name="">
+          <a:extLst>
+            <a:ext uri="{FF2B5EF4-FFF2-40B4-BE49-F238E27FC236}">
+              <a16:creationId xmlns:a16="http://schemas.microsoft.com/office/drawing/2014/main" id="{93B63879-8543-387F-CE01-453BA0EA49C3}"/>
+            </a:ext>
+          </a:extLst>
+        </p:cNvPr>
+        <p:cNvGrpSpPr/>
+        <p:nvPr/>
+      </p:nvGrpSpPr>
+      <p:grpSpPr>
+        <a:xfrm>
+          <a:off x="0" y="0"/>
+          <a:ext cx="0" cy="0"/>
+          <a:chOff x="0" y="0"/>
+          <a:chExt cx="0" cy="0"/>
+        </a:xfrm>
+      </p:grpSpPr>
+      <p:sp>
+        <p:nvSpPr>
+          <p:cNvPr id="2" name="Slide Image Placeholder 1">
+            <a:extLst>
+              <a:ext uri="{FF2B5EF4-FFF2-40B4-BE49-F238E27FC236}">
+                <a16:creationId xmlns:a16="http://schemas.microsoft.com/office/drawing/2014/main" id="{56816B20-E32D-98D7-0C72-59077F8E228D}"/>
+              </a:ext>
+            </a:extLst>
+          </p:cNvPr>
+          <p:cNvSpPr>
+            <a:spLocks noGrp="1" noRot="1" noChangeAspect="1"/>
+          </p:cNvSpPr>
+          <p:nvPr>
+            <p:ph type="sldImg"/>
+          </p:nvPr>
+        </p:nvSpPr>
+        <p:spPr/>
+      </p:sp>
+      <p:sp>
+        <p:nvSpPr>
+          <p:cNvPr id="3" name="Notes Placeholder 2">
+            <a:extLst>
+              <a:ext uri="{FF2B5EF4-FFF2-40B4-BE49-F238E27FC236}">
+                <a16:creationId xmlns:a16="http://schemas.microsoft.com/office/drawing/2014/main" id="{E4D1128E-3A54-0085-41CE-922D28421FDD}"/>
+              </a:ext>
+            </a:extLst>
+          </p:cNvPr>
+          <p:cNvSpPr>
+            <a:spLocks noGrp="1"/>
+          </p:cNvSpPr>
+          <p:nvPr>
+            <p:ph type="body" idx="1"/>
+          </p:nvPr>
+        </p:nvSpPr>
+        <p:spPr/>
+        <p:txBody>
+          <a:bodyPr/>
+          <a:lstStyle/>
+          <a:p>
+            <a:endParaRPr lang="en-US" dirty="0"/>
+          </a:p>
+        </p:txBody>
+      </p:sp>
+      <p:sp>
+        <p:nvSpPr>
+          <p:cNvPr id="4" name="Slide Number Placeholder 3">
+            <a:extLst>
+              <a:ext uri="{FF2B5EF4-FFF2-40B4-BE49-F238E27FC236}">
+                <a16:creationId xmlns:a16="http://schemas.microsoft.com/office/drawing/2014/main" id="{77D57613-CC3C-E1DB-6068-FE75092244E7}"/>
+              </a:ext>
+            </a:extLst>
+          </p:cNvPr>
+          <p:cNvSpPr>
+            <a:spLocks noGrp="1"/>
+          </p:cNvSpPr>
+          <p:nvPr>
+            <p:ph type="sldNum" sz="quarter" idx="10"/>
+          </p:nvPr>
+        </p:nvSpPr>
+        <p:spPr/>
+        <p:txBody>
+          <a:bodyPr/>
+          <a:lstStyle/>
+          <a:p>
+            <a:fld id="{F7021451-1387-4CA6-816F-3879F97B5CBC}" type="slidenum">
+              <a:rPr lang="en-US"/>
+              <a:t>10</a:t>
+            </a:fld>
+            <a:endParaRPr lang="en-US"/>
+          </a:p>
+        </p:txBody>
+      </p:sp>
+    </p:spTree>
+    <p:extLst>
+      <p:ext uri="{BB962C8B-B14F-4D97-AF65-F5344CB8AC3E}">
+        <p14:creationId xmlns:p14="http://schemas.microsoft.com/office/powerpoint/2010/main" val="1047019026"/>
+      </p:ext>
+    </p:extLst>
+  </p:cSld>
+  <p:clrMapOvr>
+    <a:masterClrMapping/>
+  </p:clrMapOvr>
+</p:notes>
+</file>
+
+<file path=ppt/notesSlides/notesSlide11.xml><?xml version="1.0" encoding="utf-8"?>
+<p:notes xmlns:a="http://schemas.openxmlformats.org/drawingml/2006/main" xmlns:r="http://schemas.openxmlformats.org/officeDocument/2006/relationships" xmlns:p="http://schemas.openxmlformats.org/presentationml/2006/main">
+  <p:cSld>
+    <p:spTree>
+      <p:nvGrpSpPr>
         <p:cNvPr id="1" name=""/>
         <p:cNvGrpSpPr/>
         <p:nvPr/>
@@ -408,7 +514,7 @@
           <a:p>
             <a:fld id="{F7021451-1387-4CA6-816F-3879F97B5CBC}" type="slidenum">
               <a:rPr lang="en-US"/>
-              <a:t>10</a:t>
+              <a:t>11</a:t>
             </a:fld>
             <a:endParaRPr lang="en-US"/>
           </a:p>
@@ -603,7 +709,7 @@
         <p:cNvPr id="1" name="">
           <a:extLst>
             <a:ext uri="{FF2B5EF4-FFF2-40B4-BE49-F238E27FC236}">
-              <a16:creationId xmlns:a16="http://schemas.microsoft.com/office/drawing/2014/main" id="{1B34F1E0-1B3F-ED8D-079E-90FC4454A6F8}"/>
+              <a16:creationId xmlns:a16="http://schemas.microsoft.com/office/drawing/2014/main" id="{1099A74C-2130-A43E-1AE7-EB2A74E42925}"/>
             </a:ext>
           </a:extLst>
         </p:cNvPr>
@@ -623,7 +729,7 @@
           <p:cNvPr id="2" name="Slide Image Placeholder 1">
             <a:extLst>
               <a:ext uri="{FF2B5EF4-FFF2-40B4-BE49-F238E27FC236}">
-                <a16:creationId xmlns:a16="http://schemas.microsoft.com/office/drawing/2014/main" id="{2AA241E6-BE93-14D4-DE1B-8EEEFAF16C26}"/>
+                <a16:creationId xmlns:a16="http://schemas.microsoft.com/office/drawing/2014/main" id="{17C919BE-2450-3E82-0AED-A3A2A037BC81}"/>
               </a:ext>
             </a:extLst>
           </p:cNvPr>
@@ -641,7 +747,7 @@
           <p:cNvPr id="3" name="Notes Placeholder 2">
             <a:extLst>
               <a:ext uri="{FF2B5EF4-FFF2-40B4-BE49-F238E27FC236}">
-                <a16:creationId xmlns:a16="http://schemas.microsoft.com/office/drawing/2014/main" id="{9026EEE1-E2F4-7D18-0912-C0CF1BFEAF1A}"/>
+                <a16:creationId xmlns:a16="http://schemas.microsoft.com/office/drawing/2014/main" id="{D3848E89-2924-1ADF-5AC3-AFEBAC2CCA60}"/>
               </a:ext>
             </a:extLst>
           </p:cNvPr>
@@ -666,7 +772,7 @@
           <p:cNvPr id="4" name="Slide Number Placeholder 3">
             <a:extLst>
               <a:ext uri="{FF2B5EF4-FFF2-40B4-BE49-F238E27FC236}">
-                <a16:creationId xmlns:a16="http://schemas.microsoft.com/office/drawing/2014/main" id="{95D2CF93-DA83-0FFD-C22D-9014B80E8399}"/>
+                <a16:creationId xmlns:a16="http://schemas.microsoft.com/office/drawing/2014/main" id="{87DFA652-EEC1-5C30-9D3F-D6B081BBB9B8}"/>
               </a:ext>
             </a:extLst>
           </p:cNvPr>
@@ -693,7 +799,7 @@
     </p:spTree>
     <p:extLst>
       <p:ext uri="{BB962C8B-B14F-4D97-AF65-F5344CB8AC3E}">
-        <p14:creationId xmlns:p14="http://schemas.microsoft.com/office/powerpoint/2010/main" val="2831118195"/>
+        <p14:creationId xmlns:p14="http://schemas.microsoft.com/office/powerpoint/2010/main" val="826058555"/>
       </p:ext>
     </p:extLst>
   </p:cSld>
@@ -711,7 +817,7 @@
         <p:cNvPr id="1" name="">
           <a:extLst>
             <a:ext uri="{FF2B5EF4-FFF2-40B4-BE49-F238E27FC236}">
-              <a16:creationId xmlns:a16="http://schemas.microsoft.com/office/drawing/2014/main" id="{1099A74C-2130-A43E-1AE7-EB2A74E42925}"/>
+              <a16:creationId xmlns:a16="http://schemas.microsoft.com/office/drawing/2014/main" id="{1B34F1E0-1B3F-ED8D-079E-90FC4454A6F8}"/>
             </a:ext>
           </a:extLst>
         </p:cNvPr>
@@ -731,7 +837,7 @@
           <p:cNvPr id="2" name="Slide Image Placeholder 1">
             <a:extLst>
               <a:ext uri="{FF2B5EF4-FFF2-40B4-BE49-F238E27FC236}">
-                <a16:creationId xmlns:a16="http://schemas.microsoft.com/office/drawing/2014/main" id="{17C919BE-2450-3E82-0AED-A3A2A037BC81}"/>
+                <a16:creationId xmlns:a16="http://schemas.microsoft.com/office/drawing/2014/main" id="{2AA241E6-BE93-14D4-DE1B-8EEEFAF16C26}"/>
               </a:ext>
             </a:extLst>
           </p:cNvPr>
@@ -749,7 +855,7 @@
           <p:cNvPr id="3" name="Notes Placeholder 2">
             <a:extLst>
               <a:ext uri="{FF2B5EF4-FFF2-40B4-BE49-F238E27FC236}">
-                <a16:creationId xmlns:a16="http://schemas.microsoft.com/office/drawing/2014/main" id="{D3848E89-2924-1ADF-5AC3-AFEBAC2CCA60}"/>
+                <a16:creationId xmlns:a16="http://schemas.microsoft.com/office/drawing/2014/main" id="{9026EEE1-E2F4-7D18-0912-C0CF1BFEAF1A}"/>
               </a:ext>
             </a:extLst>
           </p:cNvPr>
@@ -774,7 +880,7 @@
           <p:cNvPr id="4" name="Slide Number Placeholder 3">
             <a:extLst>
               <a:ext uri="{FF2B5EF4-FFF2-40B4-BE49-F238E27FC236}">
-                <a16:creationId xmlns:a16="http://schemas.microsoft.com/office/drawing/2014/main" id="{87DFA652-EEC1-5C30-9D3F-D6B081BBB9B8}"/>
+                <a16:creationId xmlns:a16="http://schemas.microsoft.com/office/drawing/2014/main" id="{95D2CF93-DA83-0FFD-C22D-9014B80E8399}"/>
               </a:ext>
             </a:extLst>
           </p:cNvPr>
@@ -801,7 +907,7 @@
     </p:spTree>
     <p:extLst>
       <p:ext uri="{BB962C8B-B14F-4D97-AF65-F5344CB8AC3E}">
-        <p14:creationId xmlns:p14="http://schemas.microsoft.com/office/powerpoint/2010/main" val="826058555"/>
+        <p14:creationId xmlns:p14="http://schemas.microsoft.com/office/powerpoint/2010/main" val="2831118195"/>
       </p:ext>
     </p:extLst>
   </p:cSld>
@@ -1068,7 +1174,13 @@
   <p:cSld>
     <p:spTree>
       <p:nvGrpSpPr>
-        <p:cNvPr id="1" name=""/>
+        <p:cNvPr id="1" name="">
+          <a:extLst>
+            <a:ext uri="{FF2B5EF4-FFF2-40B4-BE49-F238E27FC236}">
+              <a16:creationId xmlns:a16="http://schemas.microsoft.com/office/drawing/2014/main" id="{788269AB-AA01-353C-62CE-6834202F1796}"/>
+            </a:ext>
+          </a:extLst>
+        </p:cNvPr>
         <p:cNvGrpSpPr/>
         <p:nvPr/>
       </p:nvGrpSpPr>
@@ -1082,7 +1194,13 @@
       </p:grpSpPr>
       <p:sp>
         <p:nvSpPr>
-          <p:cNvPr id="2" name="Slide Image Placeholder 1"/>
+          <p:cNvPr id="2" name="Slide Image Placeholder 1">
+            <a:extLst>
+              <a:ext uri="{FF2B5EF4-FFF2-40B4-BE49-F238E27FC236}">
+                <a16:creationId xmlns:a16="http://schemas.microsoft.com/office/drawing/2014/main" id="{5BEF85A0-C77F-7F3C-C656-7FFDEFFD37FB}"/>
+              </a:ext>
+            </a:extLst>
+          </p:cNvPr>
           <p:cNvSpPr>
             <a:spLocks noGrp="1" noRot="1" noChangeAspect="1"/>
           </p:cNvSpPr>
@@ -1094,7 +1212,13 @@
       </p:sp>
       <p:sp>
         <p:nvSpPr>
-          <p:cNvPr id="3" name="Notes Placeholder 2"/>
+          <p:cNvPr id="3" name="Notes Placeholder 2">
+            <a:extLst>
+              <a:ext uri="{FF2B5EF4-FFF2-40B4-BE49-F238E27FC236}">
+                <a16:creationId xmlns:a16="http://schemas.microsoft.com/office/drawing/2014/main" id="{913E7605-4C42-0FA7-E0CD-863A3673E331}"/>
+              </a:ext>
+            </a:extLst>
+          </p:cNvPr>
           <p:cNvSpPr>
             <a:spLocks noGrp="1"/>
           </p:cNvSpPr>
@@ -1113,7 +1237,13 @@
       </p:sp>
       <p:sp>
         <p:nvSpPr>
-          <p:cNvPr id="4" name="Slide Number Placeholder 3"/>
+          <p:cNvPr id="4" name="Slide Number Placeholder 3">
+            <a:extLst>
+              <a:ext uri="{FF2B5EF4-FFF2-40B4-BE49-F238E27FC236}">
+                <a16:creationId xmlns:a16="http://schemas.microsoft.com/office/drawing/2014/main" id="{07B9A100-8067-1B43-B760-A32FB35B8BD6}"/>
+              </a:ext>
+            </a:extLst>
+          </p:cNvPr>
           <p:cNvSpPr>
             <a:spLocks noGrp="1"/>
           </p:cNvSpPr>
@@ -1137,7 +1267,7 @@
     </p:spTree>
     <p:extLst>
       <p:ext uri="{BB962C8B-B14F-4D97-AF65-F5344CB8AC3E}">
-        <p14:creationId xmlns:p14="http://schemas.microsoft.com/office/powerpoint/2010/main" val="1024086991"/>
+        <p14:creationId xmlns:p14="http://schemas.microsoft.com/office/powerpoint/2010/main" val="319120201"/>
       </p:ext>
     </p:extLst>
   </p:cSld>
@@ -2214,14 +2344,14 @@
       </p:grpSpPr>
       <p:sp>
         <p:nvSpPr>
-          <p:cNvPr id="2" name="Text 0"/>
-          <p:cNvSpPr/>
-          <p:nvPr/>
-        </p:nvSpPr>
-        <p:spPr>
-          <a:xfrm>
-            <a:off x="793790" y="1441371"/>
-            <a:ext cx="5670590" cy="708779"/>
+          <p:cNvPr id="3" name="Text 1"/>
+          <p:cNvSpPr/>
+          <p:nvPr/>
+        </p:nvSpPr>
+        <p:spPr>
+          <a:xfrm>
+            <a:off x="1651040" y="2465072"/>
+            <a:ext cx="10580965" cy="708779"/>
           </a:xfrm>
           <a:prstGeom prst="rect">
             <a:avLst/>
@@ -2239,139 +2369,64 @@
               </a:lnSpc>
               <a:buNone/>
             </a:pPr>
-            <a:endParaRPr lang="en-US" sz="4450" dirty="0"/>
-          </a:p>
-        </p:txBody>
-      </p:sp>
-      <p:sp>
-        <p:nvSpPr>
-          <p:cNvPr id="3" name="Text 1"/>
-          <p:cNvSpPr/>
-          <p:nvPr/>
-        </p:nvSpPr>
-        <p:spPr>
-          <a:xfrm>
-            <a:off x="793790" y="2490311"/>
-            <a:ext cx="10580965" cy="708779"/>
-          </a:xfrm>
-          <a:prstGeom prst="rect">
-            <a:avLst/>
+            <a:r>
+              <a:rPr lang="en-US" sz="4450" dirty="0">
+                <a:solidFill>
+                  <a:srgbClr val="EFD5FA"/>
+                </a:solidFill>
+                <a:latin typeface="Microsoft GothicNeo" panose="020B0500000101010101" pitchFamily="50" charset="-127"/>
+                <a:ea typeface="Microsoft GothicNeo" panose="020B0500000101010101" pitchFamily="50" charset="-127"/>
+                <a:cs typeface="Microsoft GothicNeo" panose="020B0500000101010101" pitchFamily="50" charset="-127"/>
+              </a:rPr>
+              <a:t>산업용 센서 시계열 데이터 이상 탐지 프로젝트</a:t>
+            </a:r>
+            <a:endParaRPr lang="en-US" sz="4450" dirty="0">
+              <a:latin typeface="Microsoft GothicNeo" panose="020B0500000101010101" pitchFamily="50" charset="-127"/>
+              <a:ea typeface="Microsoft GothicNeo" panose="020B0500000101010101" pitchFamily="50" charset="-127"/>
+              <a:cs typeface="Microsoft GothicNeo" panose="020B0500000101010101" pitchFamily="50" charset="-127"/>
+            </a:endParaRPr>
+          </a:p>
+        </p:txBody>
+      </p:sp>
+      <p:sp>
+        <p:nvSpPr>
+          <p:cNvPr id="8" name="Shape 5"/>
+          <p:cNvSpPr/>
+          <p:nvPr/>
+        </p:nvSpPr>
+        <p:spPr>
+          <a:xfrm>
+            <a:off x="1651040" y="6603753"/>
+            <a:ext cx="362903" cy="362903"/>
+          </a:xfrm>
+          <a:prstGeom prst="roundRect">
+            <a:avLst>
+              <a:gd name="adj" fmla="val 25194296"/>
+            </a:avLst>
           </a:prstGeom>
           <a:noFill/>
-          <a:ln/>
-        </p:spPr>
-        <p:txBody>
-          <a:bodyPr wrap="none" lIns="0" tIns="0" rIns="0" bIns="0" rtlCol="0" anchor="t"/>
-          <a:lstStyle/>
-          <a:p>
-            <a:pPr marL="0" indent="0" algn="l">
-              <a:lnSpc>
-                <a:spcPts val="5550"/>
-              </a:lnSpc>
-              <a:buNone/>
-            </a:pPr>
-            <a:r>
-              <a:rPr lang="en-US" sz="4450" dirty="0">
-                <a:solidFill>
-                  <a:srgbClr val="EFD5FA"/>
-                </a:solidFill>
-                <a:latin typeface="Instrument Sans Medium" pitchFamily="34" charset="0"/>
-                <a:ea typeface="Instrument Sans Medium" pitchFamily="34" charset="-122"/>
-                <a:cs typeface="Instrument Sans Medium" pitchFamily="34" charset="-120"/>
-              </a:rPr>
-              <a:t>산업용 센서 시계열 데이터 이상 탐지 프로젝트</a:t>
-            </a:r>
-            <a:endParaRPr lang="en-US" sz="4450" dirty="0"/>
-          </a:p>
-        </p:txBody>
-      </p:sp>
-      <p:sp>
-        <p:nvSpPr>
-          <p:cNvPr id="4" name="Text 2"/>
-          <p:cNvSpPr/>
-          <p:nvPr/>
-        </p:nvSpPr>
-        <p:spPr>
-          <a:xfrm>
-            <a:off x="793790" y="3539252"/>
-            <a:ext cx="13042821" cy="725805"/>
-          </a:xfrm>
-          <a:prstGeom prst="rect">
-            <a:avLst/>
-          </a:prstGeom>
-          <a:noFill/>
-          <a:ln/>
-        </p:spPr>
-        <p:txBody>
-          <a:bodyPr wrap="square" lIns="0" tIns="0" rIns="0" bIns="0" rtlCol="0" anchor="t"/>
-          <a:lstStyle/>
-          <a:p>
-            <a:pPr marL="0" indent="0" algn="l">
-              <a:lnSpc>
-                <a:spcPts val="2850"/>
-              </a:lnSpc>
-              <a:buNone/>
-            </a:pPr>
-            <a:r>
-              <a:rPr lang="en-US" sz="1750" dirty="0">
-                <a:solidFill>
-                  <a:srgbClr val="C7CDD6"/>
-                </a:solidFill>
-                <a:latin typeface="Inter" pitchFamily="34" charset="0"/>
-                <a:ea typeface="Inter" pitchFamily="34" charset="-122"/>
-                <a:cs typeface="Inter" pitchFamily="34" charset="-120"/>
-              </a:rPr>
-              <a:t>이 프로젝트는 산업용 센서 시계열 데이터(SWaT)를 이용해 ARIMA 기반 이상 탐지 모델을 구축하는 파이프라인을 구성하는 것을 목표로 합니다. 학습된 ARIMA 모델로 새로운 시계열에 대한 추론을 하고, 잔차를 바탕으로 이상치를 예측합니다.</a:t>
-            </a:r>
-            <a:endParaRPr lang="en-US" sz="1750" dirty="0"/>
-          </a:p>
-        </p:txBody>
-      </p:sp>
-      <p:sp>
-        <p:nvSpPr>
-          <p:cNvPr id="5" name="Text 3"/>
-          <p:cNvSpPr/>
-          <p:nvPr/>
-        </p:nvSpPr>
-        <p:spPr>
-          <a:xfrm>
-            <a:off x="793790" y="4520208"/>
-            <a:ext cx="13042821" cy="362903"/>
-          </a:xfrm>
-          <a:prstGeom prst="rect">
-            <a:avLst/>
-          </a:prstGeom>
-          <a:noFill/>
-          <a:ln/>
-        </p:spPr>
-        <p:txBody>
-          <a:bodyPr wrap="none" lIns="0" tIns="0" rIns="0" bIns="0" rtlCol="0" anchor="t"/>
-          <a:lstStyle/>
-          <a:p>
-            <a:pPr marL="0" indent="0" algn="l">
-              <a:lnSpc>
-                <a:spcPts val="2850"/>
-              </a:lnSpc>
-              <a:buNone/>
-            </a:pPr>
-            <a:r>
-              <a:rPr lang="en-US" sz="1750" dirty="0">
-                <a:solidFill>
-                  <a:srgbClr val="C7CDD6"/>
-                </a:solidFill>
-                <a:latin typeface="Inter" pitchFamily="34" charset="0"/>
-                <a:ea typeface="Inter" pitchFamily="34" charset="-122"/>
-                <a:cs typeface="Inter" pitchFamily="34" charset="-120"/>
-              </a:rPr>
-              <a:t>이 발표에서는 프로젝트의 구성 요소, 코드 구조, 실행 결과를 살펴보겠습니다.</a:t>
-            </a:r>
-            <a:endParaRPr lang="en-US" sz="1750" dirty="0"/>
+          <a:ln w="7620">
+            <a:solidFill>
+              <a:srgbClr val="4D4D51"/>
+            </a:solidFill>
+            <a:prstDash val="solid"/>
+          </a:ln>
+        </p:spPr>
+        <p:txBody>
+          <a:bodyPr/>
+          <a:lstStyle/>
+          <a:p>
+            <a:endParaRPr lang="ko-KR" altLang="en-US">
+              <a:latin typeface="Microsoft GothicNeo" panose="020B0500000101010101" pitchFamily="50" charset="-127"/>
+              <a:ea typeface="Microsoft GothicNeo" panose="020B0500000101010101" pitchFamily="50" charset="-127"/>
+              <a:cs typeface="Microsoft GothicNeo" panose="020B0500000101010101" pitchFamily="50" charset="-127"/>
+            </a:endParaRPr>
           </a:p>
         </p:txBody>
       </p:sp>
       <p:pic>
         <p:nvPicPr>
-          <p:cNvPr id="6" name="Image 0" descr="preencoded.png"/>
+          <p:cNvPr id="9" name="Image 1" descr="preencoded.png"/>
           <p:cNvPicPr>
             <a:picLocks noChangeAspect="1"/>
           </p:cNvPicPr>
@@ -2385,8 +2440,8 @@
         </p:blipFill>
         <p:spPr>
           <a:xfrm>
-            <a:off x="793790" y="5393412"/>
-            <a:ext cx="838200" cy="487680"/>
+            <a:off x="1658660" y="6611373"/>
+            <a:ext cx="347663" cy="347663"/>
           </a:xfrm>
           <a:prstGeom prst="rect">
             <a:avLst/>
@@ -2395,100 +2450,13 @@
       </p:pic>
       <p:sp>
         <p:nvSpPr>
-          <p:cNvPr id="7" name="Text 4"/>
-          <p:cNvSpPr/>
-          <p:nvPr/>
-        </p:nvSpPr>
-        <p:spPr>
-          <a:xfrm>
-            <a:off x="2296954" y="5342334"/>
-            <a:ext cx="11547158" cy="362903"/>
-          </a:xfrm>
-          <a:prstGeom prst="rect">
-            <a:avLst/>
-          </a:prstGeom>
-          <a:noFill/>
-          <a:ln/>
-        </p:spPr>
-        <p:txBody>
-          <a:bodyPr wrap="none" lIns="0" tIns="0" rIns="0" bIns="0" rtlCol="0" anchor="t"/>
-          <a:lstStyle/>
-          <a:p>
-            <a:pPr marL="0" indent="0" algn="l">
-              <a:lnSpc>
-                <a:spcPts val="2850"/>
-              </a:lnSpc>
-              <a:buNone/>
-            </a:pPr>
-            <a:endParaRPr lang="en-US" sz="1750" dirty="0"/>
-          </a:p>
-        </p:txBody>
-      </p:sp>
-      <p:sp>
-        <p:nvSpPr>
-          <p:cNvPr id="8" name="Shape 5"/>
-          <p:cNvSpPr/>
-          <p:nvPr/>
-        </p:nvSpPr>
-        <p:spPr>
-          <a:xfrm>
-            <a:off x="793790" y="6408301"/>
-            <a:ext cx="362903" cy="362903"/>
-          </a:xfrm>
-          <a:prstGeom prst="roundRect">
-            <a:avLst>
-              <a:gd name="adj" fmla="val 25194296"/>
-            </a:avLst>
-          </a:prstGeom>
-          <a:noFill/>
-          <a:ln w="7620">
-            <a:solidFill>
-              <a:srgbClr val="4D4D51"/>
-            </a:solidFill>
-            <a:prstDash val="solid"/>
-          </a:ln>
-        </p:spPr>
-        <p:txBody>
-          <a:bodyPr/>
-          <a:lstStyle/>
-          <a:p>
-            <a:endParaRPr lang="ko-KR" altLang="en-US"/>
-          </a:p>
-        </p:txBody>
-      </p:sp>
-      <p:pic>
-        <p:nvPicPr>
-          <p:cNvPr id="9" name="Image 1" descr="preencoded.png"/>
-          <p:cNvPicPr>
-            <a:picLocks noChangeAspect="1"/>
-          </p:cNvPicPr>
-          <p:nvPr/>
-        </p:nvPicPr>
-        <p:blipFill>
-          <a:blip r:embed="rId4"/>
-          <a:stretch>
-            <a:fillRect/>
-          </a:stretch>
-        </p:blipFill>
-        <p:spPr>
-          <a:xfrm>
-            <a:off x="801410" y="6415921"/>
-            <a:ext cx="347663" cy="347663"/>
-          </a:xfrm>
-          <a:prstGeom prst="rect">
-            <a:avLst/>
-          </a:prstGeom>
-        </p:spPr>
-      </p:pic>
-      <p:sp>
-        <p:nvSpPr>
           <p:cNvPr id="10" name="Text 6"/>
           <p:cNvSpPr/>
           <p:nvPr/>
         </p:nvSpPr>
         <p:spPr>
           <a:xfrm>
-            <a:off x="1270040" y="6391394"/>
+            <a:off x="2021563" y="6586786"/>
             <a:ext cx="1793081" cy="396835"/>
           </a:xfrm>
           <a:prstGeom prst="rect">
@@ -2508,17 +2476,117 @@
               <a:buNone/>
             </a:pPr>
             <a:r>
-              <a:rPr lang="en-US" sz="2200" b="1" dirty="0">
-                <a:solidFill>
-                  <a:srgbClr val="C7CDD6"/>
-                </a:solidFill>
-                <a:latin typeface="Inter Bold" pitchFamily="34" charset="0"/>
-                <a:ea typeface="Inter Bold" pitchFamily="34" charset="-122"/>
-                <a:cs typeface="Inter Bold" pitchFamily="34" charset="-120"/>
-              </a:rPr>
-              <a:t>작성자: 동환 금</a:t>
-            </a:r>
-            <a:endParaRPr lang="en-US" sz="2200" dirty="0"/>
+              <a:rPr lang="en-US" altLang="ko-KR" sz="2200" b="1" dirty="0">
+                <a:solidFill>
+                  <a:srgbClr val="C7CDD6"/>
+                </a:solidFill>
+                <a:latin typeface="Microsoft GothicNeo" panose="020B0500000101010101" pitchFamily="50" charset="-127"/>
+                <a:ea typeface="Microsoft GothicNeo" panose="020B0500000101010101" pitchFamily="50" charset="-127"/>
+                <a:cs typeface="Microsoft GothicNeo" panose="020B0500000101010101" pitchFamily="50" charset="-127"/>
+              </a:rPr>
+              <a:t> </a:t>
+            </a:r>
+            <a:r>
+              <a:rPr lang="ko-KR" altLang="en-US" sz="2200" b="1" dirty="0">
+                <a:solidFill>
+                  <a:srgbClr val="C7CDD6"/>
+                </a:solidFill>
+                <a:latin typeface="Microsoft GothicNeo" panose="020B0500000101010101" pitchFamily="50" charset="-127"/>
+                <a:ea typeface="Microsoft GothicNeo" panose="020B0500000101010101" pitchFamily="50" charset="-127"/>
+                <a:cs typeface="Microsoft GothicNeo" panose="020B0500000101010101" pitchFamily="50" charset="-127"/>
+              </a:rPr>
+              <a:t>금동환</a:t>
+            </a:r>
+            <a:endParaRPr lang="en-US" sz="2200" dirty="0">
+              <a:latin typeface="Microsoft GothicNeo" panose="020B0500000101010101" pitchFamily="50" charset="-127"/>
+              <a:ea typeface="Microsoft GothicNeo" panose="020B0500000101010101" pitchFamily="50" charset="-127"/>
+              <a:cs typeface="Microsoft GothicNeo" panose="020B0500000101010101" pitchFamily="50" charset="-127"/>
+            </a:endParaRPr>
+          </a:p>
+        </p:txBody>
+      </p:sp>
+      <p:sp>
+        <p:nvSpPr>
+          <p:cNvPr id="11" name="Text 6">
+            <a:extLst>
+              <a:ext uri="{FF2B5EF4-FFF2-40B4-BE49-F238E27FC236}">
+                <a16:creationId xmlns:a16="http://schemas.microsoft.com/office/drawing/2014/main" id="{4B0CC1F9-0898-E192-316B-8DAA9A6EB905}"/>
+              </a:ext>
+            </a:extLst>
+          </p:cNvPr>
+          <p:cNvSpPr/>
+          <p:nvPr/>
+        </p:nvSpPr>
+        <p:spPr>
+          <a:xfrm>
+            <a:off x="1651040" y="1942148"/>
+            <a:ext cx="1793081" cy="396835"/>
+          </a:xfrm>
+          <a:prstGeom prst="rect">
+            <a:avLst/>
+          </a:prstGeom>
+          <a:noFill/>
+          <a:ln/>
+        </p:spPr>
+        <p:txBody>
+          <a:bodyPr wrap="none" lIns="0" tIns="0" rIns="0" bIns="0" rtlCol="0" anchor="t"/>
+          <a:lstStyle/>
+          <a:p>
+            <a:pPr marL="0" indent="0" algn="l">
+              <a:lnSpc>
+                <a:spcPts val="3100"/>
+              </a:lnSpc>
+              <a:buNone/>
+            </a:pPr>
+            <a:r>
+              <a:rPr lang="en-US" altLang="ko-KR" sz="2200" b="1" dirty="0">
+                <a:solidFill>
+                  <a:srgbClr val="C7CDD6"/>
+                </a:solidFill>
+                <a:latin typeface="Microsoft GothicNeo" panose="020B0500000101010101" pitchFamily="50" charset="-127"/>
+                <a:ea typeface="Microsoft GothicNeo" panose="020B0500000101010101" pitchFamily="50" charset="-127"/>
+                <a:cs typeface="Microsoft GothicNeo" panose="020B0500000101010101" pitchFamily="50" charset="-127"/>
+              </a:rPr>
+              <a:t>2025</a:t>
+            </a:r>
+            <a:r>
+              <a:rPr lang="ko-KR" altLang="en-US" sz="2200" b="1" dirty="0">
+                <a:solidFill>
+                  <a:srgbClr val="C7CDD6"/>
+                </a:solidFill>
+                <a:latin typeface="Microsoft GothicNeo" panose="020B0500000101010101" pitchFamily="50" charset="-127"/>
+                <a:ea typeface="Microsoft GothicNeo" panose="020B0500000101010101" pitchFamily="50" charset="-127"/>
+                <a:cs typeface="Microsoft GothicNeo" panose="020B0500000101010101" pitchFamily="50" charset="-127"/>
+              </a:rPr>
+              <a:t>년 </a:t>
+            </a:r>
+            <a:r>
+              <a:rPr lang="ko-KR" altLang="en-US" sz="2200" b="1" dirty="0" err="1">
+                <a:solidFill>
+                  <a:srgbClr val="C7CDD6"/>
+                </a:solidFill>
+                <a:latin typeface="Microsoft GothicNeo" panose="020B0500000101010101" pitchFamily="50" charset="-127"/>
+                <a:ea typeface="Microsoft GothicNeo" panose="020B0500000101010101" pitchFamily="50" charset="-127"/>
+                <a:cs typeface="Microsoft GothicNeo" panose="020B0500000101010101" pitchFamily="50" charset="-127"/>
+              </a:rPr>
+              <a:t>딥러닝특론</a:t>
+            </a:r>
+            <a:r>
+              <a:rPr lang="ko-KR" altLang="en-US" sz="2200" b="1" dirty="0">
+                <a:solidFill>
+                  <a:srgbClr val="C7CDD6"/>
+                </a:solidFill>
+                <a:latin typeface="Microsoft GothicNeo" panose="020B0500000101010101" pitchFamily="50" charset="-127"/>
+                <a:ea typeface="Microsoft GothicNeo" panose="020B0500000101010101" pitchFamily="50" charset="-127"/>
+                <a:cs typeface="Microsoft GothicNeo" panose="020B0500000101010101" pitchFamily="50" charset="-127"/>
+              </a:rPr>
+              <a:t> 과제 발표</a:t>
+            </a:r>
+            <a:endParaRPr lang="en-US" sz="2200" dirty="0">
+              <a:latin typeface="Microsoft GothicNeo" panose="020B0500000101010101" pitchFamily="50" charset="-127"/>
+              <a:ea typeface="Microsoft GothicNeo" panose="020B0500000101010101" pitchFamily="50" charset="-127"/>
+              <a:cs typeface="Microsoft GothicNeo" panose="020B0500000101010101" pitchFamily="50" charset="-127"/>
+            </a:endParaRPr>
           </a:p>
         </p:txBody>
       </p:sp>
@@ -2531,6 +2599,718 @@
 </file>
 
 <file path=ppt/slides/slide10.xml><?xml version="1.0" encoding="utf-8"?>
+<p:sld xmlns:a="http://schemas.openxmlformats.org/drawingml/2006/main" xmlns:r="http://schemas.openxmlformats.org/officeDocument/2006/relationships" xmlns:p="http://schemas.openxmlformats.org/presentationml/2006/main">
+  <p:cSld>
+    <p:spTree>
+      <p:nvGrpSpPr>
+        <p:cNvPr id="1" name="">
+          <a:extLst>
+            <a:ext uri="{FF2B5EF4-FFF2-40B4-BE49-F238E27FC236}">
+              <a16:creationId xmlns:a16="http://schemas.microsoft.com/office/drawing/2014/main" id="{D5DAF058-B7F9-32CC-678C-7B2E8ECA0FEC}"/>
+            </a:ext>
+          </a:extLst>
+        </p:cNvPr>
+        <p:cNvGrpSpPr/>
+        <p:nvPr/>
+      </p:nvGrpSpPr>
+      <p:grpSpPr>
+        <a:xfrm>
+          <a:off x="0" y="0"/>
+          <a:ext cx="0" cy="0"/>
+          <a:chOff x="0" y="0"/>
+          <a:chExt cx="0" cy="0"/>
+        </a:xfrm>
+      </p:grpSpPr>
+      <p:sp>
+        <p:nvSpPr>
+          <p:cNvPr id="2" name="Text 0">
+            <a:extLst>
+              <a:ext uri="{FF2B5EF4-FFF2-40B4-BE49-F238E27FC236}">
+                <a16:creationId xmlns:a16="http://schemas.microsoft.com/office/drawing/2014/main" id="{897F38C3-59A5-2C28-71CF-A425F77C0578}"/>
+              </a:ext>
+            </a:extLst>
+          </p:cNvPr>
+          <p:cNvSpPr/>
+          <p:nvPr/>
+        </p:nvSpPr>
+        <p:spPr>
+          <a:xfrm>
+            <a:off x="700802" y="551259"/>
+            <a:ext cx="5006102" cy="625793"/>
+          </a:xfrm>
+          <a:prstGeom prst="rect">
+            <a:avLst/>
+          </a:prstGeom>
+          <a:noFill/>
+          <a:ln/>
+        </p:spPr>
+        <p:txBody>
+          <a:bodyPr wrap="none" lIns="0" tIns="0" rIns="0" bIns="0" rtlCol="0" anchor="t"/>
+          <a:lstStyle/>
+          <a:p>
+            <a:pPr marL="0" indent="0" algn="l">
+              <a:lnSpc>
+                <a:spcPts val="4900"/>
+              </a:lnSpc>
+              <a:buNone/>
+            </a:pPr>
+            <a:r>
+              <a:rPr lang="ko-KR" altLang="en-US" sz="3900" dirty="0">
+                <a:solidFill>
+                  <a:srgbClr val="EFD5FA"/>
+                </a:solidFill>
+                <a:latin typeface="Microsoft GothicNeo" panose="020B0500000101010101" pitchFamily="50" charset="-127"/>
+                <a:ea typeface="Microsoft GothicNeo" panose="020B0500000101010101" pitchFamily="50" charset="-127"/>
+                <a:cs typeface="Microsoft GothicNeo" panose="020B0500000101010101" pitchFamily="50" charset="-127"/>
+              </a:rPr>
+              <a:t>실행화면 </a:t>
+            </a:r>
+            <a:r>
+              <a:rPr lang="en-US" altLang="ko-KR" sz="3900" dirty="0">
+                <a:solidFill>
+                  <a:srgbClr val="EFD5FA"/>
+                </a:solidFill>
+                <a:latin typeface="Microsoft GothicNeo" panose="020B0500000101010101" pitchFamily="50" charset="-127"/>
+                <a:ea typeface="Microsoft GothicNeo" panose="020B0500000101010101" pitchFamily="50" charset="-127"/>
+                <a:cs typeface="Microsoft GothicNeo" panose="020B0500000101010101" pitchFamily="50" charset="-127"/>
+              </a:rPr>
+              <a:t>: </a:t>
+            </a:r>
+            <a:r>
+              <a:rPr lang="ko-KR" altLang="en-US" sz="3900" dirty="0">
+                <a:solidFill>
+                  <a:srgbClr val="EFD5FA"/>
+                </a:solidFill>
+                <a:latin typeface="Microsoft GothicNeo" panose="020B0500000101010101" pitchFamily="50" charset="-127"/>
+                <a:ea typeface="Microsoft GothicNeo" panose="020B0500000101010101" pitchFamily="50" charset="-127"/>
+                <a:cs typeface="Microsoft GothicNeo" panose="020B0500000101010101" pitchFamily="50" charset="-127"/>
+              </a:rPr>
+              <a:t>예측</a:t>
+            </a:r>
+            <a:endParaRPr lang="en-US" sz="3900" dirty="0">
+              <a:latin typeface="Microsoft GothicNeo" panose="020B0500000101010101" pitchFamily="50" charset="-127"/>
+              <a:ea typeface="Microsoft GothicNeo" panose="020B0500000101010101" pitchFamily="50" charset="-127"/>
+              <a:cs typeface="Microsoft GothicNeo" panose="020B0500000101010101" pitchFamily="50" charset="-127"/>
+            </a:endParaRPr>
+          </a:p>
+        </p:txBody>
+      </p:sp>
+      <p:sp>
+        <p:nvSpPr>
+          <p:cNvPr id="3" name="Text 1">
+            <a:extLst>
+              <a:ext uri="{FF2B5EF4-FFF2-40B4-BE49-F238E27FC236}">
+                <a16:creationId xmlns:a16="http://schemas.microsoft.com/office/drawing/2014/main" id="{A44DFDA8-C85E-93FF-C635-B166C6C15A9D}"/>
+              </a:ext>
+            </a:extLst>
+          </p:cNvPr>
+          <p:cNvSpPr/>
+          <p:nvPr/>
+        </p:nvSpPr>
+        <p:spPr>
+          <a:xfrm>
+            <a:off x="700802" y="1577459"/>
+            <a:ext cx="13228796" cy="640794"/>
+          </a:xfrm>
+          <a:prstGeom prst="rect">
+            <a:avLst/>
+          </a:prstGeom>
+          <a:noFill/>
+          <a:ln/>
+        </p:spPr>
+        <p:txBody>
+          <a:bodyPr wrap="square" lIns="0" tIns="0" rIns="0" bIns="0" rtlCol="0" anchor="t"/>
+          <a:lstStyle/>
+          <a:p>
+            <a:pPr>
+              <a:lnSpc>
+                <a:spcPts val="2500"/>
+              </a:lnSpc>
+            </a:pPr>
+            <a:r>
+              <a:rPr lang="en-US" altLang="ko-KR" sz="1600" dirty="0">
+                <a:solidFill>
+                  <a:srgbClr val="C7CDD6"/>
+                </a:solidFill>
+                <a:latin typeface="Microsoft GothicNeo" panose="020B0500000101010101" pitchFamily="50" charset="-127"/>
+                <a:ea typeface="Microsoft GothicNeo" panose="020B0500000101010101" pitchFamily="50" charset="-127"/>
+                <a:cs typeface="Microsoft GothicNeo" panose="020B0500000101010101" pitchFamily="50" charset="-127"/>
+              </a:rPr>
+              <a:t>predict_arima.py </a:t>
+            </a:r>
+            <a:r>
+              <a:rPr lang="en-US" altLang="ko-KR" sz="1600" dirty="0" err="1">
+                <a:solidFill>
+                  <a:srgbClr val="C7CDD6"/>
+                </a:solidFill>
+                <a:latin typeface="Microsoft GothicNeo" panose="020B0500000101010101" pitchFamily="50" charset="-127"/>
+                <a:ea typeface="Microsoft GothicNeo" panose="020B0500000101010101" pitchFamily="50" charset="-127"/>
+                <a:cs typeface="Microsoft GothicNeo" panose="020B0500000101010101" pitchFamily="50" charset="-127"/>
+              </a:rPr>
+              <a:t>실행</a:t>
+            </a:r>
+            <a:r>
+              <a:rPr lang="en-US" altLang="ko-KR" sz="1600" dirty="0">
+                <a:solidFill>
+                  <a:srgbClr val="C7CDD6"/>
+                </a:solidFill>
+                <a:latin typeface="Microsoft GothicNeo" panose="020B0500000101010101" pitchFamily="50" charset="-127"/>
+                <a:ea typeface="Microsoft GothicNeo" panose="020B0500000101010101" pitchFamily="50" charset="-127"/>
+                <a:cs typeface="Microsoft GothicNeo" panose="020B0500000101010101" pitchFamily="50" charset="-127"/>
+              </a:rPr>
+              <a:t> </a:t>
+            </a:r>
+            <a:r>
+              <a:rPr lang="en-US" altLang="ko-KR" sz="1600" dirty="0" err="1">
+                <a:solidFill>
+                  <a:srgbClr val="C7CDD6"/>
+                </a:solidFill>
+                <a:latin typeface="Microsoft GothicNeo" panose="020B0500000101010101" pitchFamily="50" charset="-127"/>
+                <a:ea typeface="Microsoft GothicNeo" panose="020B0500000101010101" pitchFamily="50" charset="-127"/>
+                <a:cs typeface="Microsoft GothicNeo" panose="020B0500000101010101" pitchFamily="50" charset="-127"/>
+              </a:rPr>
+              <a:t>결과로</a:t>
+            </a:r>
+            <a:r>
+              <a:rPr lang="en-US" altLang="ko-KR" sz="1600" dirty="0">
+                <a:solidFill>
+                  <a:srgbClr val="C7CDD6"/>
+                </a:solidFill>
+                <a:latin typeface="Microsoft GothicNeo" panose="020B0500000101010101" pitchFamily="50" charset="-127"/>
+                <a:ea typeface="Microsoft GothicNeo" panose="020B0500000101010101" pitchFamily="50" charset="-127"/>
+                <a:cs typeface="Microsoft GothicNeo" panose="020B0500000101010101" pitchFamily="50" charset="-127"/>
+              </a:rPr>
+              <a:t>, </a:t>
+            </a:r>
+            <a:r>
+              <a:rPr lang="en-US" altLang="ko-KR" sz="1600" dirty="0" err="1">
+                <a:solidFill>
+                  <a:srgbClr val="C7CDD6"/>
+                </a:solidFill>
+                <a:latin typeface="Microsoft GothicNeo" panose="020B0500000101010101" pitchFamily="50" charset="-127"/>
+                <a:ea typeface="Microsoft GothicNeo" panose="020B0500000101010101" pitchFamily="50" charset="-127"/>
+                <a:cs typeface="Microsoft GothicNeo" panose="020B0500000101010101" pitchFamily="50" charset="-127"/>
+              </a:rPr>
+              <a:t>테스트</a:t>
+            </a:r>
+            <a:r>
+              <a:rPr lang="en-US" altLang="ko-KR" sz="1600" dirty="0">
+                <a:solidFill>
+                  <a:srgbClr val="C7CDD6"/>
+                </a:solidFill>
+                <a:latin typeface="Microsoft GothicNeo" panose="020B0500000101010101" pitchFamily="50" charset="-127"/>
+                <a:ea typeface="Microsoft GothicNeo" panose="020B0500000101010101" pitchFamily="50" charset="-127"/>
+                <a:cs typeface="Microsoft GothicNeo" panose="020B0500000101010101" pitchFamily="50" charset="-127"/>
+              </a:rPr>
+              <a:t> </a:t>
+            </a:r>
+            <a:r>
+              <a:rPr lang="en-US" altLang="ko-KR" sz="1600" dirty="0" err="1">
+                <a:solidFill>
+                  <a:srgbClr val="C7CDD6"/>
+                </a:solidFill>
+                <a:latin typeface="Microsoft GothicNeo" panose="020B0500000101010101" pitchFamily="50" charset="-127"/>
+                <a:ea typeface="Microsoft GothicNeo" panose="020B0500000101010101" pitchFamily="50" charset="-127"/>
+                <a:cs typeface="Microsoft GothicNeo" panose="020B0500000101010101" pitchFamily="50" charset="-127"/>
+              </a:rPr>
+              <a:t>데이터에서</a:t>
+            </a:r>
+            <a:r>
+              <a:rPr lang="en-US" altLang="ko-KR" sz="1600" dirty="0">
+                <a:solidFill>
+                  <a:srgbClr val="C7CDD6"/>
+                </a:solidFill>
+                <a:latin typeface="Microsoft GothicNeo" panose="020B0500000101010101" pitchFamily="50" charset="-127"/>
+                <a:ea typeface="Microsoft GothicNeo" panose="020B0500000101010101" pitchFamily="50" charset="-127"/>
+                <a:cs typeface="Microsoft GothicNeo" panose="020B0500000101010101" pitchFamily="50" charset="-127"/>
+              </a:rPr>
+              <a:t> </a:t>
+            </a:r>
+            <a:r>
+              <a:rPr lang="en-US" altLang="ko-KR" sz="1600" dirty="0" err="1">
+                <a:solidFill>
+                  <a:srgbClr val="C7CDD6"/>
+                </a:solidFill>
+                <a:latin typeface="Microsoft GothicNeo" panose="020B0500000101010101" pitchFamily="50" charset="-127"/>
+                <a:ea typeface="Microsoft GothicNeo" panose="020B0500000101010101" pitchFamily="50" charset="-127"/>
+                <a:cs typeface="Microsoft GothicNeo" panose="020B0500000101010101" pitchFamily="50" charset="-127"/>
+              </a:rPr>
+              <a:t>이상치를</a:t>
+            </a:r>
+            <a:r>
+              <a:rPr lang="en-US" altLang="ko-KR" sz="1600" dirty="0">
+                <a:solidFill>
+                  <a:srgbClr val="C7CDD6"/>
+                </a:solidFill>
+                <a:latin typeface="Microsoft GothicNeo" panose="020B0500000101010101" pitchFamily="50" charset="-127"/>
+                <a:ea typeface="Microsoft GothicNeo" panose="020B0500000101010101" pitchFamily="50" charset="-127"/>
+                <a:cs typeface="Microsoft GothicNeo" panose="020B0500000101010101" pitchFamily="50" charset="-127"/>
+              </a:rPr>
+              <a:t> </a:t>
+            </a:r>
+            <a:r>
+              <a:rPr lang="en-US" altLang="ko-KR" sz="1600" dirty="0" err="1">
+                <a:solidFill>
+                  <a:srgbClr val="C7CDD6"/>
+                </a:solidFill>
+                <a:latin typeface="Microsoft GothicNeo" panose="020B0500000101010101" pitchFamily="50" charset="-127"/>
+                <a:ea typeface="Microsoft GothicNeo" panose="020B0500000101010101" pitchFamily="50" charset="-127"/>
+                <a:cs typeface="Microsoft GothicNeo" panose="020B0500000101010101" pitchFamily="50" charset="-127"/>
+              </a:rPr>
+              <a:t>탐지하고</a:t>
+            </a:r>
+            <a:r>
+              <a:rPr lang="en-US" altLang="ko-KR" sz="1600" dirty="0">
+                <a:solidFill>
+                  <a:srgbClr val="C7CDD6"/>
+                </a:solidFill>
+                <a:latin typeface="Microsoft GothicNeo" panose="020B0500000101010101" pitchFamily="50" charset="-127"/>
+                <a:ea typeface="Microsoft GothicNeo" panose="020B0500000101010101" pitchFamily="50" charset="-127"/>
+                <a:cs typeface="Microsoft GothicNeo" panose="020B0500000101010101" pitchFamily="50" charset="-127"/>
+              </a:rPr>
+              <a:t> </a:t>
+            </a:r>
+            <a:r>
+              <a:rPr lang="en-US" altLang="ko-KR" sz="1600" dirty="0" err="1">
+                <a:solidFill>
+                  <a:srgbClr val="C7CDD6"/>
+                </a:solidFill>
+                <a:latin typeface="Microsoft GothicNeo" panose="020B0500000101010101" pitchFamily="50" charset="-127"/>
+                <a:ea typeface="Microsoft GothicNeo" panose="020B0500000101010101" pitchFamily="50" charset="-127"/>
+                <a:cs typeface="Microsoft GothicNeo" panose="020B0500000101010101" pitchFamily="50" charset="-127"/>
+              </a:rPr>
+              <a:t>시각화한</a:t>
+            </a:r>
+            <a:r>
+              <a:rPr lang="en-US" altLang="ko-KR" sz="1600" dirty="0">
+                <a:solidFill>
+                  <a:srgbClr val="C7CDD6"/>
+                </a:solidFill>
+                <a:latin typeface="Microsoft GothicNeo" panose="020B0500000101010101" pitchFamily="50" charset="-127"/>
+                <a:ea typeface="Microsoft GothicNeo" panose="020B0500000101010101" pitchFamily="50" charset="-127"/>
+                <a:cs typeface="Microsoft GothicNeo" panose="020B0500000101010101" pitchFamily="50" charset="-127"/>
+              </a:rPr>
+              <a:t> </a:t>
+            </a:r>
+            <a:r>
+              <a:rPr lang="en-US" altLang="ko-KR" sz="1600" dirty="0" err="1">
+                <a:solidFill>
+                  <a:srgbClr val="C7CDD6"/>
+                </a:solidFill>
+                <a:latin typeface="Microsoft GothicNeo" panose="020B0500000101010101" pitchFamily="50" charset="-127"/>
+                <a:ea typeface="Microsoft GothicNeo" panose="020B0500000101010101" pitchFamily="50" charset="-127"/>
+                <a:cs typeface="Microsoft GothicNeo" panose="020B0500000101010101" pitchFamily="50" charset="-127"/>
+              </a:rPr>
+              <a:t>결과를</a:t>
+            </a:r>
+            <a:r>
+              <a:rPr lang="en-US" altLang="ko-KR" sz="1600" dirty="0">
+                <a:solidFill>
+                  <a:srgbClr val="C7CDD6"/>
+                </a:solidFill>
+                <a:latin typeface="Microsoft GothicNeo" panose="020B0500000101010101" pitchFamily="50" charset="-127"/>
+                <a:ea typeface="Microsoft GothicNeo" panose="020B0500000101010101" pitchFamily="50" charset="-127"/>
+                <a:cs typeface="Microsoft GothicNeo" panose="020B0500000101010101" pitchFamily="50" charset="-127"/>
+              </a:rPr>
+              <a:t> </a:t>
+            </a:r>
+            <a:r>
+              <a:rPr lang="en-US" altLang="ko-KR" sz="1600" dirty="0" err="1">
+                <a:solidFill>
+                  <a:srgbClr val="C7CDD6"/>
+                </a:solidFill>
+                <a:latin typeface="Microsoft GothicNeo" panose="020B0500000101010101" pitchFamily="50" charset="-127"/>
+                <a:ea typeface="Microsoft GothicNeo" panose="020B0500000101010101" pitchFamily="50" charset="-127"/>
+                <a:cs typeface="Microsoft GothicNeo" panose="020B0500000101010101" pitchFamily="50" charset="-127"/>
+              </a:rPr>
+              <a:t>보여줍니다</a:t>
+            </a:r>
+            <a:r>
+              <a:rPr lang="en-US" altLang="ko-KR" sz="1600" dirty="0">
+                <a:solidFill>
+                  <a:srgbClr val="C7CDD6"/>
+                </a:solidFill>
+                <a:latin typeface="Microsoft GothicNeo" panose="020B0500000101010101" pitchFamily="50" charset="-127"/>
+                <a:ea typeface="Microsoft GothicNeo" panose="020B0500000101010101" pitchFamily="50" charset="-127"/>
+                <a:cs typeface="Microsoft GothicNeo" panose="020B0500000101010101" pitchFamily="50" charset="-127"/>
+              </a:rPr>
+              <a:t>. </a:t>
+            </a:r>
+            <a:r>
+              <a:rPr lang="en-US" altLang="ko-KR" sz="1600" dirty="0" err="1">
+                <a:solidFill>
+                  <a:srgbClr val="C7CDD6"/>
+                </a:solidFill>
+                <a:latin typeface="Microsoft GothicNeo" panose="020B0500000101010101" pitchFamily="50" charset="-127"/>
+                <a:ea typeface="Microsoft GothicNeo" panose="020B0500000101010101" pitchFamily="50" charset="-127"/>
+                <a:cs typeface="Microsoft GothicNeo" panose="020B0500000101010101" pitchFamily="50" charset="-127"/>
+              </a:rPr>
+              <a:t>빨간색</a:t>
+            </a:r>
+            <a:r>
+              <a:rPr lang="en-US" altLang="ko-KR" sz="1600" dirty="0">
+                <a:solidFill>
+                  <a:srgbClr val="C7CDD6"/>
+                </a:solidFill>
+                <a:latin typeface="Microsoft GothicNeo" panose="020B0500000101010101" pitchFamily="50" charset="-127"/>
+                <a:ea typeface="Microsoft GothicNeo" panose="020B0500000101010101" pitchFamily="50" charset="-127"/>
+                <a:cs typeface="Microsoft GothicNeo" panose="020B0500000101010101" pitchFamily="50" charset="-127"/>
+              </a:rPr>
+              <a:t> </a:t>
+            </a:r>
+            <a:r>
+              <a:rPr lang="en-US" altLang="ko-KR" sz="1600" dirty="0" err="1">
+                <a:solidFill>
+                  <a:srgbClr val="C7CDD6"/>
+                </a:solidFill>
+                <a:latin typeface="Microsoft GothicNeo" panose="020B0500000101010101" pitchFamily="50" charset="-127"/>
+                <a:ea typeface="Microsoft GothicNeo" panose="020B0500000101010101" pitchFamily="50" charset="-127"/>
+                <a:cs typeface="Microsoft GothicNeo" panose="020B0500000101010101" pitchFamily="50" charset="-127"/>
+              </a:rPr>
+              <a:t>점으로</a:t>
+            </a:r>
+            <a:r>
+              <a:rPr lang="en-US" altLang="ko-KR" sz="1600" dirty="0">
+                <a:solidFill>
+                  <a:srgbClr val="C7CDD6"/>
+                </a:solidFill>
+                <a:latin typeface="Microsoft GothicNeo" panose="020B0500000101010101" pitchFamily="50" charset="-127"/>
+                <a:ea typeface="Microsoft GothicNeo" panose="020B0500000101010101" pitchFamily="50" charset="-127"/>
+                <a:cs typeface="Microsoft GothicNeo" panose="020B0500000101010101" pitchFamily="50" charset="-127"/>
+              </a:rPr>
+              <a:t> </a:t>
+            </a:r>
+            <a:r>
+              <a:rPr lang="en-US" altLang="ko-KR" sz="1600" dirty="0" err="1">
+                <a:solidFill>
+                  <a:srgbClr val="C7CDD6"/>
+                </a:solidFill>
+                <a:latin typeface="Microsoft GothicNeo" panose="020B0500000101010101" pitchFamily="50" charset="-127"/>
+                <a:ea typeface="Microsoft GothicNeo" panose="020B0500000101010101" pitchFamily="50" charset="-127"/>
+                <a:cs typeface="Microsoft GothicNeo" panose="020B0500000101010101" pitchFamily="50" charset="-127"/>
+              </a:rPr>
+              <a:t>표시된</a:t>
+            </a:r>
+            <a:r>
+              <a:rPr lang="en-US" altLang="ko-KR" sz="1600" dirty="0">
+                <a:solidFill>
+                  <a:srgbClr val="C7CDD6"/>
+                </a:solidFill>
+                <a:latin typeface="Microsoft GothicNeo" panose="020B0500000101010101" pitchFamily="50" charset="-127"/>
+                <a:ea typeface="Microsoft GothicNeo" panose="020B0500000101010101" pitchFamily="50" charset="-127"/>
+                <a:cs typeface="Microsoft GothicNeo" panose="020B0500000101010101" pitchFamily="50" charset="-127"/>
+              </a:rPr>
+              <a:t> </a:t>
+            </a:r>
+            <a:r>
+              <a:rPr lang="en-US" altLang="ko-KR" sz="1600" dirty="0" err="1">
+                <a:solidFill>
+                  <a:srgbClr val="C7CDD6"/>
+                </a:solidFill>
+                <a:latin typeface="Microsoft GothicNeo" panose="020B0500000101010101" pitchFamily="50" charset="-127"/>
+                <a:ea typeface="Microsoft GothicNeo" panose="020B0500000101010101" pitchFamily="50" charset="-127"/>
+                <a:cs typeface="Microsoft GothicNeo" panose="020B0500000101010101" pitchFamily="50" charset="-127"/>
+              </a:rPr>
+              <a:t>부분이</a:t>
+            </a:r>
+            <a:r>
+              <a:rPr lang="en-US" altLang="ko-KR" sz="1600" dirty="0">
+                <a:solidFill>
+                  <a:srgbClr val="C7CDD6"/>
+                </a:solidFill>
+                <a:latin typeface="Microsoft GothicNeo" panose="020B0500000101010101" pitchFamily="50" charset="-127"/>
+                <a:ea typeface="Microsoft GothicNeo" panose="020B0500000101010101" pitchFamily="50" charset="-127"/>
+                <a:cs typeface="Microsoft GothicNeo" panose="020B0500000101010101" pitchFamily="50" charset="-127"/>
+              </a:rPr>
+              <a:t> </a:t>
+            </a:r>
+            <a:r>
+              <a:rPr lang="en-US" altLang="ko-KR" sz="1600" dirty="0" err="1">
+                <a:solidFill>
+                  <a:srgbClr val="C7CDD6"/>
+                </a:solidFill>
+                <a:latin typeface="Microsoft GothicNeo" panose="020B0500000101010101" pitchFamily="50" charset="-127"/>
+                <a:ea typeface="Microsoft GothicNeo" panose="020B0500000101010101" pitchFamily="50" charset="-127"/>
+                <a:cs typeface="Microsoft GothicNeo" panose="020B0500000101010101" pitchFamily="50" charset="-127"/>
+              </a:rPr>
+              <a:t>이상치로</a:t>
+            </a:r>
+            <a:r>
+              <a:rPr lang="en-US" altLang="ko-KR" sz="1600" dirty="0">
+                <a:solidFill>
+                  <a:srgbClr val="C7CDD6"/>
+                </a:solidFill>
+                <a:latin typeface="Microsoft GothicNeo" panose="020B0500000101010101" pitchFamily="50" charset="-127"/>
+                <a:ea typeface="Microsoft GothicNeo" panose="020B0500000101010101" pitchFamily="50" charset="-127"/>
+                <a:cs typeface="Microsoft GothicNeo" panose="020B0500000101010101" pitchFamily="50" charset="-127"/>
+              </a:rPr>
+              <a:t> </a:t>
+            </a:r>
+            <a:r>
+              <a:rPr lang="en-US" altLang="ko-KR" sz="1600" dirty="0" err="1">
+                <a:solidFill>
+                  <a:srgbClr val="C7CDD6"/>
+                </a:solidFill>
+                <a:latin typeface="Microsoft GothicNeo" panose="020B0500000101010101" pitchFamily="50" charset="-127"/>
+                <a:ea typeface="Microsoft GothicNeo" panose="020B0500000101010101" pitchFamily="50" charset="-127"/>
+                <a:cs typeface="Microsoft GothicNeo" panose="020B0500000101010101" pitchFamily="50" charset="-127"/>
+              </a:rPr>
+              <a:t>판정된</a:t>
+            </a:r>
+            <a:r>
+              <a:rPr lang="en-US" altLang="ko-KR" sz="1600" dirty="0">
+                <a:solidFill>
+                  <a:srgbClr val="C7CDD6"/>
+                </a:solidFill>
+                <a:latin typeface="Microsoft GothicNeo" panose="020B0500000101010101" pitchFamily="50" charset="-127"/>
+                <a:ea typeface="Microsoft GothicNeo" panose="020B0500000101010101" pitchFamily="50" charset="-127"/>
+                <a:cs typeface="Microsoft GothicNeo" panose="020B0500000101010101" pitchFamily="50" charset="-127"/>
+              </a:rPr>
+              <a:t> </a:t>
+            </a:r>
+            <a:r>
+              <a:rPr lang="en-US" altLang="ko-KR" sz="1600" dirty="0" err="1">
+                <a:solidFill>
+                  <a:srgbClr val="C7CDD6"/>
+                </a:solidFill>
+                <a:latin typeface="Microsoft GothicNeo" panose="020B0500000101010101" pitchFamily="50" charset="-127"/>
+                <a:ea typeface="Microsoft GothicNeo" panose="020B0500000101010101" pitchFamily="50" charset="-127"/>
+                <a:cs typeface="Microsoft GothicNeo" panose="020B0500000101010101" pitchFamily="50" charset="-127"/>
+              </a:rPr>
+              <a:t>지점이며</a:t>
+            </a:r>
+            <a:r>
+              <a:rPr lang="en-US" altLang="ko-KR" sz="1600" dirty="0">
+                <a:solidFill>
+                  <a:srgbClr val="C7CDD6"/>
+                </a:solidFill>
+                <a:latin typeface="Microsoft GothicNeo" panose="020B0500000101010101" pitchFamily="50" charset="-127"/>
+                <a:ea typeface="Microsoft GothicNeo" panose="020B0500000101010101" pitchFamily="50" charset="-127"/>
+                <a:cs typeface="Microsoft GothicNeo" panose="020B0500000101010101" pitchFamily="50" charset="-127"/>
+              </a:rPr>
+              <a:t>, </a:t>
+            </a:r>
+            <a:r>
+              <a:rPr lang="en-US" altLang="ko-KR" sz="1600" dirty="0" err="1">
+                <a:solidFill>
+                  <a:srgbClr val="C7CDD6"/>
+                </a:solidFill>
+                <a:latin typeface="Microsoft GothicNeo" panose="020B0500000101010101" pitchFamily="50" charset="-127"/>
+                <a:ea typeface="Microsoft GothicNeo" panose="020B0500000101010101" pitchFamily="50" charset="-127"/>
+                <a:cs typeface="Microsoft GothicNeo" panose="020B0500000101010101" pitchFamily="50" charset="-127"/>
+              </a:rPr>
+              <a:t>이상치의</a:t>
+            </a:r>
+            <a:r>
+              <a:rPr lang="en-US" altLang="ko-KR" sz="1600" dirty="0">
+                <a:solidFill>
+                  <a:srgbClr val="C7CDD6"/>
+                </a:solidFill>
+                <a:latin typeface="Microsoft GothicNeo" panose="020B0500000101010101" pitchFamily="50" charset="-127"/>
+                <a:ea typeface="Microsoft GothicNeo" panose="020B0500000101010101" pitchFamily="50" charset="-127"/>
+                <a:cs typeface="Microsoft GothicNeo" panose="020B0500000101010101" pitchFamily="50" charset="-127"/>
+              </a:rPr>
+              <a:t> </a:t>
+            </a:r>
+            <a:r>
+              <a:rPr lang="en-US" altLang="ko-KR" sz="1600" dirty="0" err="1">
+                <a:solidFill>
+                  <a:srgbClr val="C7CDD6"/>
+                </a:solidFill>
+                <a:latin typeface="Microsoft GothicNeo" panose="020B0500000101010101" pitchFamily="50" charset="-127"/>
+                <a:ea typeface="Microsoft GothicNeo" panose="020B0500000101010101" pitchFamily="50" charset="-127"/>
+                <a:cs typeface="Microsoft GothicNeo" panose="020B0500000101010101" pitchFamily="50" charset="-127"/>
+              </a:rPr>
+              <a:t>개수와</a:t>
+            </a:r>
+            <a:r>
+              <a:rPr lang="en-US" altLang="ko-KR" sz="1600" dirty="0">
+                <a:solidFill>
+                  <a:srgbClr val="C7CDD6"/>
+                </a:solidFill>
+                <a:latin typeface="Microsoft GothicNeo" panose="020B0500000101010101" pitchFamily="50" charset="-127"/>
+                <a:ea typeface="Microsoft GothicNeo" panose="020B0500000101010101" pitchFamily="50" charset="-127"/>
+                <a:cs typeface="Microsoft GothicNeo" panose="020B0500000101010101" pitchFamily="50" charset="-127"/>
+              </a:rPr>
+              <a:t> </a:t>
+            </a:r>
+            <a:r>
+              <a:rPr lang="en-US" altLang="ko-KR" sz="1600" dirty="0" err="1">
+                <a:solidFill>
+                  <a:srgbClr val="C7CDD6"/>
+                </a:solidFill>
+                <a:latin typeface="Microsoft GothicNeo" panose="020B0500000101010101" pitchFamily="50" charset="-127"/>
+                <a:ea typeface="Microsoft GothicNeo" panose="020B0500000101010101" pitchFamily="50" charset="-127"/>
+                <a:cs typeface="Microsoft GothicNeo" panose="020B0500000101010101" pitchFamily="50" charset="-127"/>
+              </a:rPr>
+              <a:t>비율도</a:t>
+            </a:r>
+            <a:r>
+              <a:rPr lang="en-US" altLang="ko-KR" sz="1600" dirty="0">
+                <a:solidFill>
+                  <a:srgbClr val="C7CDD6"/>
+                </a:solidFill>
+                <a:latin typeface="Microsoft GothicNeo" panose="020B0500000101010101" pitchFamily="50" charset="-127"/>
+                <a:ea typeface="Microsoft GothicNeo" panose="020B0500000101010101" pitchFamily="50" charset="-127"/>
+                <a:cs typeface="Microsoft GothicNeo" panose="020B0500000101010101" pitchFamily="50" charset="-127"/>
+              </a:rPr>
+              <a:t> </a:t>
+            </a:r>
+            <a:r>
+              <a:rPr lang="en-US" altLang="ko-KR" sz="1600" dirty="0" err="1">
+                <a:solidFill>
+                  <a:srgbClr val="C7CDD6"/>
+                </a:solidFill>
+                <a:latin typeface="Microsoft GothicNeo" panose="020B0500000101010101" pitchFamily="50" charset="-127"/>
+                <a:ea typeface="Microsoft GothicNeo" panose="020B0500000101010101" pitchFamily="50" charset="-127"/>
+                <a:cs typeface="Microsoft GothicNeo" panose="020B0500000101010101" pitchFamily="50" charset="-127"/>
+              </a:rPr>
+              <a:t>함께</a:t>
+            </a:r>
+            <a:r>
+              <a:rPr lang="en-US" altLang="ko-KR" sz="1600" dirty="0">
+                <a:solidFill>
+                  <a:srgbClr val="C7CDD6"/>
+                </a:solidFill>
+                <a:latin typeface="Microsoft GothicNeo" panose="020B0500000101010101" pitchFamily="50" charset="-127"/>
+                <a:ea typeface="Microsoft GothicNeo" panose="020B0500000101010101" pitchFamily="50" charset="-127"/>
+                <a:cs typeface="Microsoft GothicNeo" panose="020B0500000101010101" pitchFamily="50" charset="-127"/>
+              </a:rPr>
+              <a:t> </a:t>
+            </a:r>
+            <a:r>
+              <a:rPr lang="en-US" altLang="ko-KR" sz="1600" dirty="0" err="1">
+                <a:solidFill>
+                  <a:srgbClr val="C7CDD6"/>
+                </a:solidFill>
+                <a:latin typeface="Microsoft GothicNeo" panose="020B0500000101010101" pitchFamily="50" charset="-127"/>
+                <a:ea typeface="Microsoft GothicNeo" panose="020B0500000101010101" pitchFamily="50" charset="-127"/>
+                <a:cs typeface="Microsoft GothicNeo" panose="020B0500000101010101" pitchFamily="50" charset="-127"/>
+              </a:rPr>
+              <a:t>출력됩니다</a:t>
+            </a:r>
+            <a:r>
+              <a:rPr lang="en-US" altLang="ko-KR" sz="1600" dirty="0">
+                <a:solidFill>
+                  <a:srgbClr val="C7CDD6"/>
+                </a:solidFill>
+                <a:latin typeface="Microsoft GothicNeo" panose="020B0500000101010101" pitchFamily="50" charset="-127"/>
+                <a:ea typeface="Microsoft GothicNeo" panose="020B0500000101010101" pitchFamily="50" charset="-127"/>
+                <a:cs typeface="Microsoft GothicNeo" panose="020B0500000101010101" pitchFamily="50" charset="-127"/>
+              </a:rPr>
+              <a:t>.</a:t>
+            </a:r>
+            <a:endParaRPr lang="en-US" altLang="ko-KR" sz="1600" dirty="0">
+              <a:latin typeface="Microsoft GothicNeo" panose="020B0500000101010101" pitchFamily="50" charset="-127"/>
+              <a:ea typeface="Microsoft GothicNeo" panose="020B0500000101010101" pitchFamily="50" charset="-127"/>
+              <a:cs typeface="Microsoft GothicNeo" panose="020B0500000101010101" pitchFamily="50" charset="-127"/>
+            </a:endParaRPr>
+          </a:p>
+          <a:p>
+            <a:pPr marL="0" indent="0" algn="l">
+              <a:lnSpc>
+                <a:spcPts val="2500"/>
+              </a:lnSpc>
+              <a:buNone/>
+            </a:pPr>
+            <a:endParaRPr lang="en-US" sz="1550" dirty="0">
+              <a:latin typeface="Microsoft GothicNeo" panose="020B0500000101010101" pitchFamily="50" charset="-127"/>
+              <a:ea typeface="Microsoft GothicNeo" panose="020B0500000101010101" pitchFamily="50" charset="-127"/>
+              <a:cs typeface="Microsoft GothicNeo" panose="020B0500000101010101" pitchFamily="50" charset="-127"/>
+            </a:endParaRPr>
+          </a:p>
+        </p:txBody>
+      </p:sp>
+      <p:pic>
+        <p:nvPicPr>
+          <p:cNvPr id="25" name="비디오 2" descr="predict arima">
+            <a:hlinkClick r:id="rId3"/>
+            <a:extLst>
+              <a:ext uri="{FF2B5EF4-FFF2-40B4-BE49-F238E27FC236}">
+                <a16:creationId xmlns:a16="http://schemas.microsoft.com/office/drawing/2014/main" id="{ED170CD2-42FF-2DFC-8C6E-270E2EAB6CB2}"/>
+              </a:ext>
+            </a:extLst>
+          </p:cNvPr>
+          <p:cNvPicPr>
+            <a:picLocks noChangeAspect="1"/>
+          </p:cNvPicPr>
+          <p:nvPr/>
+        </p:nvPicPr>
+        <p:blipFill>
+          <a:blip r:embed="rId4">
+            <a:extLst>
+              <a:ext uri="{28A0092B-C50C-407E-A947-70E740481C1C}">
+                <a14:useLocalDpi xmlns:a14="http://schemas.microsoft.com/office/drawing/2010/main" val="0"/>
+              </a:ext>
+              <a:ext uri="{C809E66F-F1BF-436E-b5F7-EEA9579F0CBA}">
+                <wp15:webVideoPr xmlns:wp15="http://schemas.microsoft.com/office/word/2012/wordprocessingDrawing" embeddedHtml="&lt;iframe width=&quot;200&quot; height=&quot;113&quot; src=&quot;https://www.youtube.com/embed/xqHAh468gpw?feature=oembed&quot; frameborder=&quot;0&quot; allow=&quot;accelerometer; autoplay; clipboard-write; encrypted-media; gyroscope; picture-in-picture; web-share&quot; referrerpolicy=&quot;strict-origin-when-cross-origin&quot; allowfullscreen=&quot;&quot; title=&quot;predict arima&quot; sandbox=&quot;allow-scripts allow-same-origin allow-popups&quot;&gt;&lt;/iframe&gt;" h="113" w="200"/>
+              </a:ext>
+            </a:extLst>
+          </a:blip>
+          <a:stretch>
+            <a:fillRect/>
+          </a:stretch>
+        </p:blipFill>
+        <p:spPr>
+          <a:xfrm>
+            <a:off x="7210425" y="3305175"/>
+            <a:ext cx="4572000" cy="3429000"/>
+          </a:xfrm>
+          <a:prstGeom prst="rect">
+            <a:avLst/>
+          </a:prstGeom>
+        </p:spPr>
+      </p:pic>
+      <p:pic>
+        <p:nvPicPr>
+          <p:cNvPr id="27" name="그림 26" descr="텍스트, 스크린샷, 소프트웨어, 디스플레이이(가) 표시된 사진&#10;&#10;AI가 생성한 콘텐츠는 부정확할 수 있습니다.">
+            <a:extLst>
+              <a:ext uri="{FF2B5EF4-FFF2-40B4-BE49-F238E27FC236}">
+                <a16:creationId xmlns:a16="http://schemas.microsoft.com/office/drawing/2014/main" id="{BFC10CC6-A341-0C01-4E7F-FA465E509A57}"/>
+              </a:ext>
+            </a:extLst>
+          </p:cNvPr>
+          <p:cNvPicPr>
+            <a:picLocks noChangeAspect="1"/>
+          </p:cNvPicPr>
+          <p:nvPr/>
+        </p:nvPicPr>
+        <p:blipFill>
+          <a:blip r:embed="rId5" cstate="print">
+            <a:extLst>
+              <a:ext uri="{28A0092B-C50C-407E-A947-70E740481C1C}">
+                <a14:useLocalDpi xmlns:a14="http://schemas.microsoft.com/office/drawing/2010/main" val="0"/>
+              </a:ext>
+            </a:extLst>
+          </a:blip>
+          <a:stretch>
+            <a:fillRect/>
+          </a:stretch>
+        </p:blipFill>
+        <p:spPr>
+          <a:xfrm>
+            <a:off x="700802" y="3305175"/>
+            <a:ext cx="5731510" cy="3116580"/>
+          </a:xfrm>
+          <a:prstGeom prst="rect">
+            <a:avLst/>
+          </a:prstGeom>
+        </p:spPr>
+      </p:pic>
+    </p:spTree>
+    <p:extLst>
+      <p:ext uri="{BB962C8B-B14F-4D97-AF65-F5344CB8AC3E}">
+        <p14:creationId xmlns:p14="http://schemas.microsoft.com/office/powerpoint/2010/main" val="802449718"/>
+      </p:ext>
+    </p:extLst>
+  </p:cSld>
+  <p:clrMapOvr>
+    <a:masterClrMapping/>
+  </p:clrMapOvr>
+</p:sld>
+</file>
+
+<file path=ppt/slides/slide11.xml><?xml version="1.0" encoding="utf-8"?>
 <p:sld xmlns:a="http://schemas.openxmlformats.org/drawingml/2006/main" xmlns:r="http://schemas.openxmlformats.org/officeDocument/2006/relationships" xmlns:p="http://schemas.openxmlformats.org/presentationml/2006/main">
   <p:cSld name="Slide 8">
     <p:spTree>
@@ -2549,48 +3329,6 @@
       </p:grpSpPr>
       <p:sp>
         <p:nvSpPr>
-          <p:cNvPr id="2" name="Text 0"/>
-          <p:cNvSpPr/>
-          <p:nvPr/>
-        </p:nvSpPr>
-        <p:spPr>
-          <a:xfrm>
-            <a:off x="793790" y="1765935"/>
-            <a:ext cx="5670590" cy="708779"/>
-          </a:xfrm>
-          <a:prstGeom prst="rect">
-            <a:avLst/>
-          </a:prstGeom>
-          <a:noFill/>
-          <a:ln/>
-        </p:spPr>
-        <p:txBody>
-          <a:bodyPr wrap="none" lIns="0" tIns="0" rIns="0" bIns="0" rtlCol="0" anchor="t"/>
-          <a:lstStyle/>
-          <a:p>
-            <a:pPr marL="0" indent="0" algn="l">
-              <a:lnSpc>
-                <a:spcPts val="5550"/>
-              </a:lnSpc>
-              <a:buNone/>
-            </a:pPr>
-            <a:r>
-              <a:rPr lang="en-US" sz="4450" dirty="0">
-                <a:solidFill>
-                  <a:srgbClr val="EFD5FA"/>
-                </a:solidFill>
-                <a:latin typeface="Instrument Sans Medium" pitchFamily="34" charset="0"/>
-                <a:ea typeface="Instrument Sans Medium" pitchFamily="34" charset="-122"/>
-                <a:cs typeface="Instrument Sans Medium" pitchFamily="34" charset="-120"/>
-              </a:rPr>
-              <a:t>참고 자료 및 결론</a:t>
-            </a:r>
-            <a:endParaRPr lang="en-US" sz="4450" dirty="0"/>
-          </a:p>
-        </p:txBody>
-      </p:sp>
-      <p:sp>
-        <p:nvSpPr>
           <p:cNvPr id="3" name="Text 1"/>
           <p:cNvSpPr/>
           <p:nvPr/>
@@ -2621,13 +3359,47 @@
                 <a:solidFill>
                   <a:srgbClr val="C7CDD6"/>
                 </a:solidFill>
-                <a:latin typeface="Inter" pitchFamily="34" charset="0"/>
-                <a:ea typeface="Inter" pitchFamily="34" charset="-122"/>
-                <a:cs typeface="Inter" pitchFamily="34" charset="-120"/>
-              </a:rPr>
-              <a:t>이 프로젝트는 PyTorch를 사용하여 ARIMA 모델을 구현하고, 이를 통해 산업용 센서 데이터에서 이상치를 탐지하는 방법을 보여줍니다. 주요 참고 자료로는 GitHub의 torch_arima 프로젝트가 있습니다.</a:t>
-            </a:r>
-            <a:endParaRPr lang="en-US" sz="1750" dirty="0"/>
+                <a:latin typeface="Microsoft GothicNeo" panose="020B0500000101010101" pitchFamily="50" charset="-127"/>
+                <a:ea typeface="Microsoft GothicNeo" panose="020B0500000101010101" pitchFamily="50" charset="-127"/>
+                <a:cs typeface="Microsoft GothicNeo" panose="020B0500000101010101" pitchFamily="50" charset="-127"/>
+              </a:rPr>
+              <a:t>이 프로젝트는 PyTorch를 사용하여 ARIMA 모델을 구현하고, 이를 통해 산업용 센서 데이터에서 이상치를 탐지하는 방법을 보여줍니다. </a:t>
+            </a:r>
+          </a:p>
+          <a:p>
+            <a:pPr marL="0" indent="0" algn="l">
+              <a:lnSpc>
+                <a:spcPts val="2850"/>
+              </a:lnSpc>
+              <a:buNone/>
+            </a:pPr>
+            <a:r>
+              <a:rPr lang="en-US" sz="1750" dirty="0" err="1">
+                <a:solidFill>
+                  <a:srgbClr val="C7CDD6"/>
+                </a:solidFill>
+                <a:latin typeface="Microsoft GothicNeo" panose="020B0500000101010101" pitchFamily="50" charset="-127"/>
+                <a:ea typeface="Microsoft GothicNeo" panose="020B0500000101010101" pitchFamily="50" charset="-127"/>
+                <a:cs typeface="Microsoft GothicNeo" panose="020B0500000101010101" pitchFamily="50" charset="-127"/>
+              </a:rPr>
+              <a:t>주요</a:t>
+            </a:r>
+            <a:r>
+              <a:rPr lang="en-US" sz="1750" dirty="0">
+                <a:solidFill>
+                  <a:srgbClr val="C7CDD6"/>
+                </a:solidFill>
+                <a:latin typeface="Microsoft GothicNeo" panose="020B0500000101010101" pitchFamily="50" charset="-127"/>
+                <a:ea typeface="Microsoft GothicNeo" panose="020B0500000101010101" pitchFamily="50" charset="-127"/>
+                <a:cs typeface="Microsoft GothicNeo" panose="020B0500000101010101" pitchFamily="50" charset="-127"/>
+              </a:rPr>
+              <a:t> 참고 자료로는 GitHub의 torch_arima 프로젝트가 있습니다.</a:t>
+            </a:r>
+            <a:endParaRPr lang="en-US" sz="1750" dirty="0">
+              <a:latin typeface="Microsoft GothicNeo" panose="020B0500000101010101" pitchFamily="50" charset="-127"/>
+              <a:ea typeface="Microsoft GothicNeo" panose="020B0500000101010101" pitchFamily="50" charset="-127"/>
+              <a:cs typeface="Microsoft GothicNeo" panose="020B0500000101010101" pitchFamily="50" charset="-127"/>
+            </a:endParaRPr>
           </a:p>
         </p:txBody>
       </p:sp>
@@ -2656,7 +3428,11 @@
           <a:bodyPr/>
           <a:lstStyle/>
           <a:p>
-            <a:endParaRPr lang="ko-KR" altLang="en-US"/>
+            <a:endParaRPr lang="ko-KR" altLang="en-US">
+              <a:latin typeface="Microsoft GothicNeo" panose="020B0500000101010101" pitchFamily="50" charset="-127"/>
+              <a:ea typeface="Microsoft GothicNeo" panose="020B0500000101010101" pitchFamily="50" charset="-127"/>
+              <a:cs typeface="Microsoft GothicNeo" panose="020B0500000101010101" pitchFamily="50" charset="-127"/>
+            </a:endParaRPr>
           </a:p>
         </p:txBody>
       </p:sp>
@@ -2692,13 +3468,17 @@
                 <a:solidFill>
                   <a:srgbClr val="C7CDD6"/>
                 </a:solidFill>
-                <a:latin typeface="Instrument Sans Medium" pitchFamily="34" charset="0"/>
-                <a:ea typeface="Instrument Sans Medium" pitchFamily="34" charset="-122"/>
-                <a:cs typeface="Instrument Sans Medium" pitchFamily="34" charset="-120"/>
+                <a:latin typeface="Microsoft GothicNeo" panose="020B0500000101010101" pitchFamily="50" charset="-127"/>
+                <a:ea typeface="Microsoft GothicNeo" panose="020B0500000101010101" pitchFamily="50" charset="-127"/>
+                <a:cs typeface="Microsoft GothicNeo" panose="020B0500000101010101" pitchFamily="50" charset="-127"/>
               </a:rPr>
               <a:t>주요 성과</a:t>
             </a:r>
-            <a:endParaRPr lang="en-US" sz="2200" dirty="0"/>
+            <a:endParaRPr lang="en-US" sz="2200" dirty="0">
+              <a:latin typeface="Microsoft GothicNeo" panose="020B0500000101010101" pitchFamily="50" charset="-127"/>
+              <a:ea typeface="Microsoft GothicNeo" panose="020B0500000101010101" pitchFamily="50" charset="-127"/>
+              <a:cs typeface="Microsoft GothicNeo" panose="020B0500000101010101" pitchFamily="50" charset="-127"/>
+            </a:endParaRPr>
           </a:p>
         </p:txBody>
       </p:sp>
@@ -2735,13 +3515,17 @@
                 <a:solidFill>
                   <a:srgbClr val="C7CDD6"/>
                 </a:solidFill>
-                <a:latin typeface="Inter" pitchFamily="34" charset="0"/>
-                <a:ea typeface="Inter" pitchFamily="34" charset="-122"/>
-                <a:cs typeface="Inter" pitchFamily="34" charset="-120"/>
+                <a:latin typeface="Microsoft GothicNeo" panose="020B0500000101010101" pitchFamily="50" charset="-127"/>
+                <a:ea typeface="Microsoft GothicNeo" panose="020B0500000101010101" pitchFamily="50" charset="-127"/>
+                <a:cs typeface="Microsoft GothicNeo" panose="020B0500000101010101" pitchFamily="50" charset="-127"/>
               </a:rPr>
               <a:t>PyTorch 기반 ARIMA 모델 구현</a:t>
             </a:r>
-            <a:endParaRPr lang="en-US" sz="1750" dirty="0"/>
+            <a:endParaRPr lang="en-US" sz="1750" dirty="0">
+              <a:latin typeface="Microsoft GothicNeo" panose="020B0500000101010101" pitchFamily="50" charset="-127"/>
+              <a:ea typeface="Microsoft GothicNeo" panose="020B0500000101010101" pitchFamily="50" charset="-127"/>
+              <a:cs typeface="Microsoft GothicNeo" panose="020B0500000101010101" pitchFamily="50" charset="-127"/>
+            </a:endParaRPr>
           </a:p>
         </p:txBody>
       </p:sp>
@@ -2778,13 +3562,17 @@
                 <a:solidFill>
                   <a:srgbClr val="C7CDD6"/>
                 </a:solidFill>
-                <a:latin typeface="Inter" pitchFamily="34" charset="0"/>
-                <a:ea typeface="Inter" pitchFamily="34" charset="-122"/>
-                <a:cs typeface="Inter" pitchFamily="34" charset="-120"/>
+                <a:latin typeface="Microsoft GothicNeo" panose="020B0500000101010101" pitchFamily="50" charset="-127"/>
+                <a:ea typeface="Microsoft GothicNeo" panose="020B0500000101010101" pitchFamily="50" charset="-127"/>
+                <a:cs typeface="Microsoft GothicNeo" panose="020B0500000101010101" pitchFamily="50" charset="-127"/>
               </a:rPr>
               <a:t>시계열 데이터 전처리 및 분석 파이프라인 구축</a:t>
             </a:r>
-            <a:endParaRPr lang="en-US" sz="1750" dirty="0"/>
+            <a:endParaRPr lang="en-US" sz="1750" dirty="0">
+              <a:latin typeface="Microsoft GothicNeo" panose="020B0500000101010101" pitchFamily="50" charset="-127"/>
+              <a:ea typeface="Microsoft GothicNeo" panose="020B0500000101010101" pitchFamily="50" charset="-127"/>
+              <a:cs typeface="Microsoft GothicNeo" panose="020B0500000101010101" pitchFamily="50" charset="-127"/>
+            </a:endParaRPr>
           </a:p>
         </p:txBody>
       </p:sp>
@@ -2821,13 +3609,17 @@
                 <a:solidFill>
                   <a:srgbClr val="C7CDD6"/>
                 </a:solidFill>
-                <a:latin typeface="Inter" pitchFamily="34" charset="0"/>
-                <a:ea typeface="Inter" pitchFamily="34" charset="-122"/>
-                <a:cs typeface="Inter" pitchFamily="34" charset="-120"/>
+                <a:latin typeface="Microsoft GothicNeo" panose="020B0500000101010101" pitchFamily="50" charset="-127"/>
+                <a:ea typeface="Microsoft GothicNeo" panose="020B0500000101010101" pitchFamily="50" charset="-127"/>
+                <a:cs typeface="Microsoft GothicNeo" panose="020B0500000101010101" pitchFamily="50" charset="-127"/>
               </a:rPr>
               <a:t>잔차 기반 이상치 탐지 방법론 적용</a:t>
             </a:r>
-            <a:endParaRPr lang="en-US" sz="1750" dirty="0"/>
+            <a:endParaRPr lang="en-US" sz="1750" dirty="0">
+              <a:latin typeface="Microsoft GothicNeo" panose="020B0500000101010101" pitchFamily="50" charset="-127"/>
+              <a:ea typeface="Microsoft GothicNeo" panose="020B0500000101010101" pitchFamily="50" charset="-127"/>
+              <a:cs typeface="Microsoft GothicNeo" panose="020B0500000101010101" pitchFamily="50" charset="-127"/>
+            </a:endParaRPr>
           </a:p>
         </p:txBody>
       </p:sp>
@@ -2856,7 +3648,11 @@
           <a:bodyPr/>
           <a:lstStyle/>
           <a:p>
-            <a:endParaRPr lang="ko-KR" altLang="en-US"/>
+            <a:endParaRPr lang="ko-KR" altLang="en-US">
+              <a:latin typeface="Microsoft GothicNeo" panose="020B0500000101010101" pitchFamily="50" charset="-127"/>
+              <a:ea typeface="Microsoft GothicNeo" panose="020B0500000101010101" pitchFamily="50" charset="-127"/>
+              <a:cs typeface="Microsoft GothicNeo" panose="020B0500000101010101" pitchFamily="50" charset="-127"/>
+            </a:endParaRPr>
           </a:p>
         </p:txBody>
       </p:sp>
@@ -2892,13 +3688,17 @@
                 <a:solidFill>
                   <a:srgbClr val="C7CDD6"/>
                 </a:solidFill>
-                <a:latin typeface="Instrument Sans Medium" pitchFamily="34" charset="0"/>
-                <a:ea typeface="Instrument Sans Medium" pitchFamily="34" charset="-122"/>
-                <a:cs typeface="Instrument Sans Medium" pitchFamily="34" charset="-120"/>
+                <a:latin typeface="Microsoft GothicNeo" panose="020B0500000101010101" pitchFamily="50" charset="-127"/>
+                <a:ea typeface="Microsoft GothicNeo" panose="020B0500000101010101" pitchFamily="50" charset="-127"/>
+                <a:cs typeface="Microsoft GothicNeo" panose="020B0500000101010101" pitchFamily="50" charset="-127"/>
               </a:rPr>
               <a:t>향후 개선 방향</a:t>
             </a:r>
-            <a:endParaRPr lang="en-US" sz="2200" dirty="0"/>
+            <a:endParaRPr lang="en-US" sz="2200" dirty="0">
+              <a:latin typeface="Microsoft GothicNeo" panose="020B0500000101010101" pitchFamily="50" charset="-127"/>
+              <a:ea typeface="Microsoft GothicNeo" panose="020B0500000101010101" pitchFamily="50" charset="-127"/>
+              <a:cs typeface="Microsoft GothicNeo" panose="020B0500000101010101" pitchFamily="50" charset="-127"/>
+            </a:endParaRPr>
           </a:p>
         </p:txBody>
       </p:sp>
@@ -2935,13 +3735,17 @@
                 <a:solidFill>
                   <a:srgbClr val="C7CDD6"/>
                 </a:solidFill>
-                <a:latin typeface="Inter" pitchFamily="34" charset="0"/>
-                <a:ea typeface="Inter" pitchFamily="34" charset="-122"/>
-                <a:cs typeface="Inter" pitchFamily="34" charset="-120"/>
+                <a:latin typeface="Microsoft GothicNeo" panose="020B0500000101010101" pitchFamily="50" charset="-127"/>
+                <a:ea typeface="Microsoft GothicNeo" panose="020B0500000101010101" pitchFamily="50" charset="-127"/>
+                <a:cs typeface="Microsoft GothicNeo" panose="020B0500000101010101" pitchFamily="50" charset="-127"/>
               </a:rPr>
               <a:t>다양한 센서 태그에 대한 모델 확장</a:t>
             </a:r>
-            <a:endParaRPr lang="en-US" sz="1750" dirty="0"/>
+            <a:endParaRPr lang="en-US" sz="1750" dirty="0">
+              <a:latin typeface="Microsoft GothicNeo" panose="020B0500000101010101" pitchFamily="50" charset="-127"/>
+              <a:ea typeface="Microsoft GothicNeo" panose="020B0500000101010101" pitchFamily="50" charset="-127"/>
+              <a:cs typeface="Microsoft GothicNeo" panose="020B0500000101010101" pitchFamily="50" charset="-127"/>
+            </a:endParaRPr>
           </a:p>
         </p:txBody>
       </p:sp>
@@ -2978,13 +3782,17 @@
                 <a:solidFill>
                   <a:srgbClr val="C7CDD6"/>
                 </a:solidFill>
-                <a:latin typeface="Inter" pitchFamily="34" charset="0"/>
-                <a:ea typeface="Inter" pitchFamily="34" charset="-122"/>
-                <a:cs typeface="Inter" pitchFamily="34" charset="-120"/>
+                <a:latin typeface="Microsoft GothicNeo" panose="020B0500000101010101" pitchFamily="50" charset="-127"/>
+                <a:ea typeface="Microsoft GothicNeo" panose="020B0500000101010101" pitchFamily="50" charset="-127"/>
+                <a:cs typeface="Microsoft GothicNeo" panose="020B0500000101010101" pitchFamily="50" charset="-127"/>
               </a:rPr>
               <a:t>하이퍼파라미터 최적화 연구</a:t>
             </a:r>
-            <a:endParaRPr lang="en-US" sz="1750" dirty="0"/>
+            <a:endParaRPr lang="en-US" sz="1750" dirty="0">
+              <a:latin typeface="Microsoft GothicNeo" panose="020B0500000101010101" pitchFamily="50" charset="-127"/>
+              <a:ea typeface="Microsoft GothicNeo" panose="020B0500000101010101" pitchFamily="50" charset="-127"/>
+              <a:cs typeface="Microsoft GothicNeo" panose="020B0500000101010101" pitchFamily="50" charset="-127"/>
+            </a:endParaRPr>
           </a:p>
         </p:txBody>
       </p:sp>
@@ -3021,13 +3829,17 @@
                 <a:solidFill>
                   <a:srgbClr val="C7CDD6"/>
                 </a:solidFill>
-                <a:latin typeface="Inter" pitchFamily="34" charset="0"/>
-                <a:ea typeface="Inter" pitchFamily="34" charset="-122"/>
-                <a:cs typeface="Inter" pitchFamily="34" charset="-120"/>
+                <a:latin typeface="Microsoft GothicNeo" panose="020B0500000101010101" pitchFamily="50" charset="-127"/>
+                <a:ea typeface="Microsoft GothicNeo" panose="020B0500000101010101" pitchFamily="50" charset="-127"/>
+                <a:cs typeface="Microsoft GothicNeo" panose="020B0500000101010101" pitchFamily="50" charset="-127"/>
               </a:rPr>
               <a:t>딥러닝 기반 모델과의 성능 비교</a:t>
             </a:r>
-            <a:endParaRPr lang="en-US" sz="1750" dirty="0"/>
+            <a:endParaRPr lang="en-US" sz="1750" dirty="0">
+              <a:latin typeface="Microsoft GothicNeo" panose="020B0500000101010101" pitchFamily="50" charset="-127"/>
+              <a:ea typeface="Microsoft GothicNeo" panose="020B0500000101010101" pitchFamily="50" charset="-127"/>
+              <a:cs typeface="Microsoft GothicNeo" panose="020B0500000101010101" pitchFamily="50" charset="-127"/>
+            </a:endParaRPr>
           </a:p>
         </p:txBody>
       </p:sp>
@@ -3056,7 +3868,11 @@
           <a:bodyPr/>
           <a:lstStyle/>
           <a:p>
-            <a:endParaRPr lang="ko-KR" altLang="en-US"/>
+            <a:endParaRPr lang="ko-KR" altLang="en-US">
+              <a:latin typeface="Microsoft GothicNeo" panose="020B0500000101010101" pitchFamily="50" charset="-127"/>
+              <a:ea typeface="Microsoft GothicNeo" panose="020B0500000101010101" pitchFamily="50" charset="-127"/>
+              <a:cs typeface="Microsoft GothicNeo" panose="020B0500000101010101" pitchFamily="50" charset="-127"/>
+            </a:endParaRPr>
           </a:p>
         </p:txBody>
       </p:sp>
@@ -3092,13 +3908,17 @@
                 <a:solidFill>
                   <a:srgbClr val="C7CDD6"/>
                 </a:solidFill>
-                <a:latin typeface="Instrument Sans Medium" pitchFamily="34" charset="0"/>
-                <a:ea typeface="Instrument Sans Medium" pitchFamily="34" charset="-122"/>
-                <a:cs typeface="Instrument Sans Medium" pitchFamily="34" charset="-120"/>
+                <a:latin typeface="Microsoft GothicNeo" panose="020B0500000101010101" pitchFamily="50" charset="-127"/>
+                <a:ea typeface="Microsoft GothicNeo" panose="020B0500000101010101" pitchFamily="50" charset="-127"/>
+                <a:cs typeface="Microsoft GothicNeo" panose="020B0500000101010101" pitchFamily="50" charset="-127"/>
               </a:rPr>
               <a:t>참고 자료</a:t>
             </a:r>
-            <a:endParaRPr lang="en-US" sz="2200" dirty="0"/>
+            <a:endParaRPr lang="en-US" sz="2200" dirty="0">
+              <a:latin typeface="Microsoft GothicNeo" panose="020B0500000101010101" pitchFamily="50" charset="-127"/>
+              <a:ea typeface="Microsoft GothicNeo" panose="020B0500000101010101" pitchFamily="50" charset="-127"/>
+              <a:cs typeface="Microsoft GothicNeo" panose="020B0500000101010101" pitchFamily="50" charset="-127"/>
+            </a:endParaRPr>
           </a:p>
         </p:txBody>
       </p:sp>
@@ -3135,9 +3955,9 @@
                 <a:solidFill>
                   <a:srgbClr val="C7CDD6"/>
                 </a:solidFill>
-                <a:latin typeface="Inter" pitchFamily="34" charset="0"/>
-                <a:ea typeface="Inter" pitchFamily="34" charset="-122"/>
-                <a:cs typeface="Inter" pitchFamily="34" charset="-120"/>
+                <a:latin typeface="Microsoft GothicNeo" panose="020B0500000101010101" pitchFamily="50" charset="-127"/>
+                <a:ea typeface="Microsoft GothicNeo" panose="020B0500000101010101" pitchFamily="50" charset="-127"/>
+                <a:cs typeface="Microsoft GothicNeo" panose="020B0500000101010101" pitchFamily="50" charset="-127"/>
               </a:rPr>
               <a:t>GitHub: </a:t>
             </a:r>
@@ -3146,9 +3966,9 @@
                 <a:solidFill>
                   <a:srgbClr val="FDC4C4"/>
                 </a:solidFill>
-                <a:latin typeface="Inter" pitchFamily="34" charset="0"/>
-                <a:ea typeface="Inter" pitchFamily="34" charset="-122"/>
-                <a:cs typeface="Inter" pitchFamily="34" charset="-120"/>
+                <a:latin typeface="Microsoft GothicNeo" panose="020B0500000101010101" pitchFamily="50" charset="-127"/>
+                <a:ea typeface="Microsoft GothicNeo" panose="020B0500000101010101" pitchFamily="50" charset="-127"/>
+                <a:cs typeface="Microsoft GothicNeo" panose="020B0500000101010101" pitchFamily="50" charset="-127"/>
                 <a:hlinkClick r:id="rId3">
                   <a:extLst>
                     <a:ext uri="{A12FA001-AC4F-418D-AE19-62706E023703}">
@@ -3159,7 +3979,11 @@
               </a:rPr>
               <a:t>torch_arima</a:t>
             </a:r>
-            <a:endParaRPr lang="en-US" sz="1750" dirty="0"/>
+            <a:endParaRPr lang="en-US" sz="1750" dirty="0">
+              <a:latin typeface="Microsoft GothicNeo" panose="020B0500000101010101" pitchFamily="50" charset="-127"/>
+              <a:ea typeface="Microsoft GothicNeo" panose="020B0500000101010101" pitchFamily="50" charset="-127"/>
+              <a:cs typeface="Microsoft GothicNeo" panose="020B0500000101010101" pitchFamily="50" charset="-127"/>
+            </a:endParaRPr>
           </a:p>
         </p:txBody>
       </p:sp>
@@ -3196,13 +4020,17 @@
                 <a:solidFill>
                   <a:srgbClr val="C7CDD6"/>
                 </a:solidFill>
-                <a:latin typeface="Inter" pitchFamily="34" charset="0"/>
-                <a:ea typeface="Inter" pitchFamily="34" charset="-122"/>
-                <a:cs typeface="Inter" pitchFamily="34" charset="-120"/>
+                <a:latin typeface="Microsoft GothicNeo" panose="020B0500000101010101" pitchFamily="50" charset="-127"/>
+                <a:ea typeface="Microsoft GothicNeo" panose="020B0500000101010101" pitchFamily="50" charset="-127"/>
+                <a:cs typeface="Microsoft GothicNeo" panose="020B0500000101010101" pitchFamily="50" charset="-127"/>
               </a:rPr>
               <a:t>SWaT 데이터셋 문서</a:t>
             </a:r>
-            <a:endParaRPr lang="en-US" sz="1750" dirty="0"/>
+            <a:endParaRPr lang="en-US" sz="1750" dirty="0">
+              <a:latin typeface="Microsoft GothicNeo" panose="020B0500000101010101" pitchFamily="50" charset="-127"/>
+              <a:ea typeface="Microsoft GothicNeo" panose="020B0500000101010101" pitchFamily="50" charset="-127"/>
+              <a:cs typeface="Microsoft GothicNeo" panose="020B0500000101010101" pitchFamily="50" charset="-127"/>
+            </a:endParaRPr>
           </a:p>
         </p:txBody>
       </p:sp>
@@ -3239,13 +4067,69 @@
                 <a:solidFill>
                   <a:srgbClr val="C7CDD6"/>
                 </a:solidFill>
-                <a:latin typeface="Inter" pitchFamily="34" charset="0"/>
-                <a:ea typeface="Inter" pitchFamily="34" charset="-122"/>
-                <a:cs typeface="Inter" pitchFamily="34" charset="-120"/>
+                <a:latin typeface="Microsoft GothicNeo" panose="020B0500000101010101" pitchFamily="50" charset="-127"/>
+                <a:ea typeface="Microsoft GothicNeo" panose="020B0500000101010101" pitchFamily="50" charset="-127"/>
+                <a:cs typeface="Microsoft GothicNeo" panose="020B0500000101010101" pitchFamily="50" charset="-127"/>
               </a:rPr>
               <a:t>ARIMA 모델 관련 논문</a:t>
             </a:r>
-            <a:endParaRPr lang="en-US" sz="1750" dirty="0"/>
+            <a:endParaRPr lang="en-US" sz="1750" dirty="0">
+              <a:latin typeface="Microsoft GothicNeo" panose="020B0500000101010101" pitchFamily="50" charset="-127"/>
+              <a:ea typeface="Microsoft GothicNeo" panose="020B0500000101010101" pitchFamily="50" charset="-127"/>
+              <a:cs typeface="Microsoft GothicNeo" panose="020B0500000101010101" pitchFamily="50" charset="-127"/>
+            </a:endParaRPr>
+          </a:p>
+        </p:txBody>
+      </p:sp>
+      <p:sp>
+        <p:nvSpPr>
+          <p:cNvPr id="19" name="Text 0">
+            <a:extLst>
+              <a:ext uri="{FF2B5EF4-FFF2-40B4-BE49-F238E27FC236}">
+                <a16:creationId xmlns:a16="http://schemas.microsoft.com/office/drawing/2014/main" id="{C5A188D4-921D-DA34-CCFB-449187982F03}"/>
+              </a:ext>
+            </a:extLst>
+          </p:cNvPr>
+          <p:cNvSpPr/>
+          <p:nvPr/>
+        </p:nvSpPr>
+        <p:spPr>
+          <a:xfrm>
+            <a:off x="700802" y="551259"/>
+            <a:ext cx="5006102" cy="625793"/>
+          </a:xfrm>
+          <a:prstGeom prst="rect">
+            <a:avLst/>
+          </a:prstGeom>
+          <a:noFill/>
+          <a:ln/>
+        </p:spPr>
+        <p:txBody>
+          <a:bodyPr wrap="none" lIns="0" tIns="0" rIns="0" bIns="0" rtlCol="0" anchor="t"/>
+          <a:lstStyle/>
+          <a:p>
+            <a:pPr marL="0" indent="0" algn="l">
+              <a:lnSpc>
+                <a:spcPts val="4900"/>
+              </a:lnSpc>
+              <a:buNone/>
+            </a:pPr>
+            <a:r>
+              <a:rPr lang="ko-KR" altLang="en-US" sz="3900" dirty="0">
+                <a:solidFill>
+                  <a:srgbClr val="EFD5FA"/>
+                </a:solidFill>
+                <a:latin typeface="Microsoft GothicNeo" panose="020B0500000101010101" pitchFamily="50" charset="-127"/>
+                <a:ea typeface="Microsoft GothicNeo" panose="020B0500000101010101" pitchFamily="50" charset="-127"/>
+                <a:cs typeface="Microsoft GothicNeo" panose="020B0500000101010101" pitchFamily="50" charset="-127"/>
+              </a:rPr>
+              <a:t>참고 자료 및 결론</a:t>
+            </a:r>
+            <a:endParaRPr lang="en-US" sz="3900" dirty="0">
+              <a:latin typeface="Microsoft GothicNeo" panose="020B0500000101010101" pitchFamily="50" charset="-127"/>
+              <a:ea typeface="Microsoft GothicNeo" panose="020B0500000101010101" pitchFamily="50" charset="-127"/>
+              <a:cs typeface="Microsoft GothicNeo" panose="020B0500000101010101" pitchFamily="50" charset="-127"/>
+            </a:endParaRPr>
           </a:p>
         </p:txBody>
       </p:sp>
@@ -3306,13 +4190,17 @@
                 <a:solidFill>
                   <a:srgbClr val="EFD5FA"/>
                 </a:solidFill>
-                <a:latin typeface="Instrument Sans Medium" pitchFamily="34" charset="0"/>
-                <a:ea typeface="Instrument Sans Medium" pitchFamily="34" charset="-122"/>
-                <a:cs typeface="Instrument Sans Medium" pitchFamily="34" charset="-120"/>
+                <a:latin typeface="Microsoft GothicNeo" panose="020B0500000101010101" pitchFamily="50" charset="-127"/>
+                <a:ea typeface="Microsoft GothicNeo" panose="020B0500000101010101" pitchFamily="50" charset="-127"/>
+                <a:cs typeface="Microsoft GothicNeo" panose="020B0500000101010101" pitchFamily="50" charset="-127"/>
               </a:rPr>
               <a:t>목차</a:t>
             </a:r>
-            <a:endParaRPr lang="en-US" sz="4150" dirty="0"/>
+            <a:endParaRPr lang="en-US" sz="4150" dirty="0">
+              <a:latin typeface="Microsoft GothicNeo" panose="020B0500000101010101" pitchFamily="50" charset="-127"/>
+              <a:ea typeface="Microsoft GothicNeo" panose="020B0500000101010101" pitchFamily="50" charset="-127"/>
+              <a:cs typeface="Microsoft GothicNeo" panose="020B0500000101010101" pitchFamily="50" charset="-127"/>
+            </a:endParaRPr>
           </a:p>
         </p:txBody>
       </p:sp>
@@ -3372,13 +4260,17 @@
                 <a:solidFill>
                   <a:srgbClr val="C7CDD6"/>
                 </a:solidFill>
-                <a:latin typeface="Instrument Sans Medium" pitchFamily="34" charset="0"/>
-                <a:ea typeface="Instrument Sans Medium" pitchFamily="34" charset="-122"/>
-                <a:cs typeface="Instrument Sans Medium" pitchFamily="34" charset="-120"/>
+                <a:latin typeface="Microsoft GothicNeo" panose="020B0500000101010101" pitchFamily="50" charset="-127"/>
+                <a:ea typeface="Microsoft GothicNeo" panose="020B0500000101010101" pitchFamily="50" charset="-127"/>
+                <a:cs typeface="Microsoft GothicNeo" panose="020B0500000101010101" pitchFamily="50" charset="-127"/>
               </a:rPr>
               <a:t>개요</a:t>
             </a:r>
-            <a:endParaRPr lang="en-US" sz="2050" dirty="0"/>
+            <a:endParaRPr lang="en-US" sz="2050" dirty="0">
+              <a:latin typeface="Microsoft GothicNeo" panose="020B0500000101010101" pitchFamily="50" charset="-127"/>
+              <a:ea typeface="Microsoft GothicNeo" panose="020B0500000101010101" pitchFamily="50" charset="-127"/>
+              <a:cs typeface="Microsoft GothicNeo" panose="020B0500000101010101" pitchFamily="50" charset="-127"/>
+            </a:endParaRPr>
           </a:p>
         </p:txBody>
       </p:sp>
@@ -3414,13 +4306,17 @@
                 <a:solidFill>
                   <a:srgbClr val="C7CDD6"/>
                 </a:solidFill>
-                <a:latin typeface="Inter" pitchFamily="34" charset="0"/>
-                <a:ea typeface="Inter" pitchFamily="34" charset="-122"/>
-                <a:cs typeface="Inter" pitchFamily="34" charset="-120"/>
+                <a:latin typeface="Microsoft GothicNeo" panose="020B0500000101010101" pitchFamily="50" charset="-127"/>
+                <a:ea typeface="Microsoft GothicNeo" panose="020B0500000101010101" pitchFamily="50" charset="-127"/>
+                <a:cs typeface="Microsoft GothicNeo" panose="020B0500000101010101" pitchFamily="50" charset="-127"/>
               </a:rPr>
               <a:t>프로젝트의 목표와 구성 요소 소개</a:t>
             </a:r>
-            <a:endParaRPr lang="en-US" sz="1650" dirty="0"/>
+            <a:endParaRPr lang="en-US" sz="1650" dirty="0">
+              <a:latin typeface="Microsoft GothicNeo" panose="020B0500000101010101" pitchFamily="50" charset="-127"/>
+              <a:ea typeface="Microsoft GothicNeo" panose="020B0500000101010101" pitchFamily="50" charset="-127"/>
+              <a:cs typeface="Microsoft GothicNeo" panose="020B0500000101010101" pitchFamily="50" charset="-127"/>
+            </a:endParaRPr>
           </a:p>
         </p:txBody>
       </p:sp>
@@ -3480,13 +4376,17 @@
                 <a:solidFill>
                   <a:srgbClr val="C7CDD6"/>
                 </a:solidFill>
-                <a:latin typeface="Instrument Sans Medium" pitchFamily="34" charset="0"/>
-                <a:ea typeface="Instrument Sans Medium" pitchFamily="34" charset="-122"/>
-                <a:cs typeface="Instrument Sans Medium" pitchFamily="34" charset="-120"/>
+                <a:latin typeface="Microsoft GothicNeo" panose="020B0500000101010101" pitchFamily="50" charset="-127"/>
+                <a:ea typeface="Microsoft GothicNeo" panose="020B0500000101010101" pitchFamily="50" charset="-127"/>
+                <a:cs typeface="Microsoft GothicNeo" panose="020B0500000101010101" pitchFamily="50" charset="-127"/>
               </a:rPr>
               <a:t>코드</a:t>
             </a:r>
-            <a:endParaRPr lang="en-US" sz="2050" dirty="0"/>
+            <a:endParaRPr lang="en-US" sz="2050" dirty="0">
+              <a:latin typeface="Microsoft GothicNeo" panose="020B0500000101010101" pitchFamily="50" charset="-127"/>
+              <a:ea typeface="Microsoft GothicNeo" panose="020B0500000101010101" pitchFamily="50" charset="-127"/>
+              <a:cs typeface="Microsoft GothicNeo" panose="020B0500000101010101" pitchFamily="50" charset="-127"/>
+            </a:endParaRPr>
           </a:p>
         </p:txBody>
       </p:sp>
@@ -3522,13 +4422,17 @@
                 <a:solidFill>
                   <a:srgbClr val="C7CDD6"/>
                 </a:solidFill>
-                <a:latin typeface="Inter" pitchFamily="34" charset="0"/>
-                <a:ea typeface="Inter" pitchFamily="34" charset="-122"/>
-                <a:cs typeface="Inter" pitchFamily="34" charset="-120"/>
+                <a:latin typeface="Microsoft GothicNeo" panose="020B0500000101010101" pitchFamily="50" charset="-127"/>
+                <a:ea typeface="Microsoft GothicNeo" panose="020B0500000101010101" pitchFamily="50" charset="-127"/>
+                <a:cs typeface="Microsoft GothicNeo" panose="020B0500000101010101" pitchFamily="50" charset="-127"/>
               </a:rPr>
               <a:t>common_utils.py, train_arima.py, predict_arima.py 분석</a:t>
             </a:r>
-            <a:endParaRPr lang="en-US" sz="1650" dirty="0"/>
+            <a:endParaRPr lang="en-US" sz="1650" dirty="0">
+              <a:latin typeface="Microsoft GothicNeo" panose="020B0500000101010101" pitchFamily="50" charset="-127"/>
+              <a:ea typeface="Microsoft GothicNeo" panose="020B0500000101010101" pitchFamily="50" charset="-127"/>
+              <a:cs typeface="Microsoft GothicNeo" panose="020B0500000101010101" pitchFamily="50" charset="-127"/>
+            </a:endParaRPr>
           </a:p>
         </p:txBody>
       </p:sp>
@@ -3588,9 +4492,9 @@
                 <a:solidFill>
                   <a:srgbClr val="C7CDD6"/>
                 </a:solidFill>
-                <a:latin typeface="Instrument Sans Medium" pitchFamily="34" charset="0"/>
-                <a:ea typeface="Instrument Sans Medium" pitchFamily="34" charset="-122"/>
-                <a:cs typeface="Instrument Sans Medium" pitchFamily="34" charset="-120"/>
+                <a:latin typeface="Microsoft GothicNeo" panose="020B0500000101010101" pitchFamily="50" charset="-127"/>
+                <a:ea typeface="Microsoft GothicNeo" panose="020B0500000101010101" pitchFamily="50" charset="-127"/>
+                <a:cs typeface="Microsoft GothicNeo" panose="020B0500000101010101" pitchFamily="50" charset="-127"/>
               </a:rPr>
               <a:t>실행</a:t>
             </a:r>
@@ -3599,13 +4503,17 @@
                 <a:solidFill>
                   <a:srgbClr val="C7CDD6"/>
                 </a:solidFill>
-                <a:latin typeface="Instrument Sans Medium" pitchFamily="34" charset="0"/>
-                <a:ea typeface="Instrument Sans Medium" pitchFamily="34" charset="-122"/>
-                <a:cs typeface="Instrument Sans Medium" pitchFamily="34" charset="-120"/>
+                <a:latin typeface="Microsoft GothicNeo" panose="020B0500000101010101" pitchFamily="50" charset="-127"/>
+                <a:ea typeface="Microsoft GothicNeo" panose="020B0500000101010101" pitchFamily="50" charset="-127"/>
+                <a:cs typeface="Microsoft GothicNeo" panose="020B0500000101010101" pitchFamily="50" charset="-127"/>
               </a:rPr>
               <a:t> 화면</a:t>
             </a:r>
-            <a:endParaRPr lang="en-US" sz="2050" dirty="0"/>
+            <a:endParaRPr lang="en-US" sz="2050" dirty="0">
+              <a:latin typeface="Microsoft GothicNeo" panose="020B0500000101010101" pitchFamily="50" charset="-127"/>
+              <a:ea typeface="Microsoft GothicNeo" panose="020B0500000101010101" pitchFamily="50" charset="-127"/>
+              <a:cs typeface="Microsoft GothicNeo" panose="020B0500000101010101" pitchFamily="50" charset="-127"/>
+            </a:endParaRPr>
           </a:p>
         </p:txBody>
       </p:sp>
@@ -3641,13 +4549,17 @@
                 <a:solidFill>
                   <a:srgbClr val="C7CDD6"/>
                 </a:solidFill>
-                <a:latin typeface="Inter" pitchFamily="34" charset="0"/>
-                <a:ea typeface="Inter" pitchFamily="34" charset="-122"/>
-                <a:cs typeface="Inter" pitchFamily="34" charset="-120"/>
+                <a:latin typeface="Microsoft GothicNeo" panose="020B0500000101010101" pitchFamily="50" charset="-127"/>
+                <a:ea typeface="Microsoft GothicNeo" panose="020B0500000101010101" pitchFamily="50" charset="-127"/>
+                <a:cs typeface="Microsoft GothicNeo" panose="020B0500000101010101" pitchFamily="50" charset="-127"/>
               </a:rPr>
               <a:t>훈련 및 예측 결과 시각화</a:t>
             </a:r>
-            <a:endParaRPr lang="en-US" sz="1650" dirty="0"/>
+            <a:endParaRPr lang="en-US" sz="1650" dirty="0">
+              <a:latin typeface="Microsoft GothicNeo" panose="020B0500000101010101" pitchFamily="50" charset="-127"/>
+              <a:ea typeface="Microsoft GothicNeo" panose="020B0500000101010101" pitchFamily="50" charset="-127"/>
+              <a:cs typeface="Microsoft GothicNeo" panose="020B0500000101010101" pitchFamily="50" charset="-127"/>
+            </a:endParaRPr>
           </a:p>
         </p:txBody>
       </p:sp>
@@ -3707,13 +4619,17 @@
                 <a:solidFill>
                   <a:srgbClr val="C7CDD6"/>
                 </a:solidFill>
-                <a:latin typeface="Instrument Sans Medium" pitchFamily="34" charset="0"/>
-                <a:ea typeface="Instrument Sans Medium" pitchFamily="34" charset="-122"/>
-                <a:cs typeface="Instrument Sans Medium" pitchFamily="34" charset="-120"/>
+                <a:latin typeface="Microsoft GothicNeo" panose="020B0500000101010101" pitchFamily="50" charset="-127"/>
+                <a:ea typeface="Microsoft GothicNeo" panose="020B0500000101010101" pitchFamily="50" charset="-127"/>
+                <a:cs typeface="Microsoft GothicNeo" panose="020B0500000101010101" pitchFamily="50" charset="-127"/>
               </a:rPr>
               <a:t>참고</a:t>
             </a:r>
-            <a:endParaRPr lang="en-US" sz="2050" dirty="0"/>
+            <a:endParaRPr lang="en-US" sz="2050" dirty="0">
+              <a:latin typeface="Microsoft GothicNeo" panose="020B0500000101010101" pitchFamily="50" charset="-127"/>
+              <a:ea typeface="Microsoft GothicNeo" panose="020B0500000101010101" pitchFamily="50" charset="-127"/>
+              <a:cs typeface="Microsoft GothicNeo" panose="020B0500000101010101" pitchFamily="50" charset="-127"/>
+            </a:endParaRPr>
           </a:p>
         </p:txBody>
       </p:sp>
@@ -3749,13 +4665,17 @@
                 <a:solidFill>
                   <a:srgbClr val="C7CDD6"/>
                 </a:solidFill>
-                <a:latin typeface="Inter" pitchFamily="34" charset="0"/>
-                <a:ea typeface="Inter" pitchFamily="34" charset="-122"/>
-                <a:cs typeface="Inter" pitchFamily="34" charset="-120"/>
+                <a:latin typeface="Microsoft GothicNeo" panose="020B0500000101010101" pitchFamily="50" charset="-127"/>
+                <a:ea typeface="Microsoft GothicNeo" panose="020B0500000101010101" pitchFamily="50" charset="-127"/>
+                <a:cs typeface="Microsoft GothicNeo" panose="020B0500000101010101" pitchFamily="50" charset="-127"/>
               </a:rPr>
               <a:t>참고 자료 및 리소스</a:t>
             </a:r>
-            <a:endParaRPr lang="en-US" sz="1650" dirty="0"/>
+            <a:endParaRPr lang="en-US" sz="1650" dirty="0">
+              <a:latin typeface="Microsoft GothicNeo" panose="020B0500000101010101" pitchFamily="50" charset="-127"/>
+              <a:ea typeface="Microsoft GothicNeo" panose="020B0500000101010101" pitchFamily="50" charset="-127"/>
+              <a:cs typeface="Microsoft GothicNeo" panose="020B0500000101010101" pitchFamily="50" charset="-127"/>
+            </a:endParaRPr>
           </a:p>
         </p:txBody>
       </p:sp>
@@ -3791,13 +4711,47 @@
                 <a:solidFill>
                   <a:srgbClr val="C7CDD6"/>
                 </a:solidFill>
-                <a:latin typeface="Inter" pitchFamily="34" charset="0"/>
-                <a:ea typeface="Inter" pitchFamily="34" charset="-122"/>
-                <a:cs typeface="Inter" pitchFamily="34" charset="-120"/>
-              </a:rPr>
-              <a:t>이 발표는 ARIMA 기반 이상 탐지 모델 구축 프로젝트의 전체 과정을 다룹니다. 개요에서는 프로젝트의 목표와 구성 요소를 소개하고, 코드 섹션에서는 세 개의 주요 파일을 분석합니다. 실행 화면에서는 훈련 및 예측 결과를 시각화하고, 마지막으로 참고 자료를 제시합니다.</a:t>
-            </a:r>
-            <a:endParaRPr lang="en-US" sz="1650" dirty="0"/>
+                <a:latin typeface="Microsoft GothicNeo" panose="020B0500000101010101" pitchFamily="50" charset="-127"/>
+                <a:ea typeface="Microsoft GothicNeo" panose="020B0500000101010101" pitchFamily="50" charset="-127"/>
+                <a:cs typeface="Microsoft GothicNeo" panose="020B0500000101010101" pitchFamily="50" charset="-127"/>
+              </a:rPr>
+              <a:t>이 발표는 ARIMA 기반 이상 탐지 모델 구축 프로젝트의 전체 과정을 다룹니다. 개요에서는 프로젝트의 목표와 구성 요소를 소개하고, </a:t>
+            </a:r>
+          </a:p>
+          <a:p>
+            <a:pPr marL="0" indent="0" algn="l">
+              <a:lnSpc>
+                <a:spcPts val="2650"/>
+              </a:lnSpc>
+              <a:buNone/>
+            </a:pPr>
+            <a:r>
+              <a:rPr lang="en-US" sz="1650" dirty="0" err="1">
+                <a:solidFill>
+                  <a:srgbClr val="C7CDD6"/>
+                </a:solidFill>
+                <a:latin typeface="Microsoft GothicNeo" panose="020B0500000101010101" pitchFamily="50" charset="-127"/>
+                <a:ea typeface="Microsoft GothicNeo" panose="020B0500000101010101" pitchFamily="50" charset="-127"/>
+                <a:cs typeface="Microsoft GothicNeo" panose="020B0500000101010101" pitchFamily="50" charset="-127"/>
+              </a:rPr>
+              <a:t>코드</a:t>
+            </a:r>
+            <a:r>
+              <a:rPr lang="en-US" sz="1650" dirty="0">
+                <a:solidFill>
+                  <a:srgbClr val="C7CDD6"/>
+                </a:solidFill>
+                <a:latin typeface="Microsoft GothicNeo" panose="020B0500000101010101" pitchFamily="50" charset="-127"/>
+                <a:ea typeface="Microsoft GothicNeo" panose="020B0500000101010101" pitchFamily="50" charset="-127"/>
+                <a:cs typeface="Microsoft GothicNeo" panose="020B0500000101010101" pitchFamily="50" charset="-127"/>
+              </a:rPr>
+              <a:t> 섹션에서는 세 개의 주요 파일을 분석합니다. 실행 화면에서는 훈련 및 예측 결과를 시각화하고, 마지막으로 참고 자료를 제시합니다.</a:t>
+            </a:r>
+            <a:endParaRPr lang="en-US" sz="1650" dirty="0">
+              <a:latin typeface="Microsoft GothicNeo" panose="020B0500000101010101" pitchFamily="50" charset="-127"/>
+              <a:ea typeface="Microsoft GothicNeo" panose="020B0500000101010101" pitchFamily="50" charset="-127"/>
+              <a:cs typeface="Microsoft GothicNeo" panose="020B0500000101010101" pitchFamily="50" charset="-127"/>
+            </a:endParaRPr>
           </a:p>
         </p:txBody>
       </p:sp>
@@ -3851,7 +4805,11 @@
           <a:bodyPr/>
           <a:lstStyle/>
           <a:p>
-            <a:endParaRPr lang="ko-KR" altLang="en-US"/>
+            <a:endParaRPr lang="ko-KR" altLang="en-US">
+              <a:latin typeface="Microsoft GothicNeo" panose="020B0500000101010101" pitchFamily="50" charset="-127"/>
+              <a:ea typeface="Microsoft GothicNeo" panose="020B0500000101010101" pitchFamily="50" charset="-127"/>
+              <a:cs typeface="Microsoft GothicNeo" panose="020B0500000101010101" pitchFamily="50" charset="-127"/>
+            </a:endParaRPr>
           </a:p>
         </p:txBody>
       </p:sp>
@@ -3887,13 +4845,17 @@
                 <a:solidFill>
                   <a:srgbClr val="C7CDD6"/>
                 </a:solidFill>
-                <a:latin typeface="Instrument Sans Medium" pitchFamily="34" charset="0"/>
-                <a:ea typeface="Instrument Sans Medium" pitchFamily="34" charset="-122"/>
-                <a:cs typeface="Instrument Sans Medium" pitchFamily="34" charset="-120"/>
+                <a:latin typeface="Microsoft GothicNeo" panose="020B0500000101010101" pitchFamily="50" charset="-127"/>
+                <a:ea typeface="Microsoft GothicNeo" panose="020B0500000101010101" pitchFamily="50" charset="-127"/>
+                <a:cs typeface="Microsoft GothicNeo" panose="020B0500000101010101" pitchFamily="50" charset="-127"/>
               </a:rPr>
               <a:t>프로젝트 목표</a:t>
             </a:r>
-            <a:endParaRPr lang="en-US" sz="2200" dirty="0"/>
+            <a:endParaRPr lang="en-US" sz="2200" dirty="0">
+              <a:latin typeface="Microsoft GothicNeo" panose="020B0500000101010101" pitchFamily="50" charset="-127"/>
+              <a:ea typeface="Microsoft GothicNeo" panose="020B0500000101010101" pitchFamily="50" charset="-127"/>
+              <a:cs typeface="Microsoft GothicNeo" panose="020B0500000101010101" pitchFamily="50" charset="-127"/>
+            </a:endParaRPr>
           </a:p>
         </p:txBody>
       </p:sp>
@@ -3929,13 +4891,17 @@
                 <a:solidFill>
                   <a:srgbClr val="C7CDD6"/>
                 </a:solidFill>
-                <a:latin typeface="Inter" pitchFamily="34" charset="0"/>
-                <a:ea typeface="Inter" pitchFamily="34" charset="-122"/>
-                <a:cs typeface="Inter" pitchFamily="34" charset="-120"/>
+                <a:latin typeface="Microsoft GothicNeo" panose="020B0500000101010101" pitchFamily="50" charset="-127"/>
+                <a:ea typeface="Microsoft GothicNeo" panose="020B0500000101010101" pitchFamily="50" charset="-127"/>
+                <a:cs typeface="Microsoft GothicNeo" panose="020B0500000101010101" pitchFamily="50" charset="-127"/>
               </a:rPr>
               <a:t>산업용 센서 시계열 데이터(SWaT)를 이용해 ARIMA 기반 이상 탐지 모델을 구축하는 파이프라인 구성</a:t>
             </a:r>
-            <a:endParaRPr lang="en-US" sz="1750" dirty="0"/>
+            <a:endParaRPr lang="en-US" sz="1750" dirty="0">
+              <a:latin typeface="Microsoft GothicNeo" panose="020B0500000101010101" pitchFamily="50" charset="-127"/>
+              <a:ea typeface="Microsoft GothicNeo" panose="020B0500000101010101" pitchFamily="50" charset="-127"/>
+              <a:cs typeface="Microsoft GothicNeo" panose="020B0500000101010101" pitchFamily="50" charset="-127"/>
+            </a:endParaRPr>
           </a:p>
         </p:txBody>
       </p:sp>
@@ -3964,7 +4930,11 @@
           <a:bodyPr/>
           <a:lstStyle/>
           <a:p>
-            <a:endParaRPr lang="ko-KR" altLang="en-US"/>
+            <a:endParaRPr lang="ko-KR" altLang="en-US">
+              <a:latin typeface="Microsoft GothicNeo" panose="020B0500000101010101" pitchFamily="50" charset="-127"/>
+              <a:ea typeface="Microsoft GothicNeo" panose="020B0500000101010101" pitchFamily="50" charset="-127"/>
+              <a:cs typeface="Microsoft GothicNeo" panose="020B0500000101010101" pitchFamily="50" charset="-127"/>
+            </a:endParaRPr>
           </a:p>
         </p:txBody>
       </p:sp>
@@ -4000,13 +4970,17 @@
                 <a:solidFill>
                   <a:srgbClr val="C7CDD6"/>
                 </a:solidFill>
-                <a:latin typeface="Instrument Sans Medium" pitchFamily="34" charset="0"/>
-                <a:ea typeface="Instrument Sans Medium" pitchFamily="34" charset="-122"/>
-                <a:cs typeface="Instrument Sans Medium" pitchFamily="34" charset="-120"/>
+                <a:latin typeface="Microsoft GothicNeo" panose="020B0500000101010101" pitchFamily="50" charset="-127"/>
+                <a:ea typeface="Microsoft GothicNeo" panose="020B0500000101010101" pitchFamily="50" charset="-127"/>
+                <a:cs typeface="Microsoft GothicNeo" panose="020B0500000101010101" pitchFamily="50" charset="-127"/>
               </a:rPr>
               <a:t>주요 기능</a:t>
             </a:r>
-            <a:endParaRPr lang="en-US" sz="2200" dirty="0"/>
+            <a:endParaRPr lang="en-US" sz="2200" dirty="0">
+              <a:latin typeface="Microsoft GothicNeo" panose="020B0500000101010101" pitchFamily="50" charset="-127"/>
+              <a:ea typeface="Microsoft GothicNeo" panose="020B0500000101010101" pitchFamily="50" charset="-127"/>
+              <a:cs typeface="Microsoft GothicNeo" panose="020B0500000101010101" pitchFamily="50" charset="-127"/>
+            </a:endParaRPr>
           </a:p>
         </p:txBody>
       </p:sp>
@@ -4042,13 +5016,17 @@
                 <a:solidFill>
                   <a:srgbClr val="C7CDD6"/>
                 </a:solidFill>
-                <a:latin typeface="Inter" pitchFamily="34" charset="0"/>
-                <a:ea typeface="Inter" pitchFamily="34" charset="-122"/>
-                <a:cs typeface="Inter" pitchFamily="34" charset="-120"/>
+                <a:latin typeface="Microsoft GothicNeo" panose="020B0500000101010101" pitchFamily="50" charset="-127"/>
+                <a:ea typeface="Microsoft GothicNeo" panose="020B0500000101010101" pitchFamily="50" charset="-127"/>
+                <a:cs typeface="Microsoft GothicNeo" panose="020B0500000101010101" pitchFamily="50" charset="-127"/>
               </a:rPr>
               <a:t>학습된 ARIMA 모델로 새로운 시계열에 대한 추론을 수행하고, 잔차를 바탕으로 이상치를 예측</a:t>
             </a:r>
-            <a:endParaRPr lang="en-US" sz="1750" dirty="0"/>
+            <a:endParaRPr lang="en-US" sz="1750" dirty="0">
+              <a:latin typeface="Microsoft GothicNeo" panose="020B0500000101010101" pitchFamily="50" charset="-127"/>
+              <a:ea typeface="Microsoft GothicNeo" panose="020B0500000101010101" pitchFamily="50" charset="-127"/>
+              <a:cs typeface="Microsoft GothicNeo" panose="020B0500000101010101" pitchFamily="50" charset="-127"/>
+            </a:endParaRPr>
           </a:p>
         </p:txBody>
       </p:sp>
@@ -4077,7 +5055,11 @@
           <a:bodyPr/>
           <a:lstStyle/>
           <a:p>
-            <a:endParaRPr lang="ko-KR" altLang="en-US"/>
+            <a:endParaRPr lang="ko-KR" altLang="en-US">
+              <a:latin typeface="Microsoft GothicNeo" panose="020B0500000101010101" pitchFamily="50" charset="-127"/>
+              <a:ea typeface="Microsoft GothicNeo" panose="020B0500000101010101" pitchFamily="50" charset="-127"/>
+              <a:cs typeface="Microsoft GothicNeo" panose="020B0500000101010101" pitchFamily="50" charset="-127"/>
+            </a:endParaRPr>
           </a:p>
         </p:txBody>
       </p:sp>
@@ -4113,13 +5095,17 @@
                 <a:solidFill>
                   <a:srgbClr val="C7CDD6"/>
                 </a:solidFill>
-                <a:latin typeface="Instrument Sans Medium" pitchFamily="34" charset="0"/>
-                <a:ea typeface="Instrument Sans Medium" pitchFamily="34" charset="-122"/>
-                <a:cs typeface="Instrument Sans Medium" pitchFamily="34" charset="-120"/>
+                <a:latin typeface="Microsoft GothicNeo" panose="020B0500000101010101" pitchFamily="50" charset="-127"/>
+                <a:ea typeface="Microsoft GothicNeo" panose="020B0500000101010101" pitchFamily="50" charset="-127"/>
+                <a:cs typeface="Microsoft GothicNeo" panose="020B0500000101010101" pitchFamily="50" charset="-127"/>
               </a:rPr>
               <a:t>구성 요소</a:t>
             </a:r>
-            <a:endParaRPr lang="en-US" sz="2200" dirty="0"/>
+            <a:endParaRPr lang="en-US" sz="2200" dirty="0">
+              <a:latin typeface="Microsoft GothicNeo" panose="020B0500000101010101" pitchFamily="50" charset="-127"/>
+              <a:ea typeface="Microsoft GothicNeo" panose="020B0500000101010101" pitchFamily="50" charset="-127"/>
+              <a:cs typeface="Microsoft GothicNeo" panose="020B0500000101010101" pitchFamily="50" charset="-127"/>
+            </a:endParaRPr>
           </a:p>
         </p:txBody>
       </p:sp>
@@ -4156,13 +5142,17 @@
                 <a:solidFill>
                   <a:srgbClr val="C7CDD6"/>
                 </a:solidFill>
-                <a:latin typeface="Inter" pitchFamily="34" charset="0"/>
-                <a:ea typeface="Inter" pitchFamily="34" charset="-122"/>
-                <a:cs typeface="Inter" pitchFamily="34" charset="-120"/>
+                <a:latin typeface="Microsoft GothicNeo" panose="020B0500000101010101" pitchFamily="50" charset="-127"/>
+                <a:ea typeface="Microsoft GothicNeo" panose="020B0500000101010101" pitchFamily="50" charset="-127"/>
+                <a:cs typeface="Microsoft GothicNeo" panose="020B0500000101010101" pitchFamily="50" charset="-127"/>
               </a:rPr>
               <a:t>공통 유틸리티: common_utils.py</a:t>
             </a:r>
-            <a:endParaRPr lang="en-US" sz="1750" dirty="0"/>
+            <a:endParaRPr lang="en-US" sz="1750" dirty="0">
+              <a:latin typeface="Microsoft GothicNeo" panose="020B0500000101010101" pitchFamily="50" charset="-127"/>
+              <a:ea typeface="Microsoft GothicNeo" panose="020B0500000101010101" pitchFamily="50" charset="-127"/>
+              <a:cs typeface="Microsoft GothicNeo" panose="020B0500000101010101" pitchFamily="50" charset="-127"/>
+            </a:endParaRPr>
           </a:p>
         </p:txBody>
       </p:sp>
@@ -4199,13 +5189,17 @@
                 <a:solidFill>
                   <a:srgbClr val="C7CDD6"/>
                 </a:solidFill>
-                <a:latin typeface="Inter" pitchFamily="34" charset="0"/>
-                <a:ea typeface="Inter" pitchFamily="34" charset="-122"/>
-                <a:cs typeface="Inter" pitchFamily="34" charset="-120"/>
+                <a:latin typeface="Microsoft GothicNeo" panose="020B0500000101010101" pitchFamily="50" charset="-127"/>
+                <a:ea typeface="Microsoft GothicNeo" panose="020B0500000101010101" pitchFamily="50" charset="-127"/>
+                <a:cs typeface="Microsoft GothicNeo" panose="020B0500000101010101" pitchFamily="50" charset="-127"/>
               </a:rPr>
               <a:t>학습 스크립트: train_arima.py</a:t>
             </a:r>
-            <a:endParaRPr lang="en-US" sz="1750" dirty="0"/>
+            <a:endParaRPr lang="en-US" sz="1750" dirty="0">
+              <a:latin typeface="Microsoft GothicNeo" panose="020B0500000101010101" pitchFamily="50" charset="-127"/>
+              <a:ea typeface="Microsoft GothicNeo" panose="020B0500000101010101" pitchFamily="50" charset="-127"/>
+              <a:cs typeface="Microsoft GothicNeo" panose="020B0500000101010101" pitchFamily="50" charset="-127"/>
+            </a:endParaRPr>
           </a:p>
         </p:txBody>
       </p:sp>
@@ -4242,13 +5236,17 @@
                 <a:solidFill>
                   <a:srgbClr val="C7CDD6"/>
                 </a:solidFill>
-                <a:latin typeface="Inter" pitchFamily="34" charset="0"/>
-                <a:ea typeface="Inter" pitchFamily="34" charset="-122"/>
-                <a:cs typeface="Inter" pitchFamily="34" charset="-120"/>
+                <a:latin typeface="Microsoft GothicNeo" panose="020B0500000101010101" pitchFamily="50" charset="-127"/>
+                <a:ea typeface="Microsoft GothicNeo" panose="020B0500000101010101" pitchFamily="50" charset="-127"/>
+                <a:cs typeface="Microsoft GothicNeo" panose="020B0500000101010101" pitchFamily="50" charset="-127"/>
               </a:rPr>
               <a:t>예측 및 시각화: predict_arima.py</a:t>
             </a:r>
-            <a:endParaRPr lang="en-US" sz="1750" dirty="0"/>
+            <a:endParaRPr lang="en-US" sz="1750" dirty="0">
+              <a:latin typeface="Microsoft GothicNeo" panose="020B0500000101010101" pitchFamily="50" charset="-127"/>
+              <a:ea typeface="Microsoft GothicNeo" panose="020B0500000101010101" pitchFamily="50" charset="-127"/>
+              <a:cs typeface="Microsoft GothicNeo" panose="020B0500000101010101" pitchFamily="50" charset="-127"/>
+            </a:endParaRPr>
           </a:p>
         </p:txBody>
       </p:sp>
@@ -4290,13 +5288,17 @@
                 <a:solidFill>
                   <a:srgbClr val="EFD5FA"/>
                 </a:solidFill>
-                <a:latin typeface="Instrument Sans Medium" pitchFamily="34" charset="0"/>
-                <a:ea typeface="Instrument Sans Medium" pitchFamily="34" charset="-122"/>
-                <a:cs typeface="Instrument Sans Medium" pitchFamily="34" charset="-120"/>
+                <a:latin typeface="Microsoft GothicNeo" panose="020B0500000101010101" pitchFamily="50" charset="-127"/>
+                <a:ea typeface="Microsoft GothicNeo" panose="020B0500000101010101" pitchFamily="50" charset="-127"/>
+                <a:cs typeface="Microsoft GothicNeo" panose="020B0500000101010101" pitchFamily="50" charset="-127"/>
               </a:rPr>
               <a:t>개요</a:t>
             </a:r>
-            <a:endParaRPr lang="en-US" sz="4150" dirty="0"/>
+            <a:endParaRPr lang="en-US" sz="4150" dirty="0">
+              <a:latin typeface="Microsoft GothicNeo" panose="020B0500000101010101" pitchFamily="50" charset="-127"/>
+              <a:ea typeface="Microsoft GothicNeo" panose="020B0500000101010101" pitchFamily="50" charset="-127"/>
+              <a:cs typeface="Microsoft GothicNeo" panose="020B0500000101010101" pitchFamily="50" charset="-127"/>
+            </a:endParaRPr>
           </a:p>
         </p:txBody>
       </p:sp>
@@ -4309,6 +5311,579 @@
 </file>
 
 <file path=ppt/slides/slide4.xml><?xml version="1.0" encoding="utf-8"?>
+<p:sld xmlns:a="http://schemas.openxmlformats.org/drawingml/2006/main" xmlns:r="http://schemas.openxmlformats.org/officeDocument/2006/relationships" xmlns:p="http://schemas.openxmlformats.org/presentationml/2006/main">
+  <p:cSld>
+    <p:spTree>
+      <p:nvGrpSpPr>
+        <p:cNvPr id="1" name="">
+          <a:extLst>
+            <a:ext uri="{FF2B5EF4-FFF2-40B4-BE49-F238E27FC236}">
+              <a16:creationId xmlns:a16="http://schemas.microsoft.com/office/drawing/2014/main" id="{4BF42E54-2AF9-3BF7-B285-1CD11F059D5F}"/>
+            </a:ext>
+          </a:extLst>
+        </p:cNvPr>
+        <p:cNvGrpSpPr/>
+        <p:nvPr/>
+      </p:nvGrpSpPr>
+      <p:grpSpPr>
+        <a:xfrm>
+          <a:off x="0" y="0"/>
+          <a:ext cx="0" cy="0"/>
+          <a:chOff x="0" y="0"/>
+          <a:chExt cx="0" cy="0"/>
+        </a:xfrm>
+      </p:grpSpPr>
+      <p:sp>
+        <p:nvSpPr>
+          <p:cNvPr id="27" name="Text 0">
+            <a:extLst>
+              <a:ext uri="{FF2B5EF4-FFF2-40B4-BE49-F238E27FC236}">
+                <a16:creationId xmlns:a16="http://schemas.microsoft.com/office/drawing/2014/main" id="{583B6F8C-113B-0971-CAEF-C847792ACA3E}"/>
+              </a:ext>
+            </a:extLst>
+          </p:cNvPr>
+          <p:cNvSpPr/>
+          <p:nvPr/>
+        </p:nvSpPr>
+        <p:spPr>
+          <a:xfrm>
+            <a:off x="739735" y="581144"/>
+            <a:ext cx="5284113" cy="660440"/>
+          </a:xfrm>
+          <a:prstGeom prst="rect">
+            <a:avLst/>
+          </a:prstGeom>
+          <a:noFill/>
+          <a:ln/>
+        </p:spPr>
+        <p:txBody>
+          <a:bodyPr wrap="none" lIns="0" tIns="0" rIns="0" bIns="0" rtlCol="0" anchor="t"/>
+          <a:lstStyle/>
+          <a:p>
+            <a:pPr marL="0" indent="0" algn="l">
+              <a:lnSpc>
+                <a:spcPts val="5200"/>
+              </a:lnSpc>
+              <a:buNone/>
+            </a:pPr>
+            <a:r>
+              <a:rPr lang="en-US" altLang="ko-KR" sz="4150" dirty="0">
+                <a:solidFill>
+                  <a:srgbClr val="EFD5FA"/>
+                </a:solidFill>
+                <a:latin typeface="Microsoft GothicNeo" panose="020B0500000101010101" pitchFamily="50" charset="-127"/>
+                <a:ea typeface="Microsoft GothicNeo" panose="020B0500000101010101" pitchFamily="50" charset="-127"/>
+                <a:cs typeface="Microsoft GothicNeo" panose="020B0500000101010101" pitchFamily="50" charset="-127"/>
+              </a:rPr>
+              <a:t>ARIMA </a:t>
+            </a:r>
+            <a:r>
+              <a:rPr lang="ko-KR" altLang="en-US" sz="4150" dirty="0">
+                <a:solidFill>
+                  <a:srgbClr val="EFD5FA"/>
+                </a:solidFill>
+                <a:latin typeface="Microsoft GothicNeo" panose="020B0500000101010101" pitchFamily="50" charset="-127"/>
+                <a:ea typeface="Microsoft GothicNeo" panose="020B0500000101010101" pitchFamily="50" charset="-127"/>
+                <a:cs typeface="Microsoft GothicNeo" panose="020B0500000101010101" pitchFamily="50" charset="-127"/>
+              </a:rPr>
+              <a:t>모델</a:t>
+            </a:r>
+            <a:r>
+              <a:rPr lang="en-US" altLang="ko-KR" sz="4150" dirty="0">
+                <a:solidFill>
+                  <a:srgbClr val="EFD5FA"/>
+                </a:solidFill>
+                <a:latin typeface="Microsoft GothicNeo" panose="020B0500000101010101" pitchFamily="50" charset="-127"/>
+                <a:ea typeface="Microsoft GothicNeo" panose="020B0500000101010101" pitchFamily="50" charset="-127"/>
+                <a:cs typeface="Microsoft GothicNeo" panose="020B0500000101010101" pitchFamily="50" charset="-127"/>
+              </a:rPr>
+              <a:t>,</a:t>
+            </a:r>
+            <a:r>
+              <a:rPr lang="en-US" altLang="ko-KR" sz="4400" dirty="0">
+                <a:solidFill>
+                  <a:srgbClr val="EFD5FA"/>
+                </a:solidFill>
+                <a:latin typeface="Microsoft GothicNeo" panose="020B0500000101010101" pitchFamily="50" charset="-127"/>
+                <a:ea typeface="Microsoft GothicNeo" panose="020B0500000101010101" pitchFamily="50" charset="-127"/>
+                <a:cs typeface="Microsoft GothicNeo" panose="020B0500000101010101" pitchFamily="50" charset="-127"/>
+              </a:rPr>
+              <a:t> </a:t>
+            </a:r>
+            <a:r>
+              <a:rPr lang="en-US" altLang="ko-KR" sz="4400" dirty="0" err="1">
+                <a:solidFill>
+                  <a:srgbClr val="EFD5FA"/>
+                </a:solidFill>
+                <a:latin typeface="Microsoft GothicNeo" panose="020B0500000101010101" pitchFamily="50" charset="-127"/>
+                <a:ea typeface="Microsoft GothicNeo" panose="020B0500000101010101" pitchFamily="50" charset="-127"/>
+                <a:cs typeface="Microsoft GothicNeo" panose="020B0500000101010101" pitchFamily="50" charset="-127"/>
+              </a:rPr>
+              <a:t>SWaT</a:t>
+            </a:r>
+            <a:r>
+              <a:rPr lang="en-US" altLang="ko-KR" sz="4400" dirty="0">
+                <a:solidFill>
+                  <a:srgbClr val="EFD5FA"/>
+                </a:solidFill>
+                <a:latin typeface="Microsoft GothicNeo" panose="020B0500000101010101" pitchFamily="50" charset="-127"/>
+                <a:ea typeface="Microsoft GothicNeo" panose="020B0500000101010101" pitchFamily="50" charset="-127"/>
+                <a:cs typeface="Microsoft GothicNeo" panose="020B0500000101010101" pitchFamily="50" charset="-127"/>
+              </a:rPr>
+              <a:t> </a:t>
+            </a:r>
+            <a:r>
+              <a:rPr lang="en-US" altLang="ko-KR" sz="4400" dirty="0" err="1">
+                <a:solidFill>
+                  <a:srgbClr val="EFD5FA"/>
+                </a:solidFill>
+                <a:latin typeface="Microsoft GothicNeo" panose="020B0500000101010101" pitchFamily="50" charset="-127"/>
+                <a:ea typeface="Microsoft GothicNeo" panose="020B0500000101010101" pitchFamily="50" charset="-127"/>
+                <a:cs typeface="Microsoft GothicNeo" panose="020B0500000101010101" pitchFamily="50" charset="-127"/>
+              </a:rPr>
+              <a:t>데이터셋</a:t>
+            </a:r>
+            <a:endParaRPr lang="en-US" sz="4150" dirty="0">
+              <a:latin typeface="Microsoft GothicNeo" panose="020B0500000101010101" pitchFamily="50" charset="-127"/>
+              <a:ea typeface="Microsoft GothicNeo" panose="020B0500000101010101" pitchFamily="50" charset="-127"/>
+              <a:cs typeface="Microsoft GothicNeo" panose="020B0500000101010101" pitchFamily="50" charset="-127"/>
+            </a:endParaRPr>
+          </a:p>
+        </p:txBody>
+      </p:sp>
+      <p:sp>
+        <p:nvSpPr>
+          <p:cNvPr id="2" name="Text 1">
+            <a:extLst>
+              <a:ext uri="{FF2B5EF4-FFF2-40B4-BE49-F238E27FC236}">
+                <a16:creationId xmlns:a16="http://schemas.microsoft.com/office/drawing/2014/main" id="{ED52ABCC-EBEC-B2D5-7B78-64A4109A144D}"/>
+              </a:ext>
+            </a:extLst>
+          </p:cNvPr>
+          <p:cNvSpPr/>
+          <p:nvPr/>
+        </p:nvSpPr>
+        <p:spPr>
+          <a:xfrm>
+            <a:off x="793790" y="2789515"/>
+            <a:ext cx="2835235" cy="354330"/>
+          </a:xfrm>
+          <a:prstGeom prst="rect">
+            <a:avLst/>
+          </a:prstGeom>
+          <a:noFill/>
+          <a:ln/>
+        </p:spPr>
+        <p:txBody>
+          <a:bodyPr wrap="none" lIns="0" tIns="0" rIns="0" bIns="0" rtlCol="0" anchor="t"/>
+          <a:lstStyle/>
+          <a:p>
+            <a:pPr marL="0" indent="0" algn="l">
+              <a:lnSpc>
+                <a:spcPts val="2750"/>
+              </a:lnSpc>
+              <a:buNone/>
+            </a:pPr>
+            <a:r>
+              <a:rPr lang="en-US" sz="2200" dirty="0">
+                <a:solidFill>
+                  <a:srgbClr val="EFD5FA"/>
+                </a:solidFill>
+                <a:latin typeface="Microsoft GothicNeo" panose="020B0500000101010101" pitchFamily="50" charset="-127"/>
+                <a:ea typeface="Microsoft GothicNeo" panose="020B0500000101010101" pitchFamily="50" charset="-127"/>
+                <a:cs typeface="Microsoft GothicNeo" panose="020B0500000101010101" pitchFamily="50" charset="-127"/>
+              </a:rPr>
+              <a:t>ARIMA 모델</a:t>
+            </a:r>
+            <a:endParaRPr lang="en-US" sz="2200" dirty="0">
+              <a:latin typeface="Microsoft GothicNeo" panose="020B0500000101010101" pitchFamily="50" charset="-127"/>
+              <a:ea typeface="Microsoft GothicNeo" panose="020B0500000101010101" pitchFamily="50" charset="-127"/>
+              <a:cs typeface="Microsoft GothicNeo" panose="020B0500000101010101" pitchFamily="50" charset="-127"/>
+            </a:endParaRPr>
+          </a:p>
+        </p:txBody>
+      </p:sp>
+      <p:sp>
+        <p:nvSpPr>
+          <p:cNvPr id="3" name="Text 2">
+            <a:extLst>
+              <a:ext uri="{FF2B5EF4-FFF2-40B4-BE49-F238E27FC236}">
+                <a16:creationId xmlns:a16="http://schemas.microsoft.com/office/drawing/2014/main" id="{C69E0E68-F9B3-826A-7CBB-EAF4301AF572}"/>
+              </a:ext>
+            </a:extLst>
+          </p:cNvPr>
+          <p:cNvSpPr/>
+          <p:nvPr/>
+        </p:nvSpPr>
+        <p:spPr>
+          <a:xfrm>
+            <a:off x="793790" y="3370659"/>
+            <a:ext cx="6244709" cy="725805"/>
+          </a:xfrm>
+          <a:prstGeom prst="rect">
+            <a:avLst/>
+          </a:prstGeom>
+          <a:noFill/>
+          <a:ln/>
+        </p:spPr>
+        <p:txBody>
+          <a:bodyPr wrap="square" lIns="0" tIns="0" rIns="0" bIns="0" rtlCol="0" anchor="t"/>
+          <a:lstStyle/>
+          <a:p>
+            <a:pPr marL="0" indent="0" algn="l">
+              <a:lnSpc>
+                <a:spcPts val="2850"/>
+              </a:lnSpc>
+              <a:buNone/>
+            </a:pPr>
+            <a:r>
+              <a:rPr lang="en-US" sz="1750" dirty="0">
+                <a:solidFill>
+                  <a:srgbClr val="C7CDD6"/>
+                </a:solidFill>
+                <a:latin typeface="Microsoft GothicNeo" panose="020B0500000101010101" pitchFamily="50" charset="-127"/>
+                <a:ea typeface="Microsoft GothicNeo" panose="020B0500000101010101" pitchFamily="50" charset="-127"/>
+                <a:cs typeface="Microsoft GothicNeo" panose="020B0500000101010101" pitchFamily="50" charset="-127"/>
+              </a:rPr>
+              <a:t>ARIMA(AutoRegressive Integrated Moving Average)는 AR+MA의 조합으로 잔차 기반 이상 탐지에 최적화된 모델입니다.</a:t>
+            </a:r>
+            <a:endParaRPr lang="en-US" sz="1750" dirty="0">
+              <a:latin typeface="Microsoft GothicNeo" panose="020B0500000101010101" pitchFamily="50" charset="-127"/>
+              <a:ea typeface="Microsoft GothicNeo" panose="020B0500000101010101" pitchFamily="50" charset="-127"/>
+              <a:cs typeface="Microsoft GothicNeo" panose="020B0500000101010101" pitchFamily="50" charset="-127"/>
+            </a:endParaRPr>
+          </a:p>
+        </p:txBody>
+      </p:sp>
+      <p:sp>
+        <p:nvSpPr>
+          <p:cNvPr id="4" name="Text 3">
+            <a:extLst>
+              <a:ext uri="{FF2B5EF4-FFF2-40B4-BE49-F238E27FC236}">
+                <a16:creationId xmlns:a16="http://schemas.microsoft.com/office/drawing/2014/main" id="{C4BB44FC-8495-C4E6-6F12-C62332E775B1}"/>
+              </a:ext>
+            </a:extLst>
+          </p:cNvPr>
+          <p:cNvSpPr/>
+          <p:nvPr/>
+        </p:nvSpPr>
+        <p:spPr>
+          <a:xfrm>
+            <a:off x="793790" y="4300538"/>
+            <a:ext cx="6244709" cy="725805"/>
+          </a:xfrm>
+          <a:prstGeom prst="rect">
+            <a:avLst/>
+          </a:prstGeom>
+          <a:noFill/>
+          <a:ln/>
+        </p:spPr>
+        <p:txBody>
+          <a:bodyPr wrap="square" lIns="0" tIns="0" rIns="0" bIns="0" rtlCol="0" anchor="t"/>
+          <a:lstStyle/>
+          <a:p>
+            <a:pPr marL="342900" indent="-342900" algn="l">
+              <a:lnSpc>
+                <a:spcPts val="2850"/>
+              </a:lnSpc>
+              <a:buSzPct val="100000"/>
+              <a:buChar char="•"/>
+            </a:pPr>
+            <a:r>
+              <a:rPr lang="en-US" sz="1750" dirty="0">
+                <a:solidFill>
+                  <a:srgbClr val="C7CDD6"/>
+                </a:solidFill>
+                <a:latin typeface="Microsoft GothicNeo" panose="020B0500000101010101" pitchFamily="50" charset="-127"/>
+                <a:ea typeface="Microsoft GothicNeo" panose="020B0500000101010101" pitchFamily="50" charset="-127"/>
+                <a:cs typeface="Microsoft GothicNeo" panose="020B0500000101010101" pitchFamily="50" charset="-127"/>
+              </a:rPr>
+              <a:t>p (AR 차수): 과거 관측치 몇 개를 볼지, 직전 2 시점의 값을 반영</a:t>
+            </a:r>
+            <a:endParaRPr lang="en-US" sz="1750" dirty="0">
+              <a:latin typeface="Microsoft GothicNeo" panose="020B0500000101010101" pitchFamily="50" charset="-127"/>
+              <a:ea typeface="Microsoft GothicNeo" panose="020B0500000101010101" pitchFamily="50" charset="-127"/>
+              <a:cs typeface="Microsoft GothicNeo" panose="020B0500000101010101" pitchFamily="50" charset="-127"/>
+            </a:endParaRPr>
+          </a:p>
+        </p:txBody>
+      </p:sp>
+      <p:sp>
+        <p:nvSpPr>
+          <p:cNvPr id="5" name="Text 4">
+            <a:extLst>
+              <a:ext uri="{FF2B5EF4-FFF2-40B4-BE49-F238E27FC236}">
+                <a16:creationId xmlns:a16="http://schemas.microsoft.com/office/drawing/2014/main" id="{D7133989-6396-DF23-EDA9-9239290C8BF2}"/>
+              </a:ext>
+            </a:extLst>
+          </p:cNvPr>
+          <p:cNvSpPr/>
+          <p:nvPr/>
+        </p:nvSpPr>
+        <p:spPr>
+          <a:xfrm>
+            <a:off x="793790" y="5105638"/>
+            <a:ext cx="6244709" cy="725805"/>
+          </a:xfrm>
+          <a:prstGeom prst="rect">
+            <a:avLst/>
+          </a:prstGeom>
+          <a:noFill/>
+          <a:ln/>
+        </p:spPr>
+        <p:txBody>
+          <a:bodyPr wrap="square" lIns="0" tIns="0" rIns="0" bIns="0" rtlCol="0" anchor="t"/>
+          <a:lstStyle/>
+          <a:p>
+            <a:pPr marL="342900" indent="-342900" algn="l">
+              <a:lnSpc>
+                <a:spcPts val="2850"/>
+              </a:lnSpc>
+              <a:buSzPct val="100000"/>
+              <a:buChar char="•"/>
+            </a:pPr>
+            <a:r>
+              <a:rPr lang="en-US" sz="1750" dirty="0">
+                <a:solidFill>
+                  <a:srgbClr val="C7CDD6"/>
+                </a:solidFill>
+                <a:latin typeface="Microsoft GothicNeo" panose="020B0500000101010101" pitchFamily="50" charset="-127"/>
+                <a:ea typeface="Microsoft GothicNeo" panose="020B0500000101010101" pitchFamily="50" charset="-127"/>
+                <a:cs typeface="Microsoft GothicNeo" panose="020B0500000101010101" pitchFamily="50" charset="-127"/>
+              </a:rPr>
+              <a:t>d (차분 차수): 몇 번 차분해 정상 시계열로 만들지, 1차 차분만으로 안정적 패턴</a:t>
+            </a:r>
+            <a:endParaRPr lang="en-US" sz="1750" dirty="0">
+              <a:latin typeface="Microsoft GothicNeo" panose="020B0500000101010101" pitchFamily="50" charset="-127"/>
+              <a:ea typeface="Microsoft GothicNeo" panose="020B0500000101010101" pitchFamily="50" charset="-127"/>
+              <a:cs typeface="Microsoft GothicNeo" panose="020B0500000101010101" pitchFamily="50" charset="-127"/>
+            </a:endParaRPr>
+          </a:p>
+        </p:txBody>
+      </p:sp>
+      <p:sp>
+        <p:nvSpPr>
+          <p:cNvPr id="6" name="Text 5">
+            <a:extLst>
+              <a:ext uri="{FF2B5EF4-FFF2-40B4-BE49-F238E27FC236}">
+                <a16:creationId xmlns:a16="http://schemas.microsoft.com/office/drawing/2014/main" id="{FE281221-B047-5CEB-FE19-7786C39246DF}"/>
+              </a:ext>
+            </a:extLst>
+          </p:cNvPr>
+          <p:cNvSpPr/>
+          <p:nvPr/>
+        </p:nvSpPr>
+        <p:spPr>
+          <a:xfrm>
+            <a:off x="793790" y="5910739"/>
+            <a:ext cx="6244709" cy="725805"/>
+          </a:xfrm>
+          <a:prstGeom prst="rect">
+            <a:avLst/>
+          </a:prstGeom>
+          <a:noFill/>
+          <a:ln/>
+        </p:spPr>
+        <p:txBody>
+          <a:bodyPr wrap="square" lIns="0" tIns="0" rIns="0" bIns="0" rtlCol="0" anchor="t"/>
+          <a:lstStyle/>
+          <a:p>
+            <a:pPr marL="342900" indent="-342900" algn="l">
+              <a:lnSpc>
+                <a:spcPts val="2850"/>
+              </a:lnSpc>
+              <a:buSzPct val="100000"/>
+              <a:buChar char="•"/>
+            </a:pPr>
+            <a:r>
+              <a:rPr lang="en-US" sz="1750" dirty="0">
+                <a:solidFill>
+                  <a:srgbClr val="C7CDD6"/>
+                </a:solidFill>
+                <a:latin typeface="Microsoft GothicNeo" panose="020B0500000101010101" pitchFamily="50" charset="-127"/>
+                <a:ea typeface="Microsoft GothicNeo" panose="020B0500000101010101" pitchFamily="50" charset="-127"/>
+                <a:cs typeface="Microsoft GothicNeo" panose="020B0500000101010101" pitchFamily="50" charset="-127"/>
+              </a:rPr>
+              <a:t>q (MA 차수): 과거 오차 몇 개를 볼지, 직전 2 시점의 오차를 반영</a:t>
+            </a:r>
+            <a:endParaRPr lang="en-US" sz="1750" dirty="0">
+              <a:latin typeface="Microsoft GothicNeo" panose="020B0500000101010101" pitchFamily="50" charset="-127"/>
+              <a:ea typeface="Microsoft GothicNeo" panose="020B0500000101010101" pitchFamily="50" charset="-127"/>
+              <a:cs typeface="Microsoft GothicNeo" panose="020B0500000101010101" pitchFamily="50" charset="-127"/>
+            </a:endParaRPr>
+          </a:p>
+        </p:txBody>
+      </p:sp>
+      <p:sp>
+        <p:nvSpPr>
+          <p:cNvPr id="7" name="Text 6">
+            <a:extLst>
+              <a:ext uri="{FF2B5EF4-FFF2-40B4-BE49-F238E27FC236}">
+                <a16:creationId xmlns:a16="http://schemas.microsoft.com/office/drawing/2014/main" id="{7ED02269-6046-A04E-A18A-E6FC5F34892F}"/>
+              </a:ext>
+            </a:extLst>
+          </p:cNvPr>
+          <p:cNvSpPr/>
+          <p:nvPr/>
+        </p:nvSpPr>
+        <p:spPr>
+          <a:xfrm>
+            <a:off x="7599521" y="2789515"/>
+            <a:ext cx="2835235" cy="354330"/>
+          </a:xfrm>
+          <a:prstGeom prst="rect">
+            <a:avLst/>
+          </a:prstGeom>
+          <a:noFill/>
+          <a:ln/>
+        </p:spPr>
+        <p:txBody>
+          <a:bodyPr wrap="none" lIns="0" tIns="0" rIns="0" bIns="0" rtlCol="0" anchor="t"/>
+          <a:lstStyle/>
+          <a:p>
+            <a:pPr marL="0" indent="0" algn="l">
+              <a:lnSpc>
+                <a:spcPts val="2750"/>
+              </a:lnSpc>
+              <a:buNone/>
+            </a:pPr>
+            <a:r>
+              <a:rPr lang="en-US" sz="2200" dirty="0">
+                <a:solidFill>
+                  <a:srgbClr val="EFD5FA"/>
+                </a:solidFill>
+                <a:latin typeface="Microsoft GothicNeo" panose="020B0500000101010101" pitchFamily="50" charset="-127"/>
+                <a:ea typeface="Microsoft GothicNeo" panose="020B0500000101010101" pitchFamily="50" charset="-127"/>
+                <a:cs typeface="Microsoft GothicNeo" panose="020B0500000101010101" pitchFamily="50" charset="-127"/>
+              </a:rPr>
+              <a:t>SWaT 데이터셋</a:t>
+            </a:r>
+            <a:endParaRPr lang="en-US" sz="2200" dirty="0">
+              <a:latin typeface="Microsoft GothicNeo" panose="020B0500000101010101" pitchFamily="50" charset="-127"/>
+              <a:ea typeface="Microsoft GothicNeo" panose="020B0500000101010101" pitchFamily="50" charset="-127"/>
+              <a:cs typeface="Microsoft GothicNeo" panose="020B0500000101010101" pitchFamily="50" charset="-127"/>
+            </a:endParaRPr>
+          </a:p>
+        </p:txBody>
+      </p:sp>
+      <p:sp>
+        <p:nvSpPr>
+          <p:cNvPr id="8" name="Text 7">
+            <a:extLst>
+              <a:ext uri="{FF2B5EF4-FFF2-40B4-BE49-F238E27FC236}">
+                <a16:creationId xmlns:a16="http://schemas.microsoft.com/office/drawing/2014/main" id="{E33445C4-6393-4E13-6BB2-EA01D6FC65C1}"/>
+              </a:ext>
+            </a:extLst>
+          </p:cNvPr>
+          <p:cNvSpPr/>
+          <p:nvPr/>
+        </p:nvSpPr>
+        <p:spPr>
+          <a:xfrm>
+            <a:off x="7599521" y="3370659"/>
+            <a:ext cx="6244709" cy="725805"/>
+          </a:xfrm>
+          <a:prstGeom prst="rect">
+            <a:avLst/>
+          </a:prstGeom>
+          <a:noFill/>
+          <a:ln/>
+        </p:spPr>
+        <p:txBody>
+          <a:bodyPr wrap="square" lIns="0" tIns="0" rIns="0" bIns="0" rtlCol="0" anchor="t"/>
+          <a:lstStyle/>
+          <a:p>
+            <a:pPr marL="0" indent="0" algn="l">
+              <a:lnSpc>
+                <a:spcPts val="2850"/>
+              </a:lnSpc>
+              <a:buNone/>
+            </a:pPr>
+            <a:r>
+              <a:rPr lang="en-US" sz="1750" dirty="0">
+                <a:solidFill>
+                  <a:srgbClr val="C7CDD6"/>
+                </a:solidFill>
+                <a:latin typeface="Microsoft GothicNeo" panose="020B0500000101010101" pitchFamily="50" charset="-127"/>
+                <a:ea typeface="Microsoft GothicNeo" panose="020B0500000101010101" pitchFamily="50" charset="-127"/>
+                <a:cs typeface="Microsoft GothicNeo" panose="020B0500000101010101" pitchFamily="50" charset="-127"/>
+              </a:rPr>
+              <a:t>산업 제어 시스템용 공개 벤치마크 데이터로, 수많은 논문에서 사용된 검증된 데이터셋 모델입니다.</a:t>
+            </a:r>
+            <a:endParaRPr lang="en-US" sz="1750" dirty="0">
+              <a:latin typeface="Microsoft GothicNeo" panose="020B0500000101010101" pitchFamily="50" charset="-127"/>
+              <a:ea typeface="Microsoft GothicNeo" panose="020B0500000101010101" pitchFamily="50" charset="-127"/>
+              <a:cs typeface="Microsoft GothicNeo" panose="020B0500000101010101" pitchFamily="50" charset="-127"/>
+            </a:endParaRPr>
+          </a:p>
+        </p:txBody>
+      </p:sp>
+      <p:sp>
+        <p:nvSpPr>
+          <p:cNvPr id="9" name="Text 8">
+            <a:extLst>
+              <a:ext uri="{FF2B5EF4-FFF2-40B4-BE49-F238E27FC236}">
+                <a16:creationId xmlns:a16="http://schemas.microsoft.com/office/drawing/2014/main" id="{741C5E89-42BA-CCB3-0E80-9B2B2BC4C59F}"/>
+              </a:ext>
+            </a:extLst>
+          </p:cNvPr>
+          <p:cNvSpPr/>
+          <p:nvPr/>
+        </p:nvSpPr>
+        <p:spPr>
+          <a:xfrm>
+            <a:off x="7599521" y="4300538"/>
+            <a:ext cx="6244709" cy="1088708"/>
+          </a:xfrm>
+          <a:prstGeom prst="rect">
+            <a:avLst/>
+          </a:prstGeom>
+          <a:noFill/>
+          <a:ln/>
+        </p:spPr>
+        <p:txBody>
+          <a:bodyPr wrap="square" lIns="0" tIns="0" rIns="0" bIns="0" rtlCol="0" anchor="t"/>
+          <a:lstStyle/>
+          <a:p>
+            <a:pPr marL="0" indent="0" algn="l">
+              <a:lnSpc>
+                <a:spcPts val="2850"/>
+              </a:lnSpc>
+              <a:buNone/>
+            </a:pPr>
+            <a:r>
+              <a:rPr lang="en-US" sz="1750" dirty="0">
+                <a:solidFill>
+                  <a:srgbClr val="C7CDD6"/>
+                </a:solidFill>
+                <a:latin typeface="Microsoft GothicNeo" panose="020B0500000101010101" pitchFamily="50" charset="-127"/>
+                <a:ea typeface="Microsoft GothicNeo" panose="020B0500000101010101" pitchFamily="50" charset="-127"/>
+                <a:cs typeface="Microsoft GothicNeo" panose="020B0500000101010101" pitchFamily="50" charset="-127"/>
+              </a:rPr>
+              <a:t>데이터는 타임스탬프와 다양한 센서 태그(FIT101, LIT101 등)로 구성되어 있으며, 정상 상태와 이상 상태를 구분할 수 있는 레이블이 포함되어 있습니다.</a:t>
+            </a:r>
+            <a:endParaRPr lang="en-US" sz="1750" dirty="0">
+              <a:latin typeface="Microsoft GothicNeo" panose="020B0500000101010101" pitchFamily="50" charset="-127"/>
+              <a:ea typeface="Microsoft GothicNeo" panose="020B0500000101010101" pitchFamily="50" charset="-127"/>
+              <a:cs typeface="Microsoft GothicNeo" panose="020B0500000101010101" pitchFamily="50" charset="-127"/>
+            </a:endParaRPr>
+          </a:p>
+        </p:txBody>
+      </p:sp>
+    </p:spTree>
+    <p:extLst>
+      <p:ext uri="{BB962C8B-B14F-4D97-AF65-F5344CB8AC3E}">
+        <p14:creationId xmlns:p14="http://schemas.microsoft.com/office/powerpoint/2010/main" val="1395010357"/>
+      </p:ext>
+    </p:extLst>
+  </p:cSld>
+  <p:clrMapOvr>
+    <a:masterClrMapping/>
+  </p:clrMapOvr>
+</p:sld>
+</file>
+
+<file path=ppt/slides/slide5.xml><?xml version="1.0" encoding="utf-8"?>
 <p:sld xmlns:a="http://schemas.openxmlformats.org/drawingml/2006/main" xmlns:r="http://schemas.openxmlformats.org/officeDocument/2006/relationships" xmlns:p="http://schemas.openxmlformats.org/presentationml/2006/main">
   <p:cSld>
     <p:spTree>
@@ -4362,7 +5937,11 @@
           <a:bodyPr/>
           <a:lstStyle/>
           <a:p>
-            <a:endParaRPr lang="ko-KR" altLang="en-US"/>
+            <a:endParaRPr lang="ko-KR" altLang="en-US">
+              <a:latin typeface="Microsoft GothicNeo" panose="020B0500000101010101" pitchFamily="50" charset="-127"/>
+              <a:ea typeface="Microsoft GothicNeo" panose="020B0500000101010101" pitchFamily="50" charset="-127"/>
+              <a:cs typeface="Microsoft GothicNeo" panose="020B0500000101010101" pitchFamily="50" charset="-127"/>
+            </a:endParaRPr>
           </a:p>
         </p:txBody>
       </p:sp>
@@ -4434,13 +6013,17 @@
                 <a:solidFill>
                   <a:srgbClr val="C7CDD6"/>
                 </a:solidFill>
-                <a:latin typeface="Instrument Sans Medium" pitchFamily="34" charset="0"/>
-                <a:ea typeface="Instrument Sans Medium" pitchFamily="34" charset="-122"/>
-                <a:cs typeface="Instrument Sans Medium" pitchFamily="34" charset="-120"/>
+                <a:latin typeface="Microsoft GothicNeo" panose="020B0500000101010101" pitchFamily="50" charset="-127"/>
+                <a:ea typeface="Microsoft GothicNeo" panose="020B0500000101010101" pitchFamily="50" charset="-127"/>
+                <a:cs typeface="Microsoft GothicNeo" panose="020B0500000101010101" pitchFamily="50" charset="-127"/>
               </a:rPr>
               <a:t>공통 유틸리티</a:t>
             </a:r>
-            <a:endParaRPr lang="en-US" sz="2200" dirty="0"/>
+            <a:endParaRPr lang="en-US" sz="2200" dirty="0">
+              <a:latin typeface="Microsoft GothicNeo" panose="020B0500000101010101" pitchFamily="50" charset="-127"/>
+              <a:ea typeface="Microsoft GothicNeo" panose="020B0500000101010101" pitchFamily="50" charset="-127"/>
+              <a:cs typeface="Microsoft GothicNeo" panose="020B0500000101010101" pitchFamily="50" charset="-127"/>
+            </a:endParaRPr>
           </a:p>
         </p:txBody>
       </p:sp>
@@ -4482,13 +6065,17 @@
                 <a:solidFill>
                   <a:srgbClr val="C7CDD6"/>
                 </a:solidFill>
-                <a:latin typeface="Inter" pitchFamily="34" charset="0"/>
-                <a:ea typeface="Inter" pitchFamily="34" charset="-122"/>
-                <a:cs typeface="Inter" pitchFamily="34" charset="-120"/>
+                <a:latin typeface="Microsoft GothicNeo" panose="020B0500000101010101" pitchFamily="50" charset="-127"/>
+                <a:ea typeface="Microsoft GothicNeo" panose="020B0500000101010101" pitchFamily="50" charset="-127"/>
+                <a:cs typeface="Microsoft GothicNeo" panose="020B0500000101010101" pitchFamily="50" charset="-127"/>
               </a:rPr>
               <a:t>common_utils.py: 데이터 로드, 데이터 전처리, ARIMA 모델 정의, 학습 및 예측 디바이스 선택 기능 제공</a:t>
             </a:r>
-            <a:endParaRPr lang="en-US" sz="1750" dirty="0"/>
+            <a:endParaRPr lang="en-US" sz="1750" dirty="0">
+              <a:latin typeface="Microsoft GothicNeo" panose="020B0500000101010101" pitchFamily="50" charset="-127"/>
+              <a:ea typeface="Microsoft GothicNeo" panose="020B0500000101010101" pitchFamily="50" charset="-127"/>
+              <a:cs typeface="Microsoft GothicNeo" panose="020B0500000101010101" pitchFamily="50" charset="-127"/>
+            </a:endParaRPr>
           </a:p>
         </p:txBody>
       </p:sp>
@@ -4523,7 +6110,11 @@
           <a:bodyPr/>
           <a:lstStyle/>
           <a:p>
-            <a:endParaRPr lang="ko-KR" altLang="en-US"/>
+            <a:endParaRPr lang="ko-KR" altLang="en-US">
+              <a:latin typeface="Microsoft GothicNeo" panose="020B0500000101010101" pitchFamily="50" charset="-127"/>
+              <a:ea typeface="Microsoft GothicNeo" panose="020B0500000101010101" pitchFamily="50" charset="-127"/>
+              <a:cs typeface="Microsoft GothicNeo" panose="020B0500000101010101" pitchFamily="50" charset="-127"/>
+            </a:endParaRPr>
           </a:p>
         </p:txBody>
       </p:sp>
@@ -4595,13 +6186,17 @@
                 <a:solidFill>
                   <a:srgbClr val="C7CDD6"/>
                 </a:solidFill>
-                <a:latin typeface="Instrument Sans Medium" pitchFamily="34" charset="0"/>
-                <a:ea typeface="Instrument Sans Medium" pitchFamily="34" charset="-122"/>
-                <a:cs typeface="Instrument Sans Medium" pitchFamily="34" charset="-120"/>
+                <a:latin typeface="Microsoft GothicNeo" panose="020B0500000101010101" pitchFamily="50" charset="-127"/>
+                <a:ea typeface="Microsoft GothicNeo" panose="020B0500000101010101" pitchFamily="50" charset="-127"/>
+                <a:cs typeface="Microsoft GothicNeo" panose="020B0500000101010101" pitchFamily="50" charset="-127"/>
               </a:rPr>
               <a:t>학습 스크립트</a:t>
             </a:r>
-            <a:endParaRPr lang="en-US" sz="2200" dirty="0"/>
+            <a:endParaRPr lang="en-US" sz="2200" dirty="0">
+              <a:latin typeface="Microsoft GothicNeo" panose="020B0500000101010101" pitchFamily="50" charset="-127"/>
+              <a:ea typeface="Microsoft GothicNeo" panose="020B0500000101010101" pitchFamily="50" charset="-127"/>
+              <a:cs typeface="Microsoft GothicNeo" panose="020B0500000101010101" pitchFamily="50" charset="-127"/>
+            </a:endParaRPr>
           </a:p>
         </p:txBody>
       </p:sp>
@@ -4643,13 +6238,17 @@
                 <a:solidFill>
                   <a:srgbClr val="C7CDD6"/>
                 </a:solidFill>
-                <a:latin typeface="Inter" pitchFamily="34" charset="0"/>
-                <a:ea typeface="Inter" pitchFamily="34" charset="-122"/>
-                <a:cs typeface="Inter" pitchFamily="34" charset="-120"/>
+                <a:latin typeface="Microsoft GothicNeo" panose="020B0500000101010101" pitchFamily="50" charset="-127"/>
+                <a:ea typeface="Microsoft GothicNeo" panose="020B0500000101010101" pitchFamily="50" charset="-127"/>
+                <a:cs typeface="Microsoft GothicNeo" panose="020B0500000101010101" pitchFamily="50" charset="-127"/>
               </a:rPr>
               <a:t>train_arima.py: 정상 구간 데이터를 이용해 학습, 학습된 파라미터를 저장하는 역할 수행</a:t>
             </a:r>
-            <a:endParaRPr lang="en-US" sz="1750" dirty="0"/>
+            <a:endParaRPr lang="en-US" sz="1750" dirty="0">
+              <a:latin typeface="Microsoft GothicNeo" panose="020B0500000101010101" pitchFamily="50" charset="-127"/>
+              <a:ea typeface="Microsoft GothicNeo" panose="020B0500000101010101" pitchFamily="50" charset="-127"/>
+              <a:cs typeface="Microsoft GothicNeo" panose="020B0500000101010101" pitchFamily="50" charset="-127"/>
+            </a:endParaRPr>
           </a:p>
         </p:txBody>
       </p:sp>
@@ -4684,7 +6283,11 @@
           <a:bodyPr/>
           <a:lstStyle/>
           <a:p>
-            <a:endParaRPr lang="ko-KR" altLang="en-US"/>
+            <a:endParaRPr lang="ko-KR" altLang="en-US">
+              <a:latin typeface="Microsoft GothicNeo" panose="020B0500000101010101" pitchFamily="50" charset="-127"/>
+              <a:ea typeface="Microsoft GothicNeo" panose="020B0500000101010101" pitchFamily="50" charset="-127"/>
+              <a:cs typeface="Microsoft GothicNeo" panose="020B0500000101010101" pitchFamily="50" charset="-127"/>
+            </a:endParaRPr>
           </a:p>
         </p:txBody>
       </p:sp>
@@ -4756,13 +6359,17 @@
                 <a:solidFill>
                   <a:srgbClr val="C7CDD6"/>
                 </a:solidFill>
-                <a:latin typeface="Instrument Sans Medium" pitchFamily="34" charset="0"/>
-                <a:ea typeface="Instrument Sans Medium" pitchFamily="34" charset="-122"/>
-                <a:cs typeface="Instrument Sans Medium" pitchFamily="34" charset="-120"/>
+                <a:latin typeface="Microsoft GothicNeo" panose="020B0500000101010101" pitchFamily="50" charset="-127"/>
+                <a:ea typeface="Microsoft GothicNeo" panose="020B0500000101010101" pitchFamily="50" charset="-127"/>
+                <a:cs typeface="Microsoft GothicNeo" panose="020B0500000101010101" pitchFamily="50" charset="-127"/>
               </a:rPr>
               <a:t>예측 및 시각화</a:t>
             </a:r>
-            <a:endParaRPr lang="en-US" sz="2200" dirty="0"/>
+            <a:endParaRPr lang="en-US" sz="2200" dirty="0">
+              <a:latin typeface="Microsoft GothicNeo" panose="020B0500000101010101" pitchFamily="50" charset="-127"/>
+              <a:ea typeface="Microsoft GothicNeo" panose="020B0500000101010101" pitchFamily="50" charset="-127"/>
+              <a:cs typeface="Microsoft GothicNeo" panose="020B0500000101010101" pitchFamily="50" charset="-127"/>
+            </a:endParaRPr>
           </a:p>
         </p:txBody>
       </p:sp>
@@ -4804,13 +6411,17 @@
                 <a:solidFill>
                   <a:srgbClr val="C7CDD6"/>
                 </a:solidFill>
-                <a:latin typeface="Inter" pitchFamily="34" charset="0"/>
-                <a:ea typeface="Inter" pitchFamily="34" charset="-122"/>
-                <a:cs typeface="Inter" pitchFamily="34" charset="-120"/>
+                <a:latin typeface="Microsoft GothicNeo" panose="020B0500000101010101" pitchFamily="50" charset="-127"/>
+                <a:ea typeface="Microsoft GothicNeo" panose="020B0500000101010101" pitchFamily="50" charset="-127"/>
+                <a:cs typeface="Microsoft GothicNeo" panose="020B0500000101010101" pitchFamily="50" charset="-127"/>
               </a:rPr>
               <a:t>predict_arima.py: 이상치가 포함된 데이터에 대해 잔차를 계산, 이상치 판단, 이상치 시각화 기능 제공</a:t>
             </a:r>
-            <a:endParaRPr lang="en-US" sz="1750" dirty="0"/>
+            <a:endParaRPr lang="en-US" sz="1750" dirty="0">
+              <a:latin typeface="Microsoft GothicNeo" panose="020B0500000101010101" pitchFamily="50" charset="-127"/>
+              <a:ea typeface="Microsoft GothicNeo" panose="020B0500000101010101" pitchFamily="50" charset="-127"/>
+              <a:cs typeface="Microsoft GothicNeo" panose="020B0500000101010101" pitchFamily="50" charset="-127"/>
+            </a:endParaRPr>
           </a:p>
         </p:txBody>
       </p:sp>
@@ -4852,13 +6463,17 @@
                 <a:solidFill>
                   <a:srgbClr val="EFD5FA"/>
                 </a:solidFill>
-                <a:latin typeface="Instrument Sans Medium" pitchFamily="34" charset="0"/>
-                <a:ea typeface="Instrument Sans Medium" pitchFamily="34" charset="-122"/>
-                <a:cs typeface="Instrument Sans Medium" pitchFamily="34" charset="-120"/>
-              </a:rPr>
-              <a:t>구성 요소</a:t>
-            </a:r>
-            <a:endParaRPr lang="en-US" sz="4150" dirty="0"/>
+                <a:latin typeface="Microsoft GothicNeo" panose="020B0500000101010101" pitchFamily="50" charset="-127"/>
+                <a:ea typeface="Microsoft GothicNeo" panose="020B0500000101010101" pitchFamily="50" charset="-127"/>
+                <a:cs typeface="Microsoft GothicNeo" panose="020B0500000101010101" pitchFamily="50" charset="-127"/>
+              </a:rPr>
+              <a:t>코드</a:t>
+            </a:r>
+            <a:endParaRPr lang="en-US" sz="4150" dirty="0">
+              <a:latin typeface="Microsoft GothicNeo" panose="020B0500000101010101" pitchFamily="50" charset="-127"/>
+              <a:ea typeface="Microsoft GothicNeo" panose="020B0500000101010101" pitchFamily="50" charset="-127"/>
+              <a:cs typeface="Microsoft GothicNeo" panose="020B0500000101010101" pitchFamily="50" charset="-127"/>
+            </a:endParaRPr>
           </a:p>
         </p:txBody>
       </p:sp>
@@ -4866,543 +6481,6 @@
     <p:extLst>
       <p:ext uri="{BB962C8B-B14F-4D97-AF65-F5344CB8AC3E}">
         <p14:creationId xmlns:p14="http://schemas.microsoft.com/office/powerpoint/2010/main" val="1774630251"/>
-      </p:ext>
-    </p:extLst>
-  </p:cSld>
-  <p:clrMapOvr>
-    <a:masterClrMapping/>
-  </p:clrMapOvr>
-</p:sld>
-</file>
-
-<file path=ppt/slides/slide5.xml><?xml version="1.0" encoding="utf-8"?>
-<p:sld xmlns:a="http://schemas.openxmlformats.org/drawingml/2006/main" xmlns:r="http://schemas.openxmlformats.org/officeDocument/2006/relationships" xmlns:p="http://schemas.openxmlformats.org/presentationml/2006/main">
-  <p:cSld>
-    <p:spTree>
-      <p:nvGrpSpPr>
-        <p:cNvPr id="1" name="">
-          <a:extLst>
-            <a:ext uri="{FF2B5EF4-FFF2-40B4-BE49-F238E27FC236}">
-              <a16:creationId xmlns:a16="http://schemas.microsoft.com/office/drawing/2014/main" id="{4BF42E54-2AF9-3BF7-B285-1CD11F059D5F}"/>
-            </a:ext>
-          </a:extLst>
-        </p:cNvPr>
-        <p:cNvGrpSpPr/>
-        <p:nvPr/>
-      </p:nvGrpSpPr>
-      <p:grpSpPr>
-        <a:xfrm>
-          <a:off x="0" y="0"/>
-          <a:ext cx="0" cy="0"/>
-          <a:chOff x="0" y="0"/>
-          <a:chExt cx="0" cy="0"/>
-        </a:xfrm>
-      </p:grpSpPr>
-      <p:sp>
-        <p:nvSpPr>
-          <p:cNvPr id="27" name="Text 0">
-            <a:extLst>
-              <a:ext uri="{FF2B5EF4-FFF2-40B4-BE49-F238E27FC236}">
-                <a16:creationId xmlns:a16="http://schemas.microsoft.com/office/drawing/2014/main" id="{583B6F8C-113B-0971-CAEF-C847792ACA3E}"/>
-              </a:ext>
-            </a:extLst>
-          </p:cNvPr>
-          <p:cNvSpPr/>
-          <p:nvPr/>
-        </p:nvSpPr>
-        <p:spPr>
-          <a:xfrm>
-            <a:off x="739735" y="581144"/>
-            <a:ext cx="5284113" cy="660440"/>
-          </a:xfrm>
-          <a:prstGeom prst="rect">
-            <a:avLst/>
-          </a:prstGeom>
-          <a:noFill/>
-          <a:ln/>
-        </p:spPr>
-        <p:txBody>
-          <a:bodyPr wrap="none" lIns="0" tIns="0" rIns="0" bIns="0" rtlCol="0" anchor="t"/>
-          <a:lstStyle/>
-          <a:p>
-            <a:pPr marL="0" indent="0" algn="l">
-              <a:lnSpc>
-                <a:spcPts val="5200"/>
-              </a:lnSpc>
-              <a:buNone/>
-            </a:pPr>
-            <a:r>
-              <a:rPr lang="en-US" altLang="ko-KR" sz="4150" dirty="0">
-                <a:solidFill>
-                  <a:srgbClr val="EFD5FA"/>
-                </a:solidFill>
-                <a:latin typeface="Instrument Sans Medium" pitchFamily="34" charset="0"/>
-                <a:ea typeface="Instrument Sans Medium" pitchFamily="34" charset="-122"/>
-                <a:cs typeface="Instrument Sans Medium" pitchFamily="34" charset="-120"/>
-              </a:rPr>
-              <a:t>ARIMA </a:t>
-            </a:r>
-            <a:r>
-              <a:rPr lang="ko-KR" altLang="en-US" sz="4150" dirty="0">
-                <a:solidFill>
-                  <a:srgbClr val="EFD5FA"/>
-                </a:solidFill>
-                <a:latin typeface="Instrument Sans Medium" pitchFamily="34" charset="0"/>
-                <a:ea typeface="Instrument Sans Medium" pitchFamily="34" charset="-122"/>
-                <a:cs typeface="Instrument Sans Medium" pitchFamily="34" charset="-120"/>
-              </a:rPr>
-              <a:t>모델</a:t>
-            </a:r>
-            <a:r>
-              <a:rPr lang="en-US" altLang="ko-KR" sz="4150" dirty="0">
-                <a:solidFill>
-                  <a:srgbClr val="EFD5FA"/>
-                </a:solidFill>
-                <a:latin typeface="Instrument Sans Medium" pitchFamily="34" charset="0"/>
-                <a:ea typeface="Instrument Sans Medium" pitchFamily="34" charset="-122"/>
-                <a:cs typeface="Instrument Sans Medium" pitchFamily="34" charset="-120"/>
-              </a:rPr>
-              <a:t>,</a:t>
-            </a:r>
-            <a:r>
-              <a:rPr lang="en-US" altLang="ko-KR" sz="4400" dirty="0">
-                <a:solidFill>
-                  <a:srgbClr val="EFD5FA"/>
-                </a:solidFill>
-                <a:latin typeface="Instrument Sans Medium" pitchFamily="34" charset="0"/>
-                <a:ea typeface="Instrument Sans Medium" pitchFamily="34" charset="-122"/>
-                <a:cs typeface="Instrument Sans Medium" pitchFamily="34" charset="-120"/>
-              </a:rPr>
-              <a:t> </a:t>
-            </a:r>
-            <a:r>
-              <a:rPr lang="en-US" altLang="ko-KR" sz="4400" dirty="0" err="1">
-                <a:solidFill>
-                  <a:srgbClr val="EFD5FA"/>
-                </a:solidFill>
-                <a:latin typeface="Instrument Sans Medium" pitchFamily="34" charset="0"/>
-                <a:ea typeface="Instrument Sans Medium" pitchFamily="34" charset="-122"/>
-                <a:cs typeface="Instrument Sans Medium" pitchFamily="34" charset="-120"/>
-              </a:rPr>
-              <a:t>SWaT</a:t>
-            </a:r>
-            <a:r>
-              <a:rPr lang="en-US" altLang="ko-KR" sz="4400" dirty="0">
-                <a:solidFill>
-                  <a:srgbClr val="EFD5FA"/>
-                </a:solidFill>
-                <a:latin typeface="Instrument Sans Medium" pitchFamily="34" charset="0"/>
-                <a:ea typeface="Instrument Sans Medium" pitchFamily="34" charset="-122"/>
-                <a:cs typeface="Instrument Sans Medium" pitchFamily="34" charset="-120"/>
-              </a:rPr>
-              <a:t> </a:t>
-            </a:r>
-            <a:r>
-              <a:rPr lang="en-US" altLang="ko-KR" sz="4400" dirty="0" err="1">
-                <a:solidFill>
-                  <a:srgbClr val="EFD5FA"/>
-                </a:solidFill>
-                <a:latin typeface="Instrument Sans Medium" pitchFamily="34" charset="0"/>
-                <a:ea typeface="Instrument Sans Medium" pitchFamily="34" charset="-122"/>
-                <a:cs typeface="Instrument Sans Medium" pitchFamily="34" charset="-120"/>
-              </a:rPr>
-              <a:t>데이터셋</a:t>
-            </a:r>
-            <a:endParaRPr lang="en-US" sz="4150" dirty="0"/>
-          </a:p>
-        </p:txBody>
-      </p:sp>
-      <p:sp>
-        <p:nvSpPr>
-          <p:cNvPr id="2" name="Text 1">
-            <a:extLst>
-              <a:ext uri="{FF2B5EF4-FFF2-40B4-BE49-F238E27FC236}">
-                <a16:creationId xmlns:a16="http://schemas.microsoft.com/office/drawing/2014/main" id="{ED52ABCC-EBEC-B2D5-7B78-64A4109A144D}"/>
-              </a:ext>
-            </a:extLst>
-          </p:cNvPr>
-          <p:cNvSpPr/>
-          <p:nvPr/>
-        </p:nvSpPr>
-        <p:spPr>
-          <a:xfrm>
-            <a:off x="793790" y="2789515"/>
-            <a:ext cx="2835235" cy="354330"/>
-          </a:xfrm>
-          <a:prstGeom prst="rect">
-            <a:avLst/>
-          </a:prstGeom>
-          <a:noFill/>
-          <a:ln/>
-        </p:spPr>
-        <p:txBody>
-          <a:bodyPr wrap="none" lIns="0" tIns="0" rIns="0" bIns="0" rtlCol="0" anchor="t"/>
-          <a:lstStyle/>
-          <a:p>
-            <a:pPr marL="0" indent="0" algn="l">
-              <a:lnSpc>
-                <a:spcPts val="2750"/>
-              </a:lnSpc>
-              <a:buNone/>
-            </a:pPr>
-            <a:r>
-              <a:rPr lang="en-US" sz="2200" dirty="0">
-                <a:solidFill>
-                  <a:srgbClr val="EFD5FA"/>
-                </a:solidFill>
-                <a:latin typeface="Instrument Sans Medium" pitchFamily="34" charset="0"/>
-                <a:ea typeface="Instrument Sans Medium" pitchFamily="34" charset="-122"/>
-                <a:cs typeface="Instrument Sans Medium" pitchFamily="34" charset="-120"/>
-              </a:rPr>
-              <a:t>ARIMA 모델</a:t>
-            </a:r>
-            <a:endParaRPr lang="en-US" sz="2200" dirty="0"/>
-          </a:p>
-        </p:txBody>
-      </p:sp>
-      <p:sp>
-        <p:nvSpPr>
-          <p:cNvPr id="3" name="Text 2">
-            <a:extLst>
-              <a:ext uri="{FF2B5EF4-FFF2-40B4-BE49-F238E27FC236}">
-                <a16:creationId xmlns:a16="http://schemas.microsoft.com/office/drawing/2014/main" id="{C69E0E68-F9B3-826A-7CBB-EAF4301AF572}"/>
-              </a:ext>
-            </a:extLst>
-          </p:cNvPr>
-          <p:cNvSpPr/>
-          <p:nvPr/>
-        </p:nvSpPr>
-        <p:spPr>
-          <a:xfrm>
-            <a:off x="793790" y="3370659"/>
-            <a:ext cx="6244709" cy="725805"/>
-          </a:xfrm>
-          <a:prstGeom prst="rect">
-            <a:avLst/>
-          </a:prstGeom>
-          <a:noFill/>
-          <a:ln/>
-        </p:spPr>
-        <p:txBody>
-          <a:bodyPr wrap="square" lIns="0" tIns="0" rIns="0" bIns="0" rtlCol="0" anchor="t"/>
-          <a:lstStyle/>
-          <a:p>
-            <a:pPr marL="0" indent="0" algn="l">
-              <a:lnSpc>
-                <a:spcPts val="2850"/>
-              </a:lnSpc>
-              <a:buNone/>
-            </a:pPr>
-            <a:r>
-              <a:rPr lang="en-US" sz="1750" dirty="0">
-                <a:solidFill>
-                  <a:srgbClr val="C7CDD6"/>
-                </a:solidFill>
-                <a:latin typeface="Inter" pitchFamily="34" charset="0"/>
-                <a:ea typeface="Inter" pitchFamily="34" charset="-122"/>
-                <a:cs typeface="Inter" pitchFamily="34" charset="-120"/>
-              </a:rPr>
-              <a:t>ARIMA(AutoRegressive Integrated Moving Average)는 AR+MA의 조합으로 잔차 기반 이상 탐지에 최적화된 모델입니다.</a:t>
-            </a:r>
-            <a:endParaRPr lang="en-US" sz="1750" dirty="0"/>
-          </a:p>
-        </p:txBody>
-      </p:sp>
-      <p:sp>
-        <p:nvSpPr>
-          <p:cNvPr id="4" name="Text 3">
-            <a:extLst>
-              <a:ext uri="{FF2B5EF4-FFF2-40B4-BE49-F238E27FC236}">
-                <a16:creationId xmlns:a16="http://schemas.microsoft.com/office/drawing/2014/main" id="{C4BB44FC-8495-C4E6-6F12-C62332E775B1}"/>
-              </a:ext>
-            </a:extLst>
-          </p:cNvPr>
-          <p:cNvSpPr/>
-          <p:nvPr/>
-        </p:nvSpPr>
-        <p:spPr>
-          <a:xfrm>
-            <a:off x="793790" y="4300538"/>
-            <a:ext cx="6244709" cy="725805"/>
-          </a:xfrm>
-          <a:prstGeom prst="rect">
-            <a:avLst/>
-          </a:prstGeom>
-          <a:noFill/>
-          <a:ln/>
-        </p:spPr>
-        <p:txBody>
-          <a:bodyPr wrap="square" lIns="0" tIns="0" rIns="0" bIns="0" rtlCol="0" anchor="t"/>
-          <a:lstStyle/>
-          <a:p>
-            <a:pPr marL="342900" indent="-342900" algn="l">
-              <a:lnSpc>
-                <a:spcPts val="2850"/>
-              </a:lnSpc>
-              <a:buSzPct val="100000"/>
-              <a:buChar char="•"/>
-            </a:pPr>
-            <a:r>
-              <a:rPr lang="en-US" sz="1750" dirty="0">
-                <a:solidFill>
-                  <a:srgbClr val="C7CDD6"/>
-                </a:solidFill>
-                <a:latin typeface="Inter" pitchFamily="34" charset="0"/>
-                <a:ea typeface="Inter" pitchFamily="34" charset="-122"/>
-                <a:cs typeface="Inter" pitchFamily="34" charset="-120"/>
-              </a:rPr>
-              <a:t>p (AR 차수): 과거 관측치 몇 개를 볼지, 직전 2 시점의 값을 반영</a:t>
-            </a:r>
-            <a:endParaRPr lang="en-US" sz="1750" dirty="0"/>
-          </a:p>
-        </p:txBody>
-      </p:sp>
-      <p:sp>
-        <p:nvSpPr>
-          <p:cNvPr id="5" name="Text 4">
-            <a:extLst>
-              <a:ext uri="{FF2B5EF4-FFF2-40B4-BE49-F238E27FC236}">
-                <a16:creationId xmlns:a16="http://schemas.microsoft.com/office/drawing/2014/main" id="{D7133989-6396-DF23-EDA9-9239290C8BF2}"/>
-              </a:ext>
-            </a:extLst>
-          </p:cNvPr>
-          <p:cNvSpPr/>
-          <p:nvPr/>
-        </p:nvSpPr>
-        <p:spPr>
-          <a:xfrm>
-            <a:off x="793790" y="5105638"/>
-            <a:ext cx="6244709" cy="725805"/>
-          </a:xfrm>
-          <a:prstGeom prst="rect">
-            <a:avLst/>
-          </a:prstGeom>
-          <a:noFill/>
-          <a:ln/>
-        </p:spPr>
-        <p:txBody>
-          <a:bodyPr wrap="square" lIns="0" tIns="0" rIns="0" bIns="0" rtlCol="0" anchor="t"/>
-          <a:lstStyle/>
-          <a:p>
-            <a:pPr marL="342900" indent="-342900" algn="l">
-              <a:lnSpc>
-                <a:spcPts val="2850"/>
-              </a:lnSpc>
-              <a:buSzPct val="100000"/>
-              <a:buChar char="•"/>
-            </a:pPr>
-            <a:r>
-              <a:rPr lang="en-US" sz="1750" dirty="0">
-                <a:solidFill>
-                  <a:srgbClr val="C7CDD6"/>
-                </a:solidFill>
-                <a:latin typeface="Inter" pitchFamily="34" charset="0"/>
-                <a:ea typeface="Inter" pitchFamily="34" charset="-122"/>
-                <a:cs typeface="Inter" pitchFamily="34" charset="-120"/>
-              </a:rPr>
-              <a:t>d (차분 차수): 몇 번 차분해 정상 시계열로 만들지, 1차 차분만으로 안정적 패턴</a:t>
-            </a:r>
-            <a:endParaRPr lang="en-US" sz="1750" dirty="0"/>
-          </a:p>
-        </p:txBody>
-      </p:sp>
-      <p:sp>
-        <p:nvSpPr>
-          <p:cNvPr id="6" name="Text 5">
-            <a:extLst>
-              <a:ext uri="{FF2B5EF4-FFF2-40B4-BE49-F238E27FC236}">
-                <a16:creationId xmlns:a16="http://schemas.microsoft.com/office/drawing/2014/main" id="{FE281221-B047-5CEB-FE19-7786C39246DF}"/>
-              </a:ext>
-            </a:extLst>
-          </p:cNvPr>
-          <p:cNvSpPr/>
-          <p:nvPr/>
-        </p:nvSpPr>
-        <p:spPr>
-          <a:xfrm>
-            <a:off x="793790" y="5910739"/>
-            <a:ext cx="6244709" cy="725805"/>
-          </a:xfrm>
-          <a:prstGeom prst="rect">
-            <a:avLst/>
-          </a:prstGeom>
-          <a:noFill/>
-          <a:ln/>
-        </p:spPr>
-        <p:txBody>
-          <a:bodyPr wrap="square" lIns="0" tIns="0" rIns="0" bIns="0" rtlCol="0" anchor="t"/>
-          <a:lstStyle/>
-          <a:p>
-            <a:pPr marL="342900" indent="-342900" algn="l">
-              <a:lnSpc>
-                <a:spcPts val="2850"/>
-              </a:lnSpc>
-              <a:buSzPct val="100000"/>
-              <a:buChar char="•"/>
-            </a:pPr>
-            <a:r>
-              <a:rPr lang="en-US" sz="1750" dirty="0">
-                <a:solidFill>
-                  <a:srgbClr val="C7CDD6"/>
-                </a:solidFill>
-                <a:latin typeface="Inter" pitchFamily="34" charset="0"/>
-                <a:ea typeface="Inter" pitchFamily="34" charset="-122"/>
-                <a:cs typeface="Inter" pitchFamily="34" charset="-120"/>
-              </a:rPr>
-              <a:t>q (MA 차수): 과거 오차 몇 개를 볼지, 직전 2 시점의 오차를 반영</a:t>
-            </a:r>
-            <a:endParaRPr lang="en-US" sz="1750" dirty="0"/>
-          </a:p>
-        </p:txBody>
-      </p:sp>
-      <p:sp>
-        <p:nvSpPr>
-          <p:cNvPr id="7" name="Text 6">
-            <a:extLst>
-              <a:ext uri="{FF2B5EF4-FFF2-40B4-BE49-F238E27FC236}">
-                <a16:creationId xmlns:a16="http://schemas.microsoft.com/office/drawing/2014/main" id="{7ED02269-6046-A04E-A18A-E6FC5F34892F}"/>
-              </a:ext>
-            </a:extLst>
-          </p:cNvPr>
-          <p:cNvSpPr/>
-          <p:nvPr/>
-        </p:nvSpPr>
-        <p:spPr>
-          <a:xfrm>
-            <a:off x="7599521" y="2789515"/>
-            <a:ext cx="2835235" cy="354330"/>
-          </a:xfrm>
-          <a:prstGeom prst="rect">
-            <a:avLst/>
-          </a:prstGeom>
-          <a:noFill/>
-          <a:ln/>
-        </p:spPr>
-        <p:txBody>
-          <a:bodyPr wrap="none" lIns="0" tIns="0" rIns="0" bIns="0" rtlCol="0" anchor="t"/>
-          <a:lstStyle/>
-          <a:p>
-            <a:pPr marL="0" indent="0" algn="l">
-              <a:lnSpc>
-                <a:spcPts val="2750"/>
-              </a:lnSpc>
-              <a:buNone/>
-            </a:pPr>
-            <a:r>
-              <a:rPr lang="en-US" sz="2200" dirty="0">
-                <a:solidFill>
-                  <a:srgbClr val="EFD5FA"/>
-                </a:solidFill>
-                <a:latin typeface="Instrument Sans Medium" pitchFamily="34" charset="0"/>
-                <a:ea typeface="Instrument Sans Medium" pitchFamily="34" charset="-122"/>
-                <a:cs typeface="Instrument Sans Medium" pitchFamily="34" charset="-120"/>
-              </a:rPr>
-              <a:t>SWaT 데이터셋</a:t>
-            </a:r>
-            <a:endParaRPr lang="en-US" sz="2200" dirty="0"/>
-          </a:p>
-        </p:txBody>
-      </p:sp>
-      <p:sp>
-        <p:nvSpPr>
-          <p:cNvPr id="8" name="Text 7">
-            <a:extLst>
-              <a:ext uri="{FF2B5EF4-FFF2-40B4-BE49-F238E27FC236}">
-                <a16:creationId xmlns:a16="http://schemas.microsoft.com/office/drawing/2014/main" id="{E33445C4-6393-4E13-6BB2-EA01D6FC65C1}"/>
-              </a:ext>
-            </a:extLst>
-          </p:cNvPr>
-          <p:cNvSpPr/>
-          <p:nvPr/>
-        </p:nvSpPr>
-        <p:spPr>
-          <a:xfrm>
-            <a:off x="7599521" y="3370659"/>
-            <a:ext cx="6244709" cy="725805"/>
-          </a:xfrm>
-          <a:prstGeom prst="rect">
-            <a:avLst/>
-          </a:prstGeom>
-          <a:noFill/>
-          <a:ln/>
-        </p:spPr>
-        <p:txBody>
-          <a:bodyPr wrap="square" lIns="0" tIns="0" rIns="0" bIns="0" rtlCol="0" anchor="t"/>
-          <a:lstStyle/>
-          <a:p>
-            <a:pPr marL="0" indent="0" algn="l">
-              <a:lnSpc>
-                <a:spcPts val="2850"/>
-              </a:lnSpc>
-              <a:buNone/>
-            </a:pPr>
-            <a:r>
-              <a:rPr lang="en-US" sz="1750" dirty="0">
-                <a:solidFill>
-                  <a:srgbClr val="C7CDD6"/>
-                </a:solidFill>
-                <a:latin typeface="Inter" pitchFamily="34" charset="0"/>
-                <a:ea typeface="Inter" pitchFamily="34" charset="-122"/>
-                <a:cs typeface="Inter" pitchFamily="34" charset="-120"/>
-              </a:rPr>
-              <a:t>산업 제어 시스템용 공개 벤치마크 데이터로, 수많은 논문에서 사용된 검증된 데이터셋 모델입니다.</a:t>
-            </a:r>
-            <a:endParaRPr lang="en-US" sz="1750" dirty="0"/>
-          </a:p>
-        </p:txBody>
-      </p:sp>
-      <p:sp>
-        <p:nvSpPr>
-          <p:cNvPr id="9" name="Text 8">
-            <a:extLst>
-              <a:ext uri="{FF2B5EF4-FFF2-40B4-BE49-F238E27FC236}">
-                <a16:creationId xmlns:a16="http://schemas.microsoft.com/office/drawing/2014/main" id="{741C5E89-42BA-CCB3-0E80-9B2B2BC4C59F}"/>
-              </a:ext>
-            </a:extLst>
-          </p:cNvPr>
-          <p:cNvSpPr/>
-          <p:nvPr/>
-        </p:nvSpPr>
-        <p:spPr>
-          <a:xfrm>
-            <a:off x="7599521" y="4300538"/>
-            <a:ext cx="6244709" cy="1088708"/>
-          </a:xfrm>
-          <a:prstGeom prst="rect">
-            <a:avLst/>
-          </a:prstGeom>
-          <a:noFill/>
-          <a:ln/>
-        </p:spPr>
-        <p:txBody>
-          <a:bodyPr wrap="square" lIns="0" tIns="0" rIns="0" bIns="0" rtlCol="0" anchor="t"/>
-          <a:lstStyle/>
-          <a:p>
-            <a:pPr marL="0" indent="0" algn="l">
-              <a:lnSpc>
-                <a:spcPts val="2850"/>
-              </a:lnSpc>
-              <a:buNone/>
-            </a:pPr>
-            <a:r>
-              <a:rPr lang="en-US" sz="1750" dirty="0">
-                <a:solidFill>
-                  <a:srgbClr val="C7CDD6"/>
-                </a:solidFill>
-                <a:latin typeface="Inter" pitchFamily="34" charset="0"/>
-                <a:ea typeface="Inter" pitchFamily="34" charset="-122"/>
-                <a:cs typeface="Inter" pitchFamily="34" charset="-120"/>
-              </a:rPr>
-              <a:t>데이터는 타임스탬프와 다양한 센서 태그(FIT101, LIT101 등)로 구성되어 있으며, 정상 상태와 이상 상태를 구분할 수 있는 레이블이 포함되어 있습니다.</a:t>
-            </a:r>
-            <a:endParaRPr lang="en-US" sz="1750" dirty="0"/>
-          </a:p>
-        </p:txBody>
-      </p:sp>
-    </p:spTree>
-    <p:extLst>
-      <p:ext uri="{BB962C8B-B14F-4D97-AF65-F5344CB8AC3E}">
-        <p14:creationId xmlns:p14="http://schemas.microsoft.com/office/powerpoint/2010/main" val="1395010357"/>
       </p:ext>
     </p:extLst>
   </p:cSld>
@@ -5461,13 +6539,17 @@
                 <a:solidFill>
                   <a:srgbClr val="EFD5FA"/>
                 </a:solidFill>
-                <a:latin typeface="Instrument Sans Medium" pitchFamily="34" charset="0"/>
-                <a:ea typeface="Instrument Sans Medium" pitchFamily="34" charset="-122"/>
-                <a:cs typeface="Instrument Sans Medium" pitchFamily="34" charset="-120"/>
-              </a:rPr>
-              <a:t>common_utils.py 구조</a:t>
-            </a:r>
-            <a:endParaRPr lang="en-US" sz="4350" dirty="0"/>
+                <a:latin typeface="Microsoft GothicNeo" panose="020B0500000101010101" pitchFamily="50" charset="-127"/>
+                <a:ea typeface="Microsoft GothicNeo" panose="020B0500000101010101" pitchFamily="50" charset="-127"/>
+                <a:cs typeface="Microsoft GothicNeo" panose="020B0500000101010101" pitchFamily="50" charset="-127"/>
+              </a:rPr>
+              <a:t>common_utils.py</a:t>
+            </a:r>
+            <a:endParaRPr lang="en-US" sz="4350" dirty="0">
+              <a:latin typeface="Microsoft GothicNeo" panose="020B0500000101010101" pitchFamily="50" charset="-127"/>
+              <a:ea typeface="Microsoft GothicNeo" panose="020B0500000101010101" pitchFamily="50" charset="-127"/>
+              <a:cs typeface="Microsoft GothicNeo" panose="020B0500000101010101" pitchFamily="50" charset="-127"/>
+            </a:endParaRPr>
           </a:p>
         </p:txBody>
       </p:sp>
@@ -5503,13 +6585,17 @@
                 <a:solidFill>
                   <a:srgbClr val="C7CDD6"/>
                 </a:solidFill>
-                <a:latin typeface="Inter" pitchFamily="34" charset="0"/>
-                <a:ea typeface="Inter" pitchFamily="34" charset="-122"/>
-                <a:cs typeface="Inter" pitchFamily="34" charset="-120"/>
+                <a:latin typeface="Microsoft GothicNeo" panose="020B0500000101010101" pitchFamily="50" charset="-127"/>
+                <a:ea typeface="Microsoft GothicNeo" panose="020B0500000101010101" pitchFamily="50" charset="-127"/>
+                <a:cs typeface="Microsoft GothicNeo" panose="020B0500000101010101" pitchFamily="50" charset="-127"/>
               </a:rPr>
               <a:t>common_utils.py는 프로젝트의 핵심 유틸리티 함수와 클래스를 제공합니다. 주요 기능으로는 CSV 파일에서 시계열 데이터 로드, ARIMA 모델 정의, 그리고 학습/예측에 사용할 디바이스 선택이 있습니다.</a:t>
             </a:r>
-            <a:endParaRPr lang="en-US" sz="1750" dirty="0"/>
+            <a:endParaRPr lang="en-US" sz="1750" dirty="0">
+              <a:latin typeface="Microsoft GothicNeo" panose="020B0500000101010101" pitchFamily="50" charset="-127"/>
+              <a:ea typeface="Microsoft GothicNeo" panose="020B0500000101010101" pitchFamily="50" charset="-127"/>
+              <a:cs typeface="Microsoft GothicNeo" panose="020B0500000101010101" pitchFamily="50" charset="-127"/>
+            </a:endParaRPr>
           </a:p>
         </p:txBody>
       </p:sp>
@@ -5569,13 +6655,17 @@
                 <a:solidFill>
                   <a:srgbClr val="C7CDD6"/>
                 </a:solidFill>
-                <a:latin typeface="Instrument Sans Medium" pitchFamily="34" charset="0"/>
-                <a:ea typeface="Instrument Sans Medium" pitchFamily="34" charset="-122"/>
-                <a:cs typeface="Instrument Sans Medium" pitchFamily="34" charset="-120"/>
+                <a:latin typeface="Microsoft GothicNeo" panose="020B0500000101010101" pitchFamily="50" charset="-127"/>
+                <a:ea typeface="Microsoft GothicNeo" panose="020B0500000101010101" pitchFamily="50" charset="-127"/>
+                <a:cs typeface="Microsoft GothicNeo" panose="020B0500000101010101" pitchFamily="50" charset="-127"/>
               </a:rPr>
               <a:t>load_csv() 함수</a:t>
             </a:r>
-            <a:endParaRPr lang="en-US" sz="2150" dirty="0"/>
+            <a:endParaRPr lang="en-US" sz="2150" dirty="0">
+              <a:latin typeface="Microsoft GothicNeo" panose="020B0500000101010101" pitchFamily="50" charset="-127"/>
+              <a:ea typeface="Microsoft GothicNeo" panose="020B0500000101010101" pitchFamily="50" charset="-127"/>
+              <a:cs typeface="Microsoft GothicNeo" panose="020B0500000101010101" pitchFamily="50" charset="-127"/>
+            </a:endParaRPr>
           </a:p>
         </p:txBody>
       </p:sp>
@@ -5611,13 +6701,17 @@
                 <a:solidFill>
                   <a:srgbClr val="C7CDD6"/>
                 </a:solidFill>
-                <a:latin typeface="Inter" pitchFamily="34" charset="0"/>
-                <a:ea typeface="Inter" pitchFamily="34" charset="-122"/>
-                <a:cs typeface="Inter" pitchFamily="34" charset="-120"/>
+                <a:latin typeface="Microsoft GothicNeo" panose="020B0500000101010101" pitchFamily="50" charset="-127"/>
+                <a:ea typeface="Microsoft GothicNeo" panose="020B0500000101010101" pitchFamily="50" charset="-127"/>
+                <a:cs typeface="Microsoft GothicNeo" panose="020B0500000101010101" pitchFamily="50" charset="-127"/>
               </a:rPr>
               <a:t>CSV에서 지정 태그 시계열을 로드하고 전처리합니다. 1초 간격으로 리샘플링 및 보간한 시계열 Tensor와 DatetimeIndex를 반환합니다.</a:t>
             </a:r>
-            <a:endParaRPr lang="en-US" sz="1750" dirty="0"/>
+            <a:endParaRPr lang="en-US" sz="1750" dirty="0">
+              <a:latin typeface="Microsoft GothicNeo" panose="020B0500000101010101" pitchFamily="50" charset="-127"/>
+              <a:ea typeface="Microsoft GothicNeo" panose="020B0500000101010101" pitchFamily="50" charset="-127"/>
+              <a:cs typeface="Microsoft GothicNeo" panose="020B0500000101010101" pitchFamily="50" charset="-127"/>
+            </a:endParaRPr>
           </a:p>
         </p:txBody>
       </p:sp>
@@ -5677,13 +6771,17 @@
                 <a:solidFill>
                   <a:srgbClr val="C7CDD6"/>
                 </a:solidFill>
-                <a:latin typeface="Instrument Sans Medium" pitchFamily="34" charset="0"/>
-                <a:ea typeface="Instrument Sans Medium" pitchFamily="34" charset="-122"/>
-                <a:cs typeface="Instrument Sans Medium" pitchFamily="34" charset="-120"/>
+                <a:latin typeface="Microsoft GothicNeo" panose="020B0500000101010101" pitchFamily="50" charset="-127"/>
+                <a:ea typeface="Microsoft GothicNeo" panose="020B0500000101010101" pitchFamily="50" charset="-127"/>
+                <a:cs typeface="Microsoft GothicNeo" panose="020B0500000101010101" pitchFamily="50" charset="-127"/>
               </a:rPr>
               <a:t>ARIMAModel 클래스</a:t>
             </a:r>
-            <a:endParaRPr lang="en-US" sz="2150" dirty="0"/>
+            <a:endParaRPr lang="en-US" sz="2150" dirty="0">
+              <a:latin typeface="Microsoft GothicNeo" panose="020B0500000101010101" pitchFamily="50" charset="-127"/>
+              <a:ea typeface="Microsoft GothicNeo" panose="020B0500000101010101" pitchFamily="50" charset="-127"/>
+              <a:cs typeface="Microsoft GothicNeo" panose="020B0500000101010101" pitchFamily="50" charset="-127"/>
+            </a:endParaRPr>
           </a:p>
         </p:txBody>
       </p:sp>
@@ -5719,13 +6817,17 @@
                 <a:solidFill>
                   <a:srgbClr val="C7CDD6"/>
                 </a:solidFill>
-                <a:latin typeface="Inter" pitchFamily="34" charset="0"/>
-                <a:ea typeface="Inter" pitchFamily="34" charset="-122"/>
-                <a:cs typeface="Inter" pitchFamily="34" charset="-120"/>
+                <a:latin typeface="Microsoft GothicNeo" panose="020B0500000101010101" pitchFamily="50" charset="-127"/>
+                <a:ea typeface="Microsoft GothicNeo" panose="020B0500000101010101" pitchFamily="50" charset="-127"/>
+                <a:cs typeface="Microsoft GothicNeo" panose="020B0500000101010101" pitchFamily="50" charset="-127"/>
               </a:rPr>
               <a:t>PyTorch 기반 ARIMA(p, d, q) 모델을 정의합니다. 학습 가능한 파라미터로 phi, theta, mu를 가지며, forward() 메서드에서 잔차를 계산합니다.</a:t>
             </a:r>
-            <a:endParaRPr lang="en-US" sz="1750" dirty="0"/>
+            <a:endParaRPr lang="en-US" sz="1750" dirty="0">
+              <a:latin typeface="Microsoft GothicNeo" panose="020B0500000101010101" pitchFamily="50" charset="-127"/>
+              <a:ea typeface="Microsoft GothicNeo" panose="020B0500000101010101" pitchFamily="50" charset="-127"/>
+              <a:cs typeface="Microsoft GothicNeo" panose="020B0500000101010101" pitchFamily="50" charset="-127"/>
+            </a:endParaRPr>
           </a:p>
         </p:txBody>
       </p:sp>
@@ -5785,13 +6887,17 @@
                 <a:solidFill>
                   <a:srgbClr val="C7CDD6"/>
                 </a:solidFill>
-                <a:latin typeface="Instrument Sans Medium" pitchFamily="34" charset="0"/>
-                <a:ea typeface="Instrument Sans Medium" pitchFamily="34" charset="-122"/>
-                <a:cs typeface="Instrument Sans Medium" pitchFamily="34" charset="-120"/>
+                <a:latin typeface="Microsoft GothicNeo" panose="020B0500000101010101" pitchFamily="50" charset="-127"/>
+                <a:ea typeface="Microsoft GothicNeo" panose="020B0500000101010101" pitchFamily="50" charset="-127"/>
+                <a:cs typeface="Microsoft GothicNeo" panose="020B0500000101010101" pitchFamily="50" charset="-127"/>
               </a:rPr>
               <a:t>get_device() 함수</a:t>
             </a:r>
-            <a:endParaRPr lang="en-US" sz="2150" dirty="0"/>
+            <a:endParaRPr lang="en-US" sz="2150" dirty="0">
+              <a:latin typeface="Microsoft GothicNeo" panose="020B0500000101010101" pitchFamily="50" charset="-127"/>
+              <a:ea typeface="Microsoft GothicNeo" panose="020B0500000101010101" pitchFamily="50" charset="-127"/>
+              <a:cs typeface="Microsoft GothicNeo" panose="020B0500000101010101" pitchFamily="50" charset="-127"/>
+            </a:endParaRPr>
           </a:p>
         </p:txBody>
       </p:sp>
@@ -5827,13 +6933,17 @@
                 <a:solidFill>
                   <a:srgbClr val="C7CDD6"/>
                 </a:solidFill>
-                <a:latin typeface="Inter" pitchFamily="34" charset="0"/>
-                <a:ea typeface="Inter" pitchFamily="34" charset="-122"/>
-                <a:cs typeface="Inter" pitchFamily="34" charset="-120"/>
+                <a:latin typeface="Microsoft GothicNeo" panose="020B0500000101010101" pitchFamily="50" charset="-127"/>
+                <a:ea typeface="Microsoft GothicNeo" panose="020B0500000101010101" pitchFamily="50" charset="-127"/>
+                <a:cs typeface="Microsoft GothicNeo" panose="020B0500000101010101" pitchFamily="50" charset="-127"/>
               </a:rPr>
               <a:t>CUDA 사용 가능 여부를 확인하고 GPU 목록을 출력합니다. 사용 가능한 경우 ('cuda', GPU 개수)를, 아니면 ('cpu', 0)을 반환합니다.</a:t>
             </a:r>
-            <a:endParaRPr lang="en-US" sz="1750" dirty="0"/>
+            <a:endParaRPr lang="en-US" sz="1750" dirty="0">
+              <a:latin typeface="Microsoft GothicNeo" panose="020B0500000101010101" pitchFamily="50" charset="-127"/>
+              <a:ea typeface="Microsoft GothicNeo" panose="020B0500000101010101" pitchFamily="50" charset="-127"/>
+              <a:cs typeface="Microsoft GothicNeo" panose="020B0500000101010101" pitchFamily="50" charset="-127"/>
+            </a:endParaRPr>
           </a:p>
         </p:txBody>
       </p:sp>
@@ -5894,13 +7004,17 @@
                 <a:solidFill>
                   <a:srgbClr val="EFD5FA"/>
                 </a:solidFill>
-                <a:latin typeface="Instrument Sans Medium" pitchFamily="34" charset="0"/>
-                <a:ea typeface="Instrument Sans Medium" pitchFamily="34" charset="-122"/>
-                <a:cs typeface="Instrument Sans Medium" pitchFamily="34" charset="-120"/>
-              </a:rPr>
-              <a:t>train_arima.py 구조</a:t>
-            </a:r>
-            <a:endParaRPr lang="en-US" sz="4450" dirty="0"/>
+                <a:latin typeface="Microsoft GothicNeo" panose="020B0500000101010101" pitchFamily="50" charset="-127"/>
+                <a:ea typeface="Microsoft GothicNeo" panose="020B0500000101010101" pitchFamily="50" charset="-127"/>
+                <a:cs typeface="Microsoft GothicNeo" panose="020B0500000101010101" pitchFamily="50" charset="-127"/>
+              </a:rPr>
+              <a:t>train_arima.py</a:t>
+            </a:r>
+            <a:endParaRPr lang="en-US" sz="4450" dirty="0">
+              <a:latin typeface="Microsoft GothicNeo" panose="020B0500000101010101" pitchFamily="50" charset="-127"/>
+              <a:ea typeface="Microsoft GothicNeo" panose="020B0500000101010101" pitchFamily="50" charset="-127"/>
+              <a:cs typeface="Microsoft GothicNeo" panose="020B0500000101010101" pitchFamily="50" charset="-127"/>
+            </a:endParaRPr>
           </a:p>
         </p:txBody>
       </p:sp>
@@ -5936,13 +7050,17 @@
                 <a:solidFill>
                   <a:srgbClr val="C7CDD6"/>
                 </a:solidFill>
-                <a:latin typeface="Inter" pitchFamily="34" charset="0"/>
-                <a:ea typeface="Inter" pitchFamily="34" charset="-122"/>
-                <a:cs typeface="Inter" pitchFamily="34" charset="-120"/>
+                <a:latin typeface="Microsoft GothicNeo" panose="020B0500000101010101" pitchFamily="50" charset="-127"/>
+                <a:ea typeface="Microsoft GothicNeo" panose="020B0500000101010101" pitchFamily="50" charset="-127"/>
+                <a:cs typeface="Microsoft GothicNeo" panose="020B0500000101010101" pitchFamily="50" charset="-127"/>
               </a:rPr>
               <a:t>train_arima.py는 정상 데이터를 사용하여 ARIMA 모델을 학습하고 파라미터를 저장하는 스크립트입니다. 주요 기능으로는 데이터 로드, 모델 초기화, 학습 루프 실행, 그리고 학습된 모델 저장이 있습니다.</a:t>
             </a:r>
-            <a:endParaRPr lang="en-US" sz="1750" dirty="0"/>
+            <a:endParaRPr lang="en-US" sz="1750" dirty="0">
+              <a:latin typeface="Microsoft GothicNeo" panose="020B0500000101010101" pitchFamily="50" charset="-127"/>
+              <a:ea typeface="Microsoft GothicNeo" panose="020B0500000101010101" pitchFamily="50" charset="-127"/>
+              <a:cs typeface="Microsoft GothicNeo" panose="020B0500000101010101" pitchFamily="50" charset="-127"/>
+            </a:endParaRPr>
           </a:p>
         </p:txBody>
       </p:sp>
@@ -5978,13 +7096,17 @@
                 <a:solidFill>
                   <a:srgbClr val="C7CDD6"/>
                 </a:solidFill>
-                <a:latin typeface="Instrument Sans Medium" pitchFamily="34" charset="0"/>
-                <a:ea typeface="Instrument Sans Medium" pitchFamily="34" charset="-122"/>
-                <a:cs typeface="Instrument Sans Medium" pitchFamily="34" charset="-120"/>
+                <a:latin typeface="Microsoft GothicNeo" panose="020B0500000101010101" pitchFamily="50" charset="-127"/>
+                <a:ea typeface="Microsoft GothicNeo" panose="020B0500000101010101" pitchFamily="50" charset="-127"/>
+                <a:cs typeface="Microsoft GothicNeo" panose="020B0500000101010101" pitchFamily="50" charset="-127"/>
               </a:rPr>
               <a:t>데이터 로드</a:t>
             </a:r>
-            <a:endParaRPr lang="en-US" sz="2200" dirty="0"/>
+            <a:endParaRPr lang="en-US" sz="2200" dirty="0">
+              <a:latin typeface="Microsoft GothicNeo" panose="020B0500000101010101" pitchFamily="50" charset="-127"/>
+              <a:ea typeface="Microsoft GothicNeo" panose="020B0500000101010101" pitchFamily="50" charset="-127"/>
+              <a:cs typeface="Microsoft GothicNeo" panose="020B0500000101010101" pitchFamily="50" charset="-127"/>
+            </a:endParaRPr>
           </a:p>
         </p:txBody>
       </p:sp>
@@ -6020,13 +7142,17 @@
                 <a:solidFill>
                   <a:srgbClr val="C7CDD6"/>
                 </a:solidFill>
-                <a:latin typeface="Inter" pitchFamily="34" charset="0"/>
-                <a:ea typeface="Inter" pitchFamily="34" charset="-122"/>
-                <a:cs typeface="Inter" pitchFamily="34" charset="-120"/>
+                <a:latin typeface="Microsoft GothicNeo" panose="020B0500000101010101" pitchFamily="50" charset="-127"/>
+                <a:ea typeface="Microsoft GothicNeo" panose="020B0500000101010101" pitchFamily="50" charset="-127"/>
+                <a:cs typeface="Microsoft GothicNeo" panose="020B0500000101010101" pitchFamily="50" charset="-127"/>
               </a:rPr>
               <a:t>정상 구간 CSV를 읽어 시계열 Tensor를 생성합니다.</a:t>
             </a:r>
-            <a:endParaRPr lang="en-US" sz="1750" dirty="0"/>
+            <a:endParaRPr lang="en-US" sz="1750" dirty="0">
+              <a:latin typeface="Microsoft GothicNeo" panose="020B0500000101010101" pitchFamily="50" charset="-127"/>
+              <a:ea typeface="Microsoft GothicNeo" panose="020B0500000101010101" pitchFamily="50" charset="-127"/>
+              <a:cs typeface="Microsoft GothicNeo" panose="020B0500000101010101" pitchFamily="50" charset="-127"/>
+            </a:endParaRPr>
           </a:p>
         </p:txBody>
       </p:sp>
@@ -6110,13 +7236,17 @@
                 <a:solidFill>
                   <a:srgbClr val="C7CDD6"/>
                 </a:solidFill>
-                <a:latin typeface="Instrument Sans Medium" pitchFamily="34" charset="0"/>
-                <a:ea typeface="Instrument Sans Medium" pitchFamily="34" charset="-122"/>
-                <a:cs typeface="Instrument Sans Medium" pitchFamily="34" charset="-120"/>
+                <a:latin typeface="Microsoft GothicNeo" panose="020B0500000101010101" pitchFamily="50" charset="-127"/>
+                <a:ea typeface="Microsoft GothicNeo" panose="020B0500000101010101" pitchFamily="50" charset="-127"/>
+                <a:cs typeface="Microsoft GothicNeo" panose="020B0500000101010101" pitchFamily="50" charset="-127"/>
               </a:rPr>
               <a:t>모델 초기화</a:t>
             </a:r>
-            <a:endParaRPr lang="en-US" sz="2200" dirty="0"/>
+            <a:endParaRPr lang="en-US" sz="2200" dirty="0">
+              <a:latin typeface="Microsoft GothicNeo" panose="020B0500000101010101" pitchFamily="50" charset="-127"/>
+              <a:ea typeface="Microsoft GothicNeo" panose="020B0500000101010101" pitchFamily="50" charset="-127"/>
+              <a:cs typeface="Microsoft GothicNeo" panose="020B0500000101010101" pitchFamily="50" charset="-127"/>
+            </a:endParaRPr>
           </a:p>
         </p:txBody>
       </p:sp>
@@ -6152,13 +7282,17 @@
                 <a:solidFill>
                   <a:srgbClr val="C7CDD6"/>
                 </a:solidFill>
-                <a:latin typeface="Inter" pitchFamily="34" charset="0"/>
-                <a:ea typeface="Inter" pitchFamily="34" charset="-122"/>
-                <a:cs typeface="Inter" pitchFamily="34" charset="-120"/>
+                <a:latin typeface="Microsoft GothicNeo" panose="020B0500000101010101" pitchFamily="50" charset="-127"/>
+                <a:ea typeface="Microsoft GothicNeo" panose="020B0500000101010101" pitchFamily="50" charset="-127"/>
+                <a:cs typeface="Microsoft GothicNeo" panose="020B0500000101010101" pitchFamily="50" charset="-127"/>
               </a:rPr>
               <a:t>ARIMAModel(p=2, d=1, q=2) 객체를 생성하고 GPU/CPU로 이동합니다. DataParallel로 다중 GPU 사용을 지원합니다.</a:t>
             </a:r>
-            <a:endParaRPr lang="en-US" sz="1750" dirty="0"/>
+            <a:endParaRPr lang="en-US" sz="1750" dirty="0">
+              <a:latin typeface="Microsoft GothicNeo" panose="020B0500000101010101" pitchFamily="50" charset="-127"/>
+              <a:ea typeface="Microsoft GothicNeo" panose="020B0500000101010101" pitchFamily="50" charset="-127"/>
+              <a:cs typeface="Microsoft GothicNeo" panose="020B0500000101010101" pitchFamily="50" charset="-127"/>
+            </a:endParaRPr>
           </a:p>
         </p:txBody>
       </p:sp>
@@ -6242,13 +7376,17 @@
                 <a:solidFill>
                   <a:srgbClr val="C7CDD6"/>
                 </a:solidFill>
-                <a:latin typeface="Instrument Sans Medium" pitchFamily="34" charset="0"/>
-                <a:ea typeface="Instrument Sans Medium" pitchFamily="34" charset="-122"/>
-                <a:cs typeface="Instrument Sans Medium" pitchFamily="34" charset="-120"/>
+                <a:latin typeface="Microsoft GothicNeo" panose="020B0500000101010101" pitchFamily="50" charset="-127"/>
+                <a:ea typeface="Microsoft GothicNeo" panose="020B0500000101010101" pitchFamily="50" charset="-127"/>
+                <a:cs typeface="Microsoft GothicNeo" panose="020B0500000101010101" pitchFamily="50" charset="-127"/>
               </a:rPr>
               <a:t>학습 루프</a:t>
             </a:r>
-            <a:endParaRPr lang="en-US" sz="2200" dirty="0"/>
+            <a:endParaRPr lang="en-US" sz="2200" dirty="0">
+              <a:latin typeface="Microsoft GothicNeo" panose="020B0500000101010101" pitchFamily="50" charset="-127"/>
+              <a:ea typeface="Microsoft GothicNeo" panose="020B0500000101010101" pitchFamily="50" charset="-127"/>
+              <a:cs typeface="Microsoft GothicNeo" panose="020B0500000101010101" pitchFamily="50" charset="-127"/>
+            </a:endParaRPr>
           </a:p>
         </p:txBody>
       </p:sp>
@@ -6284,13 +7422,17 @@
                 <a:solidFill>
                   <a:srgbClr val="C7CDD6"/>
                 </a:solidFill>
-                <a:latin typeface="Inter" pitchFamily="34" charset="0"/>
-                <a:ea typeface="Inter" pitchFamily="34" charset="-122"/>
-                <a:cs typeface="Inter" pitchFamily="34" charset="-120"/>
+                <a:latin typeface="Microsoft GothicNeo" panose="020B0500000101010101" pitchFamily="50" charset="-127"/>
+                <a:ea typeface="Microsoft GothicNeo" panose="020B0500000101010101" pitchFamily="50" charset="-127"/>
+                <a:cs typeface="Microsoft GothicNeo" panose="020B0500000101010101" pitchFamily="50" charset="-127"/>
               </a:rPr>
               <a:t>MSE 손실을 최소화하도록 파라미터를 학습합니다. 학습 과정 시간을 로깅합니다.</a:t>
             </a:r>
-            <a:endParaRPr lang="en-US" sz="1750" dirty="0"/>
+            <a:endParaRPr lang="en-US" sz="1750" dirty="0">
+              <a:latin typeface="Microsoft GothicNeo" panose="020B0500000101010101" pitchFamily="50" charset="-127"/>
+              <a:ea typeface="Microsoft GothicNeo" panose="020B0500000101010101" pitchFamily="50" charset="-127"/>
+              <a:cs typeface="Microsoft GothicNeo" panose="020B0500000101010101" pitchFamily="50" charset="-127"/>
+            </a:endParaRPr>
           </a:p>
         </p:txBody>
       </p:sp>
@@ -6374,13 +7516,17 @@
                 <a:solidFill>
                   <a:srgbClr val="C7CDD6"/>
                 </a:solidFill>
-                <a:latin typeface="Instrument Sans Medium" pitchFamily="34" charset="0"/>
-                <a:ea typeface="Instrument Sans Medium" pitchFamily="34" charset="-122"/>
-                <a:cs typeface="Instrument Sans Medium" pitchFamily="34" charset="-120"/>
+                <a:latin typeface="Microsoft GothicNeo" panose="020B0500000101010101" pitchFamily="50" charset="-127"/>
+                <a:ea typeface="Microsoft GothicNeo" panose="020B0500000101010101" pitchFamily="50" charset="-127"/>
+                <a:cs typeface="Microsoft GothicNeo" panose="020B0500000101010101" pitchFamily="50" charset="-127"/>
               </a:rPr>
               <a:t>모델 저장</a:t>
             </a:r>
-            <a:endParaRPr lang="en-US" sz="2200" dirty="0"/>
+            <a:endParaRPr lang="en-US" sz="2200" dirty="0">
+              <a:latin typeface="Microsoft GothicNeo" panose="020B0500000101010101" pitchFamily="50" charset="-127"/>
+              <a:ea typeface="Microsoft GothicNeo" panose="020B0500000101010101" pitchFamily="50" charset="-127"/>
+              <a:cs typeface="Microsoft GothicNeo" panose="020B0500000101010101" pitchFamily="50" charset="-127"/>
+            </a:endParaRPr>
           </a:p>
         </p:txBody>
       </p:sp>
@@ -6416,13 +7562,17 @@
                 <a:solidFill>
                   <a:srgbClr val="C7CDD6"/>
                 </a:solidFill>
-                <a:latin typeface="Inter" pitchFamily="34" charset="0"/>
-                <a:ea typeface="Inter" pitchFamily="34" charset="-122"/>
-                <a:cs typeface="Inter" pitchFamily="34" charset="-120"/>
+                <a:latin typeface="Microsoft GothicNeo" panose="020B0500000101010101" pitchFamily="50" charset="-127"/>
+                <a:ea typeface="Microsoft GothicNeo" panose="020B0500000101010101" pitchFamily="50" charset="-127"/>
+                <a:cs typeface="Microsoft GothicNeo" panose="020B0500000101010101" pitchFamily="50" charset="-127"/>
               </a:rPr>
               <a:t>최종 파라미터를 models/arima_.pt에 저장합니다.</a:t>
             </a:r>
-            <a:endParaRPr lang="en-US" sz="1750" dirty="0"/>
+            <a:endParaRPr lang="en-US" sz="1750" dirty="0">
+              <a:latin typeface="Microsoft GothicNeo" panose="020B0500000101010101" pitchFamily="50" charset="-127"/>
+              <a:ea typeface="Microsoft GothicNeo" panose="020B0500000101010101" pitchFamily="50" charset="-127"/>
+              <a:cs typeface="Microsoft GothicNeo" panose="020B0500000101010101" pitchFamily="50" charset="-127"/>
+            </a:endParaRPr>
           </a:p>
         </p:txBody>
       </p:sp>
@@ -6531,13 +7681,17 @@
                 <a:solidFill>
                   <a:srgbClr val="EFD5FA"/>
                 </a:solidFill>
-                <a:latin typeface="Instrument Sans Medium" pitchFamily="34" charset="0"/>
-                <a:ea typeface="Instrument Sans Medium" pitchFamily="34" charset="-122"/>
-                <a:cs typeface="Instrument Sans Medium" pitchFamily="34" charset="-120"/>
-              </a:rPr>
-              <a:t>predict_arima.py 구조</a:t>
-            </a:r>
-            <a:endParaRPr lang="en-US" sz="3900" dirty="0"/>
+                <a:latin typeface="Microsoft GothicNeo" panose="020B0500000101010101" pitchFamily="50" charset="-127"/>
+                <a:ea typeface="Microsoft GothicNeo" panose="020B0500000101010101" pitchFamily="50" charset="-127"/>
+                <a:cs typeface="Microsoft GothicNeo" panose="020B0500000101010101" pitchFamily="50" charset="-127"/>
+              </a:rPr>
+              <a:t>predict_arima.py</a:t>
+            </a:r>
+            <a:endParaRPr lang="en-US" sz="3900" dirty="0">
+              <a:latin typeface="Microsoft GothicNeo" panose="020B0500000101010101" pitchFamily="50" charset="-127"/>
+              <a:ea typeface="Microsoft GothicNeo" panose="020B0500000101010101" pitchFamily="50" charset="-127"/>
+              <a:cs typeface="Microsoft GothicNeo" panose="020B0500000101010101" pitchFamily="50" charset="-127"/>
+            </a:endParaRPr>
           </a:p>
         </p:txBody>
       </p:sp>
@@ -6573,13 +7727,17 @@
                 <a:solidFill>
                   <a:srgbClr val="C7CDD6"/>
                 </a:solidFill>
-                <a:latin typeface="Inter" pitchFamily="34" charset="0"/>
-                <a:ea typeface="Inter" pitchFamily="34" charset="-122"/>
-                <a:cs typeface="Inter" pitchFamily="34" charset="-120"/>
+                <a:latin typeface="Microsoft GothicNeo" panose="020B0500000101010101" pitchFamily="50" charset="-127"/>
+                <a:ea typeface="Microsoft GothicNeo" panose="020B0500000101010101" pitchFamily="50" charset="-127"/>
+                <a:cs typeface="Microsoft GothicNeo" panose="020B0500000101010101" pitchFamily="50" charset="-127"/>
               </a:rPr>
               <a:t>predict_arima.py는 학습된 ARIMA 모델을 사용하여 새로운 데이터에서 이상치를 탐지하고 시각화하는 스크립트입니다. 주요 기능으로는 모델 로드, 잔차 계산, 이상치 판정, 그리고 결과 시각화가 있습니다.</a:t>
             </a:r>
-            <a:endParaRPr lang="en-US" sz="1550" dirty="0"/>
+            <a:endParaRPr lang="en-US" sz="1550" dirty="0">
+              <a:latin typeface="Microsoft GothicNeo" panose="020B0500000101010101" pitchFamily="50" charset="-127"/>
+              <a:ea typeface="Microsoft GothicNeo" panose="020B0500000101010101" pitchFamily="50" charset="-127"/>
+              <a:cs typeface="Microsoft GothicNeo" panose="020B0500000101010101" pitchFamily="50" charset="-127"/>
+            </a:endParaRPr>
           </a:p>
         </p:txBody>
       </p:sp>
@@ -6608,7 +7766,11 @@
           <a:bodyPr/>
           <a:lstStyle/>
           <a:p>
-            <a:endParaRPr lang="ko-KR" altLang="en-US"/>
+            <a:endParaRPr lang="ko-KR" altLang="en-US">
+              <a:latin typeface="Microsoft GothicNeo" panose="020B0500000101010101" pitchFamily="50" charset="-127"/>
+              <a:ea typeface="Microsoft GothicNeo" panose="020B0500000101010101" pitchFamily="50" charset="-127"/>
+              <a:cs typeface="Microsoft GothicNeo" panose="020B0500000101010101" pitchFamily="50" charset="-127"/>
+            </a:endParaRPr>
           </a:p>
         </p:txBody>
       </p:sp>
@@ -6668,13 +7830,17 @@
                 <a:solidFill>
                   <a:srgbClr val="C7CDD6"/>
                 </a:solidFill>
-                <a:latin typeface="Instrument Sans Medium" pitchFamily="34" charset="0"/>
-                <a:ea typeface="Instrument Sans Medium" pitchFamily="34" charset="-122"/>
-                <a:cs typeface="Instrument Sans Medium" pitchFamily="34" charset="-120"/>
+                <a:latin typeface="Microsoft GothicNeo" panose="020B0500000101010101" pitchFamily="50" charset="-127"/>
+                <a:ea typeface="Microsoft GothicNeo" panose="020B0500000101010101" pitchFamily="50" charset="-127"/>
+                <a:cs typeface="Microsoft GothicNeo" panose="020B0500000101010101" pitchFamily="50" charset="-127"/>
               </a:rPr>
               <a:t>모델 로드</a:t>
             </a:r>
-            <a:endParaRPr lang="en-US" sz="1950" dirty="0"/>
+            <a:endParaRPr lang="en-US" sz="1950" dirty="0">
+              <a:latin typeface="Microsoft GothicNeo" panose="020B0500000101010101" pitchFamily="50" charset="-127"/>
+              <a:ea typeface="Microsoft GothicNeo" panose="020B0500000101010101" pitchFamily="50" charset="-127"/>
+              <a:cs typeface="Microsoft GothicNeo" panose="020B0500000101010101" pitchFamily="50" charset="-127"/>
+            </a:endParaRPr>
           </a:p>
         </p:txBody>
       </p:sp>
@@ -6710,13 +7876,17 @@
                 <a:solidFill>
                   <a:srgbClr val="C7CDD6"/>
                 </a:solidFill>
-                <a:latin typeface="Inter" pitchFamily="34" charset="0"/>
-                <a:ea typeface="Inter" pitchFamily="34" charset="-122"/>
-                <a:cs typeface="Inter" pitchFamily="34" charset="-120"/>
+                <a:latin typeface="Microsoft GothicNeo" panose="020B0500000101010101" pitchFamily="50" charset="-127"/>
+                <a:ea typeface="Microsoft GothicNeo" panose="020B0500000101010101" pitchFamily="50" charset="-127"/>
+                <a:cs typeface="Microsoft GothicNeo" panose="020B0500000101010101" pitchFamily="50" charset="-127"/>
               </a:rPr>
               <a:t>학습된 ARIMA 파라미터(.pt)를 로드합니다.</a:t>
             </a:r>
-            <a:endParaRPr lang="en-US" sz="1550" dirty="0"/>
+            <a:endParaRPr lang="en-US" sz="1550" dirty="0">
+              <a:latin typeface="Microsoft GothicNeo" panose="020B0500000101010101" pitchFamily="50" charset="-127"/>
+              <a:ea typeface="Microsoft GothicNeo" panose="020B0500000101010101" pitchFamily="50" charset="-127"/>
+              <a:cs typeface="Microsoft GothicNeo" panose="020B0500000101010101" pitchFamily="50" charset="-127"/>
+            </a:endParaRPr>
           </a:p>
         </p:txBody>
       </p:sp>
@@ -6745,7 +7915,11 @@
           <a:bodyPr/>
           <a:lstStyle/>
           <a:p>
-            <a:endParaRPr lang="ko-KR" altLang="en-US"/>
+            <a:endParaRPr lang="ko-KR" altLang="en-US">
+              <a:latin typeface="Microsoft GothicNeo" panose="020B0500000101010101" pitchFamily="50" charset="-127"/>
+              <a:ea typeface="Microsoft GothicNeo" panose="020B0500000101010101" pitchFamily="50" charset="-127"/>
+              <a:cs typeface="Microsoft GothicNeo" panose="020B0500000101010101" pitchFamily="50" charset="-127"/>
+            </a:endParaRPr>
           </a:p>
         </p:txBody>
       </p:sp>
@@ -6774,7 +7948,11 @@
           <a:bodyPr/>
           <a:lstStyle/>
           <a:p>
-            <a:endParaRPr lang="ko-KR" altLang="en-US"/>
+            <a:endParaRPr lang="ko-KR" altLang="en-US">
+              <a:latin typeface="Microsoft GothicNeo" panose="020B0500000101010101" pitchFamily="50" charset="-127"/>
+              <a:ea typeface="Microsoft GothicNeo" panose="020B0500000101010101" pitchFamily="50" charset="-127"/>
+              <a:cs typeface="Microsoft GothicNeo" panose="020B0500000101010101" pitchFamily="50" charset="-127"/>
+            </a:endParaRPr>
           </a:p>
         </p:txBody>
       </p:sp>
@@ -6834,13 +8012,17 @@
                 <a:solidFill>
                   <a:srgbClr val="C7CDD6"/>
                 </a:solidFill>
-                <a:latin typeface="Instrument Sans Medium" pitchFamily="34" charset="0"/>
-                <a:ea typeface="Instrument Sans Medium" pitchFamily="34" charset="-122"/>
-                <a:cs typeface="Instrument Sans Medium" pitchFamily="34" charset="-120"/>
+                <a:latin typeface="Microsoft GothicNeo" panose="020B0500000101010101" pitchFamily="50" charset="-127"/>
+                <a:ea typeface="Microsoft GothicNeo" panose="020B0500000101010101" pitchFamily="50" charset="-127"/>
+                <a:cs typeface="Microsoft GothicNeo" panose="020B0500000101010101" pitchFamily="50" charset="-127"/>
               </a:rPr>
               <a:t>잔차 계산</a:t>
             </a:r>
-            <a:endParaRPr lang="en-US" sz="1950" dirty="0"/>
+            <a:endParaRPr lang="en-US" sz="1950" dirty="0">
+              <a:latin typeface="Microsoft GothicNeo" panose="020B0500000101010101" pitchFamily="50" charset="-127"/>
+              <a:ea typeface="Microsoft GothicNeo" panose="020B0500000101010101" pitchFamily="50" charset="-127"/>
+              <a:cs typeface="Microsoft GothicNeo" panose="020B0500000101010101" pitchFamily="50" charset="-127"/>
+            </a:endParaRPr>
           </a:p>
         </p:txBody>
       </p:sp>
@@ -6876,13 +8058,17 @@
                 <a:solidFill>
                   <a:srgbClr val="C7CDD6"/>
                 </a:solidFill>
-                <a:latin typeface="Inter" pitchFamily="34" charset="0"/>
-                <a:ea typeface="Inter" pitchFamily="34" charset="-122"/>
-                <a:cs typeface="Inter" pitchFamily="34" charset="-120"/>
+                <a:latin typeface="Microsoft GothicNeo" panose="020B0500000101010101" pitchFamily="50" charset="-127"/>
+                <a:ea typeface="Microsoft GothicNeo" panose="020B0500000101010101" pitchFamily="50" charset="-127"/>
+                <a:cs typeface="Microsoft GothicNeo" panose="020B0500000101010101" pitchFamily="50" charset="-127"/>
               </a:rPr>
               <a:t>평가용 CSV에서 동일 전처리 후 시계열 Tensor를 생성하고 1단계 앞 잔차를 계산합니다.</a:t>
             </a:r>
-            <a:endParaRPr lang="en-US" sz="1550" dirty="0"/>
+            <a:endParaRPr lang="en-US" sz="1550" dirty="0">
+              <a:latin typeface="Microsoft GothicNeo" panose="020B0500000101010101" pitchFamily="50" charset="-127"/>
+              <a:ea typeface="Microsoft GothicNeo" panose="020B0500000101010101" pitchFamily="50" charset="-127"/>
+              <a:cs typeface="Microsoft GothicNeo" panose="020B0500000101010101" pitchFamily="50" charset="-127"/>
+            </a:endParaRPr>
           </a:p>
         </p:txBody>
       </p:sp>
@@ -6911,7 +8097,11 @@
           <a:bodyPr/>
           <a:lstStyle/>
           <a:p>
-            <a:endParaRPr lang="ko-KR" altLang="en-US"/>
+            <a:endParaRPr lang="ko-KR" altLang="en-US">
+              <a:latin typeface="Microsoft GothicNeo" panose="020B0500000101010101" pitchFamily="50" charset="-127"/>
+              <a:ea typeface="Microsoft GothicNeo" panose="020B0500000101010101" pitchFamily="50" charset="-127"/>
+              <a:cs typeface="Microsoft GothicNeo" panose="020B0500000101010101" pitchFamily="50" charset="-127"/>
+            </a:endParaRPr>
           </a:p>
         </p:txBody>
       </p:sp>
@@ -6940,7 +8130,11 @@
           <a:bodyPr/>
           <a:lstStyle/>
           <a:p>
-            <a:endParaRPr lang="ko-KR" altLang="en-US"/>
+            <a:endParaRPr lang="ko-KR" altLang="en-US">
+              <a:latin typeface="Microsoft GothicNeo" panose="020B0500000101010101" pitchFamily="50" charset="-127"/>
+              <a:ea typeface="Microsoft GothicNeo" panose="020B0500000101010101" pitchFamily="50" charset="-127"/>
+              <a:cs typeface="Microsoft GothicNeo" panose="020B0500000101010101" pitchFamily="50" charset="-127"/>
+            </a:endParaRPr>
           </a:p>
         </p:txBody>
       </p:sp>
@@ -7000,13 +8194,17 @@
                 <a:solidFill>
                   <a:srgbClr val="C7CDD6"/>
                 </a:solidFill>
-                <a:latin typeface="Instrument Sans Medium" pitchFamily="34" charset="0"/>
-                <a:ea typeface="Instrument Sans Medium" pitchFamily="34" charset="-122"/>
-                <a:cs typeface="Instrument Sans Medium" pitchFamily="34" charset="-120"/>
+                <a:latin typeface="Microsoft GothicNeo" panose="020B0500000101010101" pitchFamily="50" charset="-127"/>
+                <a:ea typeface="Microsoft GothicNeo" panose="020B0500000101010101" pitchFamily="50" charset="-127"/>
+                <a:cs typeface="Microsoft GothicNeo" panose="020B0500000101010101" pitchFamily="50" charset="-127"/>
               </a:rPr>
               <a:t>이상치 판정</a:t>
             </a:r>
-            <a:endParaRPr lang="en-US" sz="1950" dirty="0"/>
+            <a:endParaRPr lang="en-US" sz="1950" dirty="0">
+              <a:latin typeface="Microsoft GothicNeo" panose="020B0500000101010101" pitchFamily="50" charset="-127"/>
+              <a:ea typeface="Microsoft GothicNeo" panose="020B0500000101010101" pitchFamily="50" charset="-127"/>
+              <a:cs typeface="Microsoft GothicNeo" panose="020B0500000101010101" pitchFamily="50" charset="-127"/>
+            </a:endParaRPr>
           </a:p>
         </p:txBody>
       </p:sp>
@@ -7042,13 +8240,17 @@
                 <a:solidFill>
                   <a:srgbClr val="C7CDD6"/>
                 </a:solidFill>
-                <a:latin typeface="Inter" pitchFamily="34" charset="0"/>
-                <a:ea typeface="Inter" pitchFamily="34" charset="-122"/>
-                <a:cs typeface="Inter" pitchFamily="34" charset="-120"/>
+                <a:latin typeface="Microsoft GothicNeo" panose="020B0500000101010101" pitchFamily="50" charset="-127"/>
+                <a:ea typeface="Microsoft GothicNeo" panose="020B0500000101010101" pitchFamily="50" charset="-127"/>
+                <a:cs typeface="Microsoft GothicNeo" panose="020B0500000101010101" pitchFamily="50" charset="-127"/>
               </a:rPr>
               <a:t>잔차를 Z-score 표준화하고, Z&gt;3인 포인트를 이상치로 분류합니다. 이상치 개수 및 비율, 타임스탬프를 출력합니다.</a:t>
             </a:r>
-            <a:endParaRPr lang="en-US" sz="1550" dirty="0"/>
+            <a:endParaRPr lang="en-US" sz="1550" dirty="0">
+              <a:latin typeface="Microsoft GothicNeo" panose="020B0500000101010101" pitchFamily="50" charset="-127"/>
+              <a:ea typeface="Microsoft GothicNeo" panose="020B0500000101010101" pitchFamily="50" charset="-127"/>
+              <a:cs typeface="Microsoft GothicNeo" panose="020B0500000101010101" pitchFamily="50" charset="-127"/>
+            </a:endParaRPr>
           </a:p>
         </p:txBody>
       </p:sp>
@@ -7077,7 +8279,11 @@
           <a:bodyPr/>
           <a:lstStyle/>
           <a:p>
-            <a:endParaRPr lang="ko-KR" altLang="en-US"/>
+            <a:endParaRPr lang="ko-KR" altLang="en-US">
+              <a:latin typeface="Microsoft GothicNeo" panose="020B0500000101010101" pitchFamily="50" charset="-127"/>
+              <a:ea typeface="Microsoft GothicNeo" panose="020B0500000101010101" pitchFamily="50" charset="-127"/>
+              <a:cs typeface="Microsoft GothicNeo" panose="020B0500000101010101" pitchFamily="50" charset="-127"/>
+            </a:endParaRPr>
           </a:p>
         </p:txBody>
       </p:sp>
@@ -7106,7 +8312,11 @@
           <a:bodyPr/>
           <a:lstStyle/>
           <a:p>
-            <a:endParaRPr lang="ko-KR" altLang="en-US"/>
+            <a:endParaRPr lang="ko-KR" altLang="en-US">
+              <a:latin typeface="Microsoft GothicNeo" panose="020B0500000101010101" pitchFamily="50" charset="-127"/>
+              <a:ea typeface="Microsoft GothicNeo" panose="020B0500000101010101" pitchFamily="50" charset="-127"/>
+              <a:cs typeface="Microsoft GothicNeo" panose="020B0500000101010101" pitchFamily="50" charset="-127"/>
+            </a:endParaRPr>
           </a:p>
         </p:txBody>
       </p:sp>
@@ -7166,13 +8376,17 @@
                 <a:solidFill>
                   <a:srgbClr val="C7CDD6"/>
                 </a:solidFill>
-                <a:latin typeface="Instrument Sans Medium" pitchFamily="34" charset="0"/>
-                <a:ea typeface="Instrument Sans Medium" pitchFamily="34" charset="-122"/>
-                <a:cs typeface="Instrument Sans Medium" pitchFamily="34" charset="-120"/>
+                <a:latin typeface="Microsoft GothicNeo" panose="020B0500000101010101" pitchFamily="50" charset="-127"/>
+                <a:ea typeface="Microsoft GothicNeo" panose="020B0500000101010101" pitchFamily="50" charset="-127"/>
+                <a:cs typeface="Microsoft GothicNeo" panose="020B0500000101010101" pitchFamily="50" charset="-127"/>
               </a:rPr>
               <a:t>결과 시각화</a:t>
             </a:r>
-            <a:endParaRPr lang="en-US" sz="1950" dirty="0"/>
+            <a:endParaRPr lang="en-US" sz="1950" dirty="0">
+              <a:latin typeface="Microsoft GothicNeo" panose="020B0500000101010101" pitchFamily="50" charset="-127"/>
+              <a:ea typeface="Microsoft GothicNeo" panose="020B0500000101010101" pitchFamily="50" charset="-127"/>
+              <a:cs typeface="Microsoft GothicNeo" panose="020B0500000101010101" pitchFamily="50" charset="-127"/>
+            </a:endParaRPr>
           </a:p>
         </p:txBody>
       </p:sp>
@@ -7208,13 +8422,17 @@
                 <a:solidFill>
                   <a:srgbClr val="C7CDD6"/>
                 </a:solidFill>
-                <a:latin typeface="Inter" pitchFamily="34" charset="0"/>
-                <a:ea typeface="Inter" pitchFamily="34" charset="-122"/>
-                <a:cs typeface="Inter" pitchFamily="34" charset="-120"/>
+                <a:latin typeface="Microsoft GothicNeo" panose="020B0500000101010101" pitchFamily="50" charset="-127"/>
+                <a:ea typeface="Microsoft GothicNeo" panose="020B0500000101010101" pitchFamily="50" charset="-127"/>
+                <a:cs typeface="Microsoft GothicNeo" panose="020B0500000101010101" pitchFamily="50" charset="-127"/>
               </a:rPr>
               <a:t>Matplotlib으로 잔차 시계열과 이상치를 시각화합니다.</a:t>
             </a:r>
-            <a:endParaRPr lang="en-US" sz="1550" dirty="0"/>
+            <a:endParaRPr lang="en-US" sz="1550" dirty="0">
+              <a:latin typeface="Microsoft GothicNeo" panose="020B0500000101010101" pitchFamily="50" charset="-127"/>
+              <a:ea typeface="Microsoft GothicNeo" panose="020B0500000101010101" pitchFamily="50" charset="-127"/>
+              <a:cs typeface="Microsoft GothicNeo" panose="020B0500000101010101" pitchFamily="50" charset="-127"/>
+            </a:endParaRPr>
           </a:p>
         </p:txBody>
       </p:sp>
@@ -7228,10 +8446,16 @@
 
 <file path=ppt/slides/slide9.xml><?xml version="1.0" encoding="utf-8"?>
 <p:sld xmlns:a="http://schemas.openxmlformats.org/drawingml/2006/main" xmlns:r="http://schemas.openxmlformats.org/officeDocument/2006/relationships" xmlns:p="http://schemas.openxmlformats.org/presentationml/2006/main">
-  <p:cSld name="Slide 7">
+  <p:cSld>
     <p:spTree>
       <p:nvGrpSpPr>
-        <p:cNvPr id="1" name=""/>
+        <p:cNvPr id="1" name="">
+          <a:extLst>
+            <a:ext uri="{FF2B5EF4-FFF2-40B4-BE49-F238E27FC236}">
+              <a16:creationId xmlns:a16="http://schemas.microsoft.com/office/drawing/2014/main" id="{F82136D6-9A0E-6D21-B44A-1F541B92D381}"/>
+            </a:ext>
+          </a:extLst>
+        </p:cNvPr>
         <p:cNvGrpSpPr/>
         <p:nvPr/>
       </p:nvGrpSpPr>
@@ -7245,14 +8469,20 @@
       </p:grpSpPr>
       <p:sp>
         <p:nvSpPr>
-          <p:cNvPr id="2" name="Text 0"/>
-          <p:cNvSpPr/>
-          <p:nvPr/>
-        </p:nvSpPr>
-        <p:spPr>
-          <a:xfrm>
-            <a:off x="453628" y="356354"/>
-            <a:ext cx="3240524" cy="405051"/>
+          <p:cNvPr id="2" name="Text 0">
+            <a:extLst>
+              <a:ext uri="{FF2B5EF4-FFF2-40B4-BE49-F238E27FC236}">
+                <a16:creationId xmlns:a16="http://schemas.microsoft.com/office/drawing/2014/main" id="{658073B4-9985-7837-1503-B7238D099297}"/>
+              </a:ext>
+            </a:extLst>
+          </p:cNvPr>
+          <p:cNvSpPr/>
+          <p:nvPr/>
+        </p:nvSpPr>
+        <p:spPr>
+          <a:xfrm>
+            <a:off x="700802" y="551259"/>
+            <a:ext cx="5006102" cy="625793"/>
           </a:xfrm>
           <a:prstGeom prst="rect">
             <a:avLst/>
@@ -7266,35 +8496,67 @@
           <a:p>
             <a:pPr marL="0" indent="0" algn="l">
               <a:lnSpc>
-                <a:spcPts val="3150"/>
+                <a:spcPts val="4900"/>
               </a:lnSpc>
               <a:buNone/>
             </a:pPr>
             <a:r>
-              <a:rPr lang="en-US" sz="2550" dirty="0">
+              <a:rPr lang="ko-KR" altLang="en-US" sz="3900" dirty="0">
                 <a:solidFill>
                   <a:srgbClr val="EFD5FA"/>
                 </a:solidFill>
-                <a:latin typeface="Instrument Sans Medium" pitchFamily="34" charset="0"/>
-                <a:ea typeface="Instrument Sans Medium" pitchFamily="34" charset="-122"/>
-                <a:cs typeface="Instrument Sans Medium" pitchFamily="34" charset="-120"/>
-              </a:rPr>
-              <a:t>실행 결과: 훈련 및 예측</a:t>
-            </a:r>
-            <a:endParaRPr lang="en-US" sz="2550" dirty="0"/>
-          </a:p>
-        </p:txBody>
-      </p:sp>
-      <p:sp>
-        <p:nvSpPr>
-          <p:cNvPr id="3" name="Text 1"/>
-          <p:cNvSpPr/>
-          <p:nvPr/>
-        </p:nvSpPr>
-        <p:spPr>
-          <a:xfrm>
-            <a:off x="453628" y="1085374"/>
-            <a:ext cx="1620203" cy="202525"/>
+                <a:latin typeface="Microsoft GothicNeo" panose="020B0500000101010101" pitchFamily="50" charset="-127"/>
+                <a:ea typeface="Microsoft GothicNeo" panose="020B0500000101010101" pitchFamily="50" charset="-127"/>
+                <a:cs typeface="Microsoft GothicNeo" panose="020B0500000101010101" pitchFamily="50" charset="-127"/>
+              </a:rPr>
+              <a:t>실행화면 </a:t>
+            </a:r>
+            <a:r>
+              <a:rPr lang="en-US" altLang="ko-KR" sz="3900" dirty="0">
+                <a:solidFill>
+                  <a:srgbClr val="EFD5FA"/>
+                </a:solidFill>
+                <a:latin typeface="Microsoft GothicNeo" panose="020B0500000101010101" pitchFamily="50" charset="-127"/>
+                <a:ea typeface="Microsoft GothicNeo" panose="020B0500000101010101" pitchFamily="50" charset="-127"/>
+                <a:cs typeface="Microsoft GothicNeo" panose="020B0500000101010101" pitchFamily="50" charset="-127"/>
+              </a:rPr>
+              <a:t>: </a:t>
+            </a:r>
+            <a:r>
+              <a:rPr lang="ko-KR" altLang="en-US" sz="3900" dirty="0">
+                <a:solidFill>
+                  <a:srgbClr val="EFD5FA"/>
+                </a:solidFill>
+                <a:latin typeface="Microsoft GothicNeo" panose="020B0500000101010101" pitchFamily="50" charset="-127"/>
+                <a:ea typeface="Microsoft GothicNeo" panose="020B0500000101010101" pitchFamily="50" charset="-127"/>
+                <a:cs typeface="Microsoft GothicNeo" panose="020B0500000101010101" pitchFamily="50" charset="-127"/>
+              </a:rPr>
+              <a:t>훈련</a:t>
+            </a:r>
+            <a:endParaRPr lang="en-US" sz="3900" dirty="0">
+              <a:latin typeface="Microsoft GothicNeo" panose="020B0500000101010101" pitchFamily="50" charset="-127"/>
+              <a:ea typeface="Microsoft GothicNeo" panose="020B0500000101010101" pitchFamily="50" charset="-127"/>
+              <a:cs typeface="Microsoft GothicNeo" panose="020B0500000101010101" pitchFamily="50" charset="-127"/>
+            </a:endParaRPr>
+          </a:p>
+        </p:txBody>
+      </p:sp>
+      <p:sp>
+        <p:nvSpPr>
+          <p:cNvPr id="3" name="Text 1">
+            <a:extLst>
+              <a:ext uri="{FF2B5EF4-FFF2-40B4-BE49-F238E27FC236}">
+                <a16:creationId xmlns:a16="http://schemas.microsoft.com/office/drawing/2014/main" id="{B37291FE-8A79-4B89-B969-6F7C3F6D4B33}"/>
+              </a:ext>
+            </a:extLst>
+          </p:cNvPr>
+          <p:cNvSpPr/>
+          <p:nvPr/>
+        </p:nvSpPr>
+        <p:spPr>
+          <a:xfrm>
+            <a:off x="700802" y="1577459"/>
+            <a:ext cx="13228796" cy="640794"/>
           </a:xfrm>
           <a:prstGeom prst="rect">
             <a:avLst/>
@@ -7303,198 +8565,578 @@
           <a:ln/>
         </p:spPr>
         <p:txBody>
-          <a:bodyPr wrap="none" lIns="0" tIns="0" rIns="0" bIns="0" rtlCol="0" anchor="t"/>
-          <a:lstStyle/>
+          <a:bodyPr wrap="square" lIns="0" tIns="0" rIns="0" bIns="0" rtlCol="0" anchor="t"/>
+          <a:lstStyle/>
+          <a:p>
+            <a:pPr>
+              <a:lnSpc>
+                <a:spcPts val="2500"/>
+              </a:lnSpc>
+            </a:pPr>
+            <a:r>
+              <a:rPr lang="en-US" altLang="ko-KR" sz="1600" dirty="0">
+                <a:solidFill>
+                  <a:srgbClr val="C7CDD6"/>
+                </a:solidFill>
+                <a:latin typeface="Microsoft GothicNeo" panose="020B0500000101010101" pitchFamily="50" charset="-127"/>
+                <a:ea typeface="Microsoft GothicNeo" panose="020B0500000101010101" pitchFamily="50" charset="-127"/>
+                <a:cs typeface="Microsoft GothicNeo" panose="020B0500000101010101" pitchFamily="50" charset="-127"/>
+              </a:rPr>
+              <a:t>train_arima.py </a:t>
+            </a:r>
+            <a:r>
+              <a:rPr lang="en-US" altLang="ko-KR" sz="1600" dirty="0" err="1">
+                <a:solidFill>
+                  <a:srgbClr val="C7CDD6"/>
+                </a:solidFill>
+                <a:latin typeface="Microsoft GothicNeo" panose="020B0500000101010101" pitchFamily="50" charset="-127"/>
+                <a:ea typeface="Microsoft GothicNeo" panose="020B0500000101010101" pitchFamily="50" charset="-127"/>
+                <a:cs typeface="Microsoft GothicNeo" panose="020B0500000101010101" pitchFamily="50" charset="-127"/>
+              </a:rPr>
+              <a:t>실행</a:t>
+            </a:r>
+            <a:r>
+              <a:rPr lang="en-US" altLang="ko-KR" sz="1600" dirty="0">
+                <a:solidFill>
+                  <a:srgbClr val="C7CDD6"/>
+                </a:solidFill>
+                <a:latin typeface="Microsoft GothicNeo" panose="020B0500000101010101" pitchFamily="50" charset="-127"/>
+                <a:ea typeface="Microsoft GothicNeo" panose="020B0500000101010101" pitchFamily="50" charset="-127"/>
+                <a:cs typeface="Microsoft GothicNeo" panose="020B0500000101010101" pitchFamily="50" charset="-127"/>
+              </a:rPr>
+              <a:t> </a:t>
+            </a:r>
+            <a:r>
+              <a:rPr lang="en-US" altLang="ko-KR" sz="1600" dirty="0" err="1">
+                <a:solidFill>
+                  <a:srgbClr val="C7CDD6"/>
+                </a:solidFill>
+                <a:latin typeface="Microsoft GothicNeo" panose="020B0500000101010101" pitchFamily="50" charset="-127"/>
+                <a:ea typeface="Microsoft GothicNeo" panose="020B0500000101010101" pitchFamily="50" charset="-127"/>
+                <a:cs typeface="Microsoft GothicNeo" panose="020B0500000101010101" pitchFamily="50" charset="-127"/>
+              </a:rPr>
+              <a:t>결과로</a:t>
+            </a:r>
+            <a:r>
+              <a:rPr lang="en-US" altLang="ko-KR" sz="1600" dirty="0">
+                <a:solidFill>
+                  <a:srgbClr val="C7CDD6"/>
+                </a:solidFill>
+                <a:latin typeface="Microsoft GothicNeo" panose="020B0500000101010101" pitchFamily="50" charset="-127"/>
+                <a:ea typeface="Microsoft GothicNeo" panose="020B0500000101010101" pitchFamily="50" charset="-127"/>
+                <a:cs typeface="Microsoft GothicNeo" panose="020B0500000101010101" pitchFamily="50" charset="-127"/>
+              </a:rPr>
+              <a:t>, </a:t>
+            </a:r>
+            <a:r>
+              <a:rPr lang="en-US" altLang="ko-KR" sz="1600" dirty="0" err="1">
+                <a:solidFill>
+                  <a:srgbClr val="C7CDD6"/>
+                </a:solidFill>
+                <a:latin typeface="Microsoft GothicNeo" panose="020B0500000101010101" pitchFamily="50" charset="-127"/>
+                <a:ea typeface="Microsoft GothicNeo" panose="020B0500000101010101" pitchFamily="50" charset="-127"/>
+                <a:cs typeface="Microsoft GothicNeo" panose="020B0500000101010101" pitchFamily="50" charset="-127"/>
+              </a:rPr>
+              <a:t>모델이</a:t>
+            </a:r>
+            <a:r>
+              <a:rPr lang="en-US" altLang="ko-KR" sz="1600" dirty="0">
+                <a:solidFill>
+                  <a:srgbClr val="C7CDD6"/>
+                </a:solidFill>
+                <a:latin typeface="Microsoft GothicNeo" panose="020B0500000101010101" pitchFamily="50" charset="-127"/>
+                <a:ea typeface="Microsoft GothicNeo" panose="020B0500000101010101" pitchFamily="50" charset="-127"/>
+                <a:cs typeface="Microsoft GothicNeo" panose="020B0500000101010101" pitchFamily="50" charset="-127"/>
+              </a:rPr>
+              <a:t> </a:t>
+            </a:r>
+            <a:r>
+              <a:rPr lang="en-US" altLang="ko-KR" sz="1600" dirty="0" err="1">
+                <a:solidFill>
+                  <a:srgbClr val="C7CDD6"/>
+                </a:solidFill>
+                <a:latin typeface="Microsoft GothicNeo" panose="020B0500000101010101" pitchFamily="50" charset="-127"/>
+                <a:ea typeface="Microsoft GothicNeo" panose="020B0500000101010101" pitchFamily="50" charset="-127"/>
+                <a:cs typeface="Microsoft GothicNeo" panose="020B0500000101010101" pitchFamily="50" charset="-127"/>
+              </a:rPr>
+              <a:t>정상</a:t>
+            </a:r>
+            <a:r>
+              <a:rPr lang="en-US" altLang="ko-KR" sz="1600" dirty="0">
+                <a:solidFill>
+                  <a:srgbClr val="C7CDD6"/>
+                </a:solidFill>
+                <a:latin typeface="Microsoft GothicNeo" panose="020B0500000101010101" pitchFamily="50" charset="-127"/>
+                <a:ea typeface="Microsoft GothicNeo" panose="020B0500000101010101" pitchFamily="50" charset="-127"/>
+                <a:cs typeface="Microsoft GothicNeo" panose="020B0500000101010101" pitchFamily="50" charset="-127"/>
+              </a:rPr>
+              <a:t> </a:t>
+            </a:r>
+            <a:r>
+              <a:rPr lang="en-US" altLang="ko-KR" sz="1600" dirty="0" err="1">
+                <a:solidFill>
+                  <a:srgbClr val="C7CDD6"/>
+                </a:solidFill>
+                <a:latin typeface="Microsoft GothicNeo" panose="020B0500000101010101" pitchFamily="50" charset="-127"/>
+                <a:ea typeface="Microsoft GothicNeo" panose="020B0500000101010101" pitchFamily="50" charset="-127"/>
+                <a:cs typeface="Microsoft GothicNeo" panose="020B0500000101010101" pitchFamily="50" charset="-127"/>
+              </a:rPr>
+              <a:t>데이터에서</a:t>
+            </a:r>
+            <a:r>
+              <a:rPr lang="en-US" altLang="ko-KR" sz="1600" dirty="0">
+                <a:solidFill>
+                  <a:srgbClr val="C7CDD6"/>
+                </a:solidFill>
+                <a:latin typeface="Microsoft GothicNeo" panose="020B0500000101010101" pitchFamily="50" charset="-127"/>
+                <a:ea typeface="Microsoft GothicNeo" panose="020B0500000101010101" pitchFamily="50" charset="-127"/>
+                <a:cs typeface="Microsoft GothicNeo" panose="020B0500000101010101" pitchFamily="50" charset="-127"/>
+              </a:rPr>
+              <a:t> </a:t>
+            </a:r>
+            <a:r>
+              <a:rPr lang="en-US" altLang="ko-KR" sz="1600" dirty="0" err="1">
+                <a:solidFill>
+                  <a:srgbClr val="C7CDD6"/>
+                </a:solidFill>
+                <a:latin typeface="Microsoft GothicNeo" panose="020B0500000101010101" pitchFamily="50" charset="-127"/>
+                <a:ea typeface="Microsoft GothicNeo" panose="020B0500000101010101" pitchFamily="50" charset="-127"/>
+                <a:cs typeface="Microsoft GothicNeo" panose="020B0500000101010101" pitchFamily="50" charset="-127"/>
+              </a:rPr>
+              <a:t>학습되는</a:t>
+            </a:r>
+            <a:r>
+              <a:rPr lang="en-US" altLang="ko-KR" sz="1600" dirty="0">
+                <a:solidFill>
+                  <a:srgbClr val="C7CDD6"/>
+                </a:solidFill>
+                <a:latin typeface="Microsoft GothicNeo" panose="020B0500000101010101" pitchFamily="50" charset="-127"/>
+                <a:ea typeface="Microsoft GothicNeo" panose="020B0500000101010101" pitchFamily="50" charset="-127"/>
+                <a:cs typeface="Microsoft GothicNeo" panose="020B0500000101010101" pitchFamily="50" charset="-127"/>
+              </a:rPr>
+              <a:t> </a:t>
+            </a:r>
+            <a:r>
+              <a:rPr lang="en-US" altLang="ko-KR" sz="1600" dirty="0" err="1">
+                <a:solidFill>
+                  <a:srgbClr val="C7CDD6"/>
+                </a:solidFill>
+                <a:latin typeface="Microsoft GothicNeo" panose="020B0500000101010101" pitchFamily="50" charset="-127"/>
+                <a:ea typeface="Microsoft GothicNeo" panose="020B0500000101010101" pitchFamily="50" charset="-127"/>
+                <a:cs typeface="Microsoft GothicNeo" panose="020B0500000101010101" pitchFamily="50" charset="-127"/>
+              </a:rPr>
+              <a:t>과정을</a:t>
+            </a:r>
+            <a:r>
+              <a:rPr lang="en-US" altLang="ko-KR" sz="1600" dirty="0">
+                <a:solidFill>
+                  <a:srgbClr val="C7CDD6"/>
+                </a:solidFill>
+                <a:latin typeface="Microsoft GothicNeo" panose="020B0500000101010101" pitchFamily="50" charset="-127"/>
+                <a:ea typeface="Microsoft GothicNeo" panose="020B0500000101010101" pitchFamily="50" charset="-127"/>
+                <a:cs typeface="Microsoft GothicNeo" panose="020B0500000101010101" pitchFamily="50" charset="-127"/>
+              </a:rPr>
+              <a:t> </a:t>
+            </a:r>
+            <a:r>
+              <a:rPr lang="en-US" altLang="ko-KR" sz="1600" dirty="0" err="1">
+                <a:solidFill>
+                  <a:srgbClr val="C7CDD6"/>
+                </a:solidFill>
+                <a:latin typeface="Microsoft GothicNeo" panose="020B0500000101010101" pitchFamily="50" charset="-127"/>
+                <a:ea typeface="Microsoft GothicNeo" panose="020B0500000101010101" pitchFamily="50" charset="-127"/>
+                <a:cs typeface="Microsoft GothicNeo" panose="020B0500000101010101" pitchFamily="50" charset="-127"/>
+              </a:rPr>
+              <a:t>보여줍니다</a:t>
+            </a:r>
+            <a:r>
+              <a:rPr lang="en-US" altLang="ko-KR" sz="1600" dirty="0">
+                <a:solidFill>
+                  <a:srgbClr val="C7CDD6"/>
+                </a:solidFill>
+                <a:latin typeface="Microsoft GothicNeo" panose="020B0500000101010101" pitchFamily="50" charset="-127"/>
+                <a:ea typeface="Microsoft GothicNeo" panose="020B0500000101010101" pitchFamily="50" charset="-127"/>
+                <a:cs typeface="Microsoft GothicNeo" panose="020B0500000101010101" pitchFamily="50" charset="-127"/>
+              </a:rPr>
+              <a:t>. </a:t>
+            </a:r>
+            <a:r>
+              <a:rPr lang="en-US" altLang="ko-KR" sz="1600" dirty="0" err="1">
+                <a:solidFill>
+                  <a:srgbClr val="C7CDD6"/>
+                </a:solidFill>
+                <a:latin typeface="Microsoft GothicNeo" panose="020B0500000101010101" pitchFamily="50" charset="-127"/>
+                <a:ea typeface="Microsoft GothicNeo" panose="020B0500000101010101" pitchFamily="50" charset="-127"/>
+                <a:cs typeface="Microsoft GothicNeo" panose="020B0500000101010101" pitchFamily="50" charset="-127"/>
+              </a:rPr>
+              <a:t>에폭이</a:t>
+            </a:r>
+            <a:r>
+              <a:rPr lang="en-US" altLang="ko-KR" sz="1600" dirty="0">
+                <a:solidFill>
+                  <a:srgbClr val="C7CDD6"/>
+                </a:solidFill>
+                <a:latin typeface="Microsoft GothicNeo" panose="020B0500000101010101" pitchFamily="50" charset="-127"/>
+                <a:ea typeface="Microsoft GothicNeo" panose="020B0500000101010101" pitchFamily="50" charset="-127"/>
+                <a:cs typeface="Microsoft GothicNeo" panose="020B0500000101010101" pitchFamily="50" charset="-127"/>
+              </a:rPr>
+              <a:t> </a:t>
+            </a:r>
+            <a:r>
+              <a:rPr lang="en-US" altLang="ko-KR" sz="1600" dirty="0" err="1">
+                <a:solidFill>
+                  <a:srgbClr val="C7CDD6"/>
+                </a:solidFill>
+                <a:latin typeface="Microsoft GothicNeo" panose="020B0500000101010101" pitchFamily="50" charset="-127"/>
+                <a:ea typeface="Microsoft GothicNeo" panose="020B0500000101010101" pitchFamily="50" charset="-127"/>
+                <a:cs typeface="Microsoft GothicNeo" panose="020B0500000101010101" pitchFamily="50" charset="-127"/>
+              </a:rPr>
+              <a:t>진행됨에</a:t>
+            </a:r>
+            <a:r>
+              <a:rPr lang="en-US" altLang="ko-KR" sz="1600" dirty="0">
+                <a:solidFill>
+                  <a:srgbClr val="C7CDD6"/>
+                </a:solidFill>
+                <a:latin typeface="Microsoft GothicNeo" panose="020B0500000101010101" pitchFamily="50" charset="-127"/>
+                <a:ea typeface="Microsoft GothicNeo" panose="020B0500000101010101" pitchFamily="50" charset="-127"/>
+                <a:cs typeface="Microsoft GothicNeo" panose="020B0500000101010101" pitchFamily="50" charset="-127"/>
+              </a:rPr>
+              <a:t> </a:t>
+            </a:r>
+            <a:r>
+              <a:rPr lang="en-US" altLang="ko-KR" sz="1600" dirty="0" err="1">
+                <a:solidFill>
+                  <a:srgbClr val="C7CDD6"/>
+                </a:solidFill>
+                <a:latin typeface="Microsoft GothicNeo" panose="020B0500000101010101" pitchFamily="50" charset="-127"/>
+                <a:ea typeface="Microsoft GothicNeo" panose="020B0500000101010101" pitchFamily="50" charset="-127"/>
+                <a:cs typeface="Microsoft GothicNeo" panose="020B0500000101010101" pitchFamily="50" charset="-127"/>
+              </a:rPr>
+              <a:t>따라</a:t>
+            </a:r>
+            <a:r>
+              <a:rPr lang="en-US" altLang="ko-KR" sz="1600" dirty="0">
+                <a:solidFill>
+                  <a:srgbClr val="C7CDD6"/>
+                </a:solidFill>
+                <a:latin typeface="Microsoft GothicNeo" panose="020B0500000101010101" pitchFamily="50" charset="-127"/>
+                <a:ea typeface="Microsoft GothicNeo" panose="020B0500000101010101" pitchFamily="50" charset="-127"/>
+                <a:cs typeface="Microsoft GothicNeo" panose="020B0500000101010101" pitchFamily="50" charset="-127"/>
+              </a:rPr>
+              <a:t> </a:t>
+            </a:r>
+            <a:r>
+              <a:rPr lang="en-US" altLang="ko-KR" sz="1600" dirty="0" err="1">
+                <a:solidFill>
+                  <a:srgbClr val="C7CDD6"/>
+                </a:solidFill>
+                <a:latin typeface="Microsoft GothicNeo" panose="020B0500000101010101" pitchFamily="50" charset="-127"/>
+                <a:ea typeface="Microsoft GothicNeo" panose="020B0500000101010101" pitchFamily="50" charset="-127"/>
+                <a:cs typeface="Microsoft GothicNeo" panose="020B0500000101010101" pitchFamily="50" charset="-127"/>
+              </a:rPr>
+              <a:t>손실이</a:t>
+            </a:r>
+            <a:r>
+              <a:rPr lang="en-US" altLang="ko-KR" sz="1600" dirty="0">
+                <a:solidFill>
+                  <a:srgbClr val="C7CDD6"/>
+                </a:solidFill>
+                <a:latin typeface="Microsoft GothicNeo" panose="020B0500000101010101" pitchFamily="50" charset="-127"/>
+                <a:ea typeface="Microsoft GothicNeo" panose="020B0500000101010101" pitchFamily="50" charset="-127"/>
+                <a:cs typeface="Microsoft GothicNeo" panose="020B0500000101010101" pitchFamily="50" charset="-127"/>
+              </a:rPr>
+              <a:t> </a:t>
+            </a:r>
+            <a:r>
+              <a:rPr lang="en-US" altLang="ko-KR" sz="1600" dirty="0" err="1">
+                <a:solidFill>
+                  <a:srgbClr val="C7CDD6"/>
+                </a:solidFill>
+                <a:latin typeface="Microsoft GothicNeo" panose="020B0500000101010101" pitchFamily="50" charset="-127"/>
+                <a:ea typeface="Microsoft GothicNeo" panose="020B0500000101010101" pitchFamily="50" charset="-127"/>
+                <a:cs typeface="Microsoft GothicNeo" panose="020B0500000101010101" pitchFamily="50" charset="-127"/>
+              </a:rPr>
+              <a:t>감소하는</a:t>
+            </a:r>
+            <a:r>
+              <a:rPr lang="en-US" altLang="ko-KR" sz="1600" dirty="0">
+                <a:solidFill>
+                  <a:srgbClr val="C7CDD6"/>
+                </a:solidFill>
+                <a:latin typeface="Microsoft GothicNeo" panose="020B0500000101010101" pitchFamily="50" charset="-127"/>
+                <a:ea typeface="Microsoft GothicNeo" panose="020B0500000101010101" pitchFamily="50" charset="-127"/>
+                <a:cs typeface="Microsoft GothicNeo" panose="020B0500000101010101" pitchFamily="50" charset="-127"/>
+              </a:rPr>
+              <a:t> </a:t>
+            </a:r>
+            <a:r>
+              <a:rPr lang="en-US" altLang="ko-KR" sz="1600" dirty="0" err="1">
+                <a:solidFill>
+                  <a:srgbClr val="C7CDD6"/>
+                </a:solidFill>
+                <a:latin typeface="Microsoft GothicNeo" panose="020B0500000101010101" pitchFamily="50" charset="-127"/>
+                <a:ea typeface="Microsoft GothicNeo" panose="020B0500000101010101" pitchFamily="50" charset="-127"/>
+                <a:cs typeface="Microsoft GothicNeo" panose="020B0500000101010101" pitchFamily="50" charset="-127"/>
+              </a:rPr>
+              <a:t>것을</a:t>
+            </a:r>
+            <a:r>
+              <a:rPr lang="en-US" altLang="ko-KR" sz="1600" dirty="0">
+                <a:solidFill>
+                  <a:srgbClr val="C7CDD6"/>
+                </a:solidFill>
+                <a:latin typeface="Microsoft GothicNeo" panose="020B0500000101010101" pitchFamily="50" charset="-127"/>
+                <a:ea typeface="Microsoft GothicNeo" panose="020B0500000101010101" pitchFamily="50" charset="-127"/>
+                <a:cs typeface="Microsoft GothicNeo" panose="020B0500000101010101" pitchFamily="50" charset="-127"/>
+              </a:rPr>
+              <a:t> </a:t>
+            </a:r>
+            <a:r>
+              <a:rPr lang="en-US" altLang="ko-KR" sz="1600" dirty="0" err="1">
+                <a:solidFill>
+                  <a:srgbClr val="C7CDD6"/>
+                </a:solidFill>
+                <a:latin typeface="Microsoft GothicNeo" panose="020B0500000101010101" pitchFamily="50" charset="-127"/>
+                <a:ea typeface="Microsoft GothicNeo" panose="020B0500000101010101" pitchFamily="50" charset="-127"/>
+                <a:cs typeface="Microsoft GothicNeo" panose="020B0500000101010101" pitchFamily="50" charset="-127"/>
+              </a:rPr>
+              <a:t>확인할</a:t>
+            </a:r>
+            <a:r>
+              <a:rPr lang="en-US" altLang="ko-KR" sz="1600" dirty="0">
+                <a:solidFill>
+                  <a:srgbClr val="C7CDD6"/>
+                </a:solidFill>
+                <a:latin typeface="Microsoft GothicNeo" panose="020B0500000101010101" pitchFamily="50" charset="-127"/>
+                <a:ea typeface="Microsoft GothicNeo" panose="020B0500000101010101" pitchFamily="50" charset="-127"/>
+                <a:cs typeface="Microsoft GothicNeo" panose="020B0500000101010101" pitchFamily="50" charset="-127"/>
+              </a:rPr>
+              <a:t> 수 </a:t>
+            </a:r>
+            <a:r>
+              <a:rPr lang="en-US" altLang="ko-KR" sz="1600" dirty="0" err="1">
+                <a:solidFill>
+                  <a:srgbClr val="C7CDD6"/>
+                </a:solidFill>
+                <a:latin typeface="Microsoft GothicNeo" panose="020B0500000101010101" pitchFamily="50" charset="-127"/>
+                <a:ea typeface="Microsoft GothicNeo" panose="020B0500000101010101" pitchFamily="50" charset="-127"/>
+                <a:cs typeface="Microsoft GothicNeo" panose="020B0500000101010101" pitchFamily="50" charset="-127"/>
+              </a:rPr>
+              <a:t>있으며</a:t>
+            </a:r>
+            <a:r>
+              <a:rPr lang="en-US" altLang="ko-KR" sz="1600" dirty="0">
+                <a:solidFill>
+                  <a:srgbClr val="C7CDD6"/>
+                </a:solidFill>
+                <a:latin typeface="Microsoft GothicNeo" panose="020B0500000101010101" pitchFamily="50" charset="-127"/>
+                <a:ea typeface="Microsoft GothicNeo" panose="020B0500000101010101" pitchFamily="50" charset="-127"/>
+                <a:cs typeface="Microsoft GothicNeo" panose="020B0500000101010101" pitchFamily="50" charset="-127"/>
+              </a:rPr>
+              <a:t>, </a:t>
+            </a:r>
+            <a:r>
+              <a:rPr lang="en-US" altLang="ko-KR" sz="1600" dirty="0" err="1">
+                <a:solidFill>
+                  <a:srgbClr val="C7CDD6"/>
+                </a:solidFill>
+                <a:latin typeface="Microsoft GothicNeo" panose="020B0500000101010101" pitchFamily="50" charset="-127"/>
+                <a:ea typeface="Microsoft GothicNeo" panose="020B0500000101010101" pitchFamily="50" charset="-127"/>
+                <a:cs typeface="Microsoft GothicNeo" panose="020B0500000101010101" pitchFamily="50" charset="-127"/>
+              </a:rPr>
+              <a:t>최종적으로</a:t>
+            </a:r>
+            <a:r>
+              <a:rPr lang="en-US" altLang="ko-KR" sz="1600" dirty="0">
+                <a:solidFill>
+                  <a:srgbClr val="C7CDD6"/>
+                </a:solidFill>
+                <a:latin typeface="Microsoft GothicNeo" panose="020B0500000101010101" pitchFamily="50" charset="-127"/>
+                <a:ea typeface="Microsoft GothicNeo" panose="020B0500000101010101" pitchFamily="50" charset="-127"/>
+                <a:cs typeface="Microsoft GothicNeo" panose="020B0500000101010101" pitchFamily="50" charset="-127"/>
+              </a:rPr>
+              <a:t> </a:t>
+            </a:r>
+            <a:r>
+              <a:rPr lang="en-US" altLang="ko-KR" sz="1600" dirty="0" err="1">
+                <a:solidFill>
+                  <a:srgbClr val="C7CDD6"/>
+                </a:solidFill>
+                <a:latin typeface="Microsoft GothicNeo" panose="020B0500000101010101" pitchFamily="50" charset="-127"/>
+                <a:ea typeface="Microsoft GothicNeo" panose="020B0500000101010101" pitchFamily="50" charset="-127"/>
+                <a:cs typeface="Microsoft GothicNeo" panose="020B0500000101010101" pitchFamily="50" charset="-127"/>
+              </a:rPr>
+              <a:t>학습된</a:t>
+            </a:r>
+            <a:r>
+              <a:rPr lang="en-US" altLang="ko-KR" sz="1600" dirty="0">
+                <a:solidFill>
+                  <a:srgbClr val="C7CDD6"/>
+                </a:solidFill>
+                <a:latin typeface="Microsoft GothicNeo" panose="020B0500000101010101" pitchFamily="50" charset="-127"/>
+                <a:ea typeface="Microsoft GothicNeo" panose="020B0500000101010101" pitchFamily="50" charset="-127"/>
+                <a:cs typeface="Microsoft GothicNeo" panose="020B0500000101010101" pitchFamily="50" charset="-127"/>
+              </a:rPr>
+              <a:t> </a:t>
+            </a:r>
+            <a:r>
+              <a:rPr lang="en-US" altLang="ko-KR" sz="1600" dirty="0" err="1">
+                <a:solidFill>
+                  <a:srgbClr val="C7CDD6"/>
+                </a:solidFill>
+                <a:latin typeface="Microsoft GothicNeo" panose="020B0500000101010101" pitchFamily="50" charset="-127"/>
+                <a:ea typeface="Microsoft GothicNeo" panose="020B0500000101010101" pitchFamily="50" charset="-127"/>
+                <a:cs typeface="Microsoft GothicNeo" panose="020B0500000101010101" pitchFamily="50" charset="-127"/>
+              </a:rPr>
+              <a:t>모델</a:t>
+            </a:r>
+            <a:r>
+              <a:rPr lang="en-US" altLang="ko-KR" sz="1600" dirty="0">
+                <a:solidFill>
+                  <a:srgbClr val="C7CDD6"/>
+                </a:solidFill>
+                <a:latin typeface="Microsoft GothicNeo" panose="020B0500000101010101" pitchFamily="50" charset="-127"/>
+                <a:ea typeface="Microsoft GothicNeo" panose="020B0500000101010101" pitchFamily="50" charset="-127"/>
+                <a:cs typeface="Microsoft GothicNeo" panose="020B0500000101010101" pitchFamily="50" charset="-127"/>
+              </a:rPr>
+              <a:t> </a:t>
+            </a:r>
+            <a:r>
+              <a:rPr lang="en-US" altLang="ko-KR" sz="1600" dirty="0" err="1">
+                <a:solidFill>
+                  <a:srgbClr val="C7CDD6"/>
+                </a:solidFill>
+                <a:latin typeface="Microsoft GothicNeo" panose="020B0500000101010101" pitchFamily="50" charset="-127"/>
+                <a:ea typeface="Microsoft GothicNeo" panose="020B0500000101010101" pitchFamily="50" charset="-127"/>
+                <a:cs typeface="Microsoft GothicNeo" panose="020B0500000101010101" pitchFamily="50" charset="-127"/>
+              </a:rPr>
+              <a:t>파라미터가</a:t>
+            </a:r>
+            <a:r>
+              <a:rPr lang="en-US" altLang="ko-KR" sz="1600" dirty="0">
+                <a:solidFill>
+                  <a:srgbClr val="C7CDD6"/>
+                </a:solidFill>
+                <a:latin typeface="Microsoft GothicNeo" panose="020B0500000101010101" pitchFamily="50" charset="-127"/>
+                <a:ea typeface="Microsoft GothicNeo" panose="020B0500000101010101" pitchFamily="50" charset="-127"/>
+                <a:cs typeface="Microsoft GothicNeo" panose="020B0500000101010101" pitchFamily="50" charset="-127"/>
+              </a:rPr>
+              <a:t> </a:t>
+            </a:r>
+            <a:r>
+              <a:rPr lang="en-US" altLang="ko-KR" sz="1600" dirty="0" err="1">
+                <a:solidFill>
+                  <a:srgbClr val="C7CDD6"/>
+                </a:solidFill>
+                <a:latin typeface="Microsoft GothicNeo" panose="020B0500000101010101" pitchFamily="50" charset="-127"/>
+                <a:ea typeface="Microsoft GothicNeo" panose="020B0500000101010101" pitchFamily="50" charset="-127"/>
+                <a:cs typeface="Microsoft GothicNeo" panose="020B0500000101010101" pitchFamily="50" charset="-127"/>
+              </a:rPr>
+              <a:t>저장됩니다</a:t>
+            </a:r>
+            <a:r>
+              <a:rPr lang="en-US" altLang="ko-KR" sz="1600" dirty="0">
+                <a:solidFill>
+                  <a:srgbClr val="C7CDD6"/>
+                </a:solidFill>
+                <a:latin typeface="Microsoft GothicNeo" panose="020B0500000101010101" pitchFamily="50" charset="-127"/>
+                <a:ea typeface="Microsoft GothicNeo" panose="020B0500000101010101" pitchFamily="50" charset="-127"/>
+                <a:cs typeface="Microsoft GothicNeo" panose="020B0500000101010101" pitchFamily="50" charset="-127"/>
+              </a:rPr>
+              <a:t>.</a:t>
+            </a:r>
+            <a:endParaRPr lang="en-US" altLang="ko-KR" sz="1600" dirty="0">
+              <a:latin typeface="Microsoft GothicNeo" panose="020B0500000101010101" pitchFamily="50" charset="-127"/>
+              <a:ea typeface="Microsoft GothicNeo" panose="020B0500000101010101" pitchFamily="50" charset="-127"/>
+              <a:cs typeface="Microsoft GothicNeo" panose="020B0500000101010101" pitchFamily="50" charset="-127"/>
+            </a:endParaRPr>
+          </a:p>
           <a:p>
             <a:pPr marL="0" indent="0" algn="l">
               <a:lnSpc>
-                <a:spcPts val="1550"/>
+                <a:spcPts val="2500"/>
               </a:lnSpc>
               <a:buNone/>
             </a:pPr>
-            <a:r>
-              <a:rPr lang="en-US" sz="1250" dirty="0">
-                <a:solidFill>
-                  <a:srgbClr val="EFD5FA"/>
-                </a:solidFill>
-                <a:latin typeface="Instrument Sans Medium" pitchFamily="34" charset="0"/>
-                <a:ea typeface="Instrument Sans Medium" pitchFamily="34" charset="-122"/>
-                <a:cs typeface="Instrument Sans Medium" pitchFamily="34" charset="-120"/>
-              </a:rPr>
-              <a:t>훈련 결과</a:t>
-            </a:r>
-            <a:endParaRPr lang="en-US" sz="1250" dirty="0"/>
-          </a:p>
-        </p:txBody>
-      </p:sp>
-      <p:sp>
-        <p:nvSpPr>
-          <p:cNvPr id="4" name="Text 2"/>
-          <p:cNvSpPr/>
-          <p:nvPr/>
-        </p:nvSpPr>
-        <p:spPr>
-          <a:xfrm>
-            <a:off x="453628" y="1417439"/>
-            <a:ext cx="6703457" cy="414814"/>
-          </a:xfrm>
-          <a:prstGeom prst="rect">
-            <a:avLst/>
-          </a:prstGeom>
-          <a:noFill/>
-          <a:ln/>
-        </p:spPr>
-        <p:txBody>
-          <a:bodyPr wrap="square" lIns="0" tIns="0" rIns="0" bIns="0" rtlCol="0" anchor="t"/>
-          <a:lstStyle/>
-          <a:p>
-            <a:pPr marL="0" indent="0" algn="l">
-              <a:lnSpc>
-                <a:spcPts val="1600"/>
-              </a:lnSpc>
-              <a:buNone/>
-            </a:pPr>
-            <a:r>
-              <a:rPr lang="en-US" sz="1000" dirty="0">
-                <a:solidFill>
-                  <a:srgbClr val="C7CDD6"/>
-                </a:solidFill>
-                <a:latin typeface="Inter" pitchFamily="34" charset="0"/>
-                <a:ea typeface="Inter" pitchFamily="34" charset="-122"/>
-                <a:cs typeface="Inter" pitchFamily="34" charset="-120"/>
-              </a:rPr>
-              <a:t>train_arima.py 실행 결과로, 모델이 정상 데이터에서 학습되는 과정을 보여줍니다. 에폭이 진행됨에 따라 손실이 감소하는 것을 확인할 수 있으며, 최종적으로 학습된 모델 파라미터가 저장됩니다.</a:t>
-            </a:r>
-            <a:endParaRPr lang="en-US" sz="1000" dirty="0"/>
+            <a:endParaRPr lang="en-US" sz="1550" dirty="0">
+              <a:latin typeface="Microsoft GothicNeo" panose="020B0500000101010101" pitchFamily="50" charset="-127"/>
+              <a:ea typeface="Microsoft GothicNeo" panose="020B0500000101010101" pitchFamily="50" charset="-127"/>
+              <a:cs typeface="Microsoft GothicNeo" panose="020B0500000101010101" pitchFamily="50" charset="-127"/>
+            </a:endParaRPr>
           </a:p>
         </p:txBody>
       </p:sp>
       <p:pic>
         <p:nvPicPr>
-          <p:cNvPr id="5" name="Image 0" descr="preencoded.png"/>
+          <p:cNvPr id="26" name="그림 25" descr="텍스트, 스크린샷, 소프트웨어, 평행이(가) 표시된 사진&#10;&#10;AI가 생성한 콘텐츠는 부정확할 수 있습니다.">
+            <a:extLst>
+              <a:ext uri="{FF2B5EF4-FFF2-40B4-BE49-F238E27FC236}">
+                <a16:creationId xmlns:a16="http://schemas.microsoft.com/office/drawing/2014/main" id="{9DA3FD08-0164-0559-E030-425E5E77A898}"/>
+              </a:ext>
+            </a:extLst>
+          </p:cNvPr>
           <p:cNvPicPr>
             <a:picLocks noChangeAspect="1"/>
           </p:cNvPicPr>
           <p:nvPr/>
         </p:nvPicPr>
         <p:blipFill>
-          <a:blip r:embed="rId3"/>
+          <a:blip r:embed="rId3" cstate="print">
+            <a:extLst>
+              <a:ext uri="{28A0092B-C50C-407E-A947-70E740481C1C}">
+                <a14:useLocalDpi xmlns:a14="http://schemas.microsoft.com/office/drawing/2010/main" val="0"/>
+              </a:ext>
+            </a:extLst>
+          </a:blip>
           <a:stretch>
             <a:fillRect/>
           </a:stretch>
         </p:blipFill>
         <p:spPr>
           <a:xfrm>
-            <a:off x="453628" y="1977985"/>
-            <a:ext cx="6703457" cy="7888367"/>
+            <a:off x="700802" y="3305175"/>
+            <a:ext cx="5731510" cy="3116580"/>
           </a:xfrm>
           <a:prstGeom prst="rect">
             <a:avLst/>
           </a:prstGeom>
         </p:spPr>
       </p:pic>
-      <p:sp>
-        <p:nvSpPr>
-          <p:cNvPr id="6" name="Text 3"/>
-          <p:cNvSpPr/>
-          <p:nvPr/>
-        </p:nvSpPr>
-        <p:spPr>
-          <a:xfrm>
-            <a:off x="7480935" y="1085374"/>
-            <a:ext cx="1620203" cy="202525"/>
-          </a:xfrm>
-          <a:prstGeom prst="rect">
-            <a:avLst/>
-          </a:prstGeom>
-          <a:noFill/>
-          <a:ln/>
-        </p:spPr>
-        <p:txBody>
-          <a:bodyPr wrap="none" lIns="0" tIns="0" rIns="0" bIns="0" rtlCol="0" anchor="t"/>
-          <a:lstStyle/>
-          <a:p>
-            <a:pPr marL="0" indent="0" algn="l">
-              <a:lnSpc>
-                <a:spcPts val="1550"/>
-              </a:lnSpc>
-              <a:buNone/>
-            </a:pPr>
-            <a:r>
-              <a:rPr lang="en-US" sz="1250" dirty="0">
-                <a:solidFill>
-                  <a:srgbClr val="EFD5FA"/>
-                </a:solidFill>
-                <a:latin typeface="Instrument Sans Medium" pitchFamily="34" charset="0"/>
-                <a:ea typeface="Instrument Sans Medium" pitchFamily="34" charset="-122"/>
-                <a:cs typeface="Instrument Sans Medium" pitchFamily="34" charset="-120"/>
-              </a:rPr>
-              <a:t>예측 결과</a:t>
-            </a:r>
-            <a:endParaRPr lang="en-US" sz="1250" dirty="0"/>
-          </a:p>
-        </p:txBody>
-      </p:sp>
-      <p:sp>
-        <p:nvSpPr>
-          <p:cNvPr id="7" name="Text 4"/>
-          <p:cNvSpPr/>
-          <p:nvPr/>
-        </p:nvSpPr>
-        <p:spPr>
-          <a:xfrm>
-            <a:off x="7480935" y="1417439"/>
-            <a:ext cx="6703457" cy="414814"/>
-          </a:xfrm>
-          <a:prstGeom prst="rect">
-            <a:avLst/>
-          </a:prstGeom>
-          <a:noFill/>
-          <a:ln/>
-        </p:spPr>
-        <p:txBody>
-          <a:bodyPr wrap="square" lIns="0" tIns="0" rIns="0" bIns="0" rtlCol="0" anchor="t"/>
-          <a:lstStyle/>
-          <a:p>
-            <a:pPr marL="0" indent="0" algn="l">
-              <a:lnSpc>
-                <a:spcPts val="1600"/>
-              </a:lnSpc>
-              <a:buNone/>
-            </a:pPr>
-            <a:r>
-              <a:rPr lang="en-US" sz="1000" dirty="0">
-                <a:solidFill>
-                  <a:srgbClr val="C7CDD6"/>
-                </a:solidFill>
-                <a:latin typeface="Inter" pitchFamily="34" charset="0"/>
-                <a:ea typeface="Inter" pitchFamily="34" charset="-122"/>
-                <a:cs typeface="Inter" pitchFamily="34" charset="-120"/>
-              </a:rPr>
-              <a:t>predict_arima.py 실행 결과로, 테스트 데이터에서 이상치를 탐지하고 시각화한 결과를 보여줍니다. 빨간색 점으로 표시된 부분이 이상치로 판정된 지점이며, 이상치의 개수와 비율도 함께 출력됩니다.</a:t>
-            </a:r>
-            <a:endParaRPr lang="en-US" sz="1000" dirty="0"/>
-          </a:p>
-        </p:txBody>
-      </p:sp>
       <p:pic>
         <p:nvPicPr>
-          <p:cNvPr id="8" name="Image 1" descr="preencoded.png"/>
+          <p:cNvPr id="27" name="비디오 1" descr="train arima">
+            <a:hlinkClick r:id="rId4"/>
+            <a:extLst>
+              <a:ext uri="{FF2B5EF4-FFF2-40B4-BE49-F238E27FC236}">
+                <a16:creationId xmlns:a16="http://schemas.microsoft.com/office/drawing/2014/main" id="{C8F0D8CE-C032-80CE-8D96-ACC9D043AA91}"/>
+              </a:ext>
+            </a:extLst>
+          </p:cNvPr>
           <p:cNvPicPr>
             <a:picLocks noChangeAspect="1"/>
           </p:cNvPicPr>
           <p:nvPr/>
         </p:nvPicPr>
         <p:blipFill>
-          <a:blip r:embed="rId4"/>
+          <a:blip r:embed="rId5">
+            <a:extLst>
+              <a:ext uri="{28A0092B-C50C-407E-A947-70E740481C1C}">
+                <a14:useLocalDpi xmlns:a14="http://schemas.microsoft.com/office/drawing/2010/main" val="0"/>
+              </a:ext>
+              <a:ext uri="{C809E66F-F1BF-436E-b5F7-EEA9579F0CBA}">
+                <wp15:webVideoPr xmlns:wp15="http://schemas.microsoft.com/office/word/2012/wordprocessingDrawing" embeddedHtml="&lt;iframe width=&quot;200&quot; height=&quot;113&quot; src=&quot;https://www.youtube.com/embed/uy3wniYjAR0?feature=oembed&quot; frameborder=&quot;0&quot; allow=&quot;accelerometer; autoplay; clipboard-write; encrypted-media; gyroscope; picture-in-picture; web-share&quot; referrerpolicy=&quot;strict-origin-when-cross-origin&quot; allowfullscreen=&quot;&quot; title=&quot;train arima&quot; sandbox=&quot;allow-scripts allow-same-origin allow-popups&quot;&gt;&lt;/iframe&gt;" h="113" w="200"/>
+              </a:ext>
+            </a:extLst>
+          </a:blip>
           <a:stretch>
             <a:fillRect/>
           </a:stretch>
         </p:blipFill>
         <p:spPr>
           <a:xfrm>
-            <a:off x="7480935" y="1977985"/>
-            <a:ext cx="6703457" cy="7911584"/>
+            <a:off x="7210425" y="3305175"/>
+            <a:ext cx="4572000" cy="3429000"/>
           </a:xfrm>
           <a:prstGeom prst="rect">
             <a:avLst/>
@@ -7502,6 +9144,11 @@
         </p:spPr>
       </p:pic>
     </p:spTree>
+    <p:extLst>
+      <p:ext uri="{BB962C8B-B14F-4D97-AF65-F5344CB8AC3E}">
+        <p14:creationId xmlns:p14="http://schemas.microsoft.com/office/powerpoint/2010/main" val="3829610026"/>
+      </p:ext>
+    </p:extLst>
   </p:cSld>
   <p:clrMapOvr>
     <a:masterClrMapping/>

--- a/과제/딥러닝특론_8주차과제_K2025029_금동환.pptx
+++ b/과제/딥러닝특론_8주차과제_K2025029_금동환.pptx
@@ -5,7 +5,7 @@
     <p:sldMasterId id="2147483648" r:id="rId1"/>
   </p:sldMasterIdLst>
   <p:notesMasterIdLst>
-    <p:notesMasterId r:id="rId13"/>
+    <p:notesMasterId r:id="rId14"/>
   </p:notesMasterIdLst>
   <p:sldIdLst>
     <p:sldId id="256" r:id="rId2"/>
@@ -19,14 +19,15 @@
     <p:sldId id="268" r:id="rId10"/>
     <p:sldId id="269" r:id="rId11"/>
     <p:sldId id="263" r:id="rId12"/>
+    <p:sldId id="270" r:id="rId13"/>
   </p:sldIdLst>
   <p:sldSz cx="14630400" cy="8229600"/>
   <p:notesSz cx="8229600" cy="14630400"/>
   <p:embeddedFontLst>
     <p:embeddedFont>
       <p:font typeface="Microsoft GothicNeo" panose="020B0500000101010101" pitchFamily="50" charset="-127"/>
-      <p:regular r:id="rId14"/>
-      <p:bold r:id="rId15"/>
+      <p:regular r:id="rId15"/>
+      <p:bold r:id="rId16"/>
     </p:embeddedFont>
   </p:embeddedFontLst>
   <p:defaultTextStyle>
@@ -4134,6 +4135,391 @@
         </p:txBody>
       </p:sp>
     </p:spTree>
+  </p:cSld>
+  <p:clrMapOvr>
+    <a:masterClrMapping/>
+  </p:clrMapOvr>
+</p:sld>
+</file>
+
+<file path=ppt/slides/slide12.xml><?xml version="1.0" encoding="utf-8"?>
+<p:sld xmlns:a="http://schemas.openxmlformats.org/drawingml/2006/main" xmlns:r="http://schemas.openxmlformats.org/officeDocument/2006/relationships" xmlns:p="http://schemas.openxmlformats.org/presentationml/2006/main">
+  <p:cSld>
+    <p:spTree>
+      <p:nvGrpSpPr>
+        <p:cNvPr id="1" name=""/>
+        <p:cNvGrpSpPr/>
+        <p:nvPr/>
+      </p:nvGrpSpPr>
+      <p:grpSpPr>
+        <a:xfrm>
+          <a:off x="0" y="0"/>
+          <a:ext cx="0" cy="0"/>
+          <a:chOff x="0" y="0"/>
+          <a:chExt cx="0" cy="0"/>
+        </a:xfrm>
+      </p:grpSpPr>
+      <p:sp>
+        <p:nvSpPr>
+          <p:cNvPr id="2" name="Text 1">
+            <a:extLst>
+              <a:ext uri="{FF2B5EF4-FFF2-40B4-BE49-F238E27FC236}">
+                <a16:creationId xmlns:a16="http://schemas.microsoft.com/office/drawing/2014/main" id="{187453C2-57B5-6A4F-A645-830F986E63B8}"/>
+              </a:ext>
+            </a:extLst>
+          </p:cNvPr>
+          <p:cNvSpPr/>
+          <p:nvPr/>
+        </p:nvSpPr>
+        <p:spPr>
+          <a:xfrm>
+            <a:off x="793790" y="2928342"/>
+            <a:ext cx="13042821" cy="725805"/>
+          </a:xfrm>
+          <a:prstGeom prst="rect">
+            <a:avLst/>
+          </a:prstGeom>
+          <a:noFill/>
+          <a:ln/>
+        </p:spPr>
+        <p:txBody>
+          <a:bodyPr wrap="square" lIns="0" tIns="0" rIns="0" bIns="0" rtlCol="0" anchor="t"/>
+          <a:lstStyle/>
+          <a:p>
+            <a:pPr marL="0" indent="0" algn="l">
+              <a:lnSpc>
+                <a:spcPts val="2850"/>
+              </a:lnSpc>
+              <a:buNone/>
+            </a:pPr>
+            <a:r>
+              <a:rPr lang="en-US" sz="1750" dirty="0">
+                <a:solidFill>
+                  <a:srgbClr val="C7CDD6"/>
+                </a:solidFill>
+                <a:latin typeface="Microsoft GothicNeo" panose="020B0500000101010101" pitchFamily="50" charset="-127"/>
+                <a:ea typeface="Microsoft GothicNeo" panose="020B0500000101010101" pitchFamily="50" charset="-127"/>
+                <a:cs typeface="Microsoft GothicNeo" panose="020B0500000101010101" pitchFamily="50" charset="-127"/>
+              </a:rPr>
+              <a:t>ARIMA </a:t>
+            </a:r>
+            <a:r>
+              <a:rPr lang="ko-KR" altLang="en-US" sz="1750" dirty="0">
+                <a:solidFill>
+                  <a:srgbClr val="C7CDD6"/>
+                </a:solidFill>
+                <a:latin typeface="Microsoft GothicNeo" panose="020B0500000101010101" pitchFamily="50" charset="-127"/>
+                <a:ea typeface="Microsoft GothicNeo" panose="020B0500000101010101" pitchFamily="50" charset="-127"/>
+                <a:cs typeface="Microsoft GothicNeo" panose="020B0500000101010101" pitchFamily="50" charset="-127"/>
+              </a:rPr>
+              <a:t>모델 간략 설명</a:t>
+            </a:r>
+            <a:endParaRPr lang="en-US" altLang="ko-KR" sz="1750" dirty="0">
+              <a:solidFill>
+                <a:srgbClr val="C7CDD6"/>
+              </a:solidFill>
+              <a:latin typeface="Microsoft GothicNeo" panose="020B0500000101010101" pitchFamily="50" charset="-127"/>
+              <a:ea typeface="Microsoft GothicNeo" panose="020B0500000101010101" pitchFamily="50" charset="-127"/>
+              <a:cs typeface="Microsoft GothicNeo" panose="020B0500000101010101" pitchFamily="50" charset="-127"/>
+            </a:endParaRPr>
+          </a:p>
+          <a:p>
+            <a:pPr marL="0" indent="0" algn="l">
+              <a:lnSpc>
+                <a:spcPts val="2850"/>
+              </a:lnSpc>
+              <a:buNone/>
+            </a:pPr>
+            <a:r>
+              <a:rPr lang="ko-KR" altLang="en-US" sz="1750" dirty="0">
+                <a:solidFill>
+                  <a:srgbClr val="C7CDD6"/>
+                </a:solidFill>
+                <a:latin typeface="Microsoft GothicNeo" panose="020B0500000101010101" pitchFamily="50" charset="-127"/>
+                <a:ea typeface="Microsoft GothicNeo" panose="020B0500000101010101" pitchFamily="50" charset="-127"/>
+                <a:cs typeface="Microsoft GothicNeo" panose="020B0500000101010101" pitchFamily="50" charset="-127"/>
+              </a:rPr>
+              <a:t>데이터셋 간단 설명</a:t>
+            </a:r>
+            <a:endParaRPr lang="en-US" altLang="ko-KR" sz="1750" dirty="0">
+              <a:solidFill>
+                <a:srgbClr val="C7CDD6"/>
+              </a:solidFill>
+              <a:latin typeface="Microsoft GothicNeo" panose="020B0500000101010101" pitchFamily="50" charset="-127"/>
+              <a:ea typeface="Microsoft GothicNeo" panose="020B0500000101010101" pitchFamily="50" charset="-127"/>
+              <a:cs typeface="Microsoft GothicNeo" panose="020B0500000101010101" pitchFamily="50" charset="-127"/>
+            </a:endParaRPr>
+          </a:p>
+          <a:p>
+            <a:pPr marL="0" indent="0" algn="l">
+              <a:lnSpc>
+                <a:spcPts val="2850"/>
+              </a:lnSpc>
+              <a:buNone/>
+            </a:pPr>
+            <a:r>
+              <a:rPr lang="ko-KR" altLang="en-US" sz="1750" dirty="0">
+                <a:solidFill>
+                  <a:srgbClr val="C7CDD6"/>
+                </a:solidFill>
+                <a:latin typeface="Microsoft GothicNeo" panose="020B0500000101010101" pitchFamily="50" charset="-127"/>
+                <a:ea typeface="Microsoft GothicNeo" panose="020B0500000101010101" pitchFamily="50" charset="-127"/>
+                <a:cs typeface="Microsoft GothicNeo" panose="020B0500000101010101" pitchFamily="50" charset="-127"/>
+              </a:rPr>
+              <a:t>진행과정</a:t>
+            </a:r>
+            <a:endParaRPr lang="en-US" altLang="ko-KR" sz="1750" dirty="0">
+              <a:solidFill>
+                <a:srgbClr val="C7CDD6"/>
+              </a:solidFill>
+              <a:latin typeface="Microsoft GothicNeo" panose="020B0500000101010101" pitchFamily="50" charset="-127"/>
+              <a:ea typeface="Microsoft GothicNeo" panose="020B0500000101010101" pitchFamily="50" charset="-127"/>
+              <a:cs typeface="Microsoft GothicNeo" panose="020B0500000101010101" pitchFamily="50" charset="-127"/>
+            </a:endParaRPr>
+          </a:p>
+          <a:p>
+            <a:pPr marL="0" indent="0" algn="l">
+              <a:lnSpc>
+                <a:spcPts val="2850"/>
+              </a:lnSpc>
+              <a:buNone/>
+            </a:pPr>
+            <a:r>
+              <a:rPr lang="ko-KR" altLang="en-US" sz="1750" dirty="0">
+                <a:solidFill>
+                  <a:srgbClr val="C7CDD6"/>
+                </a:solidFill>
+                <a:latin typeface="Microsoft GothicNeo" panose="020B0500000101010101" pitchFamily="50" charset="-127"/>
+                <a:ea typeface="Microsoft GothicNeo" panose="020B0500000101010101" pitchFamily="50" charset="-127"/>
+                <a:cs typeface="Microsoft GothicNeo" panose="020B0500000101010101" pitchFamily="50" charset="-127"/>
+              </a:rPr>
+              <a:t>실데이터 적용 못함</a:t>
+            </a:r>
+            <a:r>
+              <a:rPr lang="en-US" altLang="ko-KR" sz="1750" dirty="0">
+                <a:solidFill>
+                  <a:srgbClr val="C7CDD6"/>
+                </a:solidFill>
+                <a:latin typeface="Microsoft GothicNeo" panose="020B0500000101010101" pitchFamily="50" charset="-127"/>
+                <a:ea typeface="Microsoft GothicNeo" panose="020B0500000101010101" pitchFamily="50" charset="-127"/>
+                <a:cs typeface="Microsoft GothicNeo" panose="020B0500000101010101" pitchFamily="50" charset="-127"/>
+              </a:rPr>
+              <a:t>. </a:t>
+            </a:r>
+            <a:r>
+              <a:rPr lang="ko-KR" altLang="en-US" sz="1750" dirty="0">
+                <a:solidFill>
+                  <a:srgbClr val="C7CDD6"/>
+                </a:solidFill>
+                <a:latin typeface="Microsoft GothicNeo" panose="020B0500000101010101" pitchFamily="50" charset="-127"/>
+                <a:ea typeface="Microsoft GothicNeo" panose="020B0500000101010101" pitchFamily="50" charset="-127"/>
+                <a:cs typeface="Microsoft GothicNeo" panose="020B0500000101010101" pitchFamily="50" charset="-127"/>
+              </a:rPr>
+              <a:t>이유</a:t>
+            </a:r>
+            <a:r>
+              <a:rPr lang="en-US" altLang="ko-KR" sz="1750" dirty="0">
+                <a:solidFill>
+                  <a:srgbClr val="C7CDD6"/>
+                </a:solidFill>
+                <a:latin typeface="Microsoft GothicNeo" panose="020B0500000101010101" pitchFamily="50" charset="-127"/>
+                <a:ea typeface="Microsoft GothicNeo" panose="020B0500000101010101" pitchFamily="50" charset="-127"/>
+                <a:cs typeface="Microsoft GothicNeo" panose="020B0500000101010101" pitchFamily="50" charset="-127"/>
+              </a:rPr>
+              <a:t>.</a:t>
+            </a:r>
+          </a:p>
+          <a:p>
+            <a:pPr marL="0" indent="0" algn="l">
+              <a:lnSpc>
+                <a:spcPts val="2850"/>
+              </a:lnSpc>
+              <a:buNone/>
+            </a:pPr>
+            <a:r>
+              <a:rPr lang="ko-KR" altLang="en-US" sz="1750" dirty="0">
+                <a:solidFill>
+                  <a:srgbClr val="C7CDD6"/>
+                </a:solidFill>
+                <a:latin typeface="Microsoft GothicNeo" panose="020B0500000101010101" pitchFamily="50" charset="-127"/>
+                <a:ea typeface="Microsoft GothicNeo" panose="020B0500000101010101" pitchFamily="50" charset="-127"/>
+                <a:cs typeface="Microsoft GothicNeo" panose="020B0500000101010101" pitchFamily="50" charset="-127"/>
+              </a:rPr>
+              <a:t>획득한 점</a:t>
+            </a:r>
+            <a:r>
+              <a:rPr lang="en-US" altLang="ko-KR" sz="1750" dirty="0">
+                <a:solidFill>
+                  <a:srgbClr val="C7CDD6"/>
+                </a:solidFill>
+                <a:latin typeface="Microsoft GothicNeo" panose="020B0500000101010101" pitchFamily="50" charset="-127"/>
+                <a:ea typeface="Microsoft GothicNeo" panose="020B0500000101010101" pitchFamily="50" charset="-127"/>
+                <a:cs typeface="Microsoft GothicNeo" panose="020B0500000101010101" pitchFamily="50" charset="-127"/>
+              </a:rPr>
+              <a:t>. </a:t>
+            </a:r>
+            <a:r>
+              <a:rPr lang="ko-KR" altLang="en-US" sz="1750" dirty="0">
+                <a:solidFill>
+                  <a:srgbClr val="C7CDD6"/>
+                </a:solidFill>
+                <a:latin typeface="Microsoft GothicNeo" panose="020B0500000101010101" pitchFamily="50" charset="-127"/>
+                <a:ea typeface="Microsoft GothicNeo" panose="020B0500000101010101" pitchFamily="50" charset="-127"/>
+                <a:cs typeface="Microsoft GothicNeo" panose="020B0500000101010101" pitchFamily="50" charset="-127"/>
+              </a:rPr>
+              <a:t>미진한 점</a:t>
+            </a:r>
+            <a:r>
+              <a:rPr lang="en-US" altLang="ko-KR" sz="1750" dirty="0">
+                <a:solidFill>
+                  <a:srgbClr val="C7CDD6"/>
+                </a:solidFill>
+                <a:latin typeface="Microsoft GothicNeo" panose="020B0500000101010101" pitchFamily="50" charset="-127"/>
+                <a:ea typeface="Microsoft GothicNeo" panose="020B0500000101010101" pitchFamily="50" charset="-127"/>
+                <a:cs typeface="Microsoft GothicNeo" panose="020B0500000101010101" pitchFamily="50" charset="-127"/>
+              </a:rPr>
+              <a:t>. </a:t>
+            </a:r>
+            <a:r>
+              <a:rPr lang="ko-KR" altLang="en-US" sz="1750" dirty="0">
+                <a:solidFill>
+                  <a:srgbClr val="C7CDD6"/>
+                </a:solidFill>
+                <a:latin typeface="Microsoft GothicNeo" panose="020B0500000101010101" pitchFamily="50" charset="-127"/>
+                <a:ea typeface="Microsoft GothicNeo" panose="020B0500000101010101" pitchFamily="50" charset="-127"/>
+                <a:cs typeface="Microsoft GothicNeo" panose="020B0500000101010101" pitchFamily="50" charset="-127"/>
+              </a:rPr>
+              <a:t>향후 발전 방향</a:t>
+            </a:r>
+            <a:r>
+              <a:rPr lang="en-US" altLang="ko-KR" sz="1750" dirty="0">
+                <a:solidFill>
+                  <a:srgbClr val="C7CDD6"/>
+                </a:solidFill>
+                <a:latin typeface="Microsoft GothicNeo" panose="020B0500000101010101" pitchFamily="50" charset="-127"/>
+                <a:ea typeface="Microsoft GothicNeo" panose="020B0500000101010101" pitchFamily="50" charset="-127"/>
+                <a:cs typeface="Microsoft GothicNeo" panose="020B0500000101010101" pitchFamily="50" charset="-127"/>
+              </a:rPr>
+              <a:t>. – </a:t>
+            </a:r>
+            <a:r>
+              <a:rPr lang="ko-KR" altLang="en-US" sz="1750" dirty="0">
+                <a:solidFill>
+                  <a:srgbClr val="C7CDD6"/>
+                </a:solidFill>
+                <a:latin typeface="Microsoft GothicNeo" panose="020B0500000101010101" pitchFamily="50" charset="-127"/>
+                <a:ea typeface="Microsoft GothicNeo" panose="020B0500000101010101" pitchFamily="50" charset="-127"/>
+                <a:cs typeface="Microsoft GothicNeo" panose="020B0500000101010101" pitchFamily="50" charset="-127"/>
+              </a:rPr>
+              <a:t>이상치 검출 </a:t>
+            </a:r>
+            <a:r>
+              <a:rPr lang="en-US" altLang="ko-KR" sz="1750" dirty="0">
+                <a:solidFill>
+                  <a:srgbClr val="C7CDD6"/>
+                </a:solidFill>
+                <a:latin typeface="Microsoft GothicNeo" panose="020B0500000101010101" pitchFamily="50" charset="-127"/>
+                <a:ea typeface="Microsoft GothicNeo" panose="020B0500000101010101" pitchFamily="50" charset="-127"/>
+                <a:cs typeface="Microsoft GothicNeo" panose="020B0500000101010101" pitchFamily="50" charset="-127"/>
+              </a:rPr>
+              <a:t>&gt; </a:t>
+            </a:r>
+            <a:r>
+              <a:rPr lang="ko-KR" altLang="en-US" sz="1750" dirty="0">
+                <a:solidFill>
+                  <a:srgbClr val="C7CDD6"/>
+                </a:solidFill>
+                <a:latin typeface="Microsoft GothicNeo" panose="020B0500000101010101" pitchFamily="50" charset="-127"/>
+                <a:ea typeface="Microsoft GothicNeo" panose="020B0500000101010101" pitchFamily="50" charset="-127"/>
+                <a:cs typeface="Microsoft GothicNeo" panose="020B0500000101010101" pitchFamily="50" charset="-127"/>
+              </a:rPr>
+              <a:t>이상치 예측</a:t>
+            </a:r>
+            <a:endParaRPr lang="en-US" altLang="ko-KR" sz="1750" dirty="0">
+              <a:solidFill>
+                <a:srgbClr val="C7CDD6"/>
+              </a:solidFill>
+              <a:latin typeface="Microsoft GothicNeo" panose="020B0500000101010101" pitchFamily="50" charset="-127"/>
+              <a:ea typeface="Microsoft GothicNeo" panose="020B0500000101010101" pitchFamily="50" charset="-127"/>
+              <a:cs typeface="Microsoft GothicNeo" panose="020B0500000101010101" pitchFamily="50" charset="-127"/>
+            </a:endParaRPr>
+          </a:p>
+          <a:p>
+            <a:pPr marL="0" indent="0" algn="l">
+              <a:lnSpc>
+                <a:spcPts val="2850"/>
+              </a:lnSpc>
+              <a:buNone/>
+            </a:pPr>
+            <a:endParaRPr lang="en-US" altLang="ko-KR" sz="1750" dirty="0">
+              <a:solidFill>
+                <a:srgbClr val="C7CDD6"/>
+              </a:solidFill>
+              <a:latin typeface="Microsoft GothicNeo" panose="020B0500000101010101" pitchFamily="50" charset="-127"/>
+              <a:ea typeface="Microsoft GothicNeo" panose="020B0500000101010101" pitchFamily="50" charset="-127"/>
+              <a:cs typeface="Microsoft GothicNeo" panose="020B0500000101010101" pitchFamily="50" charset="-127"/>
+            </a:endParaRPr>
+          </a:p>
+        </p:txBody>
+      </p:sp>
+      <p:sp>
+        <p:nvSpPr>
+          <p:cNvPr id="3" name="Text 0">
+            <a:extLst>
+              <a:ext uri="{FF2B5EF4-FFF2-40B4-BE49-F238E27FC236}">
+                <a16:creationId xmlns:a16="http://schemas.microsoft.com/office/drawing/2014/main" id="{04A2A207-0CED-BDA7-3F6B-1230F6F38B1F}"/>
+              </a:ext>
+            </a:extLst>
+          </p:cNvPr>
+          <p:cNvSpPr/>
+          <p:nvPr/>
+        </p:nvSpPr>
+        <p:spPr>
+          <a:xfrm>
+            <a:off x="700802" y="551259"/>
+            <a:ext cx="5006102" cy="625793"/>
+          </a:xfrm>
+          <a:prstGeom prst="rect">
+            <a:avLst/>
+          </a:prstGeom>
+          <a:noFill/>
+          <a:ln/>
+        </p:spPr>
+        <p:txBody>
+          <a:bodyPr wrap="none" lIns="0" tIns="0" rIns="0" bIns="0" rtlCol="0" anchor="t"/>
+          <a:lstStyle/>
+          <a:p>
+            <a:pPr marL="0" indent="0" algn="l">
+              <a:lnSpc>
+                <a:spcPts val="4900"/>
+              </a:lnSpc>
+              <a:buNone/>
+            </a:pPr>
+            <a:r>
+              <a:rPr lang="en-US" altLang="ko-KR" sz="3900" dirty="0">
+                <a:solidFill>
+                  <a:srgbClr val="EFD5FA"/>
+                </a:solidFill>
+                <a:latin typeface="Microsoft GothicNeo" panose="020B0500000101010101" pitchFamily="50" charset="-127"/>
+                <a:ea typeface="Microsoft GothicNeo" panose="020B0500000101010101" pitchFamily="50" charset="-127"/>
+                <a:cs typeface="Microsoft GothicNeo" panose="020B0500000101010101" pitchFamily="50" charset="-127"/>
+              </a:rPr>
+              <a:t>TODO</a:t>
+            </a:r>
+            <a:endParaRPr lang="en-US" sz="3900" dirty="0">
+              <a:latin typeface="Microsoft GothicNeo" panose="020B0500000101010101" pitchFamily="50" charset="-127"/>
+              <a:ea typeface="Microsoft GothicNeo" panose="020B0500000101010101" pitchFamily="50" charset="-127"/>
+              <a:cs typeface="Microsoft GothicNeo" panose="020B0500000101010101" pitchFamily="50" charset="-127"/>
+            </a:endParaRPr>
+          </a:p>
+        </p:txBody>
+      </p:sp>
+    </p:spTree>
+    <p:extLst>
+      <p:ext uri="{BB962C8B-B14F-4D97-AF65-F5344CB8AC3E}">
+        <p14:creationId xmlns:p14="http://schemas.microsoft.com/office/powerpoint/2010/main" val="3587309548"/>
+      </p:ext>
+    </p:extLst>
   </p:cSld>
   <p:clrMapOvr>
     <a:masterClrMapping/>
